--- a/강의자료(ppt)/Chap17-파일입출력강의.pptx
+++ b/강의자료(ppt)/Chap17-파일입출력강의.pptx
@@ -188,6 +188,36 @@
       </a:defRPr>
     </a:lvl9pPr>
   </p:defaultTextStyle>
+  <p:extLst>
+    <p:ext uri="{EFAFB233-063F-42B5-8137-9DF3F51BA10A}">
+      <p15:sldGuideLst xmlns:p15="http://schemas.microsoft.com/office/powerpoint/2012/main">
+        <p15:guide id="1" orient="horz" pos="2157">
+          <p15:clr>
+            <a:srgbClr val="A4A3A4"/>
+          </p15:clr>
+        </p15:guide>
+        <p15:guide id="2" pos="2878">
+          <p15:clr>
+            <a:srgbClr val="A4A3A4"/>
+          </p15:clr>
+        </p15:guide>
+      </p15:sldGuideLst>
+    </p:ext>
+    <p:ext uri="{2D200454-40CA-4A62-9FC3-DE9A4176ACB9}">
+      <p15:notesGuideLst xmlns:p15="http://schemas.microsoft.com/office/powerpoint/2012/main">
+        <p15:guide id="1" orient="horz" pos="2901">
+          <p15:clr>
+            <a:srgbClr val="A4A3A4"/>
+          </p15:clr>
+        </p15:guide>
+        <p15:guide id="2" pos="2181">
+          <p15:clr>
+            <a:srgbClr val="A4A3A4"/>
+          </p15:clr>
+        </p15:guide>
+      </p15:notesGuideLst>
+    </p:ext>
+  </p:extLst>
 </p:presentation>
 </file>
 
@@ -401,12 +431,625 @@
     </p:spTree>
     <p:extLst>
       <p:ext uri="{BB962C8B-B14F-4D97-AF65-F5344CB8AC3E}">
-        <p14:creationId xmlns:p14="http://schemas.microsoft.com/office/powerpoint/2010/main" xmlns="" val="43436750"/>
+        <p14:creationId xmlns:p14="http://schemas.microsoft.com/office/powerpoint/2010/main" val="43436750"/>
       </p:ext>
     </p:extLst>
   </p:cSld>
   <p:clrMap bg1="lt1" tx1="dk1" bg2="lt2" tx2="dk2" accent1="accent1" accent2="accent2" accent3="accent3" accent4="accent4" accent5="accent5" accent6="accent6" hlink="hlink" folHlink="folHlink"/>
 </p:handoutMaster>
+</file>
+
+<file path=ppt/ink/ink1.xml><?xml version="1.0" encoding="utf-8"?>
+<inkml:ink xmlns:inkml="http://www.w3.org/2003/InkML">
+  <inkml:definitions>
+    <inkml:context xml:id="ctx0">
+      <inkml:inkSource xml:id="inkSrc0">
+        <inkml:traceFormat>
+          <inkml:channel name="X" type="integer" max="1920" units="cm"/>
+          <inkml:channel name="Y" type="integer" max="1080" units="cm"/>
+          <inkml:channel name="T" type="integer" max="2.14748E9" units="dev"/>
+        </inkml:traceFormat>
+        <inkml:channelProperties>
+          <inkml:channelProperty channel="X" name="resolution" value="36.43264" units="1/cm"/>
+          <inkml:channelProperty channel="Y" name="resolution" value="36.48649" units="1/cm"/>
+          <inkml:channelProperty channel="T" name="resolution" value="1" units="1/dev"/>
+        </inkml:channelProperties>
+      </inkml:inkSource>
+      <inkml:timestamp xml:id="ts0" timeString="2021-04-08T02:50:33.084"/>
+    </inkml:context>
+    <inkml:brush xml:id="br0">
+      <inkml:brushProperty name="width" value="0.05292" units="cm"/>
+      <inkml:brushProperty name="height" value="0.05292" units="cm"/>
+      <inkml:brushProperty name="color" value="#FF0000"/>
+    </inkml:brush>
+  </inkml:definitions>
+  <inkml:trace contextRef="#ctx0" brushRef="#br0">8132 10883 0,'17'0'125,"-17"18"-94,0-1-16,0 1 1,0 0 15,0-1-15,0 1 0,18-18 62,-18 18-63,0-1 32,0 1 47,0 0-94,0-1 31,0 1 0,0 0 1,0-1-17,0 1 95,0-1-63,0 1-32,0 0 1,17-18 265,-17-18-265,18 0-1,0 18 1,17-52 0,-17-1-1,35 0 1,-1 0-1,-34 17-15,17 1 16,89-35 0,-36 17-1,-17 0 1,-1 35 0,-35 1-1</inkml:trace>
+  <inkml:trace contextRef="#ctx0" brushRef="#br0" timeOffset="7391.94">8714 11395 0,'0'0'0,"17"0"172,1 0-156,0 0 15,-1 0-15,1 0-1,-1 0 1,19 0-1,-19 0 1,1 0 0,0 0 15,-1 0-15,1 0 140,0 0-156,-1 0 15,1 0 1,35-18 0,-36 18-1,1 0 1,0 0-16,-1 0 16,36 0-1,18 0 1,-36 0-1,18 0 1,-35 0 15,17 0-15,0 0 0,18 0-1,0 0 1,18 0-1,-19 0 1,-34 0 0,0 0-1,-1 0 32,1 0-16,17 0-15,-17 0 0,0 0-16,17 0 31,-17 0-31,17 0 16,18 0-1,0 0 1,-36 0-1,1 0 1,17 0 0,-17 0-1,17 0 1,0 0 0,18 0-1,-35 0 1,17 0-1,18 0 1,-18 0 0,18 0 15,-17 0-15,17 0-1,-18 0 1,0 0-1,18 0 1,-35 0 0,-1 0-1,19 0 1,16 0 0,1 0-1,0 0 1,35 0-1,-17 0 1,17 0 15,-35 0-15,0 0 0,-35 0-1,-1 0 1,1 0-1,35 0 1,-18 0 0,71 0-1,-88 0 1,35 0 0,-36 0-1,1 0 1,-1 0-1,1 0 1,35 0 15,-35 0-15,-1 0 0,1 0-1,0 0 1,52-18-1,-35 18 1,1 0 0,-19 0 312,-17-17-313,18 17-15,0 0 32,17 0-32</inkml:trace>
+</inkml:ink>
+</file>
+
+<file path=ppt/ink/ink10.xml><?xml version="1.0" encoding="utf-8"?>
+<inkml:ink xmlns:inkml="http://www.w3.org/2003/InkML">
+  <inkml:definitions>
+    <inkml:context xml:id="ctx0">
+      <inkml:inkSource xml:id="inkSrc0">
+        <inkml:traceFormat>
+          <inkml:channel name="X" type="integer" max="1920" units="cm"/>
+          <inkml:channel name="Y" type="integer" max="1080" units="cm"/>
+          <inkml:channel name="T" type="integer" max="2.14748E9" units="dev"/>
+        </inkml:traceFormat>
+        <inkml:channelProperties>
+          <inkml:channelProperty channel="X" name="resolution" value="36.43264" units="1/cm"/>
+          <inkml:channelProperty channel="Y" name="resolution" value="36.48649" units="1/cm"/>
+          <inkml:channelProperty channel="T" name="resolution" value="1" units="1/dev"/>
+        </inkml:channelProperties>
+      </inkml:inkSource>
+      <inkml:timestamp xml:id="ts0" timeString="2021-04-08T02:59:36.748"/>
+    </inkml:context>
+    <inkml:brush xml:id="br0">
+      <inkml:brushProperty name="width" value="0.05292" units="cm"/>
+      <inkml:brushProperty name="height" value="0.05292" units="cm"/>
+      <inkml:brushProperty name="color" value="#FF0000"/>
+    </inkml:brush>
+  </inkml:definitions>
+  <inkml:trace contextRef="#ctx0" brushRef="#br0">13600 7338 0,'0'-18'31,"17"18"-15,1 0-1,0-17 1,70-1-1,53 0 1,0 1 0,18-1-1,-36 18 17,-70 0-32,53 0 15,-18 0 1,-17 0-1,-1 0 1,-17 0 0,0 0-1,-18 0 1,36 0 0,-1 0-1,36 0 1,-53 0-16,-18 0 15,107 18 1,-107-18 15,18 0-15,-18 0 0,-17 0-1,17 0 1,0 0-1,1 0 1,-1 0 0,-18 0-1</inkml:trace>
+  <inkml:trace contextRef="#ctx0" brushRef="#br0" timeOffset="6543.76">9737 7285 0,'53'0'94,"88"0"-79,17 18-15,231 52 16,69 1 0,54-1-1,-107-17 17,-122-18-17,-36 18 1,-53-17-1,35-1 1,35 0 0,-140-17-16,105 17 15,18 0 1,0 1 0,-53-1-1,53 0 1,0 18-1,-53-18 1,53-17 0,-71 17 15,-35-17-15,-52 0-1,-54-18-15,18 17 16,88 18-1,-35-17 1,35 17 0,-71 1-1,-17-36 1,-35 0 15,0 17-15,17 1-1,0 0 1,1-18 0,-19 0-1,1 17 157,-1-17-172,1 35 16,35-17-1,0 53 1,-35-36 0,-18-17 15,0-1-15,17 1-1,-17 0 1</inkml:trace>
+  <inkml:trace contextRef="#ctx0" brushRef="#br0" timeOffset="9343.15">16351 8573 0,'18'0'62,"0"17"-46,17-17 0,-18 18-1,1-1-15,53-17 32,-54 0-17,1 0 79,0 0-78,-1-17-16,-17-1 15,18-17-15,17-18 16,-17 18-1,-1-1 1,1 19 15,-36 17 126,1 0-157,-1 0 15,-17 35 1,-18-17-1,0-1 1,35 1 0,1-18 15,-1 18 16,0-18-16,1 0-15,-1 0 15,1 17-15,-1-17 15,0 0 31,1 0-46,-1 0 0,0 0-16,1 18 15,-36 0 1,70-18 171,1 0-171,0 0 0,-1 0-1,1 0 1,0 17-1,-1-17 1,1 18 0,0-18-1,-1 0 17,1 0-1,-1 0 16,1 17-16,-18 1 0,18-18-15,-1 0 31,1 0 31,0 0-16,-1 0 173,1-18-220,-18 1 1,18-1 0,-18 1-1,17-1-15,1 0 16,-18 1-1,17-1 1,-17 0 0,18 1 15</inkml:trace>
+  <inkml:trace contextRef="#ctx0" brushRef="#br0" timeOffset="11584.32">17868 9454 0,'0'-17'16,"0"-1"15,18 18-31,35-17 16,17-19 0,54 1-1,35 35 1,-18 0-1,0 0 1,-18-18 15,-52 1-15,-36 17 0,53-18-1,18 18 1,35 0-1,-88 0 1,-35 0 0,17 0-1,-17 0 1,35 0 0,0 0-1,-1 0 1</inkml:trace>
+  <inkml:trace contextRef="#ctx0" brushRef="#br0" timeOffset="22647.89">2875 8731 0,'0'-17'31,"18"17"-31,-1 0 16,19 0-16,52 0 31,-53 0-31,0 0 16,36 0 0,-18 0-1,17 0 1,19 0-1,-1 0 1,-18 0 0,-17 0-1,-17 0 1</inkml:trace>
+  <inkml:trace contextRef="#ctx0" brushRef="#br0" timeOffset="25791.97">14323 7902 0,'0'0'0,"17"0"31,1 0-15,17 0-1,-17 0 1,35 0 0,0 0-1,0 0 1,-18 0-16,18-17 15,17-1 1,-52 18 15,0 0 16,-1 0-31,1 0-16,0 0 15,17 0 1,0 0 0,1 0 15,16 0-15,19 18-1,-53-18 1,17 0-1,-17 0 1,17 0 0,18 35-1,0-35 1,-18 0 0,-17 18-1,-1-18 1,36 17-1,0-17 1,-18 0 0,1 0-16,52 0 31,35 0-15,-52 0-1,-36 0 1,0 0-1,1 0 1,-1 0 0,-17 0-1,-1 0 1,36 0 0,0 0-1,0 0 1,-35 0 15,-1 0 219,1 0-203</inkml:trace>
+  <inkml:trace contextRef="#ctx0" brushRef="#br0" timeOffset="44271.42">11853 10918 0,'36'0'0,"17"0"15,35 0 1,0 0 15,18 0-15,0 0 0,-1 0-1,1 0 1,0 0-1,0 18 1,-53 0-16,-18-18 16,53 0-1,-70 0 1,35 0 0,-18 0-1,0 0 1,18 0-1,0 0 1,18 0 15,-1 0-15,-17 0 0,35 0-1,-35 0 1,0 0-1,0 0 1,-17 0 0,-19 0-1,1 0 1,17 0 0,-17 0-1,35 0 1,-18 0-1,0 0 1,0 0 15,1 0-15,-19 0 0,1 0-1,0 0 1,-1 0-1,1-18 1,17 18 0,-17 0-1</inkml:trace>
+</inkml:ink>
+</file>
+
+<file path=ppt/ink/ink11.xml><?xml version="1.0" encoding="utf-8"?>
+<inkml:ink xmlns:inkml="http://www.w3.org/2003/InkML">
+  <inkml:definitions>
+    <inkml:context xml:id="ctx0">
+      <inkml:inkSource xml:id="inkSrc0">
+        <inkml:traceFormat>
+          <inkml:channel name="X" type="integer" max="1920" units="cm"/>
+          <inkml:channel name="Y" type="integer" max="1080" units="cm"/>
+          <inkml:channel name="T" type="integer" max="2.14748E9" units="dev"/>
+        </inkml:traceFormat>
+        <inkml:channelProperties>
+          <inkml:channelProperty channel="X" name="resolution" value="36.43264" units="1/cm"/>
+          <inkml:channelProperty channel="Y" name="resolution" value="36.48649" units="1/cm"/>
+          <inkml:channelProperty channel="T" name="resolution" value="1" units="1/dev"/>
+        </inkml:channelProperties>
+      </inkml:inkSource>
+      <inkml:timestamp xml:id="ts0" timeString="2021-04-08T03:20:42.091"/>
+    </inkml:context>
+    <inkml:brush xml:id="br0">
+      <inkml:brushProperty name="width" value="0.05292" units="cm"/>
+      <inkml:brushProperty name="height" value="0.05292" units="cm"/>
+      <inkml:brushProperty name="color" value="#FF0000"/>
+    </inkml:brush>
+  </inkml:definitions>
+  <inkml:trace contextRef="#ctx0" brushRef="#br0">7585 10724 0,'-18'36'63,"0"-1"-63,-17 18 15,-18 70 1,-17 1 0,34-18-1,1-18 1,0 35-1,17 1 1,18-71-16,0 70 16,-17-35-1,17 1 1,0-1 15,0 0-15,35 0-1,-17 18 1,17-18 0,18-17-1,-18 17 1,18-17 0,17 52-1,-34-70 1,-19-18-1,1-17 1,0-1 0,-18 1 15,17-18 0</inkml:trace>
+  <inkml:trace contextRef="#ctx0" brushRef="#br0" timeOffset="9327.26">10530 11254 0,'18'0'0,"35"0"16,0 0-1,70 0 1,248 0-1,-107 17 1,-17-17 0,-88 0-1,-71 0 1,-52 0 0</inkml:trace>
+  <inkml:trace contextRef="#ctx0" brushRef="#br0" timeOffset="10123.5">10566 11836 0,'17'0'16,"19"0"-1,-19 0 1,36 17 0,18-17-1,-54 0 1,1 0 15,0 0 0</inkml:trace>
+  <inkml:trace contextRef="#ctx0" brushRef="#br0" timeOffset="11256.14">10460 12735 0,'0'0'0,"18"0"0,-1 0 15,36 0 1,-18 0-1,18 0 1,-17 0 0,-1 0-1,-18 0 17,1 0-17,0 0 1,70 0-1,-53 0 1</inkml:trace>
+</inkml:ink>
+</file>
+
+<file path=ppt/ink/ink12.xml><?xml version="1.0" encoding="utf-8"?>
+<inkml:ink xmlns:inkml="http://www.w3.org/2003/InkML">
+  <inkml:definitions>
+    <inkml:context xml:id="ctx0">
+      <inkml:inkSource xml:id="inkSrc0">
+        <inkml:traceFormat>
+          <inkml:channel name="X" type="integer" max="1920" units="cm"/>
+          <inkml:channel name="Y" type="integer" max="1080" units="cm"/>
+          <inkml:channel name="T" type="integer" max="2.14748E9" units="dev"/>
+        </inkml:traceFormat>
+        <inkml:channelProperties>
+          <inkml:channelProperty channel="X" name="resolution" value="36.43264" units="1/cm"/>
+          <inkml:channelProperty channel="Y" name="resolution" value="36.48649" units="1/cm"/>
+          <inkml:channelProperty channel="T" name="resolution" value="1" units="1/dev"/>
+        </inkml:channelProperties>
+      </inkml:inkSource>
+      <inkml:timestamp xml:id="ts0" timeString="2021-04-08T03:20:38.940"/>
+    </inkml:context>
+    <inkml:brush xml:id="br0">
+      <inkml:brushProperty name="width" value="0.05292" units="cm"/>
+      <inkml:brushProperty name="height" value="0.05292" units="cm"/>
+      <inkml:brushProperty name="color" value="#FF0000"/>
+    </inkml:brush>
+  </inkml:definitions>
+  <inkml:trace contextRef="#ctx0" brushRef="#br0">16898 3739 0,'18'0'16,"35"18"-1,70 88 1,36 17 0,17 54-1,1 34 1,-54-34-1,-52-18 1,-18 17 0,-53-105-1,0-19 17,0 37-17,-71-1 1,18 35-1,18 1 1,0-1 0,17-70-1,0-18 1</inkml:trace>
+  <inkml:trace contextRef="#ctx0" brushRef="#br0" timeOffset="5678.96">19121 3986 0,'-18'0'47,"0"0"-47,-17 71 32,-53 17-17,-36 53 1,-17 0-1,71-70 1,52-36 0</inkml:trace>
+  <inkml:trace contextRef="#ctx0" brushRef="#br0" timeOffset="5943.26">18856 4357 0,'0'0'0,"53"17"16,53 1-1,0 35 1,-54-18 0,-16-17-1</inkml:trace>
+  <inkml:trace contextRef="#ctx0" brushRef="#br0" timeOffset="6311.51">18380 4586 0,'-18'18'16,"36"-18"15,88 17-31,-1-17 16,195 18-1,-18 0 1,-17-18-1,-141 0 1</inkml:trace>
+  <inkml:trace contextRef="#ctx0" brushRef="#br0" timeOffset="6566.64">19420 4745 0,'0'0'0,"-52"88"15,16 18 1,-17 35-1,36-18 1,-19-17 0,36-70-1</inkml:trace>
+  <inkml:trace contextRef="#ctx0" brushRef="#br0" timeOffset="6958.05">18768 5115 0,'0'0'0,"-18"36"0,18 16 15,0 37 1,0-54-16,0 36 16,0-19-1,53-16 17,53-1-17,123 0 1,53-35-1,1 0 1,-89-35 0,-71 0-1,-88-18 1,-17-35 0,0 35-16</inkml:trace>
+  <inkml:trace contextRef="#ctx0" brushRef="#br0" timeOffset="7287.75">20249 4374 0,'-17'36'32,"-54"122"-17,-52 89 1,-36 53 0,36-70-1,87-125 1,19-105 31,17-17-32</inkml:trace>
+  <inkml:trace contextRef="#ctx0" brushRef="#br0" timeOffset="7527.7">19967 4921 0,'0'0'0,"88"53"16,-17 71 0,0-1-1,-19-35 1,-34-52-1</inkml:trace>
+  <inkml:trace contextRef="#ctx0" brushRef="#br0" timeOffset="7760.2">20267 4886 0,'0'0'0,"35"-18"15,71-17 1,-18 17 0,1-34-1,-19 16 1,-35-34-1,1 34-15,-1-52 16</inkml:trace>
+  <inkml:trace contextRef="#ctx0" brushRef="#br0" timeOffset="8091.03">20849 4233 0,'0'18'31,"-17"35"-31,-1 35 16,18 0-16,0 106 16,0 0-1,0-53 1,35-17-1,-35-36 1,0-17 0,0-18-1,0-36 1,0 19 15</inkml:trace>
+  <inkml:trace contextRef="#ctx0" brushRef="#br0" timeOffset="17225.06">12241 4304 0,'18'0'31,"17"0"-15,1 0-16,69 0 16,54 0-1,18 0 1,17 0 15,17 0-15,-87 0-1,-71 0-15,0 0 16,-36 0 0,1 0 15,-1 0-15,1 0-1</inkml:trace>
+  <inkml:trace contextRef="#ctx0" brushRef="#br0" timeOffset="18074.88">15117 4921 0,'17'0'0,"1"0"16,35 0-1,-18 0-15,0 0 16,53 0 0,71 0-1,-71 0 1,-52 0-1,17 0 1,0 0 0,-1 0 15</inkml:trace>
+  <inkml:trace contextRef="#ctx0" brushRef="#br0" timeOffset="18591.37">15363 5539 0,'18'0'47,"35"0"-32,71 0 1,-19 0-1,-16 0 1,-1 0 0,-35 0-1,-36 0 1,19 0 0</inkml:trace>
+  <inkml:trace contextRef="#ctx0" brushRef="#br0" timeOffset="40159.51">6879 12083 0,'0'17'47,"0"19"-47,0-1 16,0 53-1,0-53-15,0 1 16,0 69-1,-17-34 1,-1 0 15,18-19-15,0 1 0,0-35-1,-18 17 1,18 1-1,0 16 1,-17-16 0,17-19-1,-18 19 1,18 17 0,0-18-1,-18-17 1,18 17-1,-17-18 1,17 19 15,0-1-31,0-17 32,0 17-17,0 0 1,0-17-1</inkml:trace>
+  <inkml:trace contextRef="#ctx0" brushRef="#br0" timeOffset="41751.44">6914 11977 0,'18'0'62,"17"0"-46,1 0-16,34 0 31,89 0-15,53 0-1,17 0 1,53 0-1,-17 0 1,-54 0 0,-17 0-1,-141 0-15,53 0 16,-35 0 0,-18 0-1,0-18 1,52 1-1,-16 17 1,16-18 15,-34 18-31,-18 0 32,0 0-17,0-18 1,0 18-1,17 0 1,36-17 0,-35 17-1,-1 0 1,-52 0 0,-1 0 140,-17 35-141,0 0 1,0 18-16,-17 18 16,-1 87-1,1-34 1,-1-18 0,0-18-1,1-35 1,-1 17-1,0-17 1,18-17-16,0-1 16,-17 53 15,-1-35-15,18-18-1,0 1 1,0 16-1,0-16 1,0-19 0,0 19-1,0-19 1</inkml:trace>
+  <inkml:trace contextRef="#ctx0" brushRef="#br0" timeOffset="45070.7">9948 11977 0,'0'-18'15,"18"18"1,0 0-1,-1-17 1,1 17 0,17-18-1,0 18 1,18 0 0,0 0-1,18-18 1,52 1-1,-17 17 1,-18-18 0,-35 18-1,0 0 17,-35 0-32,17 0 15,0 0 1,1 0-1,17 0 1,-18 0 0,53 0-1,-17 0 1,17 0 0,0 0-1,-35 0 1,-18 0-1,0 0 1,-35-18 0,36 18 15,-36 18 63,-18 35-79,0-35 1,1 34-16,-1 19 16,1-18-1,-1 17 1,-17 19-1,35-36 1,-18 17 0,18 1 15,0 17-15,-18-18-1,1 1 1,17 17-1,-18-35 1,18 18 0,0-54-1,0 36 1,-18-17 15,18-19-15,0 1-1,0-1 17,0 1-17</inkml:trace>
+  <inkml:trace contextRef="#ctx0" brushRef="#br0" timeOffset="47026">11395 11836 0,'0'-18'32,"17"18"-17,36-18 1,106 18-1,-18 0 1,0 0 0,-35 0-1,0 0 1,106-17 0,-89 17-16,106 0 15,54 0 1,-36 0-1,-53-18 1,17 18 15,-17 0-15,-35 0 0,17 0-1,-34 0 1,-1 0-1,35 0 1,18 0 0,71 0-1,-195-17 1,107 17 0,-54 0-1,36 0 1,-18 17-1,53 1 1,0-18 0,-35 35 15,-36-35-15,-52 0-1,17 0 1,18 0-1,-89 0 1,1 0 31,0 0-31,35 0-1,52 0 1,19 0-1,35 0 1,35 0 0,-71 0-1,-88 0 17,1 0-1,-19 0-16,19 0 1,-19 0 0,1 0 140,-18 18-156,0 35 16,-18 35-1,18-18 1,-35 19-1,17 34 1,-17-17 0,-18 53-1,36-36 1,-19-35 0,36-52-16,-17 16 15,-1 1 1,18-17-1,0-1 17,0-17-32,0-1 47,-18-17-32,18 36 1,0-19-1,0 1 48,0-1-47,0 1-16,-17 17 15,17-17-15,0 17 16,0 1-1</inkml:trace>
+  <inkml:trace contextRef="#ctx0" brushRef="#br0" timeOffset="49592.68">7796 12400 0,'0'18'31,"-17"35"-16,-36-18-15,18 0 16,-107 106 15,107-88-15,0-17 0</inkml:trace>
+  <inkml:trace contextRef="#ctx0" brushRef="#br0" timeOffset="50687.38">7832 12418 0,'0'0'0,"17"-18"31,36 18-31,-17-17 32,52-1-17,-35 0-15,0 18 16,35 0-1,35 18 1,-88 0 0,-35-1-1,0 1 1,0 17 0,0 18-1,0 0 1,-35-18-1,18 0 1,-19-17 15,19-18-31,-1 35 0,-53 1 32,19-1-17,-1-17 1,17-1-1,-17 18 1,1-17 0,-1 17-1,17-35 1,19 18 15,-19-18-15,-17 18-1,18-18 1,0 0-16,-53 0 16,70 0 31,0 0-32,-17 0 1,18 0-1,-1-18 32,18 0-31,0 1 0</inkml:trace>
+  <inkml:trace contextRef="#ctx0" brushRef="#br0" timeOffset="51743.63">10160 12241 0,'35'0'46,"18"0"-46,18 0 16,105 0 0,-35 0-1,-123 0 1</inkml:trace>
+  <inkml:trace contextRef="#ctx0" brushRef="#br0" timeOffset="52176.13">10460 12347 0,'0'0'0,"-18"18"16,-17 35-1,17 17 1,1-17 0,-19 35-1,19-52 17,-1-1-17,18-17 1,0-1-1,-18-17-15,18 36 16,0-19 0,-17-17-1</inkml:trace>
+  <inkml:trace contextRef="#ctx0" brushRef="#br0" timeOffset="52727.99">10142 12841 0,'18'0'47,"0"0"-31,17-18 0,0 18-1,0 0 1,18 0-1,-17-17 1,17 17 0,-36 0-1</inkml:trace>
+  <inkml:trace contextRef="#ctx0" brushRef="#br0" timeOffset="54480.09">11871 12241 0,'0'18'62,"0"17"-46,-18 1-16,18 34 16,0 1-1,0-18 17,0 0-17,0-18 1,18 0-1,17-17-15,1 17 32,-19-35-32,1 0 62,-1 0-46,1 0-1,17 0-15,18-18 16,-35 1 0,0-1 15,-1-17-15,18 17-1,-17-17 1,0 17-16,-1-17 15,1 17 1,-18-17 0,0 17-1,18 1 1,-18-1 0,0-17-1,0 17 1,0 1-1,0-1 17,0 0 30,0 1-46</inkml:trace>
+  <inkml:trace contextRef="#ctx0" brushRef="#br0" timeOffset="55102.97">12577 12312 0,'0'-18'15,"17"18"1,36 0-16,71-17 15,-19 17 1,19 0 0,-1 0-1,-34-18 17,-72 18-17</inkml:trace>
+  <inkml:trace contextRef="#ctx0" brushRef="#br0" timeOffset="55426.16">12929 12312 0,'0'0'0,"-35"88"32,17 18-17,-17-35 1,17 17-1,18 0 1,0-35 0,-17-36-1</inkml:trace>
+  <inkml:trace contextRef="#ctx0" brushRef="#br0" timeOffset="56102.63">13335 12259 0,'18'-18'16,"17"18"-1,0 0-15,106 0 16,36 0 0,-71 0 15,-89 0-15</inkml:trace>
+  <inkml:trace contextRef="#ctx0" brushRef="#br0" timeOffset="56502.47">13335 12241 0,'-18'53'16,"18"-17"-1,0 34 1,0 18-1,0 18 1,0-18 0,0-17-1,0-36 1,0-17 0</inkml:trace>
+  <inkml:trace contextRef="#ctx0" brushRef="#br0" timeOffset="56783.09">13370 12524 0,'36'-18'16,"-19"18"0,54-18-1,17 1 1,-35 17-1</inkml:trace>
+  <inkml:trace contextRef="#ctx0" brushRef="#br0" timeOffset="59327.87">8678 12682 0,'-17'0'16,"-1"0"15,0 0-31,1 0 16,-1 0 31,18 18 93,0 0-124,0-1 0,0 1 30,18 0-30,-1-18 0,1 0-1,0 17 1,-1-17 15,1 0-15,0 0-1,-1 0 17,1 0-1,0-17-15,-1 17-1,-17-18 1,0-17-1,18 17 1,-18 0 15,0 1-15,0-1 0,0 0 15,-18 18-16,1 0 1,17-17 0,-18 17 15,0 0 78,1 0-93,-1 0 0,0 0-1,1 0 1,17 17 93,0 1-93,0 0-16,0-1 31,-18 1-15</inkml:trace>
+</inkml:ink>
+</file>
+
+<file path=ppt/ink/ink13.xml><?xml version="1.0" encoding="utf-8"?>
+<inkml:ink xmlns:inkml="http://www.w3.org/2003/InkML">
+  <inkml:definitions>
+    <inkml:context xml:id="ctx0">
+      <inkml:inkSource xml:id="inkSrc0">
+        <inkml:traceFormat>
+          <inkml:channel name="X" type="integer" max="1920" units="cm"/>
+          <inkml:channel name="Y" type="integer" max="1080" units="cm"/>
+          <inkml:channel name="T" type="integer" max="2.14748E9" units="dev"/>
+        </inkml:traceFormat>
+        <inkml:channelProperties>
+          <inkml:channelProperty channel="X" name="resolution" value="36.43264" units="1/cm"/>
+          <inkml:channelProperty channel="Y" name="resolution" value="36.48649" units="1/cm"/>
+          <inkml:channelProperty channel="T" name="resolution" value="1" units="1/dev"/>
+        </inkml:channelProperties>
+      </inkml:inkSource>
+      <inkml:timestamp xml:id="ts0" timeString="2021-04-08T03:49:43.963"/>
+    </inkml:context>
+    <inkml:brush xml:id="br0">
+      <inkml:brushProperty name="width" value="0.05292" units="cm"/>
+      <inkml:brushProperty name="height" value="0.05292" units="cm"/>
+      <inkml:brushProperty name="color" value="#FF0000"/>
+    </inkml:brush>
+  </inkml:definitions>
+  <inkml:trace contextRef="#ctx0" brushRef="#br0">16863 11906 0,'35'0'62,"0"-17"-62,106 17 31,53 0-15,18 0 0,0 0-1,-106 0-15,-18 0 16,71 0 0,-89 0-1,-52 0 1,17 0-1,0 0 1,-17 0 0</inkml:trace>
+  <inkml:trace contextRef="#ctx0" brushRef="#br0" timeOffset="1911.42">10160 11889 0,'18'0'31,"17"0"-16,0 0 1,106 0 0,53 0-1,0 0 1,-88 0-16,0 0 16,-18 0-16,89 0 15,-107 0 1,107 0-1,-72 0 1,1 0 0,0 0-1,0 0 1,-36 0 0,19 0 15,-54 0-16,-17 0 1,-1 0 47,18 17-48,18-17 16,-35 0-31</inkml:trace>
+  <inkml:trace contextRef="#ctx0" brushRef="#br0" timeOffset="7040.07">14305 10689 0,'-17'0'47,"17"35"-16,0-17-15,0 0-16,35 35 31,-18 0-31,-17-18 31,18 18-15,-18-36 0,0 1-1,0 17 1,18-17 0,-1 35-1,-17-35 1,18 17-1,0-53 173,17-17-188,18 0 16,-18-1-1,141-87 1,-70 52-1,-53 36 1,-35 17 0,17 18-1,-17 0 1,17 0 0,-17 0-1</inkml:trace>
+  <inkml:trace contextRef="#ctx0" brushRef="#br0" timeOffset="10679.97">14517 10001 0,'0'0'0,"0"53"0,-35 53 15,17-18 16,0-53-15,1 1 15,17-54 63,0-17-94,17-18 16,-17 18-16,18-54 15,17 19 1,0-1 0,-17 36 15,0 0-16,-1 17 1,19 18 0,-19-17-1,19 17 1,-19-18-16,1 0 16,35 18-1,-36 0 1,1 0 62,-18 18-62,0 17-1,0 18-15,-35 35 16,-18-52 15,35-1-15,1-35-1,-1 0 1,0 17 0,1-17-1,-19 0 1,19 18-1,-1 0 1,53-18 187,-17 0-203,17-18 16,53-17-1,-52 35 1,-1 0 0,-17 0 62,-18 17-31,0 1-47,0 0 15,0-1 1,0 1 0,0 0-1,0-1 1,0 1-1,-18-18 17,18 18-32,-35-1 15,17-17 1,-17 18 0,17-18-1,1 0 48,-1 0-32,0 0-31,1 0 31,-1 0-31,0 0 31,1 0-15,-1 0 31</inkml:trace>
+  <inkml:trace contextRef="#ctx0" brushRef="#br0" timeOffset="11895.64">15028 9984 0,'0'17'63,"-17"19"-63,17-19 16,0 54-1,0-18 1,0 0-1,0-36 1,35 1 0,-17-1-1,-1-17 1,1 0 15,0 0-15,-1 0-1,18 0 1,-35-35 0,36 18-1,-19-36 1,19-18 0,-19 36-1,1 0-15,-18 70 125,0 0-125,0 0 16,0 1-1,0 17 1,18-36-16,-18 18 16,17-17-1,18 0 1,-17-18 0,0 0 30,-18-18 17</inkml:trace>
+  <inkml:trace contextRef="#ctx0" brushRef="#br0" timeOffset="13175.44">15716 9825 0,'0'0'0,"-17"0"15,-1 0 1,18-18-1,-18 18 1,1 0-16,17-17 16,-36 17-1,19-18 1,-18 18 0,-1 0-1,19-18 1,-1 18 46,0 0-46,1 18 0,17 0-16,0 52 15,0 18 1,0-17 15,0-36-31,0 36 16,17-18-1,1-18 1,-18-17 0,0-1 46,-18-17 1</inkml:trace>
+  <inkml:trace contextRef="#ctx0" brushRef="#br0" timeOffset="13495.07">15363 9984 0,'0'0'0,"36"0"16,-1-18 0,18 18-16,35-18 15,-35 18 16,-35 0-15</inkml:trace>
+  <inkml:trace contextRef="#ctx0" brushRef="#br0" timeOffset="14135.33">15875 9860 0,'0'0'0,"-53"-17"15,18-19 1,0 19-1,17 17 1,0 0 47,1 0-17,-1 0-30,18 17 0,0 54-1,0 17 1,0 0 0,0-17-1,0-18 1,0 0-1,0-36 1</inkml:trace>
+  <inkml:trace contextRef="#ctx0" brushRef="#br0" timeOffset="14543.78">15575 10001 0,'18'-17'15,"35"-1"1,53 0 15,-54 18-15,-16 0-1</inkml:trace>
+  <inkml:trace contextRef="#ctx0" brushRef="#br0" timeOffset="15592.17">15928 10072 0,'18'0'47,"-1"0"-31,1 0-16,-1 0 16,19 0-1,-1 0 1,0-18-1,-35 1 1,18-1 0,-18 0-1,0-17-15,0 0 16,-18-18 15,-35 35-15,0-17-1,36 35 1,-1 0 0,1 0-1,-1 0 1,0 0 0,1 18-1,-1 34 1,-17 1-1,35-17 1,0 17 0,0-18-1,0 0 1,17 0 0,1-35 15,0 18-16,17-18 1,18 0 0,-36 0-1,1 0 1,0 0 0,-1 0-1,1 0 1,-18-18-16,0 1 15</inkml:trace>
+  <inkml:trace contextRef="#ctx0" brushRef="#br0" timeOffset="16407.52">16281 9754 0,'0'0'0,"0"36"0,0 17 0,0-18 16,0 88-1,0-17 1,0-53 0,0-18-16,0 36 31,0-89 78,0 1-109,0-19 16,0 19-16,0-1 15,17-17 1,-17 17 0,18 0-16,0 1 15,-1-1 32,1 18-31,0 0-1,-1 0 17,1 0-17,-1 0 1,1 0 0,17 18-1,18-1 1,-35 1-1</inkml:trace>
+  <inkml:trace contextRef="#ctx0" brushRef="#br0" timeOffset="59675.87">12859 12700 0,'0'0'0,"-18"-18"15,0 18 1,1 0 46,-1 0-46,1 0 0,-1 0 15,18 18-16,-18 0 1,18-1 0,0 1-1,0 0 1,0-1 0,0 1 15,18-18-16,0 17 1,17-17 0,18 0-1,35 0 1,-53-17 0,18-1-1,-35 18 79,-18 18-94,0-1 16,0 1-1,0 17 1,0-17-1,-35 17 1,-1-17-16,19-18 16,-19 35-1,1-35 1,-36 18 0,19-18-1,-1 0 1,35 0-1,0-18 1,1 1 0,17-1-1,0 0 17</inkml:trace>
+  <inkml:trace contextRef="#ctx0" brushRef="#br0" timeOffset="60393.87">13300 12577 0,'-18'35'47,"0"0"-32,-17 0-15,18 1 16,17 34 0,0-35-1,0-17-15,0 0 16,0-1 0,0 1 15,0 0 0,17-18-15,18 17-1,1 1 1,17-18 0,0 0-1,17-18 1,-52 18-16,-1 0 15,-17-17 1,0-1 0,0 0-1</inkml:trace>
+  <inkml:trace contextRef="#ctx0" brushRef="#br0" timeOffset="60727.96">13088 12735 0,'18'0'47,"17"0"-47,36 0 16,-1 0 15,-52 0-16</inkml:trace>
+  <inkml:trace contextRef="#ctx0" brushRef="#br0" timeOffset="61392.67">13388 12753 0,'0'0'15,"18"0"-15,52 0 16,18 0 0,-35 0-1,0 0 1,-18 0 15,-17 0 0,-18-18-15,0-35 0,0 18-1,-18 0 1,-34 17 0,34 1-1,0 17 1,1 0-1,-19 0 1,-17 0 0,36 0-1,17 17-15,-18 1 16,18 17 15,-18 0-15,18 18-1,0-17 1,36 16 0,34 1-1,-17-17 1,0-1 0,-18-35-1,-17 0 32,-18-18-31,35 1-1</inkml:trace>
+  <inkml:trace contextRef="#ctx0" brushRef="#br0" timeOffset="61983.88">14235 12453 0,'0'35'63,"0"-17"-63,-18 0 15,18 87 1,-18-16 0,1-1-1,17-18 1,-18-34 0</inkml:trace>
+  <inkml:trace contextRef="#ctx0" brushRef="#br0" timeOffset="63528.05">13847 12718 0,'0'17'47,"0"19"-47,0-1 16,-18 53-1,18-35 1,0-35-1,0-54 110,0 1-109,0 17-16,18-17 16,-1-35-1,1 17 1,-1 17 0,1 1-1,0 17 1,-18 1 15,17 17-15,1 0-1,0 0 17,-1 0-17,1 17 16,-18 1 1,0 0-32,-18-18 31,18 17-31,-17-17 16,17 18-16,-18-18 15,-17 0 1,17 35-1,0-35 1</inkml:trace>
+  <inkml:trace contextRef="#ctx0" brushRef="#br0" timeOffset="65703.8">11183 6456 0,'-18'0'16,"1"0"-1,-1 0-15,1 35 16,-54 0-16,-105 71 16,87-53-1,-52 0 1,53 0-1,88-35 1,0-1 93,18-17-93,-1 18-16,19-18 16,-1 0-1,53 35 1,124-17 0,-36-1-1,-88 1 1,-35-18-1,-17 0 1,-19 0 0</inkml:trace>
+  <inkml:trace contextRef="#ctx0" brushRef="#br0" timeOffset="72476.34">11236 6720 0,'0'0'0,"71"-17"0,17-18 16,-18-1-16,124-17 15,-70 0 1,-89 36 0,-17 17 30</inkml:trace>
+  <inkml:trace contextRef="#ctx0" brushRef="#br0" timeOffset="72826.89">11483 6685 0,'18'0'47,"34"-17"-31,19-1-1,17 0 1,-35-17 0,-18 35-1</inkml:trace>
+  <inkml:trace contextRef="#ctx0" brushRef="#br0" timeOffset="77031.13">9701 5891 0,'0'0'0,"18"18"15,0 17 1,17 18 0,-17 0-1,-1-18-15,-17 1 16,0 17 0,18-18-1,0-17 1,-18-1-1,0 1 1,17-1 0,-17 1-1,0 0 32,18-18 78,-1 0-109,1 0-1,53-53 1,70-35 0,35-18-1,-35 35 1,106-35 0,-141 71-1,106-53 1,-142 70-1</inkml:trace>
+  <inkml:trace contextRef="#ctx0" brushRef="#br0" timeOffset="79030.92">10107 4868 0,'0'0'0,"53"0"15,35-17 1,0-1-1,-52 18 1</inkml:trace>
+  <inkml:trace contextRef="#ctx0" brushRef="#br0" timeOffset="79831.78">10301 4833 0,'-18'18'15,"18"-1"16,0 1-15,-35 35 0,18-18-1,-1 18 1,18-35 0,0-1-16,-18 1 15,18 0 1,-17-18 78,17 17-94,0 19 15,-18-19 1,0 1-1,-17 35 1,0-18 0,35-17-16,-18-18 15,-17 17 1,0 1 0,17-18-1,36 0 126,17 0-141,0-18 15,71-17 1,0 17 0,-18-17-1,-70 35 1</inkml:trace>
+  <inkml:trace contextRef="#ctx0" brushRef="#br0" timeOffset="80839.88">10460 5098 0,'0'17'47,"0"19"-47,-18-1 16,-17 53-1,17-70-15,1-1 16,17 1 47,17-18-48,19-53 1,-1 18-1,-17 17 1,52-52 0,-17 17-1,0 35 1,-53 0 62,18 18-78,-18 36 31,0-1-31,0 18 16,0 17 15,0-52-15,17-18 46,1-18-46,17-17-16,0 0 16,106-71-1,-35 35 1,-53 36-1,-35 35 1,0 0 31,-18 18-31,0-1-1,0 19 1,0 17-16,0 17 15,0-17 1,0-18 0,0-17-1</inkml:trace>
+  <inkml:trace contextRef="#ctx0" brushRef="#br0" timeOffset="81677.37">11395 4992 0,'0'35'31,"-18"53"-31,-17 0 16,-89 142-1,36-89 1,53-35 0,35-89-16,0 1 47,0-36-16,18-35-16,52-105 1,1-36 0,17 53-1,-35 70 1,-18 18 0,-17 35-1,17 1 1,-17 17-1,-1 0 32,1 0-47,-1 0 16,1 17 15,0 1-15,-1-18 31,-17 18-32,0-1 1,0 1 0,-53 17-1,18 1 1,0-19-1,17-17 1,1 0 15,-1 0-31,0 0 32,1 0-32</inkml:trace>
+  <inkml:trace contextRef="#ctx0" brushRef="#br0" timeOffset="82128.45">11783 4868 0,'0'53'31,"-18"71"-15,-35-1-1,-17-17 1,52-18 0,0-70-1</inkml:trace>
+  <inkml:trace contextRef="#ctx0" brushRef="#br0" timeOffset="82895.37">11942 5203 0,'0'0'0,"70"0"15,1 0 1,-1 0 0,-35 0-1,-35-17 32,18 17-47,-18-53 16,0 18-1,-18-54 17,-52 37-17,17 16 1,18 36-1,17 0 1,0 0 0,-34 36-1,34-1 1,-17 0 0,35 36-1,0-18 1,0-18-1,35-18 1,-17 1 0,17 0-1,0-1 1,36-17 15,-36 0-15,0 0-1,-17 0 1,-1 0 0,1 0-1,0 0 17,-1-17-17,1 17 1,0-18-1</inkml:trace>
+  <inkml:trace contextRef="#ctx0" brushRef="#br0" timeOffset="105943.52">10830 16704 0,'0'18'47,"0"-1"-32,-17 1-15,-1 17 16,0 53-1,18-35 1</inkml:trace>
+  <inkml:trace contextRef="#ctx0" brushRef="#br0" timeOffset="106310.76">10830 16722 0,'0'-18'0,"18"18"16,0 0 0,-1 0-1,-17-18 1,35 18-1,36 0 1,-18-17 0,-35 17-16,17 0 15,-17 0 1,-1 0 0</inkml:trace>
+  <inkml:trace contextRef="#ctx0" brushRef="#br0" timeOffset="106881.03">10954 16775 0,'17'17'31,"1"1"-15,35 35-1,35 0 1,-17 0 0,-1 0-1,1-1 1,-54-34-1</inkml:trace>
+  <inkml:trace contextRef="#ctx0" brushRef="#br0" timeOffset="107440.06">11906 16686 0,'-17'0'15,"-1"18"-15,-17 88 16,-36 53-1,-17 70 1,35-106 0,35-70-1</inkml:trace>
+  <inkml:trace contextRef="#ctx0" brushRef="#br0" timeOffset="107794.14">11465 17057 0,'0'-18'16,"36"1"-1,-1 17 1,141-18-1,-70 18 1,-35 0 0,-18 0-1,-36 0 1</inkml:trace>
+  <inkml:trace contextRef="#ctx0" brushRef="#br0" timeOffset="108360.74">11871 17057 0,'0'0'0,"-35"35"15,17-17 1,18-1 0,0 1-1,0 17 1,0 1 0,0 16-1,35-16 1,-35-19-16,18-17 15,35 18 1,-35 0 0,17-18-1,0 0 17,0-53-17,-17-18 1,-18 1-1,0 17 1,0 17 0,-18 36 31,1 0-47,-1 0 15,-17 0 1,-18 0-1,35 0 1</inkml:trace>
+  <inkml:trace contextRef="#ctx0" brushRef="#br0" timeOffset="109294.11">12700 17074 0,'-53'-17'32,"18"17"-32,0-18 15,-36 18 1,36 0-1,-18 0 1,18 0 0,-18 18-1,0 17 17,35-17-17,36-18 48,17 0-48,0 0 1,1 0-16,16 0 16,19 0-1,0 0 1,-54 0-1,1 0-15,-18 17 16,0 1 0,0 17-1,0-17 17,-35 35-17,-36-18 1,18-17-1,35-1 1,1-17 0,-18 0-1,-1-17 1,1-19 0</inkml:trace>
+  <inkml:trace contextRef="#ctx0" brushRef="#br0" timeOffset="109767.24">12912 16810 0,'-53'70'16,"-35"19"0,-36 69-1,54-69 1,52-19-1,18-35 1,18-35 15,-1 18-31,18-18 16,18 0 15,-17 0-15,-1 0-16,18-18 15,-36 1 32</inkml:trace>
+  <inkml:trace contextRef="#ctx0" brushRef="#br0" timeOffset="110055">12541 17110 0,'0'0'0,"106"-18"15,53 18 1,0-35 0,-71 17-1,-71 18 1</inkml:trace>
+  <inkml:trace contextRef="#ctx0" brushRef="#br0" timeOffset="110807.89">13106 17022 0,'-18'0'16,"18"35"-16,-35 18 31,35 17-15,0-52-1,0 0 157,0-1-156,0 1 0,0-36 93,0 1-93,17-19-16,-17-17 15,53 0 1,-17 18-1,-36 18 1,17 17 15,1 0-15,0 0 0,17 17-1,-18 1 1,1-18-16,0 17 15,-1-17 64,1-17-64</inkml:trace>
+  <inkml:trace contextRef="#ctx0" brushRef="#br0" timeOffset="111063.87">13476 16863 0,'0'17'47,"0"1"-31,0 0-1,0-1 17,0 1-17,0 0-15</inkml:trace>
+  <inkml:trace contextRef="#ctx0" brushRef="#br0" timeOffset="111263.52">13441 17286 0,'0'0'0,"0"18"15,-18 70 1,1-53-1,17-17 1</inkml:trace>
+  <inkml:trace contextRef="#ctx0" brushRef="#br0" timeOffset="111560.3">13653 16986 0,'17'18'16,"-17"0"-1,0 34 1,0 19-1,0-36-15,0-17 16,0 17 0,0-52 46</inkml:trace>
+  <inkml:trace contextRef="#ctx0" brushRef="#br0" timeOffset="112479.07">13829 17022 0,'18'-18'16,"-18"53"0,0 0-1,0 89 1,17-1-1,1-70 1,-1-53 0,1-17-1,0-19 1,52-52 0,36-53-1,-35 0 1,-36 35-1,-35 53 1,0 36-16,-18 17 78,1 0-78,-19 35 16,1 18-1,-18 17 1,36-17 0,17-35-1,17-18 1,1 0 0,17 0-1,-17-18-15,17-17 16,36-53-1,-54 35 1,1 53 31,-18 18-31,0 17-1,0 18 1,0 123-1,0 18 1,0-17 0,-18-89-1,18-53 1,0-17 15,-17-18-31,-19-53 16,-34-35-1,-1-36 1,36 36 0,53 0 15,87-1-15,72 37-1,52-19 1,-105 36-1,-36 17 1</inkml:trace>
+</inkml:ink>
+</file>
+
+<file path=ppt/ink/ink14.xml><?xml version="1.0" encoding="utf-8"?>
+<inkml:ink xmlns:inkml="http://www.w3.org/2003/InkML">
+  <inkml:definitions>
+    <inkml:context xml:id="ctx0">
+      <inkml:inkSource xml:id="inkSrc0">
+        <inkml:traceFormat>
+          <inkml:channel name="X" type="integer" max="1920" units="cm"/>
+          <inkml:channel name="Y" type="integer" max="1080" units="cm"/>
+          <inkml:channel name="T" type="integer" max="2.14748E9" units="dev"/>
+        </inkml:traceFormat>
+        <inkml:channelProperties>
+          <inkml:channelProperty channel="X" name="resolution" value="36.43264" units="1/cm"/>
+          <inkml:channelProperty channel="Y" name="resolution" value="36.48649" units="1/cm"/>
+          <inkml:channelProperty channel="T" name="resolution" value="1" units="1/dev"/>
+        </inkml:channelProperties>
+      </inkml:inkSource>
+      <inkml:timestamp xml:id="ts0" timeString="2021-04-08T05:53:15.025"/>
+    </inkml:context>
+    <inkml:brush xml:id="br0">
+      <inkml:brushProperty name="width" value="0.05292" units="cm"/>
+      <inkml:brushProperty name="height" value="0.05292" units="cm"/>
+      <inkml:brushProperty name="color" value="#FF0000"/>
+    </inkml:brush>
+  </inkml:definitions>
+  <inkml:trace contextRef="#ctx0" brushRef="#br0">4480 7902 0,'18'0'94,"17"-17"-78,18 17-16,71 0 15,52 0 1,-35 0 0,-17-18 15,-36 18-15,-71 0-16,36 0 15,-35-18 1,35 1-1,17-1 1,-17 0 0,18 1-1,-18-1 1,-18 0 0,-17 18-1</inkml:trace>
+  <inkml:trace contextRef="#ctx0" brushRef="#br0" timeOffset="23127.62">11342 10072 0,'0'-18'0,"17"1"31,1 17-15,17-18-1,1 18 1,52-18 0,-53 18-16,36-17 15,-1 17-15,89 0 16,88 0-1,-18 0 1,18 0 0,-88 0-1,-18 0 1,-53 0 0,-35 17-1,0-17 1,-18 0-1,71 0 17,-53 0-17,0 0 1,0-17 0,-35 17-1,-1 0 1,1 0-1,-1 0 1,1 0 31,0 0-31,-1-18-16,72 0 15,-54 18 1,18-17 15,-36 17-15,1-18-1,0 18 1,-1 0 0,1 0-1,0 0 1</inkml:trace>
+  <inkml:trace contextRef="#ctx0" brushRef="#br0" timeOffset="25719.15">2611 9931 0,'0'0'0,"17"0"0,36 0 16,0 0-16,71 0 15,70-18 1,70-52 15,1 34-15,-107 19 0,-105 17-1,-35 0-15,0 0 16,17-18-1,0 0 1,-17 18 0</inkml:trace>
+  <inkml:trace contextRef="#ctx0" brushRef="#br0" timeOffset="47535.51">14058 11889 0</inkml:trace>
+</inkml:ink>
+</file>
+
+<file path=ppt/ink/ink15.xml><?xml version="1.0" encoding="utf-8"?>
+<inkml:ink xmlns:inkml="http://www.w3.org/2003/InkML">
+  <inkml:definitions>
+    <inkml:context xml:id="ctx0">
+      <inkml:inkSource xml:id="inkSrc0">
+        <inkml:traceFormat>
+          <inkml:channel name="X" type="integer" max="1920" units="cm"/>
+          <inkml:channel name="Y" type="integer" max="1080" units="cm"/>
+          <inkml:channel name="T" type="integer" max="2.14748E9" units="dev"/>
+        </inkml:traceFormat>
+        <inkml:channelProperties>
+          <inkml:channelProperty channel="X" name="resolution" value="36.43264" units="1/cm"/>
+          <inkml:channelProperty channel="Y" name="resolution" value="36.48649" units="1/cm"/>
+          <inkml:channelProperty channel="T" name="resolution" value="1" units="1/dev"/>
+        </inkml:channelProperties>
+      </inkml:inkSource>
+      <inkml:timestamp xml:id="ts0" timeString="2021-04-08T05:55:37.936"/>
+    </inkml:context>
+    <inkml:brush xml:id="br0">
+      <inkml:brushProperty name="width" value="0.05292" units="cm"/>
+      <inkml:brushProperty name="height" value="0.05292" units="cm"/>
+      <inkml:brushProperty name="color" value="#FF0000"/>
+    </inkml:brush>
+  </inkml:definitions>
+  <inkml:trace contextRef="#ctx0" brushRef="#br0">16387 8978 0,'35'0'94,"0"0"-94,18 0 15,88 0 1,106 0 0,-35 0-1,-124 0 1,141 0 0,-52 18-1,-36-1 1,-53-17-1,-35 18 1,-36-18 0,1 0 406,0 0-407,17 0 1,36-18-1,52-17 1,89 18 0,52-54-1,-123 53-15,71 1 16,-88-1 0,-54 18-1,-17-18 1,0 18-1,0-17 1,17 17 0,19 0-1,-19 0 17,18 0-17,18 0 1,0 0-1,18-18 1,-1 1 0,-88 17-1,-17 0 142,0 0-157,17 0 15,35 17 1,36 71-1,-35-35 1,-1-17 0,-34-1-1,-19-35 1</inkml:trace>
+</inkml:ink>
+</file>
+
+<file path=ppt/ink/ink16.xml><?xml version="1.0" encoding="utf-8"?>
+<inkml:ink xmlns:inkml="http://www.w3.org/2003/InkML">
+  <inkml:definitions>
+    <inkml:context xml:id="ctx0">
+      <inkml:inkSource xml:id="inkSrc0">
+        <inkml:traceFormat>
+          <inkml:channel name="X" type="integer" max="1920" units="cm"/>
+          <inkml:channel name="Y" type="integer" max="1080" units="cm"/>
+          <inkml:channel name="T" type="integer" max="2.14748E9" units="dev"/>
+        </inkml:traceFormat>
+        <inkml:channelProperties>
+          <inkml:channelProperty channel="X" name="resolution" value="36.43264" units="1/cm"/>
+          <inkml:channelProperty channel="Y" name="resolution" value="36.48649" units="1/cm"/>
+          <inkml:channelProperty channel="T" name="resolution" value="1" units="1/dev"/>
+        </inkml:channelProperties>
+      </inkml:inkSource>
+      <inkml:timestamp xml:id="ts0" timeString="2021-04-08T05:59:25.129"/>
+    </inkml:context>
+    <inkml:brush xml:id="br0">
+      <inkml:brushProperty name="width" value="0.05292" units="cm"/>
+      <inkml:brushProperty name="height" value="0.05292" units="cm"/>
+      <inkml:brushProperty name="color" value="#FF0000"/>
+    </inkml:brush>
+  </inkml:definitions>
+  <inkml:trace contextRef="#ctx0" brushRef="#br0">11624 5997 0,'18'0'47,"35"0"-32,158 0 1,71 0 0,-123 0-16,35 0 15,247 0 1,-88 0 0,141 0-1,-230 18 1,-87-18-1,87 0 1,-52 0 0,-35 0-1,-107-18 1,-17 18 15,-35 0 32,-1 0-48,1 0-15,17 0 16,89 0 0,-19 0-1,-52 0 1,-17 0-1</inkml:trace>
+  <inkml:trace contextRef="#ctx0" brushRef="#br0" timeOffset="2703.54">1323 11024 0,'18'0'31,"-1"0"-15,1 0-1,17 0 1,-17-17-16,-1 17 16,36-18-1,-17 18 1,16 0-1,1 0 1,0 0 0,-35 0-16,35 0 15,-35-18 1,-1 18 0</inkml:trace>
+</inkml:ink>
+</file>
+
+<file path=ppt/ink/ink17.xml><?xml version="1.0" encoding="utf-8"?>
+<inkml:ink xmlns:inkml="http://www.w3.org/2003/InkML">
+  <inkml:definitions>
+    <inkml:context xml:id="ctx0">
+      <inkml:inkSource xml:id="inkSrc0">
+        <inkml:traceFormat>
+          <inkml:channel name="X" type="integer" max="1920" units="cm"/>
+          <inkml:channel name="Y" type="integer" max="1080" units="cm"/>
+          <inkml:channel name="T" type="integer" max="2.14748E9" units="dev"/>
+        </inkml:traceFormat>
+        <inkml:channelProperties>
+          <inkml:channelProperty channel="X" name="resolution" value="36.43264" units="1/cm"/>
+          <inkml:channelProperty channel="Y" name="resolution" value="36.48649" units="1/cm"/>
+          <inkml:channelProperty channel="T" name="resolution" value="1" units="1/dev"/>
+        </inkml:channelProperties>
+      </inkml:inkSource>
+      <inkml:timestamp xml:id="ts0" timeString="2021-04-08T06:01:04.952"/>
+    </inkml:context>
+    <inkml:brush xml:id="br0">
+      <inkml:brushProperty name="width" value="0.05292" units="cm"/>
+      <inkml:brushProperty name="height" value="0.05292" units="cm"/>
+      <inkml:brushProperty name="color" value="#FF0000"/>
+    </inkml:brush>
+  </inkml:definitions>
+  <inkml:trace contextRef="#ctx0" brushRef="#br0">3246 10478 0</inkml:trace>
+</inkml:ink>
+</file>
+
+<file path=ppt/ink/ink2.xml><?xml version="1.0" encoding="utf-8"?>
+<inkml:ink xmlns:inkml="http://www.w3.org/2003/InkML">
+  <inkml:definitions>
+    <inkml:context xml:id="ctx0">
+      <inkml:inkSource xml:id="inkSrc0">
+        <inkml:traceFormat>
+          <inkml:channel name="X" type="integer" max="1920" units="cm"/>
+          <inkml:channel name="Y" type="integer" max="1080" units="cm"/>
+          <inkml:channel name="T" type="integer" max="2.14748E9" units="dev"/>
+        </inkml:traceFormat>
+        <inkml:channelProperties>
+          <inkml:channelProperty channel="X" name="resolution" value="36.43264" units="1/cm"/>
+          <inkml:channelProperty channel="Y" name="resolution" value="36.48649" units="1/cm"/>
+          <inkml:channelProperty channel="T" name="resolution" value="1" units="1/dev"/>
+        </inkml:channelProperties>
+      </inkml:inkSource>
+      <inkml:timestamp xml:id="ts0" timeString="2021-04-08T02:46:19.583"/>
+    </inkml:context>
+    <inkml:brush xml:id="br0">
+      <inkml:brushProperty name="width" value="0.05292" units="cm"/>
+      <inkml:brushProperty name="height" value="0.05292" units="cm"/>
+      <inkml:brushProperty name="color" value="#FF0000"/>
+    </inkml:brush>
+  </inkml:definitions>
+  <inkml:trace contextRef="#ctx0" brushRef="#br0">6227 9278 0,'0'0'0,"0"-106"15,0 36-15,0-107 16,88-34-1,53-54 1,0 36 0,88-18 15,-158 212-15,211-89-1,-123 106 1,352 1-1,-158 17 1,35 88 0,-159 35-1,-105 19 1,-54 87 0,-52 53-1,-124 53 1,-141 71-1,-88-53 1,-18-71 0,-35-53 15,-88-88-15,212-123-1,34-18 1,89-71-1,71-70 1,34 35-16</inkml:trace>
+  <inkml:trace contextRef="#ctx0" brushRef="#br0" timeOffset="950.85">14552 9472 0,'0'0'0,"-106"-70"15,-70-72 1,-1 1 0,1-35-1,35-124 17,123 106-17,71-35 1,71 35-1,70 35 1,88 35 0,53 89-1,-35 70 1,-18 54 0,-141 34-1,-70 1 1,-53 17-1,-142 141 17,53-141-32,-70 71 31,-123 70-15,70-88-1,53-53 1</inkml:trace>
+  <inkml:trace contextRef="#ctx0" brushRef="#br0" timeOffset="1900.14">17745 8625 0,'-36'-123'0,"19"-1"15,17 36-15,17-70 16,72 34-1,-19 36 1,-17 35 0,0 0 15,-18 18-31,1 35 16,-1-18-1,-17 18 1,34 35-1,54 89 1,35 70 0,-35 0-1,-53-35 1,-106 52 0,-106 54-1,-35-53 1,-17-54-1,70-69 1,70-72 0,71 1-1</inkml:trace>
+  <inkml:trace contextRef="#ctx0" brushRef="#br0" timeOffset="2950.23">17798 8784 0,'0'0'0,"0"71"0,17 17 16,1-18-16,0-17 15,34 36 1,-16-54 0,-19-17-1</inkml:trace>
+  <inkml:trace contextRef="#ctx0" brushRef="#br0" timeOffset="6118.12">5327 2293 0,'35'0'31,"53"0"-15,353 71-1,424 52 1,-1-105-1,-88-18 1,-53 0 0,-246 0-1,-213-18 1,-211 18 0</inkml:trace>
+  <inkml:trace contextRef="#ctx0" brushRef="#br0" timeOffset="16109.85">7461 16863 0,'36'0'78,"16"0"-78,37 17 16,140-17-1,-88 0-15,18 0 16,123 18 0,124 17-1,-159-17 1,-89 0-1,1-18 1,-53 0 15,-35 0-15,17 17 0,-18-17-1,36 0 1,-35 0-1,35 0 1,35 18 0,-71 0-1,-17-18 1,-35 0 0,-1 0-1,1 0 1,0 0-1,17 0 17,-17 0-32,17 0 31,-17 0-15,-1 0 15,1 0 328,-1 0-312,1-18-31,-18 0-16,18 18 31,17-17-15,-17-1-1</inkml:trace>
+</inkml:ink>
+</file>
+
+<file path=ppt/ink/ink3.xml><?xml version="1.0" encoding="utf-8"?>
+<inkml:ink xmlns:inkml="http://www.w3.org/2003/InkML">
+  <inkml:definitions>
+    <inkml:context xml:id="ctx0">
+      <inkml:inkSource xml:id="inkSrc0">
+        <inkml:traceFormat>
+          <inkml:channel name="X" type="integer" max="1920" units="cm"/>
+          <inkml:channel name="Y" type="integer" max="1080" units="cm"/>
+          <inkml:channel name="T" type="integer" max="2.14748E9" units="dev"/>
+        </inkml:traceFormat>
+        <inkml:channelProperties>
+          <inkml:channelProperty channel="X" name="resolution" value="36.43264" units="1/cm"/>
+          <inkml:channelProperty channel="Y" name="resolution" value="36.48649" units="1/cm"/>
+          <inkml:channelProperty channel="T" name="resolution" value="1" units="1/dev"/>
+        </inkml:channelProperties>
+      </inkml:inkSource>
+      <inkml:timestamp xml:id="ts0" timeString="2021-04-08T02:46:59.957"/>
+    </inkml:context>
+    <inkml:brush xml:id="br0">
+      <inkml:brushProperty name="width" value="0.05292" units="cm"/>
+      <inkml:brushProperty name="height" value="0.05292" units="cm"/>
+      <inkml:brushProperty name="color" value="#FF0000"/>
+    </inkml:brush>
+  </inkml:definitions>
+  <inkml:trace contextRef="#ctx0" brushRef="#br0">10072 6473 0,'17'0'62,"1"0"-62,0 0 16,17 0-16,106 0 31,88 0-15,1 0-1,17 0 1,-18 18-1,-53-18 1,-87 0 0,-37 0-1,-16 0-15,-1 0 16,53 0 0,18 0-1,0 18 1,0-18-1,-53 0 17,-18 0-32,35 0 31,1 0-15,53 0-1,-54 0-15,1 0 16,87 0-1,-34 0 1,-107 0 15,1 0-15,35 0 0,88 17-1,-35 1 1,-18-18-1,-53 0 1,-17 0 0,35 0 15,-35 0-31,-1 0 16,1 0-1,0 0 48,-1 0-63,1 0 15,17 0 1,0 0 0,1 0-1,-1 0 1,18 0-1,0 0 1,-36 0 0,1-18-1,0 18 1,-1 0 0,1 0-1,17 0 1,1 0-1,16 0 1,-34 0 31,0 0-31,-1 0-1,1 0-15,0 0 16</inkml:trace>
+  <inkml:trace contextRef="#ctx0" brushRef="#br0" timeOffset="6110.51">10795 7461 0,'18'0'78,"17"0"-78,0 0 15,177-17 1,88-1 0,-71 0-1,-17 1 1,-36-1-1,-52 18 1,-36-18 0,-18 18 15,-17 0-15,0-17-16,53 17 15,0-18 1,35 1-1,-18 17 1,-17 0 0,53 0-1,-36 0 1,1 0 0,-18 0-1,-36 0 1,19 0 15,-37 0-15,1 0-1,36 0 1,-19 0 0,-17 0-1,0 0 1,-18 0-1,53 0 1,-17 17 0,0 1-1,17-1 1,-35-17 0,-18 0 15,0 0-16,36 36 1,17-19 15,-53-17-15,-17 0 31,-1 0 31,1 0-62</inkml:trace>
+  <inkml:trace contextRef="#ctx0" brushRef="#br0" timeOffset="13967.92">11148 7497 0,'-18'0'16,"1"0"-1,-1 0 16,0 0-15,1-18 0,-19-17-1,1-1 1,17 19 0,1-1-1,-1-17 1,0 17-1,1-17 1,-1 0 15,1-1-15,-1 19 0,18-1-16,0 0 15,0-17 1,0 17-1,0 1 1,0-1 15,0 1-15,0-1 0,0-17-1,18-1 1,-1-17-1,1 18 1,-1 18 0,36-19-1,0 19 1,0-1 0,18-17-1,-36 35 1,53-18-1,-17 18 1,17 0 0,-17 0-1,17 0 1,-35 0 0,-36 18-1,1-18 1,-18 17 15,18 1-15,-18 17-1,17 18 1,1-18 0,-18 18-1,0-17 1,18 17-1,-18-1 1,0-34 0,0 0-1,0 17 1,-18 18 0,-17 0-1,-36-18 1,18 0-1,-35 1 1,17-1 15,18-17-15,18-1 0,18-17-16,-1 0 15,0 0 1,1 0-1,-19 0 1,1 0 0,-18 0-1,18-17 1,-18-1 0,-18 0-1,36-17 1,0 17-1,0 1 1,17-1 15,0 1-31,18-1 16,0-17 0,0-1-1,0 1 1,0-18-1,18 0 1,17 18 0,53-18-1,-35 0 1,-35 35 15,0 18 0,-1-17-31,19 17 16,-1-18-16,35 18 31,-17 0-15,0 18 0,-18-1-1,1 1 1,-19 0-1,1 35 1,17 0 0,1-1-1,-1 1 1,0-17 0,-35-19-1,0 1-15,0 0 16,0-1 15,0 1-31,0 0 31,0 17-15,0-18 0,-18 19-1,-17-19 1,18 1-1,-1 0 1,0-18 0,1 17-1</inkml:trace>
+  <inkml:trace contextRef="#ctx0" brushRef="#br0" timeOffset="17606.9">6191 8308 0,'0'-18'32,"18"18"-17,70-17 1,106 17-1,35 0 1,18 0 0,-17 0-1,-1 0 1,-88 0 0,-35 0-1,-36 0 1,1 0-1,17 0 1,-17 0 15,-18 0-15,-18 0-16,36 0 16,-36 0-1,0 0 1,-17 0-1</inkml:trace>
+  <inkml:trace contextRef="#ctx0" brushRef="#br0" timeOffset="29271.72">8784 17163 0,'0'-18'63,"18"18"-32,17 0-15,0-18-1,89 18 1,52 0 0,36-17-1,0 17 1,35-18-1,-177 18 1,89 0 0,-71 0-1,18 0 1,17 0 0,1 0-1,-18 0 1,17 0-1,-17 18 1,53-18 15,-18 0-15,-35 0-16,-18 17 16,88-17-1,18 18 1,18 0-1,-71-18 1,-53 0 0,-35 0-1,-35 0 1,17 0 0,18 0-1,0 0 1,-18 0 15</inkml:trace>
+  <inkml:trace contextRef="#ctx0" brushRef="#br0" timeOffset="30190.98">14711 17216 0,'17'-18'47,"36"18"-32,18-18 1,52 1-16,36-1 15,194 0 1,-177 18-16,195 0 16,-36 0-1,-88 0 1,-71 0 0,18-17-1,-17 17 1,-1 0 15,-70 0-31,-36 0 31,-17 0-15,18 0 0,17 0-1,53 0 1,-53 0-1,-70 0 32</inkml:trace>
+  <inkml:trace contextRef="#ctx0" brushRef="#br0" timeOffset="40511.79">2893 494 0,'0'35'63,"-35"0"-63,17 18 15,-53 53 1,-52 88 0,35-53-1,35-35 1,35-53 0,18-88 62,0-18-78,0 0 15,18 0-15,17 0 16,-17 0-16,70-88 16,-35 18-1,0 34 1,0 1 15,-18 35-15,18 0-1,0 36 1,-18 17 0,0-18-1,1 18 1,16 0-1,19 0 1,17 0 0,-53 0-1,-17 18 17,-18-1-17,0 36 16,0 18-31,-18-18 16,-34 0 15,16 0-15,19-36-16,-36 19 16,17-19-1,-52 18 1,53-17-1,17-18 17,1 0-17,-1 0 1,0 0 15,1 0-15,-1 0-1,1 0-15,-19 0 32,19 0-17,-1 0 95,18-18-63,0 1-32,0-1 1</inkml:trace>
+  <inkml:trace contextRef="#ctx0" brushRef="#br0" timeOffset="44995.25">2187 265 0,'0'17'62,"0"1"-62,0 17 16,0 0 0,0 71-1,-17 35 1,-1-35-1,-17-18 1,35-52-16,-18 34 16,0-17-1,1-18 1,17-17 0,0 0-1,-18-18 16</inkml:trace>
+  <inkml:trace contextRef="#ctx0" brushRef="#br0" timeOffset="46559.03">2205 370 0,'17'0'31,"1"0"-15,0 0-16,-1 0 16,54 0-1,0 0 1,34 0-1,72-17 1,-1-18 0,-52 17-1,-89 18-15,-17 0 16,-1 0-16,1 0 16,-18-18-1,53 1 1,0 17 15,-36 0-15,19 0-1,-19 0 1,1 0 15,17 0-15,-17 0-1,17 0 1,-17 0-16,17 0 16,-17 0-1,-1 0 1,1 0 0,0 0 15,-1 0 0,18 0-15,1 0-1,-19 0-15,19 0 16,-36 17 156,0 1-157,0 0-15,0 17 16,-36 18-16,-34 105 31,35-87-31,-1 35 16,-17 17 0,36-52-1,-1-1 1,18 1-1,-18-36 1,18-17 0,0 17-1,0-17 1,-17-1 0,17 1-1,0 0 16,0-1 48</inkml:trace>
+  <inkml:trace contextRef="#ctx0" brushRef="#br0" timeOffset="47847.62">2064 1358 0,'17'0'78,"1"0"-62,0 0-1,17 0 1,35 0 0,1 0-1,53 0 1,-1 0-1,-35 0 1,-17 0 0,-54 0-1,1-17 1,35 17 0,53 0-1,0 0 1,-53 0-16,-1 0 15,-34 0 17,0 0-17,-1 0 1,1 0 0,0 0-1,-1 0 16,19 0-15,-1 0-16,0 0 16,-17 0-16,17 0 15,-17 0 48,-1-18-48,1 18-15</inkml:trace>
+  <inkml:trace contextRef="#ctx0" brushRef="#br0" timeOffset="49245.18">2117 1023 0,'0'0'0,"-18"0"15,0 18 1,1 17-16,-1 0 15,0-17 17,1 17-17,17-17 1,0-1 15,0 1-15,0 0-1,-18-1 1,1 19 0,17-19-1,0 1 48,0 0 31,17-18-63,1 0-16,-1 0 1,1 0 0,17 0-1,1 0 1,17 17 0,-36-17-1</inkml:trace>
+</inkml:ink>
+</file>
+
+<file path=ppt/ink/ink4.xml><?xml version="1.0" encoding="utf-8"?>
+<inkml:ink xmlns:inkml="http://www.w3.org/2003/InkML">
+  <inkml:definitions>
+    <inkml:context xml:id="ctx0">
+      <inkml:inkSource xml:id="inkSrc0">
+        <inkml:traceFormat>
+          <inkml:channel name="X" type="integer" max="1920" units="cm"/>
+          <inkml:channel name="Y" type="integer" max="1080" units="cm"/>
+          <inkml:channel name="T" type="integer" max="2.14748E9" units="dev"/>
+        </inkml:traceFormat>
+        <inkml:channelProperties>
+          <inkml:channelProperty channel="X" name="resolution" value="36.43264" units="1/cm"/>
+          <inkml:channelProperty channel="Y" name="resolution" value="36.48649" units="1/cm"/>
+          <inkml:channelProperty channel="T" name="resolution" value="1" units="1/dev"/>
+        </inkml:channelProperties>
+      </inkml:inkSource>
+      <inkml:timestamp xml:id="ts0" timeString="2021-04-08T02:51:17.613"/>
+    </inkml:context>
+    <inkml:brush xml:id="br0">
+      <inkml:brushProperty name="width" value="0.05292" units="cm"/>
+      <inkml:brushProperty name="height" value="0.05292" units="cm"/>
+      <inkml:brushProperty name="color" value="#FF0000"/>
+    </inkml:brush>
+  </inkml:definitions>
+  <inkml:trace contextRef="#ctx0" brushRef="#br0">9402 2381 0,'17'0'78,"1"0"-47,-1 0 1,1 0-1,0 0 16,-1 18-47,1 0 15,17-18 1,-17 17 0,17 1-1,0-1 1,1-17-1,-19 18 1,19 0 15,-19-1-15,1-17 0,0 0-1,-1 0 1,1 0-1,0 18 1,17-18 0,-18 0-16,36 0 15,-17 18 1,17-1 0,-1-17-1,19 18 1,-18-18-1,17 18 1,-17-18 15,18 0-15,-36 0 0,36 17-1,-1-17 1,1 0-1,-1 0 1,1 0 0,17-17-1,-53 17 1,18 0 0,0-18-1,-35 18 1,17-18-1,18 1 1,-18 17 15,1-18-15,-1 18 0,0-18-1,-17 18 1,0 0-1,-1-17 1,1-1 0,-1 18-1,19-18 1,-19 18 15,1-17-15,0 17-1,17-18 1,-17 1 15,-1-1-15,1 18 0,-1-18-1,1 18 1,0 0-1,-1-17 1,1-1 0,0 18-1,-18-18 1,17 18 0,1 0-1</inkml:trace>
+  <inkml:trace contextRef="#ctx0" brushRef="#br0" timeOffset="1223.93">9490 2417 0,'-18'0'47,"0"0"-16,1 0-15,17-18-16,-18 18 31,1 0 16</inkml:trace>
+  <inkml:trace contextRef="#ctx0" brushRef="#br0" timeOffset="51098.7">13847 14093 0,'0'0'0,"-18"0"0,0-17 15,1-1-15,-1 1 32,-17-19-17,17 1 1,0 17-16,-17-35 16,18 18-1,-1 0 1,0-18-1,18 18 1,0-18 0,0 18-1,18-1 1,17-17 0,18 0-1,0 18 1,0 17 15,0-17-15,35 0-1,-35 17 1,17 18 0,1 0-1,-18 0 1,0 0-1,-18 0 1,-17 0 0,17 0-1,-17 0 1,52 53 0,-34-18-1,-1 18 1,-18-17 15,19-1-15,-19 0-1,19 18 1,-19 0 0,1-18-1,-18 18 1,0-17-1,0 16 1,0 19 0,-18-53-1,18 17-15,-17 0 16,-1-17 0,0 17-1,1-17 16,-19-1-15,-16 1 0,-1 17-1,0-17 1,0 0 0,0-1-1,35-17 1,1 18-1,-19-18 1,19 0 0,-1 0-1,-17 0 1,17-18 0,0 1-1,1-1 1,-1-17 15,-17-1-15,17 19-1,-17-19 1,35 19 0,0-1 15,0 1-16,0-1 1</inkml:trace>
+  <inkml:trace contextRef="#ctx0" brushRef="#br0" timeOffset="53975.68">4251 16457 0,'0'-18'63,"18"18"-48,52 0-15,36 0 16,123 0 0,18 0-1,0 0 1,-53 0 15,-88 0-31,53 0 16,-53 0-1,17 0 1,54 0 0,17 0-1,-53 0 1,-36 0-1,-52 18 1</inkml:trace>
+  <inkml:trace contextRef="#ctx0" brushRef="#br0" timeOffset="56832.02">14799 14358 0,'0'18'78,"-18"17"-63,1 18-15,-89 70 32,35 1-17,36-36 1,17-35 0,18-35 15,0-36 0</inkml:trace>
+  <inkml:trace contextRef="#ctx0" brushRef="#br0" timeOffset="57143.64">14764 14570 0,'0'0'0,"35"0"15,18 70 1,0 1-1,-35-36 1,-1 0 0</inkml:trace>
+  <inkml:trace contextRef="#ctx0" brushRef="#br0" timeOffset="57447.98">14940 14623 0,'18'-18'31,"17"18"-31,-17 0 16,17-18-1,18 1 1,-18 17 0,-17 0-1,-1-18 1</inkml:trace>
+  <inkml:trace contextRef="#ctx0" brushRef="#br0" timeOffset="58287.27">15222 14340 0,'0'36'31,"0"17"-31,-17 105 16,-19-17 0,36-52-1,0-19 1,-17-52 15,17 0 47,-18-18-78,1 0 16,-1 0-1,-17 0 1,-36 35 0,1-35-1,-1 17 1,36-17 0,17 18-1,18 0 16,0-1-15,0 19 0,18-36-1,-1 17 1,19 1 0,17 0-1,-1-18 1,1 0-1,-17 0 1,-1-18 0,-17 0-1,-1-17 1,1 0 0,-1 17-1,-17 0 1,0 1 15,-17 17-15,-1 0 15,1 0-15,-19-18-16</inkml:trace>
+  <inkml:trace contextRef="#ctx0" brushRef="#br0" timeOffset="58936.06">15540 14358 0,'-18'18'47,"18"17"-32,-17 0-15,-19 36 16,1-18-1,17-36 17,36-17 30,0 0-62,-1 0 16,19 0-1,-19 0-15,36 0 16,35 0 0,-35 0-1,-35 0 1</inkml:trace>
+  <inkml:trace contextRef="#ctx0" brushRef="#br0" timeOffset="59392.1">15416 14764 0,'0'17'47,"53"-17"-16,-17 0-31,34 0 16,36-17-1,-18 17 1,-53-18-1,-17 18 32,0 0-31,-1 0 0</inkml:trace>
+  <inkml:trace contextRef="#ctx0" brushRef="#br0" timeOffset="60335.62">15540 15011 0,'0'17'16,"0"1"0,0 0-1,0-1 32,18 1-31,34 0-1,1-1 1,-17-17 0,-1 0-1,-17 0 1,-1 0 0,1 0-1,-1-17 1,1-1 15,0 0-15,-18-17-1,0 17 1,0 1 31,-18 17-32,0 0 1,1 0 0,-1 0-1,-17 0 1,17 0 0,1 0 62,-1 0-31,0 0-32,1 0 1</inkml:trace>
+  <inkml:trace contextRef="#ctx0" brushRef="#br0" timeOffset="61631.2">16157 14164 0,'0'18'31,"-35"-18"-15,17 35-1,1-17-15,-54 35 16,18-1-1,36-34 1,17 0 31,17-18-16,1 0-15,17 0-16,36 0 15,-1 0 17,-34-18-32,16 18 15,-16 0 1,-19 0 0,-17-18 46,0 1-31,-17-1-31,-1 18 16,18-17-16,-18-1 16,-17-35-1,18 35 1,17 1-1,0 34 110,0 36-109,-18 53 0,-17 35-1,17 18 1,0-89-16,1 54 16,-1-18-1,18-18 1,0-53 15,0 1-15,0-19-1</inkml:trace>
+</inkml:ink>
+</file>
+
+<file path=ppt/ink/ink5.xml><?xml version="1.0" encoding="utf-8"?>
+<inkml:ink xmlns:inkml="http://www.w3.org/2003/InkML">
+  <inkml:definitions>
+    <inkml:context xml:id="ctx0">
+      <inkml:inkSource xml:id="inkSrc0">
+        <inkml:traceFormat>
+          <inkml:channel name="X" type="integer" max="1920" units="cm"/>
+          <inkml:channel name="Y" type="integer" max="1080" units="cm"/>
+          <inkml:channel name="T" type="integer" max="2.14748E9" units="dev"/>
+        </inkml:traceFormat>
+        <inkml:channelProperties>
+          <inkml:channelProperty channel="X" name="resolution" value="36.43264" units="1/cm"/>
+          <inkml:channelProperty channel="Y" name="resolution" value="36.48649" units="1/cm"/>
+          <inkml:channelProperty channel="T" name="resolution" value="1" units="1/dev"/>
+        </inkml:channelProperties>
+      </inkml:inkSource>
+      <inkml:timestamp xml:id="ts0" timeString="2021-04-08T02:52:23.940"/>
+    </inkml:context>
+    <inkml:brush xml:id="br0">
+      <inkml:brushProperty name="width" value="0.05292" units="cm"/>
+      <inkml:brushProperty name="height" value="0.05292" units="cm"/>
+      <inkml:brushProperty name="color" value="#FF0000"/>
+    </inkml:brush>
+  </inkml:definitions>
+  <inkml:trace contextRef="#ctx0" brushRef="#br0">14058 6597 0,'18'0'47,"-1"0"-47,19 0 15,105-35 1,71 35 0,123 0-1,-35 0 1,-36 0 15,-176 0-31,1 0 16</inkml:trace>
+  <inkml:trace contextRef="#ctx0" brushRef="#br0" timeOffset="760.08">14305 7426 0,'35'0'16,"36"0"-1,0 0 1,34 0 0,19 0-1,17 0 1,0 0 15,18 0-15,-89 0-16,19 0 15,-37 0 1,-34 0 0</inkml:trace>
+  <inkml:trace contextRef="#ctx0" brushRef="#br0" timeOffset="8984.99">7673 6562 0,'-18'-18'32,"36"18"-1,0 0-15,52 0-1,1 0-15,123 0 16,53 0-1,-36 0 1,-17 0 0,-53 0-1,1 0 1,34 0 0,-35 0-1,0 0 1,-35 0-1,-35 0 17,-54 0-1,1 0-31,-1 0 16,36 18-1,18-18 1,0 0-1,-36 0 1,-18 0 0</inkml:trace>
+</inkml:ink>
+</file>
+
+<file path=ppt/ink/ink6.xml><?xml version="1.0" encoding="utf-8"?>
+<inkml:ink xmlns:inkml="http://www.w3.org/2003/InkML">
+  <inkml:definitions>
+    <inkml:context xml:id="ctx0">
+      <inkml:inkSource xml:id="inkSrc0">
+        <inkml:traceFormat>
+          <inkml:channel name="X" type="integer" max="1920" units="cm"/>
+          <inkml:channel name="Y" type="integer" max="1080" units="cm"/>
+          <inkml:channel name="T" type="integer" max="2.14748E9" units="dev"/>
+        </inkml:traceFormat>
+        <inkml:channelProperties>
+          <inkml:channelProperty channel="X" name="resolution" value="36.43264" units="1/cm"/>
+          <inkml:channelProperty channel="Y" name="resolution" value="36.48649" units="1/cm"/>
+          <inkml:channelProperty channel="T" name="resolution" value="1" units="1/dev"/>
+        </inkml:channelProperties>
+      </inkml:inkSource>
+      <inkml:timestamp xml:id="ts0" timeString="2021-04-08T02:53:03.246"/>
+    </inkml:context>
+    <inkml:brush xml:id="br0">
+      <inkml:brushProperty name="width" value="0.05292" units="cm"/>
+      <inkml:brushProperty name="height" value="0.05292" units="cm"/>
+      <inkml:brushProperty name="color" value="#FF0000"/>
+    </inkml:brush>
+  </inkml:definitions>
+  <inkml:trace contextRef="#ctx0" brushRef="#br0">19279 8855 0,'0'0'0,"-17"0"32,-1 0-17,0 17 1,-17 1-16,-71 70 31,-17 53-15,-18-35-1,-36 18 1,36-36 0,53-18-1,70-52 1,18 0 78,0-1-79,18 1-15,17 35 16,71 35 15,0 36-15,0-19-1,-36-52 1,-52 0 0,0-35-16,-1-18 15,1 35 1,-18 0-1,18-35 1,-18 18 0,0 0-1,0-1 1</inkml:trace>
+  <inkml:trace contextRef="#ctx0" brushRef="#br0" timeOffset="861.56">18856 11783 0,'-18'-18'16,"1"18"-1,-1 35 1,-88 54 0,-17 16-1,-54 19 1,36-18 0,124-89-1,-19 1 1,19 0-1,17-1 79,17 19-78,1-1-16,17 0 15,36 36-15,-1-1 16,71 71 0,18 36-1,-88-124-15,17 70 16,-17-35 0,-54-52-1</inkml:trace>
+</inkml:ink>
+</file>
+
+<file path=ppt/ink/ink7.xml><?xml version="1.0" encoding="utf-8"?>
+<inkml:ink xmlns:inkml="http://www.w3.org/2003/InkML">
+  <inkml:definitions>
+    <inkml:context xml:id="ctx0">
+      <inkml:inkSource xml:id="inkSrc0">
+        <inkml:traceFormat>
+          <inkml:channel name="X" type="integer" max="1920" units="cm"/>
+          <inkml:channel name="Y" type="integer" max="1080" units="cm"/>
+          <inkml:channel name="T" type="integer" max="2.14748E9" units="dev"/>
+        </inkml:traceFormat>
+        <inkml:channelProperties>
+          <inkml:channelProperty channel="X" name="resolution" value="36.43264" units="1/cm"/>
+          <inkml:channelProperty channel="Y" name="resolution" value="36.48649" units="1/cm"/>
+          <inkml:channelProperty channel="T" name="resolution" value="1" units="1/dev"/>
+        </inkml:channelProperties>
+      </inkml:inkSource>
+      <inkml:timestamp xml:id="ts0" timeString="2021-04-08T02:53:22.880"/>
+    </inkml:context>
+    <inkml:brush xml:id="br0">
+      <inkml:brushProperty name="width" value="0.05292" units="cm"/>
+      <inkml:brushProperty name="height" value="0.05292" units="cm"/>
+      <inkml:brushProperty name="color" value="#FF0000"/>
+    </inkml:brush>
+  </inkml:definitions>
+  <inkml:trace contextRef="#ctx0" brushRef="#br0">9648 3016 0,'0'-17'46,"18"17"-30,0 0-16,17-18 16,36-17-1,-1 35 1,-17 0 0,-35 0-1,-71 0 95,-88 17-95,70-17-15,-52 36 31,-18-1-15,105-17 0,19-1-1,17 18 1,-18 54 0,0-19-1,18 1 1,18-1-1,17-34 1,1-19 0,-1 1-1,-18-18-15,36 0 16,71 0 0,229-106-1,-124 35 16,-106 19-15,-87 34 0,-36-17-1,0 17 1,17 18-16</inkml:trace>
+  <inkml:trace contextRef="#ctx0" brushRef="#br0" timeOffset="380.55">10442 2875 0,'0'0'0,"-35"141"16,0 0 0,17 53-1,0-105-15,1-1 16,17-35-1,0-36 48,0-34-47</inkml:trace>
+  <inkml:trace contextRef="#ctx0" brushRef="#br0" timeOffset="632.69">10354 3228 0,'18'-18'15,"17"18"1,0 0-16,53-17 15,18-1 1,0 0 0,-18 1-1,-17 17 1,-1 0 0</inkml:trace>
+  <inkml:trace contextRef="#ctx0" brushRef="#br0" timeOffset="1816.67">11007 2946 0,'0'-18'47,"17"18"-32,72-35 1,34 17 0,18 18-1,-17 0 1,-72 18 0,-34-18-1,-18 17-15,0 1 16,0 17-1,0 1 1,-53 52 0,-17-18-1,-19-17 1,37-35 15,16 0-15,19-18-1,-1 17 1,-17 18 0,-1 1-1,1 17 1,-18 53 0,36-71-1,17 0 1,0-17-1,53-18 17,17 0-17,36-18 1,35-35 0,-35 0-1,0 18 16,-71 17-31,0 1 16,1-19 0,-1 19-1,-18 17 1,1-18 0,-18 0-1,0 1 1,18 17-1</inkml:trace>
+  <inkml:trace contextRef="#ctx0" brushRef="#br0" timeOffset="2249.65">12118 2663 0,'0'0'0,"0"36"16,0 17-16,0 70 31,0 36-31,0 17 16,0-52 15,0-36-16,0-35 1,0-35 0,0-1-1,18-17 1</inkml:trace>
+  <inkml:trace contextRef="#ctx0" brushRef="#br0" timeOffset="8033.01">15452 3351 0,'17'0'16,"1"0"0,0 0-1,-18-17 1,35-19 0,0 1-1,18-35 1,106-36-1,-36 0 1,-35 18 0,1 35-1,-19 0 1,1 0 0,35-35-1,-36 35 16,1 18-15,-1-1 0,18 1-1,18-35 1,0 34 0,0 1-1,0 0 1,35 17-1,-35 0 1,-18 1 0,-35 17-16,53 0 15,0 0 1,-1 17 15,19 36-15,-54 0-1,1 0 1,-18-18 0,17 54-1,54 16 1,105 107 0,-176-159-1,88 71 1,-88-54-1,0-17 1,0 0 0,18 0-1,-1 0 1,-17-18 15,0 18-15,35 0-1,-53-18-15,18-17 16,106 70 0,-106-53-1,53 1 1,-36-19 0,-17-17-1,35 0 1,36 0-1,35 0 1,17-35 0,-52 0-1,-1-18 1,-52 17 0,-1 1 15,-17 0-16,71-36 1,-54 36 0,18 0-1,-17-18 1,17 18 0,-17-18-1,17-18 1,-18 18-1,19-17 1,-19 17 0,18-35-1,-52 70 1,69-70 15,-52 35-15,0 35-1,0-17 1,0 0 0,-18 17-1,1 0 1,17 1 0,-18-19-1</inkml:trace>
+  <inkml:trace contextRef="#ctx0" brushRef="#br0" timeOffset="10572.29">16175 4904 0,'35'-18'125,"0"-17"-109,18-1-16,88-87 16,36 17-1,-18-17 16,-89 70-31,-17 17 16,18 1-16,34-35 16,19 17-1,-54 35 1,1 18 0,-36 0-1,36 0 1,35 18-1,70 17 1,-17 18 0,0 17-1,-54-17 1,-34 0 15,-18 0-15,0 0-1,53 71 1,-18-36 0,-18-18-1,1 1 1,0-18 0,17 17-1,-18-17 1,-17-17-1,18-1 1,-18 0 0,70 18-1,-52-35 1,-1-1 15,1-17-15,35 0-1,-1-17 1,1-1 0,18 0-1,-18-17 1,-1-18 0,19 0-1,-36 0 1,0 0-1,0 18 1,18-18 0,-53 18-1,18-18 1,17-17 15,0-1-31,36 0 31,-19 1-15,-16 17 0,-1 0-1,35-70 1,-17 52 0,-53 36-1,71-18 1,-36 0-1,-18 18 1,-17 17 0,-17 0-1,-19 1 1,18 17 0,1 0 15,17 0-16,-18-18 1,0 18-16,18-18 16,0 1-1,-18 17 1,1 0 0,-19 0-1</inkml:trace>
+  <inkml:trace contextRef="#ctx0" brushRef="#br0" timeOffset="37748.78">18838 3316 0,'0'18'63,"0"-1"-63,0 1 15,0 53 1,-17-18 0,-1 17-1,18-35 1,0 1 0,0-19-1,0 1 1,-18 17-1,18-17 1,0 35 0,0-36-16,-17 19 31,17-1-31,0 0 31,0-17-15,0 35-1,0-18 1,0 0 0,0-17-1,0 0 1,0 17 0,0-17-1,0-1 1,0 36-1,-18 0 1,18-18 0,0 1-1,0-19 17,0 1-17,0-1 1,0 1-1,0 17 1,0-17 0,0 17-1,0-17 17,0 0-17,0 17 1,0 0-1,0-17 1,0-1 0,0 19-1,0-1 1,0 0 0,0-17 15,0 17-16,0-17 1,0-1 0,0 1-1,18 0 32,-18-1-31,0 1-1,0 0 1,0-1 0,0 1 31,17-18-16,-17 18-31</inkml:trace>
+  <inkml:trace contextRef="#ctx0" brushRef="#br0" timeOffset="39771.54">19950 3757 0,'0'18'79,"0"-1"-64,0 19-15,0-19 16,0 36-1,0 0 1,-18 0 0,18-18-1,0 18 1,-18-17 0,18 16-1,-17-16 1,17-1-1,0 18 1,0-18 0,0 18-1,-18 0 1,18-35 0,0-1 15,0 19-16,-18-19 1,18 1 0,-17-1-1,17 1 1,0 0 0,0-1-16,0 1 31,-18 0-16,18-1 1,0 1 0,-18 17-1,18-17 17,-17 0-32,17 17 31,0-18-16,0 19 1,0-19 0,0 1-1,0 0 1,0-1 0,0 1-1,0 0 1,0-1-1,17 1 1,-17-1 15,18 1-15,-18 0 15,0-1-15,0 1-1,18-18 1,-18 18 0,0-1-1,0 1 1,17-18 0,-17 18-1,0-1 1,18-17-1,-18 18 1,18-1 93,-18 1-109</inkml:trace>
+  <inkml:trace contextRef="#ctx0" brushRef="#br0" timeOffset="47036.38">19420 2522 0,'-17'0'15,"17"-17"1,-18 17-1,1 0 1,-1-18 0,0 0-1,-17 1 1,17-1 0,18-17-1,-17 17 1,17 1-1,0-1 1,-18 18 0,18-35-1,0-1 1,0 19 0,0-18 15,0-1-16,0 1 1,35 0 0,-17-1-1,17 1 1,1 0 0,-19 35-16,1-18 15,-1 1-15,19-1 16,-19 0-1,19 1 1,-19 17 0,1 0-1,0 0 17,-1 0-17,1 0 1,-1 0-1,19 0 1,-1 0 0,-17 17-1,-1-17 1,1 0 0,0 18-1,-1 0 1,-17 17-1,18-18 1,-18 19 0,17 17-1,1-18 1,-18 18 15,0-18-15,0 0-1,0 1 1,-18-1 0,18 0-1,-17 1 1,17-19 0,-18 1-1,1-1 16,-1-17-15,0 18 0,1-18-1,-1 18 17,0-18-17,1 0 1,-1 17-1,0-17 1,1 0 0,-1 0-1,18 18 17,-17-18-1,-1 0-16,0 0-15,18 18 16,-17-18 15,-1 0 1,0 0 14</inkml:trace>
+  <inkml:trace contextRef="#ctx0" brushRef="#br0" timeOffset="50075.47">17992 5539 0,'-18'17'63,"0"1"-48,1 17-15,-19 0 16,1 36 0,0-18-1,0 17 1,17-52 0,-17 17-16,-36 36 31,18-18-16,18-18 1,17-17 0,18-1-1,0 1 1,18-18 171,17 0-171,106-35 0,-88 17-1,35 1 1,-35 17 0,-17 0-16,-19 0 62,1 0-46,0 0-1,17 0-15,0 0 16,18 0 0,-18 0 15,1 0-16,17 0 1,-36 0 0,18 0-1,-17 0 1,17 0 0,1 0-16,34 17 15,-52-17 1,-53 0 156,17-17-172,0-19 15,-17 1 1,0 0 0,-1-1-1,19 1 1,-1 17-1,18 1 1,-17-1 0,17-17-1,-18 35 1,18-18 0,-18 1 15,1 17-16,-1-18 1,18 0 0,-18 18-1,1-17 1,-1-1 15,0 18-15,18-18-16,-17 1 15,17-1 1,-18 18 0,18-17-1,-17 17 1,17-18 0,-18 18 15,0 0 0,18-18-15,-17 18-1,-1-17 1,0-1 0</inkml:trace>
+  <inkml:trace contextRef="#ctx0" brushRef="#br0" timeOffset="64276.48">20285 4128 0,'-18'0'78,"0"0"-31,1 0-31,17 17 0,-18-17-1,1 18 1,-1-18 15,18 17-31,-18-17 16,-17 18-1,17 0 1,1-18 15,17 17-15,-18-17-1,0 0 1,1 18 0,17 0-1,-18-18 1,1 17 0,-1-17 30,0 18-30,18 0 172,0-1-173,0 1 1,18-1-1,0 1 1,-1 17 0,1-17-1,-1 0 17,1-1-17,-18 1 1,18-18-1,-18 18 32,0-1 0,0 1 0,17-18-31,-17 17-1,18-17 1</inkml:trace>
+  <inkml:trace contextRef="#ctx0" brushRef="#br0" timeOffset="65403.46">20038 4374 0,'0'-17'16,"17"17"-1,1 0 1,0 0 0,-1 0-16,54 0 15,-18 0 17,17 0-17,-34 17 1,17 19-1,-1-1 1,1 18 0,-17-18-1,17 18 1,-18-18 0,18 36-1,-36-53 1,54 52-1,-36-17 1,1 0 15,-19 0-31,36-18 32,-35 0-17,17-17 1,0 17-1,-17 1 1,17-19 0,-17-17 15,-1 0 0,1 0-15,0 0 93</inkml:trace>
+</inkml:ink>
+</file>
+
+<file path=ppt/ink/ink8.xml><?xml version="1.0" encoding="utf-8"?>
+<inkml:ink xmlns:inkml="http://www.w3.org/2003/InkML">
+  <inkml:definitions>
+    <inkml:context xml:id="ctx0">
+      <inkml:inkSource xml:id="inkSrc0">
+        <inkml:traceFormat>
+          <inkml:channel name="X" type="integer" max="1920" units="cm"/>
+          <inkml:channel name="Y" type="integer" max="1080" units="cm"/>
+          <inkml:channel name="T" type="integer" max="2.14748E9" units="dev"/>
+        </inkml:traceFormat>
+        <inkml:channelProperties>
+          <inkml:channelProperty channel="X" name="resolution" value="36.43264" units="1/cm"/>
+          <inkml:channelProperty channel="Y" name="resolution" value="36.48649" units="1/cm"/>
+          <inkml:channelProperty channel="T" name="resolution" value="1" units="1/dev"/>
+        </inkml:channelProperties>
+      </inkml:inkSource>
+      <inkml:timestamp xml:id="ts0" timeString="2021-04-08T02:58:04.021"/>
+    </inkml:context>
+    <inkml:brush xml:id="br0">
+      <inkml:brushProperty name="width" value="0.05292" units="cm"/>
+      <inkml:brushProperty name="height" value="0.05292" units="cm"/>
+      <inkml:brushProperty name="color" value="#FF0000"/>
+    </inkml:brush>
+  </inkml:definitions>
+  <inkml:trace contextRef="#ctx0" brushRef="#br0">21061 5450 0,'0'53'31,"-18"18"-15,-70 105-1,70-88 1,-70 107 0,71-125-1,17-52 1</inkml:trace>
+  <inkml:trace contextRef="#ctx0" brushRef="#br0" timeOffset="400.61">21078 5503 0,'0'18'15,"18"0"1,35 52-1,-18 54 1,-17-89-16,0 18 16,70 106-1,-53-89 1,-17-17 0</inkml:trace>
+  <inkml:trace contextRef="#ctx0" brushRef="#br0" timeOffset="933.6">20973 5856 0,'0'-18'31,"17"18"-31,19-17 16,34 17 0,-35 0-1,18 0 1,-35 0 0,0-18-1,17 18 16,18 0-15,-36 0-16</inkml:trace>
+  <inkml:trace contextRef="#ctx0" brushRef="#br0" timeOffset="3633.92">21555 5715 0,'-18'0'15,"0"0"48,1 0-48,-1 0 1,-17 18-16,0-18 16,-18 53 15,35-36-31,-17 18 15,17-17 1,18 0 0,0-1-1,0 19 1,35-19 0,1 19-1,-1-36 1,-17 0-1,17 0 1,-17 0 0,-1 0-1,1 0 1,-1-18 0,19-17 15,-19-18-16,19 0 1,-36 0 0,17 0-1,-17-18 1,0 1 0,0-1-1,0 18 1,0 18-1,0-18 1,0 106 93,0 0-93,0 0-16,-17 18 16,17-1-1,0 36 1,0 35 0,0-88-1,0-35 1,17-1-1,1-17 1,0 0 0,-1 0-1,36 0 1,18-53 0,-1-17 15,-17-1-16,-53 54-15,18-19 16,-1 1 0,-17 17-1,0 1 17,0-1-17,-35 18 1,18 0 15,-1 0-15,0 18-1,1 17-15,17 0 16,-36 18 0,36 0-1,0-35 1,18-1-1,0 1 1,-1-18 0,1 0-1,17 0 1,0-18 0,-17-35-1,0 1 1,-18-1-1,0 17 1,0 19 0,0 52 46,0 0-46,17 1-1,19 69 1,17 1 0,-18-70-1,-35-19 1,17-17 0,1-17-1,0-19 1,35-52-1,-18 0-15,18-89 16,0 36 0,-36 36-1,19 34 1,-19-17 15,-17 52-31</inkml:trace>
+  <inkml:trace contextRef="#ctx0" brushRef="#br0" timeOffset="4084.42">22454 5203 0,'-17'36'16,"-1"70"-1,-17-1 1,17 19-1,0-18 1,1 0 0,17-18-1,0-18 1,0-17 15,0-35-31,17 0 31,1-18-31,0 0 16,-1 0 0,36 0-1,0-36 1,-35 1 0,17 17-1,-35 1 1,0-1-1,0 0 1,0 1 0,-17 17-16</inkml:trace>
+  <inkml:trace contextRef="#ctx0" brushRef="#br0" timeOffset="7294.59">22207 5803 0,'-17'18'47,"-1"35"-47,0 0 15,-17 53 1,0 35 0,17-36-1,1-52 1,17-17 0,0-19-1</inkml:trace>
+  <inkml:trace contextRef="#ctx0" brushRef="#br0" timeOffset="8100.85">22207 5856 0,'0'-18'31,"18"1"-15,17-1-1,-17 1 1,0 17 15,-1 0 0,1 0-15,-1 35-16,1 0 16,-18 18 15,0 18-16,0-36 1,0 0 0,-35-17-1,17 17 1,-17-35 0,0 0-1,17 0 1,0 0-1,1 0 1,17-18 0,0 1-1,0-1 1,0 1-16</inkml:trace>
+  <inkml:trace contextRef="#ctx0" brushRef="#br0" timeOffset="8568.74">22260 5609 0,'0'0'0,"18"0"15,17 0-15,36-17 16,-18 17-1,-36 0 1</inkml:trace>
+  <inkml:trace contextRef="#ctx0" brushRef="#br0" timeOffset="9711.11">22595 5715 0,'18'0'31,"-18"18"-31,53-18 16,0 0-1,35 0 1,-35-18 0,-18 0-1,1-17 1,-19 0 0,-17-18 15,0 35-31,0-17 15,0 17 1,-35 1 0,-18 17-1,18 0 1,-1 0 0,-34 35-1,-1 18 1,18 35-1,1 0 1,34-52 0,18 16-1,70 19 17,-52-71-17,53 35 1,-18-35-1,-1 0 1,37-17 0,-1-54-1,0-17 1,-17 0 0,-36 35-1,-17-35 1,17 35-1,-18-18 1,-17 54 62,0 52-62,0 35-1,0 19 1,0 105 0,0-71-1,0-52 1,0-36 0,0-70 46,0-1-62,0 1 16,18 0-16,-18-1 15,18 19 1,-1 17 0,1-18 15,35 1-16,-18 17 1,-17 0 0</inkml:trace>
+</inkml:ink>
+</file>
+
+<file path=ppt/ink/ink9.xml><?xml version="1.0" encoding="utf-8"?>
+<inkml:ink xmlns:inkml="http://www.w3.org/2003/InkML">
+  <inkml:definitions>
+    <inkml:context xml:id="ctx0">
+      <inkml:inkSource xml:id="inkSrc0">
+        <inkml:traceFormat>
+          <inkml:channel name="X" type="integer" max="1920" units="cm"/>
+          <inkml:channel name="Y" type="integer" max="1080" units="cm"/>
+          <inkml:channel name="T" type="integer" max="2.14748E9" units="dev"/>
+        </inkml:traceFormat>
+        <inkml:channelProperties>
+          <inkml:channelProperty channel="X" name="resolution" value="36.43264" units="1/cm"/>
+          <inkml:channelProperty channel="Y" name="resolution" value="36.48649" units="1/cm"/>
+          <inkml:channelProperty channel="T" name="resolution" value="1" units="1/dev"/>
+        </inkml:channelProperties>
+      </inkml:inkSource>
+      <inkml:timestamp xml:id="ts0" timeString="2021-04-08T02:58:47.045"/>
+    </inkml:context>
+    <inkml:brush xml:id="br0">
+      <inkml:brushProperty name="width" value="0.05292" units="cm"/>
+      <inkml:brushProperty name="height" value="0.05292" units="cm"/>
+      <inkml:brushProperty name="color" value="#FF0000"/>
+    </inkml:brush>
+  </inkml:definitions>
+  <inkml:trace contextRef="#ctx0" brushRef="#br0">17216 1764 0,'0'-18'93,"0"36"-77,17 0 0,1 34-1,-1 19 1,19 0-1,-36-19 1,17-34-16,1 35 16,0-35 15,-1-1 31,1-34-46,53-107 15,-36 89-31,0-36 16,-17 54 0,-1-19-16,1 19 15,-18 34 48,18 19-48,-1 17-15,1 88 32,-18-35-17,18-89 1,-1-17-1,1 0 17,35-88-17,0-53 1,35 0 0,-35 70-1,-53 107 63,0 34-78,0 54 16,17 17-16,19 123 31,-19-176-31,19 36 16,-19-106-1,-17-1 17,18-34-17,17-213 1,18-87 0,-18-36-1,54-17 1,-1 52-1,-71 124 1,1 141 0,-18 35 15,0 36-15,0 70-16,18 177 31,-1 70-16,19 0 1,-1-70 0,35-1-1,-17-52 1,0-89 0,-35-70-1,-18-35-15,18-18 63,-1-18-48,1-17 1,-18 0-16,53-53 31,-36-18-15,36 35-1,-35 1 1,17-36 0,-17 53-1,-1 18-15,-17 17 16,0 0 78,0 1-79,0-36-15,36-53 16,-19 0 0,-17 36 15,0 34-31,0 19 15,0 34 142,0 19-157,18-1 15,-18 18-15,18 35 16,-1-53 0,1 1-1,0 34 1,-18 1-1,17-36 1</inkml:trace>
+  <inkml:trace contextRef="#ctx0" brushRef="#br0" timeOffset="703.77">19703 2223 0,'17'0'31,"19"0"-15,34 0 0,107-18-1,34 18 1,18 0 15,18 18-15,-70-1-1,-107-17 1</inkml:trace>
+  <inkml:trace contextRef="#ctx0" brushRef="#br0" timeOffset="1390.88">20973 2046 0,'0'18'46,"53"17"-30,-36 0-16,18-35 16,-17 36-1,0-19 17,-18 1-17,0 0 1,0-1-1,0 1 1,0-1 0,0 1-1,0 0 1,-18-1 0,-17 19-1,0 17 1,17-18-1,0-35 1,18 17-16,-17 1 16</inkml:trace>
+  <inkml:trace contextRef="#ctx0" brushRef="#br0" timeOffset="2961.76">21819 1023 0,'18'0'31,"17"18"-16,18-1-15,35 1 16,-35 0 15,-53-1-31,0 1 47,0 0-31,0-1-1,0 18 1,-70 71 0,-18 0-1,35-53-15,17 0 16,-17 18 0,18 52-1,35-70 1,0 0-1,35 0 1,18 0 0,36 0-1,-19-18 1,1-18 15,-71 1-15,17 0-1,-17 17 1,0 36 0,0 17-1,-53 18 1,0 35 0,18-35-1,18-1 1,17-52-1,0-17 1,17-19 0,1 1-1,17-18 17,-17 0-17,-1 0 1,19 18-1,-19-1 1,1 36 0,0-35-1,-1 17 1,18-17 0</inkml:trace>
+  <inkml:trace contextRef="#ctx0" brushRef="#br0" timeOffset="23311.73">10583 9878 0,'18'-18'172,"0"18"-157,-1 0 1,1 0 15,0 0-31,-1-17 16,1 17 15,-1 0-15,1 0-1,0 0 1,-1 0-1,1 0 1,0 0 78,-1 0-79,1 0 1,0 0 0,-1 0-1,1 0-15,17 0 16,0 0 15,-17 0-15,0 0-1,-1 0 1,19 0 0,-19 0-1,36-18 1,-18 18 0,-17 0 202,0 0-202,-1 0 0,1 0-1,0 0 1,-1 0-16,1 0 15</inkml:trace>
+  <inkml:trace contextRef="#ctx0" brushRef="#br0" timeOffset="37966.73">19861 9878 0,'18'0'47,"-18"17"-16,-35-17-15,17 0 0,-52 18-1,-19-18 1,-16 0-1,-1 18 1,18-18 0,17 0-1,18 17 1,18-17 0,17 0-1,-17 0-15,17 0 16,-17 0-1,17 0 1,-17 0 0,-18 0 15,18 0-15,-36 0-1,18 0 1,18 0-1,17 0 1,1 0 0,-18 0-1,17 0 1,-35 0 0,0 0-1,18 0 1,-1 0-1,19 0 1,-1 0 109,1 0-109,-19-35-1,1 35 1,17 0 0,-17-18-1</inkml:trace>
+  <inkml:trace contextRef="#ctx0" brushRef="#br0" timeOffset="110974.81">12312 10195 0,'53'0'63,"17"0"-48,54 0-15,-18 0 16,88 0 0,229 0-1,0 0 1,54 0-1,-19 0 1,-34 36 0,-36-19-1,-194-17-15,158 18 16,-16-18 0,16 0-1,-34 17 1,52 19-1,18-19 17,-52-17-17,-72 18 1,1-18 0,-71 18-1,-18-18 1,142 0-1,-124 0 1,-71 0 0,-35 0-1,-35 0 1,-18 0 0,-17-18 46,0 18 172,-18-18-218,17 18 0,-17-17-1,18 17 1,0-18 0,-1 18-1,1-18 1</inkml:trace>
+</inkml:ink>
 </file>
 
 <file path=ppt/notesMasters/notesMaster1.xml><?xml version="1.0" encoding="utf-8"?>
@@ -723,7 +1366,7 @@
     </p:spTree>
     <p:extLst>
       <p:ext uri="{BB962C8B-B14F-4D97-AF65-F5344CB8AC3E}">
-        <p14:creationId xmlns:p14="http://schemas.microsoft.com/office/powerpoint/2010/main" xmlns="" val="3307674194"/>
+        <p14:creationId xmlns:p14="http://schemas.microsoft.com/office/powerpoint/2010/main" val="3307674194"/>
       </p:ext>
     </p:extLst>
   </p:cSld>
@@ -934,7 +1577,7 @@
     </p:spTree>
     <p:extLst>
       <p:ext uri="{BB962C8B-B14F-4D97-AF65-F5344CB8AC3E}">
-        <p14:creationId xmlns:p14="http://schemas.microsoft.com/office/powerpoint/2010/main" xmlns="" val="3299162868"/>
+        <p14:creationId xmlns:p14="http://schemas.microsoft.com/office/powerpoint/2010/main" val="3299162868"/>
       </p:ext>
     </p:extLst>
   </p:cSld>
@@ -2488,7 +3131,7 @@
           </a:lstStyle>
           <a:p>
             <a:r>
-              <a:rPr lang="ko-KR" altLang="en-US" smtClean="0"/>
+              <a:rPr lang="ko-KR" altLang="en-US"/>
               <a:t>마스터 제목 스타일 편집</a:t>
             </a:r>
             <a:endParaRPr lang="en-US"/>
@@ -2621,7 +3264,7 @@
           </a:lstStyle>
           <a:p>
             <a:r>
-              <a:rPr lang="ko-KR" altLang="en-US" smtClean="0"/>
+              <a:rPr lang="ko-KR" altLang="en-US"/>
               <a:t>마스터 부제목 스타일 편집</a:t>
             </a:r>
             <a:endParaRPr lang="en-US"/>
@@ -2646,7 +3289,7 @@
             <a:fld id="{11B2AAEE-0ECC-4F9E-94C1-A5210D63F3AE}" type="datetimeFigureOut">
               <a:rPr lang="en-US" smtClean="0"/>
               <a:pPr/>
-              <a:t>10/18/2017</a:t>
+              <a:t>4/8/2021</a:t>
             </a:fld>
             <a:endParaRPr lang="en-US"/>
           </a:p>
@@ -2703,7 +3346,7 @@
     </p:spTree>
     <p:extLst>
       <p:ext uri="{BB962C8B-B14F-4D97-AF65-F5344CB8AC3E}">
-        <p14:creationId xmlns:p14="http://schemas.microsoft.com/office/powerpoint/2010/main" xmlns="" val="947387432"/>
+        <p14:creationId xmlns:p14="http://schemas.microsoft.com/office/powerpoint/2010/main" val="947387432"/>
       </p:ext>
     </p:extLst>
   </p:cSld>
@@ -4247,7 +4890,7 @@
           </a:lstStyle>
           <a:p>
             <a:r>
-              <a:rPr lang="ko-KR" altLang="en-US" smtClean="0"/>
+              <a:rPr lang="ko-KR" altLang="en-US"/>
               <a:t>마스터 제목 스타일 편집</a:t>
             </a:r>
             <a:endParaRPr lang="en-US"/>
@@ -4279,35 +4922,35 @@
           <a:p>
             <a:pPr lvl="0"/>
             <a:r>
-              <a:rPr lang="ko-KR" altLang="en-US" smtClean="0"/>
+              <a:rPr lang="ko-KR" altLang="en-US"/>
               <a:t>마스터 텍스트 스타일을 편집합니다</a:t>
             </a:r>
           </a:p>
           <a:p>
             <a:pPr lvl="1"/>
             <a:r>
-              <a:rPr lang="ko-KR" altLang="en-US" smtClean="0"/>
+              <a:rPr lang="ko-KR" altLang="en-US"/>
               <a:t>둘째 수준</a:t>
             </a:r>
           </a:p>
           <a:p>
             <a:pPr lvl="2"/>
             <a:r>
-              <a:rPr lang="ko-KR" altLang="en-US" smtClean="0"/>
+              <a:rPr lang="ko-KR" altLang="en-US"/>
               <a:t>셋째 수준</a:t>
             </a:r>
           </a:p>
           <a:p>
             <a:pPr lvl="3"/>
             <a:r>
-              <a:rPr lang="ko-KR" altLang="en-US" smtClean="0"/>
+              <a:rPr lang="ko-KR" altLang="en-US"/>
               <a:t>넷째 수준</a:t>
             </a:r>
           </a:p>
           <a:p>
             <a:pPr lvl="4"/>
             <a:r>
-              <a:rPr lang="ko-KR" altLang="en-US" smtClean="0"/>
+              <a:rPr lang="ko-KR" altLang="en-US"/>
               <a:t>다섯째 수준</a:t>
             </a:r>
             <a:endParaRPr lang="en-US"/>
@@ -4332,7 +4975,7 @@
             <a:fld id="{11B2AAEE-0ECC-4F9E-94C1-A5210D63F3AE}" type="datetimeFigureOut">
               <a:rPr lang="en-US" smtClean="0"/>
               <a:pPr/>
-              <a:t>10/18/2017</a:t>
+              <a:t>4/8/2021</a:t>
             </a:fld>
             <a:endParaRPr lang="en-US"/>
           </a:p>
@@ -4389,7 +5032,7 @@
     </p:spTree>
     <p:extLst>
       <p:ext uri="{BB962C8B-B14F-4D97-AF65-F5344CB8AC3E}">
-        <p14:creationId xmlns:p14="http://schemas.microsoft.com/office/powerpoint/2010/main" xmlns="" val="210100193"/>
+        <p14:creationId xmlns:p14="http://schemas.microsoft.com/office/powerpoint/2010/main" val="210100193"/>
       </p:ext>
     </p:extLst>
   </p:cSld>
@@ -5933,7 +6576,7 @@
           </a:lstStyle>
           <a:p>
             <a:r>
-              <a:rPr lang="ko-KR" altLang="en-US" smtClean="0"/>
+              <a:rPr lang="ko-KR" altLang="en-US"/>
               <a:t>마스터 제목 스타일 편집</a:t>
             </a:r>
             <a:endParaRPr lang="en-US"/>
@@ -5965,35 +6608,35 @@
           <a:p>
             <a:pPr lvl="0"/>
             <a:r>
-              <a:rPr lang="ko-KR" altLang="en-US" smtClean="0"/>
+              <a:rPr lang="ko-KR" altLang="en-US"/>
               <a:t>마스터 텍스트 스타일을 편집합니다</a:t>
             </a:r>
           </a:p>
           <a:p>
             <a:pPr lvl="1"/>
             <a:r>
-              <a:rPr lang="ko-KR" altLang="en-US" smtClean="0"/>
+              <a:rPr lang="ko-KR" altLang="en-US"/>
               <a:t>둘째 수준</a:t>
             </a:r>
           </a:p>
           <a:p>
             <a:pPr lvl="2"/>
             <a:r>
-              <a:rPr lang="ko-KR" altLang="en-US" smtClean="0"/>
+              <a:rPr lang="ko-KR" altLang="en-US"/>
               <a:t>셋째 수준</a:t>
             </a:r>
           </a:p>
           <a:p>
             <a:pPr lvl="3"/>
             <a:r>
-              <a:rPr lang="ko-KR" altLang="en-US" smtClean="0"/>
+              <a:rPr lang="ko-KR" altLang="en-US"/>
               <a:t>넷째 수준</a:t>
             </a:r>
           </a:p>
           <a:p>
             <a:pPr lvl="4"/>
             <a:r>
-              <a:rPr lang="ko-KR" altLang="en-US" smtClean="0"/>
+              <a:rPr lang="ko-KR" altLang="en-US"/>
               <a:t>다섯째 수준</a:t>
             </a:r>
             <a:endParaRPr lang="en-US"/>
@@ -6026,7 +6669,7 @@
             <a:fld id="{11B2AAEE-0ECC-4F9E-94C1-A5210D63F3AE}" type="datetimeFigureOut">
               <a:rPr lang="en-US" smtClean="0"/>
               <a:pPr/>
-              <a:t>10/18/2017</a:t>
+              <a:t>4/8/2021</a:t>
             </a:fld>
             <a:endParaRPr lang="en-US"/>
           </a:p>
@@ -6099,7 +6742,7 @@
     </p:spTree>
     <p:extLst>
       <p:ext uri="{BB962C8B-B14F-4D97-AF65-F5344CB8AC3E}">
-        <p14:creationId xmlns:p14="http://schemas.microsoft.com/office/powerpoint/2010/main" xmlns="" val="2583259103"/>
+        <p14:creationId xmlns:p14="http://schemas.microsoft.com/office/powerpoint/2010/main" val="2583259103"/>
       </p:ext>
     </p:extLst>
   </p:cSld>
@@ -6307,35 +6950,35 @@
           <a:p>
             <a:pPr lvl="0"/>
             <a:r>
-              <a:rPr lang="ko-KR" altLang="en-US" dirty="0" smtClean="0"/>
+              <a:rPr lang="ko-KR" altLang="en-US" dirty="0"/>
               <a:t>마스터 텍스트 스타일을 편집합니다</a:t>
             </a:r>
           </a:p>
           <a:p>
             <a:pPr lvl="1"/>
             <a:r>
-              <a:rPr lang="ko-KR" altLang="en-US" dirty="0" smtClean="0"/>
+              <a:rPr lang="ko-KR" altLang="en-US" dirty="0"/>
               <a:t>둘째 수준</a:t>
             </a:r>
           </a:p>
           <a:p>
             <a:pPr lvl="2"/>
             <a:r>
-              <a:rPr lang="ko-KR" altLang="en-US" dirty="0" smtClean="0"/>
+              <a:rPr lang="ko-KR" altLang="en-US" dirty="0"/>
               <a:t>셋째 수준</a:t>
             </a:r>
           </a:p>
           <a:p>
             <a:pPr lvl="3"/>
             <a:r>
-              <a:rPr lang="ko-KR" altLang="en-US" dirty="0" smtClean="0"/>
+              <a:rPr lang="ko-KR" altLang="en-US" dirty="0"/>
               <a:t>넷째 수준</a:t>
             </a:r>
           </a:p>
           <a:p>
             <a:pPr lvl="4"/>
             <a:r>
-              <a:rPr lang="ko-KR" altLang="en-US" dirty="0" smtClean="0"/>
+              <a:rPr lang="ko-KR" altLang="en-US" dirty="0"/>
               <a:t>다섯째 수준</a:t>
             </a:r>
             <a:endParaRPr lang="en-US" dirty="0"/>
@@ -6360,7 +7003,7 @@
             <a:fld id="{11B2AAEE-0ECC-4F9E-94C1-A5210D63F3AE}" type="datetimeFigureOut">
               <a:rPr lang="en-US" smtClean="0"/>
               <a:pPr/>
-              <a:t>10/18/2017</a:t>
+              <a:t>4/8/2021</a:t>
             </a:fld>
             <a:endParaRPr lang="en-US"/>
           </a:p>
@@ -6692,7 +7335,7 @@
           </a:lstStyle>
           <a:p>
             <a:r>
-              <a:rPr lang="ko-KR" altLang="en-US" dirty="0" smtClean="0"/>
+              <a:rPr lang="ko-KR" altLang="en-US" dirty="0"/>
               <a:t>마스터 제목 스타일 편집</a:t>
             </a:r>
             <a:endParaRPr lang="en-US" dirty="0"/>
@@ -6734,7 +7377,7 @@
     </p:spTree>
     <p:extLst>
       <p:ext uri="{BB962C8B-B14F-4D97-AF65-F5344CB8AC3E}">
-        <p14:creationId xmlns:p14="http://schemas.microsoft.com/office/powerpoint/2010/main" xmlns="" val="1668913289"/>
+        <p14:creationId xmlns:p14="http://schemas.microsoft.com/office/powerpoint/2010/main" val="1668913289"/>
       </p:ext>
     </p:extLst>
   </p:cSld>
@@ -7974,7 +8617,7 @@
           </a:lstStyle>
           <a:p>
             <a:r>
-              <a:rPr lang="ko-KR" altLang="en-US" smtClean="0"/>
+              <a:rPr lang="ko-KR" altLang="en-US"/>
               <a:t>마스터 제목 스타일 편집</a:t>
             </a:r>
             <a:endParaRPr lang="en-US"/>
@@ -8097,7 +8740,7 @@
           <a:p>
             <a:pPr lvl="0"/>
             <a:r>
-              <a:rPr lang="ko-KR" altLang="en-US" smtClean="0"/>
+              <a:rPr lang="ko-KR" altLang="en-US"/>
               <a:t>마스터 텍스트 스타일을 편집합니다</a:t>
             </a:r>
           </a:p>
@@ -8121,7 +8764,7 @@
             <a:fld id="{11B2AAEE-0ECC-4F9E-94C1-A5210D63F3AE}" type="datetimeFigureOut">
               <a:rPr lang="en-US" smtClean="0"/>
               <a:pPr/>
-              <a:t>10/18/2017</a:t>
+              <a:t>4/8/2021</a:t>
             </a:fld>
             <a:endParaRPr lang="en-US"/>
           </a:p>
@@ -8178,7 +8821,7 @@
     </p:spTree>
     <p:extLst>
       <p:ext uri="{BB962C8B-B14F-4D97-AF65-F5344CB8AC3E}">
-        <p14:creationId xmlns:p14="http://schemas.microsoft.com/office/powerpoint/2010/main" xmlns="" val="2344075942"/>
+        <p14:creationId xmlns:p14="http://schemas.microsoft.com/office/powerpoint/2010/main" val="2344075942"/>
       </p:ext>
     </p:extLst>
   </p:cSld>
@@ -8920,7 +9563,7 @@
           <a:lstStyle/>
           <a:p>
             <a:r>
-              <a:rPr lang="ko-KR" altLang="en-US" smtClean="0"/>
+              <a:rPr lang="ko-KR" altLang="en-US"/>
               <a:t>마스터 제목 스타일 편집</a:t>
             </a:r>
             <a:endParaRPr lang="en-US"/>
@@ -8980,35 +9623,35 @@
           <a:p>
             <a:pPr lvl="0"/>
             <a:r>
-              <a:rPr lang="ko-KR" altLang="en-US" smtClean="0"/>
+              <a:rPr lang="ko-KR" altLang="en-US"/>
               <a:t>마스터 텍스트 스타일을 편집합니다</a:t>
             </a:r>
           </a:p>
           <a:p>
             <a:pPr lvl="1"/>
             <a:r>
-              <a:rPr lang="ko-KR" altLang="en-US" smtClean="0"/>
+              <a:rPr lang="ko-KR" altLang="en-US"/>
               <a:t>둘째 수준</a:t>
             </a:r>
           </a:p>
           <a:p>
             <a:pPr lvl="2"/>
             <a:r>
-              <a:rPr lang="ko-KR" altLang="en-US" smtClean="0"/>
+              <a:rPr lang="ko-KR" altLang="en-US"/>
               <a:t>셋째 수준</a:t>
             </a:r>
           </a:p>
           <a:p>
             <a:pPr lvl="3"/>
             <a:r>
-              <a:rPr lang="ko-KR" altLang="en-US" smtClean="0"/>
+              <a:rPr lang="ko-KR" altLang="en-US"/>
               <a:t>넷째 수준</a:t>
             </a:r>
           </a:p>
           <a:p>
             <a:pPr lvl="4"/>
             <a:r>
-              <a:rPr lang="ko-KR" altLang="en-US" smtClean="0"/>
+              <a:rPr lang="ko-KR" altLang="en-US"/>
               <a:t>다섯째 수준</a:t>
             </a:r>
             <a:endParaRPr lang="en-US"/>
@@ -9068,35 +9711,35 @@
           <a:p>
             <a:pPr lvl="0"/>
             <a:r>
-              <a:rPr lang="ko-KR" altLang="en-US" smtClean="0"/>
+              <a:rPr lang="ko-KR" altLang="en-US"/>
               <a:t>마스터 텍스트 스타일을 편집합니다</a:t>
             </a:r>
           </a:p>
           <a:p>
             <a:pPr lvl="1"/>
             <a:r>
-              <a:rPr lang="ko-KR" altLang="en-US" smtClean="0"/>
+              <a:rPr lang="ko-KR" altLang="en-US"/>
               <a:t>둘째 수준</a:t>
             </a:r>
           </a:p>
           <a:p>
             <a:pPr lvl="2"/>
             <a:r>
-              <a:rPr lang="ko-KR" altLang="en-US" smtClean="0"/>
+              <a:rPr lang="ko-KR" altLang="en-US"/>
               <a:t>셋째 수준</a:t>
             </a:r>
           </a:p>
           <a:p>
             <a:pPr lvl="3"/>
             <a:r>
-              <a:rPr lang="ko-KR" altLang="en-US" smtClean="0"/>
+              <a:rPr lang="ko-KR" altLang="en-US"/>
               <a:t>넷째 수준</a:t>
             </a:r>
           </a:p>
           <a:p>
             <a:pPr lvl="4"/>
             <a:r>
-              <a:rPr lang="ko-KR" altLang="en-US" smtClean="0"/>
+              <a:rPr lang="ko-KR" altLang="en-US"/>
               <a:t>다섯째 수준</a:t>
             </a:r>
             <a:endParaRPr lang="en-US"/>
@@ -9121,7 +9764,7 @@
             <a:fld id="{11B2AAEE-0ECC-4F9E-94C1-A5210D63F3AE}" type="datetimeFigureOut">
               <a:rPr lang="en-US" smtClean="0"/>
               <a:pPr/>
-              <a:t>10/18/2017</a:t>
+              <a:t>4/8/2021</a:t>
             </a:fld>
             <a:endParaRPr lang="en-US"/>
           </a:p>
@@ -9178,7 +9821,7 @@
     </p:spTree>
     <p:extLst>
       <p:ext uri="{BB962C8B-B14F-4D97-AF65-F5344CB8AC3E}">
-        <p14:creationId xmlns:p14="http://schemas.microsoft.com/office/powerpoint/2010/main" xmlns="" val="1157945477"/>
+        <p14:creationId xmlns:p14="http://schemas.microsoft.com/office/powerpoint/2010/main" val="1157945477"/>
       </p:ext>
     </p:extLst>
   </p:cSld>
@@ -9258,35 +9901,35 @@
           <a:p>
             <a:pPr lvl="0"/>
             <a:r>
-              <a:rPr lang="ko-KR" altLang="en-US" smtClean="0"/>
+              <a:rPr lang="ko-KR" altLang="en-US"/>
               <a:t>마스터 텍스트 스타일을 편집합니다</a:t>
             </a:r>
           </a:p>
           <a:p>
             <a:pPr lvl="1"/>
             <a:r>
-              <a:rPr lang="ko-KR" altLang="en-US" smtClean="0"/>
+              <a:rPr lang="ko-KR" altLang="en-US"/>
               <a:t>둘째 수준</a:t>
             </a:r>
           </a:p>
           <a:p>
             <a:pPr lvl="2"/>
             <a:r>
-              <a:rPr lang="ko-KR" altLang="en-US" smtClean="0"/>
+              <a:rPr lang="ko-KR" altLang="en-US"/>
               <a:t>셋째 수준</a:t>
             </a:r>
           </a:p>
           <a:p>
             <a:pPr lvl="3"/>
             <a:r>
-              <a:rPr lang="ko-KR" altLang="en-US" smtClean="0"/>
+              <a:rPr lang="ko-KR" altLang="en-US"/>
               <a:t>넷째 수준</a:t>
             </a:r>
           </a:p>
           <a:p>
             <a:pPr lvl="4"/>
             <a:r>
-              <a:rPr lang="ko-KR" altLang="en-US" smtClean="0"/>
+              <a:rPr lang="ko-KR" altLang="en-US"/>
               <a:t>다섯째 수준</a:t>
             </a:r>
             <a:endParaRPr lang="en-US"/>
@@ -9346,35 +9989,35 @@
           <a:p>
             <a:pPr lvl="0"/>
             <a:r>
-              <a:rPr lang="ko-KR" altLang="en-US" smtClean="0"/>
+              <a:rPr lang="ko-KR" altLang="en-US"/>
               <a:t>마스터 텍스트 스타일을 편집합니다</a:t>
             </a:r>
           </a:p>
           <a:p>
             <a:pPr lvl="1"/>
             <a:r>
-              <a:rPr lang="ko-KR" altLang="en-US" smtClean="0"/>
+              <a:rPr lang="ko-KR" altLang="en-US"/>
               <a:t>둘째 수준</a:t>
             </a:r>
           </a:p>
           <a:p>
             <a:pPr lvl="2"/>
             <a:r>
-              <a:rPr lang="ko-KR" altLang="en-US" smtClean="0"/>
+              <a:rPr lang="ko-KR" altLang="en-US"/>
               <a:t>셋째 수준</a:t>
             </a:r>
           </a:p>
           <a:p>
             <a:pPr lvl="3"/>
             <a:r>
-              <a:rPr lang="ko-KR" altLang="en-US" smtClean="0"/>
+              <a:rPr lang="ko-KR" altLang="en-US"/>
               <a:t>넷째 수준</a:t>
             </a:r>
           </a:p>
           <a:p>
             <a:pPr lvl="4"/>
             <a:r>
-              <a:rPr lang="ko-KR" altLang="en-US" smtClean="0"/>
+              <a:rPr lang="ko-KR" altLang="en-US"/>
               <a:t>다섯째 수준</a:t>
             </a:r>
             <a:endParaRPr lang="en-US"/>
@@ -9399,7 +10042,7 @@
             <a:fld id="{11B2AAEE-0ECC-4F9E-94C1-A5210D63F3AE}" type="datetimeFigureOut">
               <a:rPr lang="en-US" smtClean="0"/>
               <a:pPr/>
-              <a:t>10/18/2017</a:t>
+              <a:t>4/8/2021</a:t>
             </a:fld>
             <a:endParaRPr lang="en-US"/>
           </a:p>
@@ -9661,7 +10304,7 @@
           </a:lstStyle>
           <a:p>
             <a:r>
-              <a:rPr lang="ko-KR" altLang="en-US" smtClean="0"/>
+              <a:rPr lang="ko-KR" altLang="en-US"/>
               <a:t>마스터 제목 스타일 편집</a:t>
             </a:r>
             <a:endParaRPr lang="en-US"/>
@@ -9734,7 +10377,7 @@
           <a:p>
             <a:pPr lvl="0"/>
             <a:r>
-              <a:rPr lang="ko-KR" altLang="en-US" smtClean="0"/>
+              <a:rPr lang="ko-KR" altLang="en-US"/>
               <a:t>마스터 텍스트 스타일을 편집합니다</a:t>
             </a:r>
           </a:p>
@@ -9806,7 +10449,7 @@
           <a:p>
             <a:pPr lvl="0"/>
             <a:r>
-              <a:rPr lang="ko-KR" altLang="en-US" smtClean="0"/>
+              <a:rPr lang="ko-KR" altLang="en-US"/>
               <a:t>마스터 텍스트 스타일을 편집합니다</a:t>
             </a:r>
           </a:p>
@@ -9815,7 +10458,7 @@
     </p:spTree>
     <p:extLst>
       <p:ext uri="{BB962C8B-B14F-4D97-AF65-F5344CB8AC3E}">
-        <p14:creationId xmlns:p14="http://schemas.microsoft.com/office/powerpoint/2010/main" xmlns="" val="449413840"/>
+        <p14:creationId xmlns:p14="http://schemas.microsoft.com/office/powerpoint/2010/main" val="449413840"/>
       </p:ext>
     </p:extLst>
   </p:cSld>
@@ -10509,7 +11152,7 @@
             <a:fld id="{11B2AAEE-0ECC-4F9E-94C1-A5210D63F3AE}" type="datetimeFigureOut">
               <a:rPr lang="en-US" smtClean="0"/>
               <a:pPr/>
-              <a:t>10/18/2017</a:t>
+              <a:t>4/8/2021</a:t>
             </a:fld>
             <a:endParaRPr lang="en-US"/>
           </a:p>
@@ -11440,7 +12083,7 @@
           </a:lstStyle>
           <a:p>
             <a:r>
-              <a:rPr lang="ko-KR" altLang="en-US" smtClean="0"/>
+              <a:rPr lang="ko-KR" altLang="en-US"/>
               <a:t>마스터 제목 스타일 편집</a:t>
             </a:r>
             <a:endParaRPr lang="en-US"/>
@@ -11450,7 +12093,7 @@
     </p:spTree>
     <p:extLst>
       <p:ext uri="{BB962C8B-B14F-4D97-AF65-F5344CB8AC3E}">
-        <p14:creationId xmlns:p14="http://schemas.microsoft.com/office/powerpoint/2010/main" xmlns="" val="3932453460"/>
+        <p14:creationId xmlns:p14="http://schemas.microsoft.com/office/powerpoint/2010/main" val="3932453460"/>
       </p:ext>
     </p:extLst>
   </p:cSld>
@@ -11495,7 +12138,7 @@
             <a:fld id="{11B2AAEE-0ECC-4F9E-94C1-A5210D63F3AE}" type="datetimeFigureOut">
               <a:rPr lang="en-US" smtClean="0"/>
               <a:pPr/>
-              <a:t>10/18/2017</a:t>
+              <a:t>4/8/2021</a:t>
             </a:fld>
             <a:endParaRPr lang="en-US"/>
           </a:p>
@@ -13055,7 +13698,7 @@
     </p:spTree>
     <p:extLst>
       <p:ext uri="{BB962C8B-B14F-4D97-AF65-F5344CB8AC3E}">
-        <p14:creationId xmlns:p14="http://schemas.microsoft.com/office/powerpoint/2010/main" xmlns="" val="1130809479"/>
+        <p14:creationId xmlns:p14="http://schemas.microsoft.com/office/powerpoint/2010/main" val="1130809479"/>
       </p:ext>
     </p:extLst>
   </p:cSld>
@@ -14829,7 +15472,7 @@
           </a:lstStyle>
           <a:p>
             <a:r>
-              <a:rPr lang="ko-KR" altLang="en-US" smtClean="0"/>
+              <a:rPr lang="ko-KR" altLang="en-US"/>
               <a:t>마스터 제목 스타일 편집</a:t>
             </a:r>
             <a:endParaRPr lang="en-US"/>
@@ -14889,35 +15532,35 @@
           <a:p>
             <a:pPr lvl="0"/>
             <a:r>
-              <a:rPr lang="ko-KR" altLang="en-US" smtClean="0"/>
+              <a:rPr lang="ko-KR" altLang="en-US"/>
               <a:t>마스터 텍스트 스타일을 편집합니다</a:t>
             </a:r>
           </a:p>
           <a:p>
             <a:pPr lvl="1"/>
             <a:r>
-              <a:rPr lang="ko-KR" altLang="en-US" smtClean="0"/>
+              <a:rPr lang="ko-KR" altLang="en-US"/>
               <a:t>둘째 수준</a:t>
             </a:r>
           </a:p>
           <a:p>
             <a:pPr lvl="2"/>
             <a:r>
-              <a:rPr lang="ko-KR" altLang="en-US" smtClean="0"/>
+              <a:rPr lang="ko-KR" altLang="en-US"/>
               <a:t>셋째 수준</a:t>
             </a:r>
           </a:p>
           <a:p>
             <a:pPr lvl="3"/>
             <a:r>
-              <a:rPr lang="ko-KR" altLang="en-US" smtClean="0"/>
+              <a:rPr lang="ko-KR" altLang="en-US"/>
               <a:t>넷째 수준</a:t>
             </a:r>
           </a:p>
           <a:p>
             <a:pPr lvl="4"/>
             <a:r>
-              <a:rPr lang="ko-KR" altLang="en-US" smtClean="0"/>
+              <a:rPr lang="ko-KR" altLang="en-US"/>
               <a:t>다섯째 수준</a:t>
             </a:r>
             <a:endParaRPr lang="en-US"/>
@@ -14986,7 +15629,7 @@
           <a:p>
             <a:pPr lvl="0"/>
             <a:r>
-              <a:rPr lang="ko-KR" altLang="en-US" smtClean="0"/>
+              <a:rPr lang="ko-KR" altLang="en-US"/>
               <a:t>마스터 텍스트 스타일을 편집합니다</a:t>
             </a:r>
           </a:p>
@@ -15015,7 +15658,7 @@
             <a:fld id="{11B2AAEE-0ECC-4F9E-94C1-A5210D63F3AE}" type="datetimeFigureOut">
               <a:rPr lang="en-US" smtClean="0"/>
               <a:pPr/>
-              <a:t>10/18/2017</a:t>
+              <a:t>4/8/2021</a:t>
             </a:fld>
             <a:endParaRPr lang="en-US"/>
           </a:p>
@@ -15072,7 +15715,7 @@
     </p:spTree>
     <p:extLst>
       <p:ext uri="{BB962C8B-B14F-4D97-AF65-F5344CB8AC3E}">
-        <p14:creationId xmlns:p14="http://schemas.microsoft.com/office/powerpoint/2010/main" xmlns="" val="3398977628"/>
+        <p14:creationId xmlns:p14="http://schemas.microsoft.com/office/powerpoint/2010/main" val="3398977628"/>
       </p:ext>
     </p:extLst>
   </p:cSld>
@@ -15128,7 +15771,7 @@
           </a:lstStyle>
           <a:p>
             <a:r>
-              <a:rPr lang="ko-KR" altLang="en-US" smtClean="0"/>
+              <a:rPr lang="ko-KR" altLang="en-US"/>
               <a:t>마스터 제목 스타일 편집</a:t>
             </a:r>
             <a:endParaRPr lang="en-US"/>
@@ -15196,7 +15839,7 @@
           </a:lstStyle>
           <a:p>
             <a:r>
-              <a:rPr lang="ko-KR" altLang="en-US" smtClean="0"/>
+              <a:rPr lang="ko-KR" altLang="en-US"/>
               <a:t>그림을 추가하려면 아이콘을 클릭하십시오</a:t>
             </a:r>
             <a:endParaRPr lang="en-US"/>
@@ -15265,7 +15908,7 @@
           <a:p>
             <a:pPr lvl="0"/>
             <a:r>
-              <a:rPr lang="ko-KR" altLang="en-US" smtClean="0"/>
+              <a:rPr lang="ko-KR" altLang="en-US"/>
               <a:t>마스터 텍스트 스타일을 편집합니다</a:t>
             </a:r>
           </a:p>
@@ -15294,7 +15937,7 @@
             <a:fld id="{11B2AAEE-0ECC-4F9E-94C1-A5210D63F3AE}" type="datetimeFigureOut">
               <a:rPr lang="en-US" smtClean="0"/>
               <a:pPr/>
-              <a:t>10/18/2017</a:t>
+              <a:t>4/8/2021</a:t>
             </a:fld>
             <a:endParaRPr lang="en-US"/>
           </a:p>
@@ -17248,7 +17891,7 @@
     </p:spTree>
     <p:extLst>
       <p:ext uri="{BB962C8B-B14F-4D97-AF65-F5344CB8AC3E}">
-        <p14:creationId xmlns:p14="http://schemas.microsoft.com/office/powerpoint/2010/main" xmlns="" val="430621435"/>
+        <p14:creationId xmlns:p14="http://schemas.microsoft.com/office/powerpoint/2010/main" val="430621435"/>
       </p:ext>
     </p:extLst>
   </p:cSld>
@@ -18064,7 +18707,7 @@
               <a:pPr lvl="0">
                 <a:defRPr lang="ko-KR" altLang="en-US"/>
               </a:pPr>
-              <a:t>10/18/2017</a:t>
+              <a:t>4/8/2021</a:t>
             </a:fld>
             <a:endParaRPr lang="en-US"/>
           </a:p>
@@ -18841,30 +19484,19 @@
               <a:t>제</a:t>
             </a:r>
             <a:r>
-              <a:rPr lang="en-US" altLang="ko-KR" sz="3600" i="1" dirty="0" smtClean="0">
+              <a:rPr lang="en-US" altLang="ko-KR" sz="3600" i="1" dirty="0">
                 <a:latin typeface="Comic Sans MS"/>
                 <a:ea typeface="HY엽서L"/>
               </a:rPr>
               <a:t>17</a:t>
             </a:r>
             <a:r>
-              <a:rPr lang="ko-KR" altLang="en-US" sz="3600" i="1" dirty="0" smtClean="0">
+              <a:rPr lang="ko-KR" altLang="en-US" sz="3600" i="1" dirty="0">
                 <a:latin typeface="Comic Sans MS"/>
                 <a:ea typeface="HY엽서L"/>
               </a:rPr>
-              <a:t>장 </a:t>
-            </a:r>
-            <a:r>
-              <a:rPr lang="ko-KR" altLang="en-US" sz="3600" i="1" dirty="0" err="1" smtClean="0">
-                <a:latin typeface="Comic Sans MS"/>
-                <a:ea typeface="HY엽서L"/>
-              </a:rPr>
-              <a:t>파일입출력</a:t>
-            </a:r>
-            <a:endParaRPr lang="ko-KR" altLang="en-US" sz="3600" i="1" dirty="0">
-              <a:latin typeface="Comic Sans MS"/>
-              <a:ea typeface="HY엽서L"/>
-            </a:endParaRPr>
+              <a:t>장 파일 입출력</a:t>
+            </a:r>
           </a:p>
         </p:txBody>
       </p:sp>
@@ -19125,7 +19757,7 @@
           <a:blip r:embed="rId2" cstate="print">
             <a:extLst>
               <a:ext uri="{28A0092B-C50C-407E-A947-70E740481C1C}">
-                <a14:useLocalDpi xmlns:a14="http://schemas.microsoft.com/office/drawing/2010/main" xmlns="" val="0"/>
+                <a14:useLocalDpi xmlns:a14="http://schemas.microsoft.com/office/drawing/2010/main" val="0"/>
               </a:ext>
             </a:extLst>
           </a:blip>
@@ -19148,14 +19780,14 @@
           </a:ln>
           <a:extLst>
             <a:ext uri="{909E8E84-426E-40DD-AFC4-6F175D3DCCD1}">
-              <a14:hiddenFill xmlns:a14="http://schemas.microsoft.com/office/drawing/2010/main" xmlns="">
+              <a14:hiddenFill xmlns:a14="http://schemas.microsoft.com/office/drawing/2010/main">
                 <a:solidFill>
                   <a:schemeClr val="accent1"/>
                 </a:solidFill>
               </a14:hiddenFill>
             </a:ext>
             <a:ext uri="{91240B29-F687-4F45-9708-019B960494DF}">
-              <a14:hiddenLine xmlns:a14="http://schemas.microsoft.com/office/drawing/2010/main" xmlns="" w="9525">
+              <a14:hiddenLine xmlns:a14="http://schemas.microsoft.com/office/drawing/2010/main" w="9525">
                 <a:solidFill>
                   <a:schemeClr val="tx1"/>
                 </a:solidFill>
@@ -19167,19 +19799,80 @@
           </a:extLst>
         </p:spPr>
       </p:pic>
+      <p:sp>
+        <p:nvSpPr>
+          <p:cNvPr id="3" name="TextBox 2">
+            <a:extLst>
+              <a:ext uri="{FF2B5EF4-FFF2-40B4-BE49-F238E27FC236}">
+                <a16:creationId xmlns:a16="http://schemas.microsoft.com/office/drawing/2014/main" id="{CDC0BACF-3867-4B6C-B97F-48F2561BC16B}"/>
+              </a:ext>
+            </a:extLst>
+          </p:cNvPr>
+          <p:cNvSpPr txBox="1"/>
+          <p:nvPr/>
+        </p:nvSpPr>
+        <p:spPr>
+          <a:xfrm>
+            <a:off x="5053262" y="1036337"/>
+            <a:ext cx="2996860" cy="338554"/>
+          </a:xfrm>
+          <a:prstGeom prst="rect">
+            <a:avLst/>
+          </a:prstGeom>
+          <a:noFill/>
+        </p:spPr>
+        <p:txBody>
+          <a:bodyPr wrap="square" rtlCol="0">
+            <a:spAutoFit/>
+          </a:bodyPr>
+          <a:lstStyle/>
+          <a:p>
+            <a:r>
+              <a:rPr lang="en-US" altLang="ko-KR" sz="1600" dirty="0">
+                <a:solidFill>
+                  <a:srgbClr val="FF0000"/>
+                </a:solidFill>
+                <a:latin typeface="HY바다L" pitchFamily="18" charset="-127"/>
+                <a:ea typeface="HY바다L" pitchFamily="18" charset="-127"/>
+              </a:rPr>
+              <a:t>&lt;- </a:t>
+            </a:r>
+            <a:r>
+              <a:rPr lang="ko-KR" altLang="en-US" sz="1600" dirty="0">
+                <a:solidFill>
+                  <a:srgbClr val="FF0000"/>
+                </a:solidFill>
+                <a:latin typeface="HY바다L" pitchFamily="18" charset="-127"/>
+                <a:ea typeface="HY바다L" pitchFamily="18" charset="-127"/>
+              </a:rPr>
+              <a:t>영속성 </a:t>
+            </a:r>
+            <a:r>
+              <a:rPr lang="en-US" altLang="ko-KR" sz="1600" dirty="0">
+                <a:solidFill>
+                  <a:srgbClr val="FF0000"/>
+                </a:solidFill>
+                <a:latin typeface="HY바다L" pitchFamily="18" charset="-127"/>
+                <a:ea typeface="HY바다L" pitchFamily="18" charset="-127"/>
+              </a:rPr>
+              <a:t>(Persist)</a:t>
+            </a:r>
+            <a:endParaRPr lang="ko-KR" altLang="en-US" sz="1600" dirty="0">
+              <a:solidFill>
+                <a:srgbClr val="FF0000"/>
+              </a:solidFill>
+              <a:latin typeface="HY바다L" pitchFamily="18" charset="-127"/>
+              <a:ea typeface="HY바다L" pitchFamily="18" charset="-127"/>
+            </a:endParaRPr>
+          </a:p>
+        </p:txBody>
+      </p:sp>
     </p:spTree>
   </p:cSld>
   <p:clrMapOvr>
     <a:masterClrMapping/>
   </p:clrMapOvr>
   <p:transition spd="slow"/>
-  <p:timing>
-    <p:tnLst>
-      <p:par>
-        <p:cTn id="1" dur="indefinite" restart="never" nodeType="tmRoot"/>
-      </p:par>
-    </p:tnLst>
-  </p:timing>
 </p:sld>
 </file>
 
@@ -19216,14 +19909,13 @@
           <a:lstStyle/>
           <a:p>
             <a:r>
-              <a:rPr lang="en-US" altLang="ko-KR" dirty="0" smtClean="0"/>
+              <a:rPr lang="en-US" altLang="ko-KR" dirty="0"/>
               <a:t>LAB: File </a:t>
             </a:r>
             <a:r>
-              <a:rPr lang="ko-KR" altLang="en-US" dirty="0" smtClean="0"/>
+              <a:rPr lang="ko-KR" altLang="en-US" dirty="0"/>
               <a:t>복사하기</a:t>
             </a:r>
-            <a:endParaRPr lang="ko-KR" altLang="en-US" dirty="0"/>
           </a:p>
         </p:txBody>
       </p:sp>
@@ -19820,20 +20512,13 @@
     </p:spTree>
     <p:extLst>
       <p:ext uri="{BB962C8B-B14F-4D97-AF65-F5344CB8AC3E}">
-        <p14:creationId xmlns:p14="http://schemas.microsoft.com/office/powerpoint/2010/main" xmlns="" val="4010263743"/>
+        <p14:creationId xmlns:p14="http://schemas.microsoft.com/office/powerpoint/2010/main" val="4010263743"/>
       </p:ext>
     </p:extLst>
   </p:cSld>
   <p:clrMapOvr>
     <a:masterClrMapping/>
   </p:clrMapOvr>
-  <p:timing>
-    <p:tnLst>
-      <p:par>
-        <p:cTn id="1" dur="indefinite" restart="never" nodeType="tmRoot"/>
-      </p:par>
-    </p:tnLst>
-  </p:timing>
 </p:sld>
 </file>
 
@@ -19884,7 +20569,6 @@
             <a:headEnd/>
             <a:tailEnd/>
           </a:ln>
-          <a:extLst/>
         </p:spPr>
         <p:txBody>
           <a:bodyPr/>
@@ -20172,7 +20856,6 @@
             <a:headEnd/>
             <a:tailEnd/>
           </a:ln>
-          <a:extLst/>
         </p:spPr>
         <p:txBody>
           <a:bodyPr/>
@@ -20429,7 +21112,7 @@
           <a:lstStyle/>
           <a:p>
             <a:r>
-              <a:rPr lang="en-US" altLang="ko-KR" dirty="0" err="1" smtClean="0">
+              <a:rPr lang="en-US" altLang="ko-KR" dirty="0" err="1">
                 <a:latin typeface="+mn-lt"/>
               </a:rPr>
               <a:t>input.txt</a:t>
@@ -20463,7 +21146,7 @@
           <a:lstStyle/>
           <a:p>
             <a:r>
-              <a:rPr lang="en-US" altLang="ko-KR" dirty="0" err="1" smtClean="0">
+              <a:rPr lang="en-US" altLang="ko-KR" dirty="0" err="1">
                 <a:latin typeface="+mn-lt"/>
               </a:rPr>
               <a:t>output.txt</a:t>
@@ -20477,20 +21160,13 @@
     </p:spTree>
     <p:extLst>
       <p:ext uri="{BB962C8B-B14F-4D97-AF65-F5344CB8AC3E}">
-        <p14:creationId xmlns:p14="http://schemas.microsoft.com/office/powerpoint/2010/main" xmlns="" val="1940434594"/>
+        <p14:creationId xmlns:p14="http://schemas.microsoft.com/office/powerpoint/2010/main" val="1940434594"/>
       </p:ext>
     </p:extLst>
   </p:cSld>
   <p:clrMapOvr>
     <a:masterClrMapping/>
   </p:clrMapOvr>
-  <p:timing>
-    <p:tnLst>
-      <p:par>
-        <p:cTn id="1" dur="indefinite" restart="never" nodeType="tmRoot"/>
-      </p:par>
-    </p:tnLst>
-  </p:timing>
 </p:sld>
 </file>
 
@@ -20527,18 +21203,17 @@
           <a:lstStyle/>
           <a:p>
             <a:r>
-              <a:rPr lang="ko-KR" altLang="en-US" dirty="0" smtClean="0"/>
+              <a:rPr lang="ko-KR" altLang="en-US" dirty="0"/>
               <a:t>예제</a:t>
             </a:r>
             <a:r>
-              <a:rPr lang="en-US" altLang="ko-KR" dirty="0" smtClean="0"/>
+              <a:rPr lang="en-US" altLang="ko-KR" dirty="0"/>
               <a:t> </a:t>
             </a:r>
             <a:r>
-              <a:rPr lang="ko-KR" altLang="en-US" dirty="0" smtClean="0"/>
+              <a:rPr lang="ko-KR" altLang="en-US" dirty="0"/>
               <a:t>설명</a:t>
             </a:r>
-            <a:endParaRPr lang="ko-KR" altLang="en-US" dirty="0"/>
           </a:p>
         </p:txBody>
       </p:sp>
@@ -20554,7 +21229,7 @@
           <a:blip r:embed="rId2" cstate="print">
             <a:extLst>
               <a:ext uri="{28A0092B-C50C-407E-A947-70E740481C1C}">
-                <a14:useLocalDpi xmlns:a14="http://schemas.microsoft.com/office/drawing/2010/main" xmlns="" val="0"/>
+                <a14:useLocalDpi xmlns:a14="http://schemas.microsoft.com/office/drawing/2010/main" val="0"/>
               </a:ext>
             </a:extLst>
           </a:blip>
@@ -20577,14 +21252,14 @@
           </a:ln>
           <a:extLst>
             <a:ext uri="{909E8E84-426E-40DD-AFC4-6F175D3DCCD1}">
-              <a14:hiddenFill xmlns:a14="http://schemas.microsoft.com/office/drawing/2010/main" xmlns="">
+              <a14:hiddenFill xmlns:a14="http://schemas.microsoft.com/office/drawing/2010/main">
                 <a:solidFill>
                   <a:schemeClr val="accent1"/>
                 </a:solidFill>
               </a14:hiddenFill>
             </a:ext>
             <a:ext uri="{91240B29-F687-4F45-9708-019B960494DF}">
-              <a14:hiddenLine xmlns:a14="http://schemas.microsoft.com/office/drawing/2010/main" xmlns="" w="9525">
+              <a14:hiddenLine xmlns:a14="http://schemas.microsoft.com/office/drawing/2010/main" w="9525">
                 <a:solidFill>
                   <a:schemeClr val="tx1"/>
                 </a:solidFill>
@@ -20599,20 +21274,13 @@
     </p:spTree>
     <p:extLst>
       <p:ext uri="{BB962C8B-B14F-4D97-AF65-F5344CB8AC3E}">
-        <p14:creationId xmlns:p14="http://schemas.microsoft.com/office/powerpoint/2010/main" xmlns="" val="4222901236"/>
+        <p14:creationId xmlns:p14="http://schemas.microsoft.com/office/powerpoint/2010/main" val="4222901236"/>
       </p:ext>
     </p:extLst>
   </p:cSld>
   <p:clrMapOvr>
     <a:masterClrMapping/>
   </p:clrMapOvr>
-  <p:timing>
-    <p:tnLst>
-      <p:par>
-        <p:cTn id="1" dur="indefinite" restart="never" nodeType="tmRoot"/>
-      </p:par>
-    </p:tnLst>
-  </p:timing>
 </p:sld>
 </file>
 
@@ -20649,12 +21317,8 @@
           <a:lstStyle/>
           <a:p>
             <a:r>
-              <a:rPr lang="ko-KR" altLang="en-US" dirty="0" smtClean="0"/>
-              <a:t>하나의 </a:t>
-            </a:r>
-            <a:r>
               <a:rPr lang="ko-KR" altLang="en-US" dirty="0"/>
-              <a:t>이미지 파일을 다른 이미지 파일로 복사하는 프로그램을 작성하여 보자</a:t>
+              <a:t>하나의 이미지 파일을 다른 이미지 파일로 복사하는 프로그램을 작성하여 보자</a:t>
             </a:r>
             <a:r>
               <a:rPr lang="en-US" altLang="ko-KR" dirty="0"/>
@@ -20680,14 +21344,13 @@
           <a:lstStyle/>
           <a:p>
             <a:r>
-              <a:rPr lang="en-US" altLang="ko-KR" dirty="0" smtClean="0"/>
+              <a:rPr lang="en-US" altLang="ko-KR" dirty="0"/>
               <a:t>LAB: </a:t>
             </a:r>
             <a:r>
-              <a:rPr lang="ko-KR" altLang="en-US" dirty="0" smtClean="0"/>
+              <a:rPr lang="ko-KR" altLang="en-US" dirty="0"/>
               <a:t>이미지 파일 복사하기</a:t>
             </a:r>
-            <a:endParaRPr lang="ko-KR" altLang="en-US" dirty="0"/>
           </a:p>
         </p:txBody>
       </p:sp>
@@ -20703,7 +21366,7 @@
           <a:blip r:embed="rId2" cstate="print">
             <a:extLst>
               <a:ext uri="{28A0092B-C50C-407E-A947-70E740481C1C}">
-                <a14:useLocalDpi xmlns:a14="http://schemas.microsoft.com/office/drawing/2010/main" xmlns="" val="0"/>
+                <a14:useLocalDpi xmlns:a14="http://schemas.microsoft.com/office/drawing/2010/main" val="0"/>
               </a:ext>
             </a:extLst>
           </a:blip>
@@ -20726,14 +21389,14 @@
           </a:ln>
           <a:extLst>
             <a:ext uri="{909E8E84-426E-40DD-AFC4-6F175D3DCCD1}">
-              <a14:hiddenFill xmlns:a14="http://schemas.microsoft.com/office/drawing/2010/main" xmlns="">
+              <a14:hiddenFill xmlns:a14="http://schemas.microsoft.com/office/drawing/2010/main">
                 <a:solidFill>
                   <a:schemeClr val="accent1"/>
                 </a:solidFill>
               </a14:hiddenFill>
             </a:ext>
             <a:ext uri="{91240B29-F687-4F45-9708-019B960494DF}">
-              <a14:hiddenLine xmlns:a14="http://schemas.microsoft.com/office/drawing/2010/main" xmlns="" w="9525">
+              <a14:hiddenLine xmlns:a14="http://schemas.microsoft.com/office/drawing/2010/main" w="9525">
                 <a:solidFill>
                   <a:schemeClr val="tx1"/>
                 </a:solidFill>
@@ -20748,20 +21411,13 @@
     </p:spTree>
     <p:extLst>
       <p:ext uri="{BB962C8B-B14F-4D97-AF65-F5344CB8AC3E}">
-        <p14:creationId xmlns:p14="http://schemas.microsoft.com/office/powerpoint/2010/main" xmlns="" val="1901426360"/>
+        <p14:creationId xmlns:p14="http://schemas.microsoft.com/office/powerpoint/2010/main" val="1901426360"/>
       </p:ext>
     </p:extLst>
   </p:cSld>
   <p:clrMapOvr>
     <a:masterClrMapping/>
   </p:clrMapOvr>
-  <p:timing>
-    <p:tnLst>
-      <p:par>
-        <p:cTn id="1" dur="indefinite" restart="never" nodeType="tmRoot"/>
-      </p:par>
-    </p:tnLst>
-  </p:timing>
 </p:sld>
 </file>
 
@@ -20798,14 +21454,13 @@
           <a:lstStyle/>
           <a:p>
             <a:r>
-              <a:rPr lang="en-US" altLang="ko-KR" dirty="0" smtClean="0"/>
+              <a:rPr lang="en-US" altLang="ko-KR" dirty="0"/>
               <a:t>LAB: </a:t>
             </a:r>
             <a:r>
-              <a:rPr lang="ko-KR" altLang="en-US" dirty="0" smtClean="0"/>
+              <a:rPr lang="ko-KR" altLang="en-US" dirty="0"/>
               <a:t>이미지 파일 복사하기</a:t>
             </a:r>
-            <a:endParaRPr lang="ko-KR" altLang="en-US" dirty="0"/>
           </a:p>
         </p:txBody>
       </p:sp>
@@ -21862,20 +22517,13 @@
     </p:spTree>
     <p:extLst>
       <p:ext uri="{BB962C8B-B14F-4D97-AF65-F5344CB8AC3E}">
-        <p14:creationId xmlns:p14="http://schemas.microsoft.com/office/powerpoint/2010/main" xmlns="" val="2269596058"/>
+        <p14:creationId xmlns:p14="http://schemas.microsoft.com/office/powerpoint/2010/main" val="2269596058"/>
       </p:ext>
     </p:extLst>
   </p:cSld>
   <p:clrMapOvr>
     <a:masterClrMapping/>
   </p:clrMapOvr>
-  <p:timing>
-    <p:tnLst>
-      <p:par>
-        <p:cTn id="1" dur="indefinite" restart="never" nodeType="tmRoot"/>
-      </p:par>
-    </p:tnLst>
-  </p:timing>
 </p:sld>
 </file>
 
@@ -21912,11 +22560,11 @@
           <a:lstStyle/>
           <a:p>
             <a:r>
-              <a:rPr lang="ko-KR" altLang="en-US" dirty="0" smtClean="0"/>
+              <a:rPr lang="ko-KR" altLang="en-US" dirty="0"/>
               <a:t>파일 문자 </a:t>
             </a:r>
             <a:r>
-              <a:rPr lang="ko-KR" altLang="en-US" dirty="0" err="1" smtClean="0"/>
+              <a:rPr lang="ko-KR" altLang="en-US" dirty="0" err="1"/>
               <a:t>스트림</a:t>
             </a:r>
             <a:endParaRPr lang="ko-KR" altLang="en-US" dirty="0"/>
@@ -21935,7 +22583,7 @@
           <a:blip r:embed="rId2" cstate="print">
             <a:extLst>
               <a:ext uri="{28A0092B-C50C-407E-A947-70E740481C1C}">
-                <a14:useLocalDpi xmlns:a14="http://schemas.microsoft.com/office/drawing/2010/main" xmlns="" val="0"/>
+                <a14:useLocalDpi xmlns:a14="http://schemas.microsoft.com/office/drawing/2010/main" val="0"/>
               </a:ext>
             </a:extLst>
           </a:blip>
@@ -21958,14 +22606,14 @@
           </a:ln>
           <a:extLst>
             <a:ext uri="{909E8E84-426E-40DD-AFC4-6F175D3DCCD1}">
-              <a14:hiddenFill xmlns:a14="http://schemas.microsoft.com/office/drawing/2010/main" xmlns="">
+              <a14:hiddenFill xmlns:a14="http://schemas.microsoft.com/office/drawing/2010/main">
                 <a:solidFill>
                   <a:schemeClr val="accent1"/>
                 </a:solidFill>
               </a14:hiddenFill>
             </a:ext>
             <a:ext uri="{91240B29-F687-4F45-9708-019B960494DF}">
-              <a14:hiddenLine xmlns:a14="http://schemas.microsoft.com/office/drawing/2010/main" xmlns="" w="9525">
+              <a14:hiddenLine xmlns:a14="http://schemas.microsoft.com/office/drawing/2010/main" w="9525">
                 <a:solidFill>
                   <a:schemeClr val="tx1"/>
                 </a:solidFill>
@@ -22000,34 +22648,34 @@
           <a:lstStyle/>
           <a:p>
             <a:r>
-              <a:rPr lang="ko-KR" altLang="en-US" sz="1600" dirty="0" smtClean="0">
+              <a:rPr lang="ko-KR" altLang="en-US" sz="1600" dirty="0">
                 <a:latin typeface="HY바다L" pitchFamily="18" charset="-127"/>
                 <a:ea typeface="HY바다L" pitchFamily="18" charset="-127"/>
               </a:rPr>
               <a:t>유니코드</a:t>
             </a:r>
             <a:r>
-              <a:rPr lang="en-US" altLang="ko-KR" sz="1600" dirty="0" smtClean="0">
+              <a:rPr lang="en-US" altLang="ko-KR" sz="1600" dirty="0">
                 <a:latin typeface="HY바다L" pitchFamily="18" charset="-127"/>
                 <a:ea typeface="HY바다L" pitchFamily="18" charset="-127"/>
               </a:rPr>
               <a:t>(</a:t>
             </a:r>
             <a:r>
-              <a:rPr lang="en-US" altLang="ko-KR" sz="1600" dirty="0" err="1" smtClean="0">
+              <a:rPr lang="en-US" altLang="ko-KR" sz="1600" dirty="0" err="1">
                 <a:latin typeface="HY바다L" pitchFamily="18" charset="-127"/>
                 <a:ea typeface="HY바다L" pitchFamily="18" charset="-127"/>
               </a:rPr>
               <a:t>unicode</a:t>
             </a:r>
             <a:r>
-              <a:rPr lang="en-US" altLang="ko-KR" sz="1600" dirty="0" smtClean="0">
+              <a:rPr lang="en-US" altLang="ko-KR" sz="1600" dirty="0">
                 <a:latin typeface="HY바다L" pitchFamily="18" charset="-127"/>
                 <a:ea typeface="HY바다L" pitchFamily="18" charset="-127"/>
               </a:rPr>
               <a:t>)</a:t>
             </a:r>
-            <a:endParaRPr lang="ko-KR" altLang="en-US" sz="1600" dirty="0" smtClean="0">
+            <a:endParaRPr lang="ko-KR" altLang="en-US" sz="1600" dirty="0">
               <a:latin typeface="HY바다L" pitchFamily="18" charset="-127"/>
               <a:ea typeface="HY바다L" pitchFamily="18" charset="-127"/>
             </a:endParaRPr>
@@ -22037,20 +22685,13 @@
     </p:spTree>
     <p:extLst>
       <p:ext uri="{BB962C8B-B14F-4D97-AF65-F5344CB8AC3E}">
-        <p14:creationId xmlns:p14="http://schemas.microsoft.com/office/powerpoint/2010/main" xmlns="" val="401930052"/>
+        <p14:creationId xmlns:p14="http://schemas.microsoft.com/office/powerpoint/2010/main" val="401930052"/>
       </p:ext>
     </p:extLst>
   </p:cSld>
   <p:clrMapOvr>
     <a:masterClrMapping/>
   </p:clrMapOvr>
-  <p:timing>
-    <p:tnLst>
-      <p:par>
-        <p:cTn id="1" dur="indefinite" restart="never" nodeType="tmRoot"/>
-      </p:par>
-    </p:tnLst>
-  </p:timing>
 </p:sld>
 </file>
 
@@ -22087,10 +22728,9 @@
           <a:lstStyle/>
           <a:p>
             <a:r>
-              <a:rPr lang="ko-KR" altLang="en-US" dirty="0" smtClean="0"/>
+              <a:rPr lang="ko-KR" altLang="en-US" dirty="0"/>
               <a:t>예제</a:t>
             </a:r>
-            <a:endParaRPr lang="ko-KR" altLang="en-US" dirty="0"/>
           </a:p>
         </p:txBody>
       </p:sp>
@@ -22781,20 +23421,13 @@
     </p:spTree>
     <p:extLst>
       <p:ext uri="{BB962C8B-B14F-4D97-AF65-F5344CB8AC3E}">
-        <p14:creationId xmlns:p14="http://schemas.microsoft.com/office/powerpoint/2010/main" xmlns="" val="3304290538"/>
+        <p14:creationId xmlns:p14="http://schemas.microsoft.com/office/powerpoint/2010/main" val="3304290538"/>
       </p:ext>
     </p:extLst>
   </p:cSld>
   <p:clrMapOvr>
     <a:masterClrMapping/>
   </p:clrMapOvr>
-  <p:timing>
-    <p:tnLst>
-      <p:par>
-        <p:cTn id="1" dur="indefinite" restart="never" nodeType="tmRoot"/>
-      </p:par>
-    </p:tnLst>
-  </p:timing>
 </p:sld>
 </file>
 
@@ -22853,7 +23486,7 @@
           <a:blip r:embed="rId2" cstate="print">
             <a:extLst>
               <a:ext uri="{28A0092B-C50C-407E-A947-70E740481C1C}">
-                <a14:useLocalDpi xmlns:a14="http://schemas.microsoft.com/office/drawing/2010/main" xmlns="" val="0"/>
+                <a14:useLocalDpi xmlns:a14="http://schemas.microsoft.com/office/drawing/2010/main" val="0"/>
               </a:ext>
             </a:extLst>
           </a:blip>
@@ -22876,14 +23509,14 @@
           </a:ln>
           <a:extLst>
             <a:ext uri="{909E8E84-426E-40DD-AFC4-6F175D3DCCD1}">
-              <a14:hiddenFill xmlns:a14="http://schemas.microsoft.com/office/drawing/2010/main" xmlns="">
+              <a14:hiddenFill xmlns:a14="http://schemas.microsoft.com/office/drawing/2010/main">
                 <a:solidFill>
                   <a:schemeClr val="accent1"/>
                 </a:solidFill>
               </a14:hiddenFill>
             </a:ext>
             <a:ext uri="{91240B29-F687-4F45-9708-019B960494DF}">
-              <a14:hiddenLine xmlns:a14="http://schemas.microsoft.com/office/drawing/2010/main" xmlns="" w="9525">
+              <a14:hiddenLine xmlns:a14="http://schemas.microsoft.com/office/drawing/2010/main" w="9525">
                 <a:solidFill>
                   <a:schemeClr val="tx1"/>
                 </a:solidFill>
@@ -22918,44 +23551,80 @@
           <a:lstStyle/>
           <a:p>
             <a:r>
-              <a:rPr lang="en-US" altLang="ko-KR" sz="1600" dirty="0" smtClean="0">
+              <a:rPr lang="en-US" altLang="ko-KR" sz="1600" dirty="0">
                 <a:latin typeface="HY바다L" pitchFamily="18" charset="-127"/>
                 <a:ea typeface="HY바다L" pitchFamily="18" charset="-127"/>
               </a:rPr>
               <a:t>Pipe &amp; Filter Architecture Pattern</a:t>
             </a:r>
-            <a:endParaRPr lang="ko-KR" altLang="en-US" sz="1600" dirty="0" smtClean="0">
+            <a:endParaRPr lang="ko-KR" altLang="en-US" sz="1600" dirty="0">
               <a:latin typeface="HY바다L" pitchFamily="18" charset="-127"/>
               <a:ea typeface="HY바다L" pitchFamily="18" charset="-127"/>
             </a:endParaRPr>
           </a:p>
         </p:txBody>
       </p:sp>
+      <mc:AlternateContent xmlns:mc="http://schemas.openxmlformats.org/markup-compatibility/2006">
+        <mc:Choice xmlns:p14="http://schemas.microsoft.com/office/powerpoint/2010/main" Requires="p14">
+          <p:contentPart p14:bwMode="auto" r:id="rId3">
+            <p14:nvContentPartPr>
+              <p14:cNvPr id="2" name="잉크 1">
+                <a:extLst>
+                  <a:ext uri="{FF2B5EF4-FFF2-40B4-BE49-F238E27FC236}">
+                    <a16:creationId xmlns:a16="http://schemas.microsoft.com/office/drawing/2014/main" id="{B6E80BDD-7138-433F-8A4A-E690DD482562}"/>
+                  </a:ext>
+                </a:extLst>
+              </p14:cNvPr>
+              <p14:cNvContentPartPr/>
+              <p14:nvPr/>
+            </p14:nvContentPartPr>
+            <p14:xfrm>
+              <a:off x="1917720" y="825480"/>
+              <a:ext cx="4762800" cy="5302800"/>
+            </p14:xfrm>
+          </p:contentPart>
+        </mc:Choice>
+        <mc:Fallback>
+          <p:pic>
+            <p:nvPicPr>
+              <p:cNvPr id="2" name="잉크 1">
+                <a:extLst>
+                  <a:ext uri="{FF2B5EF4-FFF2-40B4-BE49-F238E27FC236}">
+                    <a16:creationId xmlns:a16="http://schemas.microsoft.com/office/drawing/2014/main" id="{B6E80BDD-7138-433F-8A4A-E690DD482562}"/>
+                  </a:ext>
+                </a:extLst>
+              </p:cNvPr>
+              <p:cNvPicPr/>
+              <p:nvPr/>
+            </p:nvPicPr>
+            <p:blipFill>
+              <a:blip r:embed="rId4"/>
+              <a:stretch>
+                <a:fillRect/>
+              </a:stretch>
+            </p:blipFill>
+            <p:spPr>
+              <a:xfrm>
+                <a:off x="1908360" y="816120"/>
+                <a:ext cx="4781520" cy="5321520"/>
+              </a:xfrm>
+              <a:prstGeom prst="rect">
+                <a:avLst/>
+              </a:prstGeom>
+            </p:spPr>
+          </p:pic>
+        </mc:Fallback>
+      </mc:AlternateContent>
     </p:spTree>
     <p:extLst>
       <p:ext uri="{BB962C8B-B14F-4D97-AF65-F5344CB8AC3E}">
-        <p14:creationId xmlns:p14="http://schemas.microsoft.com/office/powerpoint/2010/main" xmlns="" val="2933538627"/>
+        <p14:creationId xmlns:p14="http://schemas.microsoft.com/office/powerpoint/2010/main" val="2933538627"/>
       </p:ext>
     </p:extLst>
   </p:cSld>
   <p:clrMapOvr>
     <a:masterClrMapping/>
   </p:clrMapOvr>
-  <mc:AlternateContent xmlns:mc="http://schemas.openxmlformats.org/markup-compatibility/2006">
-    <mc:Choice xmlns:p14="http://schemas.microsoft.com/office/powerpoint/2010/main" xmlns="" Requires="p14">
-      <p:transition spd="slow" p14:dur="2000"/>
-    </mc:Choice>
-    <mc:Fallback>
-      <p:transition spd="slow"/>
-    </mc:Fallback>
-  </mc:AlternateContent>
-  <p:timing>
-    <p:tnLst>
-      <p:par>
-        <p:cTn id="1" dur="indefinite" restart="never" nodeType="tmRoot"/>
-      </p:par>
-    </p:tnLst>
-  </p:timing>
 </p:sld>
 </file>
 
@@ -22992,10 +23661,9 @@
           <a:lstStyle/>
           <a:p>
             <a:r>
-              <a:rPr lang="ko-KR" altLang="en-US" dirty="0" smtClean="0"/>
+              <a:rPr lang="ko-KR" altLang="en-US" dirty="0"/>
               <a:t>예제</a:t>
             </a:r>
-            <a:endParaRPr lang="ko-KR" altLang="en-US" dirty="0"/>
           </a:p>
         </p:txBody>
       </p:sp>
@@ -23359,7 +24027,7 @@
           <a:blip r:embed="rId2" cstate="print">
             <a:extLst>
               <a:ext uri="{28A0092B-C50C-407E-A947-70E740481C1C}">
-                <a14:useLocalDpi xmlns:a14="http://schemas.microsoft.com/office/drawing/2010/main" xmlns="" val="0"/>
+                <a14:useLocalDpi xmlns:a14="http://schemas.microsoft.com/office/drawing/2010/main" val="0"/>
               </a:ext>
             </a:extLst>
           </a:blip>
@@ -23382,14 +24050,14 @@
           </a:ln>
           <a:extLst>
             <a:ext uri="{909E8E84-426E-40DD-AFC4-6F175D3DCCD1}">
-              <a14:hiddenFill xmlns:a14="http://schemas.microsoft.com/office/drawing/2010/main" xmlns="">
+              <a14:hiddenFill xmlns:a14="http://schemas.microsoft.com/office/drawing/2010/main">
                 <a:solidFill>
                   <a:schemeClr val="accent1"/>
                 </a:solidFill>
               </a14:hiddenFill>
             </a:ext>
             <a:ext uri="{91240B29-F687-4F45-9708-019B960494DF}">
-              <a14:hiddenLine xmlns:a14="http://schemas.microsoft.com/office/drawing/2010/main" xmlns="" w="9525">
+              <a14:hiddenLine xmlns:a14="http://schemas.microsoft.com/office/drawing/2010/main" w="9525">
                 <a:solidFill>
                   <a:schemeClr val="tx1"/>
                 </a:solidFill>
@@ -23424,21 +24092,21 @@
           <a:lstStyle/>
           <a:p>
             <a:r>
-              <a:rPr lang="ko-KR" altLang="en-US" sz="1600" dirty="0" smtClean="0">
+              <a:rPr lang="ko-KR" altLang="en-US" sz="1600" dirty="0">
                 <a:latin typeface="HY바다L" pitchFamily="18" charset="-127"/>
                 <a:ea typeface="HY바다L" pitchFamily="18" charset="-127"/>
               </a:rPr>
               <a:t>정수</a:t>
             </a:r>
             <a:r>
-              <a:rPr lang="en-US" altLang="ko-KR" sz="1600" dirty="0" smtClean="0">
+              <a:rPr lang="en-US" altLang="ko-KR" sz="1600" dirty="0">
                 <a:latin typeface="HY바다L" pitchFamily="18" charset="-127"/>
                 <a:ea typeface="HY바다L" pitchFamily="18" charset="-127"/>
               </a:rPr>
               <a:t> </a:t>
             </a:r>
             <a:r>
-              <a:rPr lang="ko-KR" altLang="en-US" sz="1600" dirty="0" smtClean="0">
+              <a:rPr lang="ko-KR" altLang="en-US" sz="1600" dirty="0">
                 <a:latin typeface="HY바다L" pitchFamily="18" charset="-127"/>
                 <a:ea typeface="HY바다L" pitchFamily="18" charset="-127"/>
               </a:rPr>
@@ -23447,23 +24115,67 @@
           </a:p>
         </p:txBody>
       </p:sp>
+      <mc:AlternateContent xmlns:mc="http://schemas.openxmlformats.org/markup-compatibility/2006">
+        <mc:Choice xmlns:p14="http://schemas.microsoft.com/office/powerpoint/2010/main" Requires="p14">
+          <p:contentPart p14:bwMode="auto" r:id="rId3">
+            <p14:nvContentPartPr>
+              <p14:cNvPr id="2" name="잉크 1">
+                <a:extLst>
+                  <a:ext uri="{FF2B5EF4-FFF2-40B4-BE49-F238E27FC236}">
+                    <a16:creationId xmlns:a16="http://schemas.microsoft.com/office/drawing/2014/main" id="{2E1182A0-BA1F-4F40-8858-1D7335C5D32C}"/>
+                  </a:ext>
+                </a:extLst>
+              </p14:cNvPr>
+              <p14:cNvContentPartPr/>
+              <p14:nvPr/>
+            </p14:nvContentPartPr>
+            <p14:xfrm>
+              <a:off x="711360" y="95400"/>
+              <a:ext cx="5759640" cy="6102720"/>
+            </p14:xfrm>
+          </p:contentPart>
+        </mc:Choice>
+        <mc:Fallback>
+          <p:pic>
+            <p:nvPicPr>
+              <p:cNvPr id="2" name="잉크 1">
+                <a:extLst>
+                  <a:ext uri="{FF2B5EF4-FFF2-40B4-BE49-F238E27FC236}">
+                    <a16:creationId xmlns:a16="http://schemas.microsoft.com/office/drawing/2014/main" id="{2E1182A0-BA1F-4F40-8858-1D7335C5D32C}"/>
+                  </a:ext>
+                </a:extLst>
+              </p:cNvPr>
+              <p:cNvPicPr/>
+              <p:nvPr/>
+            </p:nvPicPr>
+            <p:blipFill>
+              <a:blip r:embed="rId4"/>
+              <a:stretch>
+                <a:fillRect/>
+              </a:stretch>
+            </p:blipFill>
+            <p:spPr>
+              <a:xfrm>
+                <a:off x="702000" y="86040"/>
+                <a:ext cx="5778360" cy="6121440"/>
+              </a:xfrm>
+              <a:prstGeom prst="rect">
+                <a:avLst/>
+              </a:prstGeom>
+            </p:spPr>
+          </p:pic>
+        </mc:Fallback>
+      </mc:AlternateContent>
     </p:spTree>
     <p:extLst>
       <p:ext uri="{BB962C8B-B14F-4D97-AF65-F5344CB8AC3E}">
-        <p14:creationId xmlns:p14="http://schemas.microsoft.com/office/powerpoint/2010/main" xmlns="" val="2565230979"/>
+        <p14:creationId xmlns:p14="http://schemas.microsoft.com/office/powerpoint/2010/main" val="2565230979"/>
       </p:ext>
     </p:extLst>
   </p:cSld>
   <p:clrMapOvr>
     <a:masterClrMapping/>
   </p:clrMapOvr>
-  <p:timing>
-    <p:tnLst>
-      <p:par>
-        <p:cTn id="1" dur="indefinite" restart="never" nodeType="tmRoot"/>
-      </p:par>
-    </p:tnLst>
-  </p:timing>
 </p:sld>
 </file>
 
@@ -23500,11 +24212,11 @@
           <a:lstStyle/>
           <a:p>
             <a:r>
-              <a:rPr lang="ko-KR" altLang="en-US" dirty="0" smtClean="0"/>
+              <a:rPr lang="ko-KR" altLang="en-US" dirty="0"/>
               <a:t>버퍼 </a:t>
             </a:r>
             <a:r>
-              <a:rPr lang="ko-KR" altLang="en-US" dirty="0" err="1" smtClean="0"/>
+              <a:rPr lang="ko-KR" altLang="en-US" dirty="0" err="1"/>
               <a:t>스트림</a:t>
             </a:r>
             <a:endParaRPr lang="ko-KR" altLang="en-US" dirty="0"/>
@@ -23523,7 +24235,7 @@
           <a:blip r:embed="rId2" cstate="print">
             <a:extLst>
               <a:ext uri="{28A0092B-C50C-407E-A947-70E740481C1C}">
-                <a14:useLocalDpi xmlns:a14="http://schemas.microsoft.com/office/drawing/2010/main" xmlns="" val="0"/>
+                <a14:useLocalDpi xmlns:a14="http://schemas.microsoft.com/office/drawing/2010/main" val="0"/>
               </a:ext>
             </a:extLst>
           </a:blip>
@@ -23546,14 +24258,14 @@
           </a:ln>
           <a:extLst>
             <a:ext uri="{909E8E84-426E-40DD-AFC4-6F175D3DCCD1}">
-              <a14:hiddenFill xmlns:a14="http://schemas.microsoft.com/office/drawing/2010/main" xmlns="">
+              <a14:hiddenFill xmlns:a14="http://schemas.microsoft.com/office/drawing/2010/main">
                 <a:solidFill>
                   <a:schemeClr val="accent1"/>
                 </a:solidFill>
               </a14:hiddenFill>
             </a:ext>
             <a:ext uri="{91240B29-F687-4F45-9708-019B960494DF}">
-              <a14:hiddenLine xmlns:a14="http://schemas.microsoft.com/office/drawing/2010/main" xmlns="" w="9525">
+              <a14:hiddenLine xmlns:a14="http://schemas.microsoft.com/office/drawing/2010/main" w="9525">
                 <a:solidFill>
                   <a:schemeClr val="tx1"/>
                 </a:solidFill>
@@ -23588,53 +24300,53 @@
           <a:lstStyle/>
           <a:p>
             <a:r>
-              <a:rPr lang="en-US" altLang="ko-KR" sz="1600" dirty="0" smtClean="0">
+              <a:rPr lang="en-US" altLang="ko-KR" sz="1600" dirty="0">
                 <a:latin typeface="HY바다L" pitchFamily="18" charset="-127"/>
                 <a:ea typeface="HY바다L" pitchFamily="18" charset="-127"/>
               </a:rPr>
               <a:t>CPU</a:t>
             </a:r>
             <a:r>
-              <a:rPr lang="ko-KR" altLang="en-US" sz="1600" dirty="0" smtClean="0">
+              <a:rPr lang="ko-KR" altLang="en-US" sz="1600" dirty="0">
                 <a:latin typeface="HY바다L" pitchFamily="18" charset="-127"/>
                 <a:ea typeface="HY바다L" pitchFamily="18" charset="-127"/>
               </a:rPr>
               <a:t> 처리 속도 대비</a:t>
             </a:r>
-            <a:endParaRPr lang="en-US" altLang="ko-KR" sz="1600" dirty="0" smtClean="0">
+            <a:endParaRPr lang="en-US" altLang="ko-KR" sz="1600" dirty="0">
               <a:latin typeface="HY바다L" pitchFamily="18" charset="-127"/>
               <a:ea typeface="HY바다L" pitchFamily="18" charset="-127"/>
             </a:endParaRPr>
           </a:p>
           <a:p>
             <a:r>
-              <a:rPr lang="ko-KR" altLang="en-US" sz="1600" dirty="0" smtClean="0">
+              <a:rPr lang="ko-KR" altLang="en-US" sz="1600" dirty="0">
                 <a:latin typeface="HY바다L" pitchFamily="18" charset="-127"/>
                 <a:ea typeface="HY바다L" pitchFamily="18" charset="-127"/>
               </a:rPr>
               <a:t>입출력 속도는 너무 느려</a:t>
             </a:r>
-            <a:endParaRPr lang="en-US" altLang="ko-KR" sz="1600" dirty="0" smtClean="0">
+            <a:endParaRPr lang="en-US" altLang="ko-KR" sz="1600" dirty="0">
               <a:latin typeface="HY바다L" pitchFamily="18" charset="-127"/>
               <a:ea typeface="HY바다L" pitchFamily="18" charset="-127"/>
             </a:endParaRPr>
           </a:p>
           <a:p>
             <a:r>
-              <a:rPr lang="ko-KR" altLang="en-US" sz="1600" dirty="0" smtClean="0">
+              <a:rPr lang="ko-KR" altLang="en-US" sz="1600" dirty="0">
                 <a:latin typeface="HY바다L" pitchFamily="18" charset="-127"/>
                 <a:ea typeface="HY바다L" pitchFamily="18" charset="-127"/>
               </a:rPr>
               <a:t>개별적으로 읽는다면 </a:t>
             </a:r>
-            <a:endParaRPr lang="en-US" altLang="ko-KR" sz="1600" dirty="0" smtClean="0">
+            <a:endParaRPr lang="en-US" altLang="ko-KR" sz="1600" dirty="0">
               <a:latin typeface="HY바다L" pitchFamily="18" charset="-127"/>
               <a:ea typeface="HY바다L" pitchFamily="18" charset="-127"/>
             </a:endParaRPr>
           </a:p>
           <a:p>
             <a:r>
-              <a:rPr lang="ko-KR" altLang="en-US" sz="1600" dirty="0" smtClean="0">
+              <a:rPr lang="ko-KR" altLang="en-US" sz="1600" dirty="0">
                 <a:latin typeface="HY바다L" pitchFamily="18" charset="-127"/>
                 <a:ea typeface="HY바다L" pitchFamily="18" charset="-127"/>
               </a:rPr>
@@ -23643,23 +24355,67 @@
           </a:p>
         </p:txBody>
       </p:sp>
+      <mc:AlternateContent xmlns:mc="http://schemas.openxmlformats.org/markup-compatibility/2006">
+        <mc:Choice xmlns:p14="http://schemas.microsoft.com/office/powerpoint/2010/main" Requires="p14">
+          <p:contentPart p14:bwMode="auto" r:id="rId3">
+            <p14:nvContentPartPr>
+              <p14:cNvPr id="2" name="잉크 1">
+                <a:extLst>
+                  <a:ext uri="{FF2B5EF4-FFF2-40B4-BE49-F238E27FC236}">
+                    <a16:creationId xmlns:a16="http://schemas.microsoft.com/office/drawing/2014/main" id="{DC23B902-C6A2-4109-A17F-8523ABA67168}"/>
+                  </a:ext>
+                </a:extLst>
+              </p14:cNvPr>
+              <p14:cNvContentPartPr/>
+              <p14:nvPr/>
+            </p14:nvContentPartPr>
+            <p14:xfrm>
+              <a:off x="1530360" y="838080"/>
+              <a:ext cx="4337280" cy="5086800"/>
+            </p14:xfrm>
+          </p:contentPart>
+        </mc:Choice>
+        <mc:Fallback>
+          <p:pic>
+            <p:nvPicPr>
+              <p:cNvPr id="2" name="잉크 1">
+                <a:extLst>
+                  <a:ext uri="{FF2B5EF4-FFF2-40B4-BE49-F238E27FC236}">
+                    <a16:creationId xmlns:a16="http://schemas.microsoft.com/office/drawing/2014/main" id="{DC23B902-C6A2-4109-A17F-8523ABA67168}"/>
+                  </a:ext>
+                </a:extLst>
+              </p:cNvPr>
+              <p:cNvPicPr/>
+              <p:nvPr/>
+            </p:nvPicPr>
+            <p:blipFill>
+              <a:blip r:embed="rId4"/>
+              <a:stretch>
+                <a:fillRect/>
+              </a:stretch>
+            </p:blipFill>
+            <p:spPr>
+              <a:xfrm>
+                <a:off x="1521000" y="828720"/>
+                <a:ext cx="4356000" cy="5105520"/>
+              </a:xfrm>
+              <a:prstGeom prst="rect">
+                <a:avLst/>
+              </a:prstGeom>
+            </p:spPr>
+          </p:pic>
+        </mc:Fallback>
+      </mc:AlternateContent>
     </p:spTree>
     <p:extLst>
       <p:ext uri="{BB962C8B-B14F-4D97-AF65-F5344CB8AC3E}">
-        <p14:creationId xmlns:p14="http://schemas.microsoft.com/office/powerpoint/2010/main" xmlns="" val="3343527037"/>
+        <p14:creationId xmlns:p14="http://schemas.microsoft.com/office/powerpoint/2010/main" val="3343527037"/>
       </p:ext>
     </p:extLst>
   </p:cSld>
   <p:clrMapOvr>
     <a:masterClrMapping/>
   </p:clrMapOvr>
-  <p:timing>
-    <p:tnLst>
-      <p:par>
-        <p:cTn id="1" dur="indefinite" restart="never" nodeType="tmRoot"/>
-      </p:par>
-    </p:tnLst>
-  </p:timing>
 </p:sld>
 </file>
 
@@ -23696,10 +24452,9 @@
           <a:lstStyle/>
           <a:p>
             <a:r>
-              <a:rPr lang="ko-KR" altLang="en-US" dirty="0" smtClean="0"/>
+              <a:rPr lang="ko-KR" altLang="en-US" dirty="0"/>
               <a:t>파일의 필요성</a:t>
             </a:r>
-            <a:endParaRPr lang="ko-KR" altLang="en-US" dirty="0"/>
           </a:p>
         </p:txBody>
       </p:sp>
@@ -23715,7 +24470,7 @@
           <a:blip r:embed="rId2" cstate="print">
             <a:extLst>
               <a:ext uri="{28A0092B-C50C-407E-A947-70E740481C1C}">
-                <a14:useLocalDpi xmlns:a14="http://schemas.microsoft.com/office/drawing/2010/main" xmlns="" val="0"/>
+                <a14:useLocalDpi xmlns:a14="http://schemas.microsoft.com/office/drawing/2010/main" val="0"/>
               </a:ext>
             </a:extLst>
           </a:blip>
@@ -23738,14 +24493,14 @@
           </a:ln>
           <a:extLst>
             <a:ext uri="{909E8E84-426E-40DD-AFC4-6F175D3DCCD1}">
-              <a14:hiddenFill xmlns:a14="http://schemas.microsoft.com/office/drawing/2010/main" xmlns="">
+              <a14:hiddenFill xmlns:a14="http://schemas.microsoft.com/office/drawing/2010/main">
                 <a:solidFill>
                   <a:schemeClr val="accent1"/>
                 </a:solidFill>
               </a14:hiddenFill>
             </a:ext>
             <a:ext uri="{91240B29-F687-4F45-9708-019B960494DF}">
-              <a14:hiddenLine xmlns:a14="http://schemas.microsoft.com/office/drawing/2010/main" xmlns="" w="9525">
+              <a14:hiddenLine xmlns:a14="http://schemas.microsoft.com/office/drawing/2010/main" w="9525">
                 <a:solidFill>
                   <a:schemeClr val="tx1"/>
                 </a:solidFill>
@@ -23780,14 +24535,14 @@
           <a:lstStyle/>
           <a:p>
             <a:r>
-              <a:rPr lang="ko-KR" altLang="en-US" sz="1600" dirty="0" smtClean="0">
+              <a:rPr lang="ko-KR" altLang="en-US" sz="1600" dirty="0">
                 <a:latin typeface="HY바다L" pitchFamily="18" charset="-127"/>
                 <a:ea typeface="HY바다L" pitchFamily="18" charset="-127"/>
               </a:rPr>
               <a:t>영속 정보</a:t>
             </a:r>
             <a:r>
-              <a:rPr lang="en-US" altLang="ko-KR" sz="1600" dirty="0" smtClean="0">
+              <a:rPr lang="en-US" altLang="ko-KR" sz="1600" dirty="0">
                 <a:latin typeface="HY바다L" pitchFamily="18" charset="-127"/>
                 <a:ea typeface="HY바다L" pitchFamily="18" charset="-127"/>
               </a:rPr>
@@ -23803,20 +24558,13 @@
     </p:spTree>
     <p:extLst>
       <p:ext uri="{BB962C8B-B14F-4D97-AF65-F5344CB8AC3E}">
-        <p14:creationId xmlns:p14="http://schemas.microsoft.com/office/powerpoint/2010/main" xmlns="" val="2692303422"/>
+        <p14:creationId xmlns:p14="http://schemas.microsoft.com/office/powerpoint/2010/main" val="2692303422"/>
       </p:ext>
     </p:extLst>
   </p:cSld>
   <p:clrMapOvr>
     <a:masterClrMapping/>
   </p:clrMapOvr>
-  <p:timing>
-    <p:tnLst>
-      <p:par>
-        <p:cTn id="1" dur="indefinite" restart="never" nodeType="tmRoot"/>
-      </p:par>
-    </p:tnLst>
-  </p:timing>
 </p:sld>
 </file>
 
@@ -23853,10 +24601,9 @@
           <a:lstStyle/>
           <a:p>
             <a:r>
-              <a:rPr lang="ko-KR" altLang="en-US" dirty="0" smtClean="0"/>
+              <a:rPr lang="ko-KR" altLang="en-US" dirty="0"/>
               <a:t>예제</a:t>
             </a:r>
-            <a:endParaRPr lang="ko-KR" altLang="en-US" dirty="0"/>
           </a:p>
         </p:txBody>
       </p:sp>
@@ -24191,7 +24938,7 @@
           <a:blip r:embed="rId2" cstate="print">
             <a:extLst>
               <a:ext uri="{28A0092B-C50C-407E-A947-70E740481C1C}">
-                <a14:useLocalDpi xmlns:a14="http://schemas.microsoft.com/office/drawing/2010/main" xmlns="" val="0"/>
+                <a14:useLocalDpi xmlns:a14="http://schemas.microsoft.com/office/drawing/2010/main" val="0"/>
               </a:ext>
             </a:extLst>
           </a:blip>
@@ -24214,14 +24961,14 @@
           </a:ln>
           <a:extLst>
             <a:ext uri="{909E8E84-426E-40DD-AFC4-6F175D3DCCD1}">
-              <a14:hiddenFill xmlns:a14="http://schemas.microsoft.com/office/drawing/2010/main" xmlns="">
+              <a14:hiddenFill xmlns:a14="http://schemas.microsoft.com/office/drawing/2010/main">
                 <a:solidFill>
                   <a:schemeClr val="accent1"/>
                 </a:solidFill>
               </a14:hiddenFill>
             </a:ext>
             <a:ext uri="{91240B29-F687-4F45-9708-019B960494DF}">
-              <a14:hiddenLine xmlns:a14="http://schemas.microsoft.com/office/drawing/2010/main" xmlns="" w="9525">
+              <a14:hiddenLine xmlns:a14="http://schemas.microsoft.com/office/drawing/2010/main" w="9525">
                 <a:solidFill>
                   <a:schemeClr val="tx1"/>
                 </a:solidFill>
@@ -24258,13 +25005,13 @@
           <a:lstStyle/>
           <a:p>
             <a:r>
-              <a:rPr lang="en-US" altLang="ko-KR" sz="1600" dirty="0" err="1" smtClean="0">
+              <a:rPr lang="en-US" altLang="ko-KR" sz="1600" dirty="0" err="1">
                 <a:latin typeface="HY바다L" pitchFamily="18" charset="-127"/>
                 <a:ea typeface="HY바다L" pitchFamily="18" charset="-127"/>
               </a:rPr>
               <a:t>FileReader</a:t>
             </a:r>
-            <a:endParaRPr lang="ko-KR" altLang="en-US" sz="1600" dirty="0" smtClean="0">
+            <a:endParaRPr lang="ko-KR" altLang="en-US" sz="1600" dirty="0">
               <a:latin typeface="HY바다L" pitchFamily="18" charset="-127"/>
               <a:ea typeface="HY바다L" pitchFamily="18" charset="-127"/>
             </a:endParaRPr>
@@ -24296,50 +25043,94 @@
           <a:lstStyle/>
           <a:p>
             <a:r>
-              <a:rPr lang="en-US" altLang="ko-KR" sz="1600" dirty="0" err="1" smtClean="0">
+              <a:rPr lang="en-US" altLang="ko-KR" sz="1600" dirty="0" err="1">
                 <a:latin typeface="HY바다L" pitchFamily="18" charset="-127"/>
                 <a:ea typeface="HY바다L" pitchFamily="18" charset="-127"/>
               </a:rPr>
               <a:t>FileReader</a:t>
             </a:r>
             <a:r>
-              <a:rPr lang="en-US" altLang="ko-KR" sz="1600" dirty="0" smtClean="0">
+              <a:rPr lang="en-US" altLang="ko-KR" sz="1600" dirty="0">
                 <a:latin typeface="HY바다L" pitchFamily="18" charset="-127"/>
                 <a:ea typeface="HY바다L" pitchFamily="18" charset="-127"/>
               </a:rPr>
               <a:t>              </a:t>
             </a:r>
             <a:r>
-              <a:rPr lang="en-US" altLang="ko-KR" sz="1600" dirty="0" err="1" smtClean="0">
+              <a:rPr lang="en-US" altLang="ko-KR" sz="1600" dirty="0" err="1">
                 <a:latin typeface="HY바다L" pitchFamily="18" charset="-127"/>
                 <a:ea typeface="HY바다L" pitchFamily="18" charset="-127"/>
               </a:rPr>
               <a:t>BufferedReader</a:t>
             </a:r>
-            <a:endParaRPr lang="ko-KR" altLang="en-US" sz="1600" dirty="0" smtClean="0">
+            <a:endParaRPr lang="ko-KR" altLang="en-US" sz="1600" dirty="0">
               <a:latin typeface="HY바다L" pitchFamily="18" charset="-127"/>
               <a:ea typeface="HY바다L" pitchFamily="18" charset="-127"/>
             </a:endParaRPr>
           </a:p>
         </p:txBody>
       </p:sp>
+      <mc:AlternateContent xmlns:mc="http://schemas.openxmlformats.org/markup-compatibility/2006">
+        <mc:Choice xmlns:p14="http://schemas.microsoft.com/office/powerpoint/2010/main" Requires="p14">
+          <p:contentPart p14:bwMode="auto" r:id="rId3">
+            <p14:nvContentPartPr>
+              <p14:cNvPr id="2" name="잉크 1">
+                <a:extLst>
+                  <a:ext uri="{FF2B5EF4-FFF2-40B4-BE49-F238E27FC236}">
+                    <a16:creationId xmlns:a16="http://schemas.microsoft.com/office/drawing/2014/main" id="{294FFA37-0C52-43A7-8F4F-8DE18B8BD583}"/>
+                  </a:ext>
+                </a:extLst>
+              </p14:cNvPr>
+              <p14:cNvContentPartPr/>
+              <p14:nvPr/>
+            </p14:nvContentPartPr>
+            <p14:xfrm>
+              <a:off x="2755800" y="2355840"/>
+              <a:ext cx="2845440" cy="317880"/>
+            </p14:xfrm>
+          </p:contentPart>
+        </mc:Choice>
+        <mc:Fallback>
+          <p:pic>
+            <p:nvPicPr>
+              <p:cNvPr id="2" name="잉크 1">
+                <a:extLst>
+                  <a:ext uri="{FF2B5EF4-FFF2-40B4-BE49-F238E27FC236}">
+                    <a16:creationId xmlns:a16="http://schemas.microsoft.com/office/drawing/2014/main" id="{294FFA37-0C52-43A7-8F4F-8DE18B8BD583}"/>
+                  </a:ext>
+                </a:extLst>
+              </p:cNvPr>
+              <p:cNvPicPr/>
+              <p:nvPr/>
+            </p:nvPicPr>
+            <p:blipFill>
+              <a:blip r:embed="rId4"/>
+              <a:stretch>
+                <a:fillRect/>
+              </a:stretch>
+            </p:blipFill>
+            <p:spPr>
+              <a:xfrm>
+                <a:off x="2746440" y="2346480"/>
+                <a:ext cx="2864160" cy="336600"/>
+              </a:xfrm>
+              <a:prstGeom prst="rect">
+                <a:avLst/>
+              </a:prstGeom>
+            </p:spPr>
+          </p:pic>
+        </mc:Fallback>
+      </mc:AlternateContent>
     </p:spTree>
     <p:extLst>
       <p:ext uri="{BB962C8B-B14F-4D97-AF65-F5344CB8AC3E}">
-        <p14:creationId xmlns:p14="http://schemas.microsoft.com/office/powerpoint/2010/main" xmlns="" val="1398112190"/>
+        <p14:creationId xmlns:p14="http://schemas.microsoft.com/office/powerpoint/2010/main" val="1398112190"/>
       </p:ext>
     </p:extLst>
   </p:cSld>
   <p:clrMapOvr>
     <a:masterClrMapping/>
   </p:clrMapOvr>
-  <p:timing>
-    <p:tnLst>
-      <p:par>
-        <p:cTn id="1" dur="indefinite" restart="never" nodeType="tmRoot"/>
-      </p:par>
-    </p:tnLst>
-  </p:timing>
 </p:sld>
 </file>
 
@@ -24376,14 +25167,13 @@
           <a:lstStyle/>
           <a:p>
             <a:r>
-              <a:rPr altLang="ko-KR" smtClean="0"/>
+              <a:rPr altLang="ko-KR"/>
               <a:t>Buffer Stream</a:t>
             </a:r>
             <a:r>
-              <a:rPr lang="ko-KR" altLang="en-US" dirty="0" smtClean="0"/>
+              <a:rPr lang="ko-KR" altLang="en-US" dirty="0"/>
               <a:t>의 종류</a:t>
             </a:r>
-            <a:endParaRPr lang="ko-KR" altLang="en-US" dirty="0"/>
           </a:p>
         </p:txBody>
       </p:sp>
@@ -24399,7 +25189,7 @@
           <a:blip r:embed="rId2" cstate="print">
             <a:extLst>
               <a:ext uri="{28A0092B-C50C-407E-A947-70E740481C1C}">
-                <a14:useLocalDpi xmlns:a14="http://schemas.microsoft.com/office/drawing/2010/main" xmlns="" val="0"/>
+                <a14:useLocalDpi xmlns:a14="http://schemas.microsoft.com/office/drawing/2010/main" val="0"/>
               </a:ext>
             </a:extLst>
           </a:blip>
@@ -24422,14 +25212,14 @@
           </a:ln>
           <a:extLst>
             <a:ext uri="{909E8E84-426E-40DD-AFC4-6F175D3DCCD1}">
-              <a14:hiddenFill xmlns:a14="http://schemas.microsoft.com/office/drawing/2010/main" xmlns="">
+              <a14:hiddenFill xmlns:a14="http://schemas.microsoft.com/office/drawing/2010/main">
                 <a:solidFill>
                   <a:schemeClr val="accent1"/>
                 </a:solidFill>
               </a14:hiddenFill>
             </a:ext>
             <a:ext uri="{91240B29-F687-4F45-9708-019B960494DF}">
-              <a14:hiddenLine xmlns:a14="http://schemas.microsoft.com/office/drawing/2010/main" xmlns="" w="9525">
+              <a14:hiddenLine xmlns:a14="http://schemas.microsoft.com/office/drawing/2010/main" w="9525">
                 <a:solidFill>
                   <a:schemeClr val="tx1"/>
                 </a:solidFill>
@@ -24544,13 +25334,13 @@
           <a:lstStyle/>
           <a:p>
             <a:r>
-              <a:rPr lang="en-US" altLang="ko-KR" sz="1600" dirty="0" err="1" smtClean="0">
+              <a:rPr lang="en-US" altLang="ko-KR" sz="1600" dirty="0" err="1">
                 <a:latin typeface="HY바다L" pitchFamily="18" charset="-127"/>
                 <a:ea typeface="HY바다L" pitchFamily="18" charset="-127"/>
               </a:rPr>
               <a:t>BufferedInputStream</a:t>
             </a:r>
-            <a:endParaRPr lang="ko-KR" altLang="en-US" sz="1600" dirty="0" smtClean="0">
+            <a:endParaRPr lang="ko-KR" altLang="en-US" sz="1600" dirty="0">
               <a:latin typeface="HY바다L" pitchFamily="18" charset="-127"/>
               <a:ea typeface="HY바다L" pitchFamily="18" charset="-127"/>
             </a:endParaRPr>
@@ -24654,13 +25444,13 @@
           <a:lstStyle/>
           <a:p>
             <a:r>
-              <a:rPr lang="en-US" altLang="ko-KR" sz="1600" dirty="0" err="1" smtClean="0">
+              <a:rPr lang="en-US" altLang="ko-KR" sz="1600" dirty="0" err="1">
                 <a:latin typeface="HY바다L" pitchFamily="18" charset="-127"/>
                 <a:ea typeface="HY바다L" pitchFamily="18" charset="-127"/>
               </a:rPr>
               <a:t>BufferedOutputStream</a:t>
             </a:r>
-            <a:endParaRPr lang="ko-KR" altLang="en-US" sz="1600" dirty="0" smtClean="0">
+            <a:endParaRPr lang="ko-KR" altLang="en-US" sz="1600" dirty="0">
               <a:latin typeface="HY바다L" pitchFamily="18" charset="-127"/>
               <a:ea typeface="HY바다L" pitchFamily="18" charset="-127"/>
             </a:endParaRPr>
@@ -24767,13 +25557,13 @@
           <a:lstStyle/>
           <a:p>
             <a:r>
-              <a:rPr lang="en-US" altLang="ko-KR" sz="1600" dirty="0" err="1" smtClean="0">
+              <a:rPr lang="en-US" altLang="ko-KR" sz="1600" dirty="0" err="1">
                 <a:latin typeface="HY바다L" pitchFamily="18" charset="-127"/>
                 <a:ea typeface="HY바다L" pitchFamily="18" charset="-127"/>
               </a:rPr>
               <a:t>BufferedReader</a:t>
             </a:r>
-            <a:endParaRPr lang="ko-KR" altLang="en-US" sz="1600" dirty="0" smtClean="0">
+            <a:endParaRPr lang="ko-KR" altLang="en-US" sz="1600" dirty="0">
               <a:latin typeface="HY바다L" pitchFamily="18" charset="-127"/>
               <a:ea typeface="HY바다L" pitchFamily="18" charset="-127"/>
             </a:endParaRPr>
@@ -24883,36 +25673,80 @@
           <a:lstStyle/>
           <a:p>
             <a:r>
-              <a:rPr lang="en-US" altLang="ko-KR" sz="1600" dirty="0" err="1" smtClean="0">
+              <a:rPr lang="en-US" altLang="ko-KR" sz="1600" dirty="0" err="1">
                 <a:latin typeface="HY바다L" pitchFamily="18" charset="-127"/>
                 <a:ea typeface="HY바다L" pitchFamily="18" charset="-127"/>
               </a:rPr>
               <a:t>BufferedWriter</a:t>
             </a:r>
-            <a:endParaRPr lang="ko-KR" altLang="en-US" sz="1600" dirty="0" smtClean="0">
+            <a:endParaRPr lang="ko-KR" altLang="en-US" sz="1600" dirty="0">
               <a:latin typeface="HY바다L" pitchFamily="18" charset="-127"/>
               <a:ea typeface="HY바다L" pitchFamily="18" charset="-127"/>
             </a:endParaRPr>
           </a:p>
         </p:txBody>
       </p:sp>
+      <mc:AlternateContent xmlns:mc="http://schemas.openxmlformats.org/markup-compatibility/2006">
+        <mc:Choice xmlns:p14="http://schemas.microsoft.com/office/powerpoint/2010/main" Requires="p14">
+          <p:contentPart p14:bwMode="auto" r:id="rId3">
+            <p14:nvContentPartPr>
+              <p14:cNvPr id="2" name="잉크 1">
+                <a:extLst>
+                  <a:ext uri="{FF2B5EF4-FFF2-40B4-BE49-F238E27FC236}">
+                    <a16:creationId xmlns:a16="http://schemas.microsoft.com/office/drawing/2014/main" id="{F932BEF7-92B1-4E31-AE36-EA01F7E03589}"/>
+                  </a:ext>
+                </a:extLst>
+              </p14:cNvPr>
+              <p14:cNvContentPartPr/>
+              <p14:nvPr/>
+            </p14:nvContentPartPr>
+            <p14:xfrm>
+              <a:off x="6546960" y="3187800"/>
+              <a:ext cx="393840" cy="1549800"/>
+            </p14:xfrm>
+          </p:contentPart>
+        </mc:Choice>
+        <mc:Fallback>
+          <p:pic>
+            <p:nvPicPr>
+              <p:cNvPr id="2" name="잉크 1">
+                <a:extLst>
+                  <a:ext uri="{FF2B5EF4-FFF2-40B4-BE49-F238E27FC236}">
+                    <a16:creationId xmlns:a16="http://schemas.microsoft.com/office/drawing/2014/main" id="{F932BEF7-92B1-4E31-AE36-EA01F7E03589}"/>
+                  </a:ext>
+                </a:extLst>
+              </p:cNvPr>
+              <p:cNvPicPr/>
+              <p:nvPr/>
+            </p:nvPicPr>
+            <p:blipFill>
+              <a:blip r:embed="rId4"/>
+              <a:stretch>
+                <a:fillRect/>
+              </a:stretch>
+            </p:blipFill>
+            <p:spPr>
+              <a:xfrm>
+                <a:off x="6537600" y="3178440"/>
+                <a:ext cx="412560" cy="1568520"/>
+              </a:xfrm>
+              <a:prstGeom prst="rect">
+                <a:avLst/>
+              </a:prstGeom>
+            </p:spPr>
+          </p:pic>
+        </mc:Fallback>
+      </mc:AlternateContent>
     </p:spTree>
     <p:extLst>
       <p:ext uri="{BB962C8B-B14F-4D97-AF65-F5344CB8AC3E}">
-        <p14:creationId xmlns:p14="http://schemas.microsoft.com/office/powerpoint/2010/main" xmlns="" val="1398112190"/>
+        <p14:creationId xmlns:p14="http://schemas.microsoft.com/office/powerpoint/2010/main" val="1398112190"/>
       </p:ext>
     </p:extLst>
   </p:cSld>
   <p:clrMapOvr>
     <a:masterClrMapping/>
   </p:clrMapOvr>
-  <p:timing>
-    <p:tnLst>
-      <p:par>
-        <p:cTn id="1" dur="indefinite" restart="never" nodeType="tmRoot"/>
-      </p:par>
-    </p:tnLst>
-  </p:timing>
 </p:sld>
 </file>
 
@@ -24957,7 +25791,7 @@
               <a:t> </a:t>
             </a:r>
             <a:r>
-              <a:rPr lang="ko-KR" altLang="en-US" b="0" dirty="0" err="1" smtClean="0"/>
+              <a:rPr lang="ko-KR" altLang="en-US" b="0" dirty="0" err="1"/>
               <a:t>스트림</a:t>
             </a:r>
             <a:endParaRPr lang="ko-KR" altLang="en-US" dirty="0"/>
@@ -24976,7 +25810,7 @@
           <a:blip r:embed="rId2" cstate="print">
             <a:extLst>
               <a:ext uri="{28A0092B-C50C-407E-A947-70E740481C1C}">
-                <a14:useLocalDpi xmlns:a14="http://schemas.microsoft.com/office/drawing/2010/main" xmlns="" val="0"/>
+                <a14:useLocalDpi xmlns:a14="http://schemas.microsoft.com/office/drawing/2010/main" val="0"/>
               </a:ext>
             </a:extLst>
           </a:blip>
@@ -24999,14 +25833,14 @@
           </a:ln>
           <a:extLst>
             <a:ext uri="{909E8E84-426E-40DD-AFC4-6F175D3DCCD1}">
-              <a14:hiddenFill xmlns:a14="http://schemas.microsoft.com/office/drawing/2010/main" xmlns="">
+              <a14:hiddenFill xmlns:a14="http://schemas.microsoft.com/office/drawing/2010/main">
                 <a:solidFill>
                   <a:schemeClr val="accent1"/>
                 </a:solidFill>
               </a14:hiddenFill>
             </a:ext>
             <a:ext uri="{91240B29-F687-4F45-9708-019B960494DF}">
-              <a14:hiddenLine xmlns:a14="http://schemas.microsoft.com/office/drawing/2010/main" xmlns="" w="9525">
+              <a14:hiddenLine xmlns:a14="http://schemas.microsoft.com/office/drawing/2010/main" w="9525">
                 <a:solidFill>
                   <a:schemeClr val="tx1"/>
                 </a:solidFill>
@@ -25018,23 +25852,118 @@
           </a:extLst>
         </p:spPr>
       </p:pic>
+      <mc:AlternateContent xmlns:mc="http://schemas.openxmlformats.org/markup-compatibility/2006">
+        <mc:Choice xmlns:p14="http://schemas.microsoft.com/office/powerpoint/2010/main" Requires="p14">
+          <p:contentPart p14:bwMode="auto" r:id="rId3">
+            <p14:nvContentPartPr>
+              <p14:cNvPr id="2" name="잉크 1">
+                <a:extLst>
+                  <a:ext uri="{FF2B5EF4-FFF2-40B4-BE49-F238E27FC236}">
+                    <a16:creationId xmlns:a16="http://schemas.microsoft.com/office/drawing/2014/main" id="{D25B3D47-7ED2-4501-8A8A-F15CEA4C19D2}"/>
+                  </a:ext>
+                </a:extLst>
+              </p14:cNvPr>
+              <p14:cNvContentPartPr/>
+              <p14:nvPr/>
+            </p14:nvContentPartPr>
+            <p14:xfrm>
+              <a:off x="3352680" y="692280"/>
+              <a:ext cx="4680360" cy="1505160"/>
+            </p14:xfrm>
+          </p:contentPart>
+        </mc:Choice>
+        <mc:Fallback>
+          <p:pic>
+            <p:nvPicPr>
+              <p:cNvPr id="2" name="잉크 1">
+                <a:extLst>
+                  <a:ext uri="{FF2B5EF4-FFF2-40B4-BE49-F238E27FC236}">
+                    <a16:creationId xmlns:a16="http://schemas.microsoft.com/office/drawing/2014/main" id="{D25B3D47-7ED2-4501-8A8A-F15CEA4C19D2}"/>
+                  </a:ext>
+                </a:extLst>
+              </p:cNvPr>
+              <p:cNvPicPr/>
+              <p:nvPr/>
+            </p:nvPicPr>
+            <p:blipFill>
+              <a:blip r:embed="rId4"/>
+              <a:stretch>
+                <a:fillRect/>
+              </a:stretch>
+            </p:blipFill>
+            <p:spPr>
+              <a:xfrm>
+                <a:off x="3343320" y="682920"/>
+                <a:ext cx="4699080" cy="1523880"/>
+              </a:xfrm>
+              <a:prstGeom prst="rect">
+                <a:avLst/>
+              </a:prstGeom>
+            </p:spPr>
+          </p:pic>
+        </mc:Fallback>
+      </mc:AlternateContent>
+      <mc:AlternateContent xmlns:mc="http://schemas.openxmlformats.org/markup-compatibility/2006">
+        <mc:Choice xmlns:p14="http://schemas.microsoft.com/office/powerpoint/2010/main" Requires="p14">
+          <p:contentPart p14:bwMode="auto" r:id="rId5">
+            <p14:nvContentPartPr>
+              <p14:cNvPr id="4" name="잉크 3">
+                <a:extLst>
+                  <a:ext uri="{FF2B5EF4-FFF2-40B4-BE49-F238E27FC236}">
+                    <a16:creationId xmlns:a16="http://schemas.microsoft.com/office/drawing/2014/main" id="{126CCCBA-6073-491F-B0DE-BDDC98B71589}"/>
+                  </a:ext>
+                </a:extLst>
+              </p14:cNvPr>
+              <p14:cNvContentPartPr/>
+              <p14:nvPr/>
+            </p14:nvContentPartPr>
+            <p14:xfrm>
+              <a:off x="7499520" y="1873080"/>
+              <a:ext cx="927360" cy="425880"/>
+            </p14:xfrm>
+          </p:contentPart>
+        </mc:Choice>
+        <mc:Fallback>
+          <p:pic>
+            <p:nvPicPr>
+              <p:cNvPr id="4" name="잉크 3">
+                <a:extLst>
+                  <a:ext uri="{FF2B5EF4-FFF2-40B4-BE49-F238E27FC236}">
+                    <a16:creationId xmlns:a16="http://schemas.microsoft.com/office/drawing/2014/main" id="{126CCCBA-6073-491F-B0DE-BDDC98B71589}"/>
+                  </a:ext>
+                </a:extLst>
+              </p:cNvPr>
+              <p:cNvPicPr/>
+              <p:nvPr/>
+            </p:nvPicPr>
+            <p:blipFill>
+              <a:blip r:embed="rId6"/>
+              <a:stretch>
+                <a:fillRect/>
+              </a:stretch>
+            </p:blipFill>
+            <p:spPr>
+              <a:xfrm>
+                <a:off x="7490160" y="1863720"/>
+                <a:ext cx="946080" cy="444600"/>
+              </a:xfrm>
+              <a:prstGeom prst="rect">
+                <a:avLst/>
+              </a:prstGeom>
+            </p:spPr>
+          </p:pic>
+        </mc:Fallback>
+      </mc:AlternateContent>
     </p:spTree>
     <p:extLst>
       <p:ext uri="{BB962C8B-B14F-4D97-AF65-F5344CB8AC3E}">
-        <p14:creationId xmlns:p14="http://schemas.microsoft.com/office/powerpoint/2010/main" xmlns="" val="4148343829"/>
+        <p14:creationId xmlns:p14="http://schemas.microsoft.com/office/powerpoint/2010/main" val="4148343829"/>
       </p:ext>
     </p:extLst>
   </p:cSld>
   <p:clrMapOvr>
     <a:masterClrMapping/>
   </p:clrMapOvr>
-  <p:timing>
-    <p:tnLst>
-      <p:par>
-        <p:cTn id="1" dur="indefinite" restart="never" nodeType="tmRoot"/>
-      </p:par>
-    </p:tnLst>
-  </p:timing>
 </p:sld>
 </file>
 
@@ -25095,7 +26024,7 @@
               <a:t> 방법이 </a:t>
             </a:r>
             <a:r>
-              <a:rPr lang="en-US" altLang="ko-KR" dirty="0" err="1" smtClean="0"/>
+              <a:rPr lang="en-US" altLang="ko-KR" dirty="0" err="1"/>
               <a:t>StandardCharsets.UTF_8</a:t>
             </a:r>
             <a:r>
@@ -25111,7 +26040,7 @@
               <a:t>과 같이 상수로 정의되어 있다</a:t>
             </a:r>
             <a:r>
-              <a:rPr lang="en-US" altLang="ko-KR" dirty="0" smtClean="0"/>
+              <a:rPr lang="en-US" altLang="ko-KR" dirty="0"/>
               <a:t>.</a:t>
             </a:r>
           </a:p>
@@ -25137,11 +26066,7 @@
             </a:r>
             <a:r>
               <a:rPr lang="en-US" altLang="ko-KR" dirty="0"/>
-              <a:t> </a:t>
-            </a:r>
-            <a:r>
-              <a:rPr lang="en-US" altLang="ko-KR" dirty="0" smtClean="0"/>
-              <a:t>);</a:t>
+              <a:t> );</a:t>
             </a:r>
           </a:p>
           <a:p>
@@ -25149,7 +26074,7 @@
           </a:p>
           <a:p>
             <a:r>
-              <a:rPr lang="ko-KR" altLang="en-US" dirty="0" smtClean="0"/>
+              <a:rPr lang="ko-KR" altLang="en-US" dirty="0"/>
               <a:t>파일에서 읽을 때는 </a:t>
             </a:r>
             <a:r>
@@ -25161,11 +26086,11 @@
               <a:t> </a:t>
             </a:r>
             <a:r>
-              <a:rPr lang="ko-KR" altLang="en-US" dirty="0" smtClean="0"/>
+              <a:rPr lang="ko-KR" altLang="en-US" dirty="0"/>
               <a:t>클래스를 사용한다</a:t>
             </a:r>
             <a:r>
-              <a:rPr lang="en-US" altLang="ko-KR" dirty="0" smtClean="0"/>
+              <a:rPr lang="en-US" altLang="ko-KR" dirty="0"/>
               <a:t>. </a:t>
             </a:r>
             <a:endParaRPr lang="ko-KR" altLang="en-US" dirty="0"/>
@@ -25188,34 +26113,78 @@
           <a:lstStyle/>
           <a:p>
             <a:r>
-              <a:rPr lang="ko-KR" altLang="en-US" dirty="0" smtClean="0"/>
+              <a:rPr lang="ko-KR" altLang="en-US" dirty="0"/>
               <a:t>문자 </a:t>
             </a:r>
             <a:r>
-              <a:rPr lang="ko-KR" altLang="en-US" dirty="0" err="1" smtClean="0"/>
+              <a:rPr lang="ko-KR" altLang="en-US" dirty="0" err="1"/>
               <a:t>엔코딩</a:t>
             </a:r>
             <a:endParaRPr lang="ko-KR" altLang="en-US" dirty="0"/>
           </a:p>
         </p:txBody>
       </p:sp>
+      <mc:AlternateContent xmlns:mc="http://schemas.openxmlformats.org/markup-compatibility/2006">
+        <mc:Choice xmlns:p14="http://schemas.microsoft.com/office/powerpoint/2010/main" Requires="p14">
+          <p:contentPart p14:bwMode="auto" r:id="rId2">
+            <p14:nvContentPartPr>
+              <p14:cNvPr id="4" name="잉크 3">
+                <a:extLst>
+                  <a:ext uri="{FF2B5EF4-FFF2-40B4-BE49-F238E27FC236}">
+                    <a16:creationId xmlns:a16="http://schemas.microsoft.com/office/drawing/2014/main" id="{00785E14-F677-4DF4-B205-C5F8FA484268}"/>
+                  </a:ext>
+                </a:extLst>
+              </p14:cNvPr>
+              <p14:cNvContentPartPr/>
+              <p14:nvPr/>
+            </p14:nvContentPartPr>
+            <p14:xfrm>
+              <a:off x="3809880" y="272880"/>
+              <a:ext cx="4165920" cy="3461400"/>
+            </p14:xfrm>
+          </p:contentPart>
+        </mc:Choice>
+        <mc:Fallback>
+          <p:pic>
+            <p:nvPicPr>
+              <p:cNvPr id="4" name="잉크 3">
+                <a:extLst>
+                  <a:ext uri="{FF2B5EF4-FFF2-40B4-BE49-F238E27FC236}">
+                    <a16:creationId xmlns:a16="http://schemas.microsoft.com/office/drawing/2014/main" id="{00785E14-F677-4DF4-B205-C5F8FA484268}"/>
+                  </a:ext>
+                </a:extLst>
+              </p:cNvPr>
+              <p:cNvPicPr/>
+              <p:nvPr/>
+            </p:nvPicPr>
+            <p:blipFill>
+              <a:blip r:embed="rId3"/>
+              <a:stretch>
+                <a:fillRect/>
+              </a:stretch>
+            </p:blipFill>
+            <p:spPr>
+              <a:xfrm>
+                <a:off x="3800520" y="263520"/>
+                <a:ext cx="4184640" cy="3480120"/>
+              </a:xfrm>
+              <a:prstGeom prst="rect">
+                <a:avLst/>
+              </a:prstGeom>
+            </p:spPr>
+          </p:pic>
+        </mc:Fallback>
+      </mc:AlternateContent>
     </p:spTree>
     <p:extLst>
       <p:ext uri="{BB962C8B-B14F-4D97-AF65-F5344CB8AC3E}">
-        <p14:creationId xmlns:p14="http://schemas.microsoft.com/office/powerpoint/2010/main" xmlns="" val="3109605064"/>
+        <p14:creationId xmlns:p14="http://schemas.microsoft.com/office/powerpoint/2010/main" val="3109605064"/>
       </p:ext>
     </p:extLst>
   </p:cSld>
   <p:clrMapOvr>
     <a:masterClrMapping/>
   </p:clrMapOvr>
-  <p:timing>
-    <p:tnLst>
-      <p:par>
-        <p:cTn id="1" dur="indefinite" restart="never" nodeType="tmRoot"/>
-      </p:par>
-    </p:tnLst>
-  </p:timing>
 </p:sld>
 </file>
 
@@ -25252,10 +26221,9 @@
           <a:lstStyle/>
           <a:p>
             <a:r>
-              <a:rPr lang="ko-KR" altLang="en-US" dirty="0" smtClean="0"/>
+              <a:rPr lang="ko-KR" altLang="en-US" dirty="0"/>
               <a:t>예제</a:t>
             </a:r>
-            <a:endParaRPr lang="ko-KR" altLang="en-US" dirty="0"/>
           </a:p>
         </p:txBody>
       </p:sp>
@@ -25923,23 +26891,67 @@
           </a:p>
         </p:txBody>
       </p:sp>
+      <mc:AlternateContent xmlns:mc="http://schemas.openxmlformats.org/markup-compatibility/2006">
+        <mc:Choice xmlns:p14="http://schemas.microsoft.com/office/powerpoint/2010/main" Requires="p14">
+          <p:contentPart p14:bwMode="auto" r:id="rId2">
+            <p14:nvContentPartPr>
+              <p14:cNvPr id="2" name="잉크 1">
+                <a:extLst>
+                  <a:ext uri="{FF2B5EF4-FFF2-40B4-BE49-F238E27FC236}">
+                    <a16:creationId xmlns:a16="http://schemas.microsoft.com/office/drawing/2014/main" id="{AFB5BB8C-045A-4188-BC94-3C47A1D881B6}"/>
+                  </a:ext>
+                </a:extLst>
+              </p14:cNvPr>
+              <p14:cNvContentPartPr/>
+              <p14:nvPr/>
+            </p14:nvContentPartPr>
+            <p14:xfrm>
+              <a:off x="1035000" y="2603520"/>
+              <a:ext cx="5956560" cy="1340280"/>
+            </p14:xfrm>
+          </p:contentPart>
+        </mc:Choice>
+        <mc:Fallback>
+          <p:pic>
+            <p:nvPicPr>
+              <p:cNvPr id="2" name="잉크 1">
+                <a:extLst>
+                  <a:ext uri="{FF2B5EF4-FFF2-40B4-BE49-F238E27FC236}">
+                    <a16:creationId xmlns:a16="http://schemas.microsoft.com/office/drawing/2014/main" id="{AFB5BB8C-045A-4188-BC94-3C47A1D881B6}"/>
+                  </a:ext>
+                </a:extLst>
+              </p:cNvPr>
+              <p:cNvPicPr/>
+              <p:nvPr/>
+            </p:nvPicPr>
+            <p:blipFill>
+              <a:blip r:embed="rId3"/>
+              <a:stretch>
+                <a:fillRect/>
+              </a:stretch>
+            </p:blipFill>
+            <p:spPr>
+              <a:xfrm>
+                <a:off x="1025640" y="2594160"/>
+                <a:ext cx="5975280" cy="1359000"/>
+              </a:xfrm>
+              <a:prstGeom prst="rect">
+                <a:avLst/>
+              </a:prstGeom>
+            </p:spPr>
+          </p:pic>
+        </mc:Fallback>
+      </mc:AlternateContent>
     </p:spTree>
     <p:extLst>
       <p:ext uri="{BB962C8B-B14F-4D97-AF65-F5344CB8AC3E}">
-        <p14:creationId xmlns:p14="http://schemas.microsoft.com/office/powerpoint/2010/main" xmlns="" val="1823515431"/>
+        <p14:creationId xmlns:p14="http://schemas.microsoft.com/office/powerpoint/2010/main" val="1823515431"/>
       </p:ext>
     </p:extLst>
   </p:cSld>
   <p:clrMapOvr>
     <a:masterClrMapping/>
   </p:clrMapOvr>
-  <p:timing>
-    <p:tnLst>
-      <p:par>
-        <p:cTn id="1" dur="indefinite" restart="never" nodeType="tmRoot"/>
-      </p:par>
-    </p:tnLst>
-  </p:timing>
 </p:sld>
 </file>
 
@@ -25976,76 +26988,132 @@
           <a:lstStyle/>
           <a:p>
             <a:r>
-              <a:rPr lang="en-US" altLang="ko-KR" smtClean="0"/>
-              <a:t>DataInputStream </a:t>
-            </a:r>
-            <a:r>
-              <a:rPr lang="ko-KR" altLang="en-US" smtClean="0"/>
+              <a:rPr lang="en-US" altLang="ko-KR" dirty="0" err="1"/>
+              <a:t>DataInputStream</a:t>
+            </a:r>
+            <a:r>
+              <a:rPr lang="en-US" altLang="ko-KR" dirty="0"/>
+              <a:t> </a:t>
+            </a:r>
+            <a:r>
+              <a:rPr lang="ko-KR" altLang="en-US" dirty="0"/>
               <a:t>과 </a:t>
             </a:r>
             <a:r>
-              <a:rPr lang="en-US" altLang="ko-KR" smtClean="0"/>
-              <a:t>DataOutputStream </a:t>
-            </a:r>
-            <a:r>
-              <a:rPr lang="ko-KR" altLang="en-US" smtClean="0"/>
+              <a:rPr lang="en-US" altLang="ko-KR" dirty="0" err="1"/>
+              <a:t>DataOutputStream</a:t>
+            </a:r>
+            <a:r>
+              <a:rPr lang="en-US" altLang="ko-KR" dirty="0"/>
+              <a:t> </a:t>
+            </a:r>
+            <a:r>
+              <a:rPr lang="ko-KR" altLang="en-US" dirty="0"/>
               <a:t>클래스는 기초 자료형 단위로 데이터를 읽고 쓸 수 있다</a:t>
             </a:r>
             <a:r>
-              <a:rPr lang="en-US" altLang="ko-KR" smtClean="0"/>
+              <a:rPr lang="en-US" altLang="ko-KR" dirty="0"/>
               <a:t>. </a:t>
             </a:r>
           </a:p>
           <a:p>
-            <a:endParaRPr lang="en-US" altLang="ko-KR" smtClean="0"/>
-          </a:p>
-          <a:p>
-            <a:r>
-              <a:rPr lang="en-US" altLang="ko-KR" smtClean="0"/>
-              <a:t>DataInputStream </a:t>
-            </a:r>
-            <a:r>
-              <a:rPr lang="ko-KR" altLang="en-US" smtClean="0"/>
+            <a:endParaRPr lang="en-US" altLang="ko-KR" dirty="0"/>
+          </a:p>
+          <a:p>
+            <a:r>
+              <a:rPr lang="en-US" altLang="ko-KR" dirty="0" err="1"/>
+              <a:t>DataInputStream</a:t>
+            </a:r>
+            <a:r>
+              <a:rPr lang="en-US" altLang="ko-KR" dirty="0"/>
+              <a:t> </a:t>
+            </a:r>
+            <a:r>
+              <a:rPr lang="ko-KR" altLang="en-US" dirty="0"/>
               <a:t>클래스는 </a:t>
             </a:r>
             <a:r>
-              <a:rPr lang="en-US" altLang="ko-KR" smtClean="0"/>
-              <a:t>readByte(), readInt(), readDouble()</a:t>
-            </a:r>
-            <a:r>
-              <a:rPr lang="ko-KR" altLang="en-US" smtClean="0"/>
+              <a:rPr lang="en-US" altLang="ko-KR" dirty="0" err="1"/>
+              <a:t>readByte</a:t>
+            </a:r>
+            <a:r>
+              <a:rPr lang="en-US" altLang="ko-KR" dirty="0"/>
+              <a:t>(), </a:t>
+            </a:r>
+            <a:r>
+              <a:rPr lang="en-US" altLang="ko-KR" dirty="0" err="1"/>
+              <a:t>readInt</a:t>
+            </a:r>
+            <a:r>
+              <a:rPr lang="en-US" altLang="ko-KR" dirty="0"/>
+              <a:t>(), </a:t>
+            </a:r>
+            <a:r>
+              <a:rPr lang="en-US" altLang="ko-KR" dirty="0" err="1"/>
+              <a:t>readDouble</a:t>
+            </a:r>
+            <a:r>
+              <a:rPr lang="en-US" altLang="ko-KR" dirty="0"/>
+              <a:t>()</a:t>
+            </a:r>
+            <a:r>
+              <a:rPr lang="ko-KR" altLang="en-US" dirty="0"/>
               <a:t>과 같은 메소드들을 제공한다</a:t>
             </a:r>
             <a:r>
-              <a:rPr lang="en-US" altLang="ko-KR" smtClean="0"/>
+              <a:rPr lang="en-US" altLang="ko-KR" dirty="0"/>
               <a:t>. </a:t>
             </a:r>
           </a:p>
           <a:p>
-            <a:endParaRPr lang="en-US" altLang="ko-KR" smtClean="0"/>
-          </a:p>
-          <a:p>
-            <a:r>
-              <a:rPr lang="en-US" altLang="ko-KR" smtClean="0"/>
-              <a:t>DataOutputStream </a:t>
-            </a:r>
-            <a:r>
-              <a:rPr lang="ko-KR" altLang="en-US" smtClean="0"/>
+            <a:endParaRPr lang="en-US" altLang="ko-KR" dirty="0"/>
+          </a:p>
+          <a:p>
+            <a:r>
+              <a:rPr lang="en-US" altLang="ko-KR" dirty="0" err="1"/>
+              <a:t>DataOutputStream</a:t>
+            </a:r>
+            <a:r>
+              <a:rPr lang="en-US" altLang="ko-KR" dirty="0"/>
+              <a:t> </a:t>
+            </a:r>
+            <a:r>
+              <a:rPr lang="ko-KR" altLang="en-US" dirty="0"/>
               <a:t>클래스는 </a:t>
             </a:r>
             <a:r>
-              <a:rPr lang="en-US" altLang="ko-KR" smtClean="0"/>
-              <a:t>writeByte(int v), writeInt(int v), writeDouble(double v)</a:t>
-            </a:r>
-            <a:r>
-              <a:rPr lang="ko-KR" altLang="en-US" smtClean="0"/>
+              <a:rPr lang="en-US" altLang="ko-KR" dirty="0" err="1"/>
+              <a:t>writeByte</a:t>
+            </a:r>
+            <a:r>
+              <a:rPr lang="en-US" altLang="ko-KR" dirty="0"/>
+              <a:t>(int v), </a:t>
+            </a:r>
+            <a:r>
+              <a:rPr lang="en-US" altLang="ko-KR" dirty="0" err="1"/>
+              <a:t>writeInt</a:t>
+            </a:r>
+            <a:r>
+              <a:rPr lang="en-US" altLang="ko-KR" dirty="0"/>
+              <a:t>(int v), </a:t>
+            </a:r>
+            <a:r>
+              <a:rPr lang="en-US" altLang="ko-KR" dirty="0" err="1"/>
+              <a:t>writeDouble</a:t>
+            </a:r>
+            <a:r>
+              <a:rPr lang="en-US" altLang="ko-KR" dirty="0"/>
+              <a:t>(double v)</a:t>
+            </a:r>
+            <a:r>
+              <a:rPr lang="ko-KR" altLang="en-US" dirty="0"/>
               <a:t>와 같은 메소드들을 제공한다</a:t>
             </a:r>
             <a:r>
-              <a:rPr lang="en-US" altLang="ko-KR" smtClean="0"/>
+              <a:rPr lang="en-US" altLang="ko-KR" dirty="0"/>
               <a:t>. </a:t>
             </a:r>
-            <a:endParaRPr lang="ko-KR" altLang="en-US" smtClean="0"/>
+            <a:endParaRPr lang="ko-KR" altLang="en-US" dirty="0"/>
           </a:p>
           <a:p>
             <a:endParaRPr lang="ko-KR" altLang="en-US" dirty="0"/>
@@ -26068,15 +27136,15 @@
           <a:lstStyle/>
           <a:p>
             <a:r>
-              <a:rPr lang="en-US" altLang="ko-KR" smtClean="0"/>
+              <a:rPr lang="en-US" altLang="ko-KR"/>
               <a:t>DataInputStream </a:t>
             </a:r>
             <a:r>
-              <a:rPr lang="ko-KR" altLang="en-US" smtClean="0"/>
+              <a:rPr lang="ko-KR" altLang="en-US"/>
               <a:t>과 </a:t>
             </a:r>
             <a:r>
-              <a:rPr lang="en-US" altLang="ko-KR" smtClean="0"/>
+              <a:rPr lang="en-US" altLang="ko-KR"/>
               <a:t>DataOutputStream</a:t>
             </a:r>
             <a:endParaRPr lang="ko-KR" altLang="en-US"/>
@@ -26086,28 +27154,13 @@
     </p:spTree>
     <p:extLst>
       <p:ext uri="{BB962C8B-B14F-4D97-AF65-F5344CB8AC3E}">
-        <p14:creationId xmlns:p14="http://schemas.microsoft.com/office/powerpoint/2010/main" xmlns="" val="3125927676"/>
+        <p14:creationId xmlns:p14="http://schemas.microsoft.com/office/powerpoint/2010/main" val="3125927676"/>
       </p:ext>
     </p:extLst>
   </p:cSld>
   <p:clrMapOvr>
     <a:masterClrMapping/>
   </p:clrMapOvr>
-  <mc:AlternateContent xmlns:mc="http://schemas.openxmlformats.org/markup-compatibility/2006">
-    <mc:Choice xmlns:p14="http://schemas.microsoft.com/office/powerpoint/2010/main" xmlns="" Requires="p14">
-      <p:transition spd="slow" p14:dur="2000"/>
-    </mc:Choice>
-    <mc:Fallback>
-      <p:transition spd="slow"/>
-    </mc:Fallback>
-  </mc:AlternateContent>
-  <p:timing>
-    <p:tnLst>
-      <p:par>
-        <p:cTn id="1" dur="indefinite" restart="never" nodeType="tmRoot"/>
-      </p:par>
-    </p:tnLst>
-  </p:timing>
 </p:sld>
 </file>
 
@@ -26144,7 +27197,7 @@
           <a:lstStyle/>
           <a:p>
             <a:r>
-              <a:rPr lang="ko-KR" altLang="en-US"/>
+              <a:rPr lang="ko-KR" altLang="en-US" dirty="0"/>
               <a:t>예제</a:t>
             </a:r>
           </a:p>
@@ -26188,7 +27241,7 @@
               <a:buNone/>
             </a:pPr>
             <a:r>
-              <a:rPr lang="en-US" altLang="ko-KR" sz="1600" b="1">
+              <a:rPr lang="en-US" altLang="ko-KR" sz="1600" b="1" dirty="0">
                 <a:solidFill>
                   <a:srgbClr val="7F0055"/>
                 </a:solidFill>
@@ -26196,7 +27249,7 @@
               <a:t>import</a:t>
             </a:r>
             <a:r>
-              <a:rPr lang="en-US" altLang="ko-KR" sz="1600"/>
+              <a:rPr lang="en-US" altLang="ko-KR" sz="1600" dirty="0"/>
               <a:t> java.io.*;</a:t>
             </a:r>
           </a:p>
@@ -26206,7 +27259,7 @@
               <a:buNone/>
             </a:pPr>
             <a:r>
-              <a:rPr lang="en-US" altLang="ko-KR" sz="1600" b="1">
+              <a:rPr lang="en-US" altLang="ko-KR" sz="1600" b="1" dirty="0">
                 <a:solidFill>
                   <a:srgbClr val="7F0055"/>
                 </a:solidFill>
@@ -26214,11 +27267,11 @@
               <a:t>public</a:t>
             </a:r>
             <a:r>
-              <a:rPr lang="en-US" altLang="ko-KR" sz="1600"/>
+              <a:rPr lang="en-US" altLang="ko-KR" sz="1600" dirty="0"/>
               <a:t> </a:t>
             </a:r>
             <a:r>
-              <a:rPr lang="en-US" altLang="ko-KR" sz="1600" b="1">
+              <a:rPr lang="en-US" altLang="ko-KR" sz="1600" b="1" dirty="0">
                 <a:solidFill>
                   <a:srgbClr val="7F0055"/>
                 </a:solidFill>
@@ -26226,8 +27279,16 @@
               <a:t>class</a:t>
             </a:r>
             <a:r>
-              <a:rPr lang="en-US" altLang="ko-KR" sz="1600"/>
-              <a:t> DataStreamTest {</a:t>
+              <a:rPr lang="en-US" altLang="ko-KR" sz="1600" dirty="0"/>
+              <a:t> </a:t>
+            </a:r>
+            <a:r>
+              <a:rPr lang="en-US" altLang="ko-KR" sz="1600" dirty="0" err="1"/>
+              <a:t>DataStreamTest</a:t>
+            </a:r>
+            <a:r>
+              <a:rPr lang="en-US" altLang="ko-KR" sz="1600" dirty="0"/>
+              <a:t> {</a:t>
             </a:r>
           </a:p>
           <a:p>
@@ -26236,11 +27297,11 @@
               <a:buNone/>
             </a:pPr>
             <a:r>
-              <a:rPr lang="en-US" altLang="ko-KR" sz="1600"/>
+              <a:rPr lang="en-US" altLang="ko-KR" sz="1600" dirty="0"/>
               <a:t>       </a:t>
             </a:r>
             <a:r>
-              <a:rPr lang="en-US" altLang="ko-KR" sz="1600" b="1">
+              <a:rPr lang="en-US" altLang="ko-KR" sz="1600" b="1" dirty="0">
                 <a:solidFill>
                   <a:srgbClr val="7F0055"/>
                 </a:solidFill>
@@ -26248,11 +27309,11 @@
               <a:t>public</a:t>
             </a:r>
             <a:r>
-              <a:rPr lang="en-US" altLang="ko-KR" sz="1600"/>
+              <a:rPr lang="en-US" altLang="ko-KR" sz="1600" dirty="0"/>
               <a:t> </a:t>
             </a:r>
             <a:r>
-              <a:rPr lang="en-US" altLang="ko-KR" sz="1600" b="1">
+              <a:rPr lang="en-US" altLang="ko-KR" sz="1600" b="1" dirty="0">
                 <a:solidFill>
                   <a:srgbClr val="7F0055"/>
                 </a:solidFill>
@@ -26260,11 +27321,11 @@
               <a:t>static</a:t>
             </a:r>
             <a:r>
-              <a:rPr lang="en-US" altLang="ko-KR" sz="1600"/>
+              <a:rPr lang="en-US" altLang="ko-KR" sz="1600" dirty="0"/>
               <a:t> </a:t>
             </a:r>
             <a:r>
-              <a:rPr lang="en-US" altLang="ko-KR" sz="1600" b="1">
+              <a:rPr lang="en-US" altLang="ko-KR" sz="1600" b="1" dirty="0">
                 <a:solidFill>
                   <a:srgbClr val="7F0055"/>
                 </a:solidFill>
@@ -26272,11 +27333,19 @@
               <a:t>void</a:t>
             </a:r>
             <a:r>
-              <a:rPr lang="en-US" altLang="ko-KR" sz="1600"/>
-              <a:t> main(String[] args) </a:t>
-            </a:r>
-            <a:r>
-              <a:rPr lang="en-US" altLang="ko-KR" sz="1600" b="1">
+              <a:rPr lang="en-US" altLang="ko-KR" sz="1600" dirty="0"/>
+              <a:t> main(String[] </a:t>
+            </a:r>
+            <a:r>
+              <a:rPr lang="en-US" altLang="ko-KR" sz="1600" dirty="0" err="1"/>
+              <a:t>args</a:t>
+            </a:r>
+            <a:r>
+              <a:rPr lang="en-US" altLang="ko-KR" sz="1600" dirty="0"/>
+              <a:t>) </a:t>
+            </a:r>
+            <a:r>
+              <a:rPr lang="en-US" altLang="ko-KR" sz="1600" b="1" dirty="0">
                 <a:solidFill>
                   <a:srgbClr val="7F0055"/>
                 </a:solidFill>
@@ -26284,8 +27353,16 @@
               <a:t>throws</a:t>
             </a:r>
             <a:r>
-              <a:rPr lang="en-US" altLang="ko-KR" sz="1600"/>
-              <a:t> IOException {</a:t>
+              <a:rPr lang="en-US" altLang="ko-KR" sz="1600" dirty="0"/>
+              <a:t> </a:t>
+            </a:r>
+            <a:r>
+              <a:rPr lang="en-US" altLang="ko-KR" sz="1600" dirty="0" err="1"/>
+              <a:t>IOException</a:t>
+            </a:r>
+            <a:r>
+              <a:rPr lang="en-US" altLang="ko-KR" sz="1600" dirty="0"/>
+              <a:t> {</a:t>
             </a:r>
           </a:p>
           <a:p>
@@ -26294,11 +27371,19 @@
               <a:buNone/>
             </a:pPr>
             <a:r>
-              <a:rPr lang="en-US" altLang="ko-KR" sz="1600"/>
-              <a:t>             DataInputStream in = </a:t>
-            </a:r>
-            <a:r>
-              <a:rPr lang="en-US" altLang="ko-KR" sz="1600" b="1">
+              <a:rPr lang="en-US" altLang="ko-KR" sz="1600" dirty="0"/>
+              <a:t>             </a:t>
+            </a:r>
+            <a:r>
+              <a:rPr lang="en-US" altLang="ko-KR" sz="1600" dirty="0" err="1"/>
+              <a:t>DataInputStream</a:t>
+            </a:r>
+            <a:r>
+              <a:rPr lang="en-US" altLang="ko-KR" sz="1600" dirty="0"/>
+              <a:t> in = </a:t>
+            </a:r>
+            <a:r>
+              <a:rPr lang="en-US" altLang="ko-KR" sz="1600" b="1" dirty="0">
                 <a:solidFill>
                   <a:srgbClr val="7F0055"/>
                 </a:solidFill>
@@ -26306,7 +27391,7 @@
               <a:t>null</a:t>
             </a:r>
             <a:r>
-              <a:rPr lang="en-US" altLang="ko-KR" sz="1600"/>
+              <a:rPr lang="en-US" altLang="ko-KR" sz="1600" dirty="0"/>
               <a:t>;</a:t>
             </a:r>
           </a:p>
@@ -26316,11 +27401,19 @@
               <a:buNone/>
             </a:pPr>
             <a:r>
-              <a:rPr lang="en-US" altLang="ko-KR" sz="1600"/>
-              <a:t>             DataOutputStream out = </a:t>
-            </a:r>
-            <a:r>
-              <a:rPr lang="en-US" altLang="ko-KR" sz="1600" b="1">
+              <a:rPr lang="en-US" altLang="ko-KR" sz="1600" dirty="0"/>
+              <a:t>             </a:t>
+            </a:r>
+            <a:r>
+              <a:rPr lang="en-US" altLang="ko-KR" sz="1600" dirty="0" err="1"/>
+              <a:t>DataOutputStream</a:t>
+            </a:r>
+            <a:r>
+              <a:rPr lang="en-US" altLang="ko-KR" sz="1600" dirty="0"/>
+              <a:t> out = </a:t>
+            </a:r>
+            <a:r>
+              <a:rPr lang="en-US" altLang="ko-KR" sz="1600" b="1" dirty="0">
                 <a:solidFill>
                   <a:srgbClr val="7F0055"/>
                 </a:solidFill>
@@ -26328,7 +27421,7 @@
               <a:t>null</a:t>
             </a:r>
             <a:r>
-              <a:rPr lang="en-US" altLang="ko-KR" sz="1600"/>
+              <a:rPr lang="en-US" altLang="ko-KR" sz="1600" dirty="0"/>
               <a:t>;</a:t>
             </a:r>
           </a:p>
@@ -26338,11 +27431,11 @@
               <a:buNone/>
             </a:pPr>
             <a:r>
-              <a:rPr lang="en-US" altLang="ko-KR" sz="1600"/>
+              <a:rPr lang="en-US" altLang="ko-KR" sz="1600" dirty="0"/>
               <a:t>             </a:t>
             </a:r>
             <a:r>
-              <a:rPr lang="en-US" altLang="ko-KR" sz="1600" b="1">
+              <a:rPr lang="en-US" altLang="ko-KR" sz="1600" b="1" dirty="0">
                 <a:solidFill>
                   <a:srgbClr val="7F0055"/>
                 </a:solidFill>
@@ -26350,7 +27443,7 @@
               <a:t>try</a:t>
             </a:r>
             <a:r>
-              <a:rPr lang="en-US" altLang="ko-KR" sz="1600"/>
+              <a:rPr lang="en-US" altLang="ko-KR" sz="1600" dirty="0"/>
               <a:t> {</a:t>
             </a:r>
           </a:p>
@@ -26360,11 +27453,11 @@
               <a:buNone/>
             </a:pPr>
             <a:r>
-              <a:rPr lang="en-US" altLang="ko-KR" sz="1600"/>
+              <a:rPr lang="en-US" altLang="ko-KR" sz="1600" dirty="0"/>
               <a:t>                    </a:t>
             </a:r>
             <a:r>
-              <a:rPr lang="en-US" altLang="ko-KR" sz="1600" b="1">
+              <a:rPr lang="en-US" altLang="ko-KR" sz="1600" b="1" dirty="0">
                 <a:solidFill>
                   <a:srgbClr val="7F0055"/>
                 </a:solidFill>
@@ -26372,7 +27465,7 @@
               <a:t>int</a:t>
             </a:r>
             <a:r>
-              <a:rPr lang="en-US" altLang="ko-KR" sz="1600"/>
+              <a:rPr lang="en-US" altLang="ko-KR" sz="1600" dirty="0"/>
               <a:t> c;</a:t>
             </a:r>
           </a:p>
@@ -26382,11 +27475,11 @@
               <a:buNone/>
             </a:pPr>
             <a:r>
-              <a:rPr lang="en-US" altLang="ko-KR" sz="1600"/>
+              <a:rPr lang="en-US" altLang="ko-KR" sz="1600" dirty="0"/>
               <a:t>                     out = </a:t>
             </a:r>
             <a:r>
-              <a:rPr lang="en-US" altLang="ko-KR" sz="1600" b="1">
+              <a:rPr lang="en-US" altLang="ko-KR" sz="1600" b="1" dirty="0">
                 <a:solidFill>
                   <a:srgbClr val="7F0055"/>
                 </a:solidFill>
@@ -26394,11 +27487,19 @@
               <a:t>new</a:t>
             </a:r>
             <a:r>
-              <a:rPr lang="en-US" altLang="ko-KR" sz="1600"/>
-              <a:t> DataOutputStream(</a:t>
-            </a:r>
-            <a:r>
-              <a:rPr lang="en-US" altLang="ko-KR" sz="1600" b="1">
+              <a:rPr lang="en-US" altLang="ko-KR" sz="1600" dirty="0"/>
+              <a:t> </a:t>
+            </a:r>
+            <a:r>
+              <a:rPr lang="en-US" altLang="ko-KR" sz="1600" dirty="0" err="1"/>
+              <a:t>DataOutputStream</a:t>
+            </a:r>
+            <a:r>
+              <a:rPr lang="en-US" altLang="ko-KR" sz="1600" dirty="0"/>
+              <a:t>(</a:t>
+            </a:r>
+            <a:r>
+              <a:rPr lang="en-US" altLang="ko-KR" sz="1600" b="1" dirty="0">
                 <a:solidFill>
                   <a:srgbClr val="7F0055"/>
                 </a:solidFill>
@@ -26406,8 +27507,16 @@
               <a:t>new</a:t>
             </a:r>
             <a:r>
-              <a:rPr lang="en-US" altLang="ko-KR" sz="1600"/>
-              <a:t> BufferedOutputStream(</a:t>
+              <a:rPr lang="en-US" altLang="ko-KR" sz="1600" dirty="0"/>
+              <a:t> </a:t>
+            </a:r>
+            <a:r>
+              <a:rPr lang="en-US" altLang="ko-KR" sz="1600" dirty="0" err="1"/>
+              <a:t>BufferedOutputStream</a:t>
+            </a:r>
+            <a:r>
+              <a:rPr lang="en-US" altLang="ko-KR" sz="1600" dirty="0"/>
+              <a:t>(</a:t>
             </a:r>
           </a:p>
           <a:p>
@@ -26416,11 +27525,11 @@
               <a:buNone/>
             </a:pPr>
             <a:r>
-              <a:rPr lang="en-US" altLang="ko-KR" sz="1600"/>
+              <a:rPr lang="en-US" altLang="ko-KR" sz="1600" dirty="0"/>
               <a:t>                                 </a:t>
             </a:r>
             <a:r>
-              <a:rPr lang="en-US" altLang="ko-KR" sz="1600" b="1">
+              <a:rPr lang="en-US" altLang="ko-KR" sz="1600" b="1" dirty="0">
                 <a:solidFill>
                   <a:srgbClr val="7F0055"/>
                 </a:solidFill>
@@ -26428,19 +27537,43 @@
               <a:t>new</a:t>
             </a:r>
             <a:r>
-              <a:rPr lang="en-US" altLang="ko-KR" sz="1600"/>
-              <a:t> FileOutputStream(</a:t>
-            </a:r>
-            <a:r>
-              <a:rPr lang="en-US" altLang="ko-KR" sz="1600">
+              <a:rPr lang="en-US" altLang="ko-KR" sz="1600" dirty="0"/>
+              <a:t> </a:t>
+            </a:r>
+            <a:r>
+              <a:rPr lang="en-US" altLang="ko-KR" sz="1600" dirty="0" err="1"/>
+              <a:t>FileOutputStream</a:t>
+            </a:r>
+            <a:r>
+              <a:rPr lang="en-US" altLang="ko-KR" sz="1600" dirty="0"/>
+              <a:t>(</a:t>
+            </a:r>
+            <a:r>
+              <a:rPr lang="en-US" altLang="ko-KR" sz="1600" dirty="0">
                 <a:solidFill>
                   <a:srgbClr val="2A00FF"/>
                 </a:solidFill>
               </a:rPr>
-              <a:t>"data.bin"</a:t>
-            </a:r>
-            <a:r>
-              <a:rPr lang="en-US" altLang="ko-KR" sz="1600"/>
+              <a:t>"</a:t>
+            </a:r>
+            <a:r>
+              <a:rPr lang="en-US" altLang="ko-KR" sz="1600" dirty="0" err="1">
+                <a:solidFill>
+                  <a:srgbClr val="2A00FF"/>
+                </a:solidFill>
+              </a:rPr>
+              <a:t>data.bin</a:t>
+            </a:r>
+            <a:r>
+              <a:rPr lang="en-US" altLang="ko-KR" sz="1600" dirty="0">
+                <a:solidFill>
+                  <a:srgbClr val="2A00FF"/>
+                </a:solidFill>
+              </a:rPr>
+              <a:t>"</a:t>
+            </a:r>
+            <a:r>
+              <a:rPr lang="en-US" altLang="ko-KR" sz="1600" dirty="0"/>
               <a:t>)));</a:t>
             </a:r>
           </a:p>
@@ -26450,8 +27583,16 @@
               <a:buNone/>
             </a:pPr>
             <a:r>
-              <a:rPr lang="en-US" altLang="ko-KR" sz="1600"/>
-              <a:t>                    out.writeDouble(3.14);</a:t>
+              <a:rPr lang="en-US" altLang="ko-KR" sz="1600" dirty="0"/>
+              <a:t>                    </a:t>
+            </a:r>
+            <a:r>
+              <a:rPr lang="en-US" altLang="ko-KR" sz="1600" dirty="0" err="1"/>
+              <a:t>out.writeDouble</a:t>
+            </a:r>
+            <a:r>
+              <a:rPr lang="en-US" altLang="ko-KR" sz="1600" dirty="0"/>
+              <a:t>(3.14);</a:t>
             </a:r>
           </a:p>
           <a:p>
@@ -26460,8 +27601,16 @@
               <a:buNone/>
             </a:pPr>
             <a:r>
-              <a:rPr lang="en-US" altLang="ko-KR" sz="1600"/>
-              <a:t>                    out.writeInt(100);</a:t>
+              <a:rPr lang="en-US" altLang="ko-KR" sz="1600" dirty="0"/>
+              <a:t>                    </a:t>
+            </a:r>
+            <a:r>
+              <a:rPr lang="en-US" altLang="ko-KR" sz="1600" dirty="0" err="1"/>
+              <a:t>out.writeInt</a:t>
+            </a:r>
+            <a:r>
+              <a:rPr lang="en-US" altLang="ko-KR" sz="1600" dirty="0"/>
+              <a:t>(100);</a:t>
             </a:r>
           </a:p>
           <a:p>
@@ -26470,11 +27619,19 @@
               <a:buNone/>
             </a:pPr>
             <a:r>
-              <a:rPr lang="en-US" altLang="ko-KR" sz="1600"/>
-              <a:t>                    out.writeUTF(</a:t>
-            </a:r>
-            <a:r>
-              <a:rPr lang="en-US" altLang="ko-KR" sz="1600">
+              <a:rPr lang="en-US" altLang="ko-KR" sz="1600" dirty="0"/>
+              <a:t>                    </a:t>
+            </a:r>
+            <a:r>
+              <a:rPr lang="en-US" altLang="ko-KR" sz="1600" dirty="0" err="1"/>
+              <a:t>out.writeUTF</a:t>
+            </a:r>
+            <a:r>
+              <a:rPr lang="en-US" altLang="ko-KR" sz="1600" dirty="0"/>
+              <a:t>(</a:t>
+            </a:r>
+            <a:r>
+              <a:rPr lang="en-US" altLang="ko-KR" sz="1600" dirty="0">
                 <a:solidFill>
                   <a:srgbClr val="2A00FF"/>
                 </a:solidFill>
@@ -26482,7 +27639,7 @@
               <a:t>"</a:t>
             </a:r>
             <a:r>
-              <a:rPr lang="ko-KR" altLang="en-US" sz="1600">
+              <a:rPr lang="ko-KR" altLang="en-US" sz="1600" dirty="0">
                 <a:solidFill>
                   <a:srgbClr val="2A00FF"/>
                 </a:solidFill>
@@ -26491,7 +27648,7 @@
               <a:t>자신의</a:t>
             </a:r>
             <a:r>
-              <a:rPr lang="ko-KR" altLang="en-US" sz="1600">
+              <a:rPr lang="ko-KR" altLang="en-US" sz="1600" dirty="0">
                 <a:solidFill>
                   <a:srgbClr val="2A00FF"/>
                 </a:solidFill>
@@ -26499,7 +27656,7 @@
               <a:t> </a:t>
             </a:r>
             <a:r>
-              <a:rPr lang="ko-KR" altLang="en-US" sz="1600">
+              <a:rPr lang="ko-KR" altLang="en-US" sz="1600" dirty="0">
                 <a:solidFill>
                   <a:srgbClr val="2A00FF"/>
                 </a:solidFill>
@@ -26508,7 +27665,7 @@
               <a:t>생각을</a:t>
             </a:r>
             <a:r>
-              <a:rPr lang="ko-KR" altLang="en-US" sz="1600">
+              <a:rPr lang="ko-KR" altLang="en-US" sz="1600" dirty="0">
                 <a:solidFill>
                   <a:srgbClr val="2A00FF"/>
                 </a:solidFill>
@@ -26516,7 +27673,7 @@
               <a:t> </a:t>
             </a:r>
             <a:r>
-              <a:rPr lang="ko-KR" altLang="en-US" sz="1600">
+              <a:rPr lang="ko-KR" altLang="en-US" sz="1600" dirty="0">
                 <a:solidFill>
                   <a:srgbClr val="2A00FF"/>
                 </a:solidFill>
@@ -26525,7 +27682,7 @@
               <a:t>바꾸지</a:t>
             </a:r>
             <a:r>
-              <a:rPr lang="ko-KR" altLang="en-US" sz="1600">
+              <a:rPr lang="ko-KR" altLang="en-US" sz="1600" dirty="0">
                 <a:solidFill>
                   <a:srgbClr val="2A00FF"/>
                 </a:solidFill>
@@ -26533,7 +27690,7 @@
               <a:t> </a:t>
             </a:r>
             <a:r>
-              <a:rPr lang="ko-KR" altLang="en-US" sz="1600">
+              <a:rPr lang="ko-KR" altLang="en-US" sz="1600" dirty="0">
                 <a:solidFill>
                   <a:srgbClr val="2A00FF"/>
                 </a:solidFill>
@@ -26542,7 +27699,7 @@
               <a:t>못하는</a:t>
             </a:r>
             <a:r>
-              <a:rPr lang="ko-KR" altLang="en-US" sz="1600">
+              <a:rPr lang="ko-KR" altLang="en-US" sz="1600" dirty="0">
                 <a:solidFill>
                   <a:srgbClr val="2A00FF"/>
                 </a:solidFill>
@@ -26550,7 +27707,7 @@
               <a:t> </a:t>
             </a:r>
             <a:r>
-              <a:rPr lang="ko-KR" altLang="en-US" sz="1600">
+              <a:rPr lang="ko-KR" altLang="en-US" sz="1600" dirty="0">
                 <a:solidFill>
                   <a:srgbClr val="2A00FF"/>
                 </a:solidFill>
@@ -26559,7 +27716,7 @@
               <a:t>사람은</a:t>
             </a:r>
             <a:r>
-              <a:rPr lang="ko-KR" altLang="en-US" sz="1600">
+              <a:rPr lang="ko-KR" altLang="en-US" sz="1600" dirty="0">
                 <a:solidFill>
                   <a:srgbClr val="2A00FF"/>
                 </a:solidFill>
@@ -26567,7 +27724,7 @@
               <a:t> </a:t>
             </a:r>
             <a:r>
-              <a:rPr lang="ko-KR" altLang="en-US" sz="1600">
+              <a:rPr lang="ko-KR" altLang="en-US" sz="1600" dirty="0">
                 <a:solidFill>
                   <a:srgbClr val="2A00FF"/>
                 </a:solidFill>
@@ -26576,7 +27733,7 @@
               <a:t>결코</a:t>
             </a:r>
             <a:r>
-              <a:rPr lang="ko-KR" altLang="en-US" sz="1600">
+              <a:rPr lang="ko-KR" altLang="en-US" sz="1600" dirty="0">
                 <a:solidFill>
                   <a:srgbClr val="2A00FF"/>
                 </a:solidFill>
@@ -26584,7 +27741,7 @@
               <a:t> </a:t>
             </a:r>
             <a:r>
-              <a:rPr lang="ko-KR" altLang="en-US" sz="1600">
+              <a:rPr lang="ko-KR" altLang="en-US" sz="1600" dirty="0">
                 <a:solidFill>
                   <a:srgbClr val="2A00FF"/>
                 </a:solidFill>
@@ -26593,7 +27750,7 @@
               <a:t>현실을</a:t>
             </a:r>
             <a:r>
-              <a:rPr lang="ko-KR" altLang="en-US" sz="1600">
+              <a:rPr lang="ko-KR" altLang="en-US" sz="1600" dirty="0">
                 <a:solidFill>
                   <a:srgbClr val="2A00FF"/>
                 </a:solidFill>
@@ -26601,7 +27758,7 @@
               <a:t> </a:t>
             </a:r>
             <a:r>
-              <a:rPr lang="ko-KR" altLang="en-US" sz="1600">
+              <a:rPr lang="ko-KR" altLang="en-US" sz="1600" dirty="0">
                 <a:solidFill>
                   <a:srgbClr val="2A00FF"/>
                 </a:solidFill>
@@ -26610,7 +27767,7 @@
               <a:t>바꿀</a:t>
             </a:r>
             <a:r>
-              <a:rPr lang="ko-KR" altLang="en-US" sz="1600">
+              <a:rPr lang="ko-KR" altLang="en-US" sz="1600" dirty="0">
                 <a:solidFill>
                   <a:srgbClr val="2A00FF"/>
                 </a:solidFill>
@@ -26618,7 +27775,7 @@
               <a:t> </a:t>
             </a:r>
             <a:r>
-              <a:rPr lang="ko-KR" altLang="en-US" sz="1600">
+              <a:rPr lang="ko-KR" altLang="en-US" sz="1600" dirty="0">
                 <a:solidFill>
                   <a:srgbClr val="2A00FF"/>
                 </a:solidFill>
@@ -26627,7 +27784,7 @@
               <a:t>수</a:t>
             </a:r>
             <a:r>
-              <a:rPr lang="ko-KR" altLang="en-US" sz="1600">
+              <a:rPr lang="ko-KR" altLang="en-US" sz="1600" dirty="0">
                 <a:solidFill>
                   <a:srgbClr val="2A00FF"/>
                 </a:solidFill>
@@ -26635,7 +27792,7 @@
               <a:t> </a:t>
             </a:r>
             <a:r>
-              <a:rPr lang="ko-KR" altLang="en-US" sz="1600">
+              <a:rPr lang="ko-KR" altLang="en-US" sz="1600" dirty="0">
                 <a:solidFill>
                   <a:srgbClr val="2A00FF"/>
                 </a:solidFill>
@@ -26644,7 +27801,7 @@
               <a:t>없다</a:t>
             </a:r>
             <a:r>
-              <a:rPr lang="en-US" altLang="ko-KR" sz="1600">
+              <a:rPr lang="en-US" altLang="ko-KR" sz="1600" dirty="0">
                 <a:solidFill>
                   <a:srgbClr val="2A00FF"/>
                 </a:solidFill>
@@ -26652,7 +27809,7 @@
               <a:t>."</a:t>
             </a:r>
             <a:r>
-              <a:rPr lang="en-US" altLang="ko-KR" sz="1600"/>
+              <a:rPr lang="en-US" altLang="ko-KR" sz="1600" dirty="0"/>
               <a:t>);</a:t>
             </a:r>
           </a:p>
@@ -26662,8 +27819,16 @@
               <a:buNone/>
             </a:pPr>
             <a:r>
-              <a:rPr lang="en-US" altLang="ko-KR" sz="1600"/>
-              <a:t>                     out.flush();</a:t>
+              <a:rPr lang="en-US" altLang="ko-KR" sz="1600" dirty="0"/>
+              <a:t>                     </a:t>
+            </a:r>
+            <a:r>
+              <a:rPr lang="en-US" altLang="ko-KR" sz="1600" dirty="0" err="1"/>
+              <a:t>out.flush</a:t>
+            </a:r>
+            <a:r>
+              <a:rPr lang="en-US" altLang="ko-KR" sz="1600" dirty="0"/>
+              <a:t>();</a:t>
             </a:r>
           </a:p>
           <a:p>
@@ -26672,11 +27837,11 @@
               <a:buNone/>
             </a:pPr>
             <a:r>
-              <a:rPr lang="en-US" altLang="ko-KR" sz="1600"/>
+              <a:rPr lang="en-US" altLang="ko-KR" sz="1600" dirty="0"/>
               <a:t>                    in = </a:t>
             </a:r>
             <a:r>
-              <a:rPr lang="en-US" altLang="ko-KR" sz="1600" b="1">
+              <a:rPr lang="en-US" altLang="ko-KR" sz="1600" b="1" dirty="0">
                 <a:solidFill>
                   <a:srgbClr val="7F0055"/>
                 </a:solidFill>
@@ -26684,11 +27849,19 @@
               <a:t>new</a:t>
             </a:r>
             <a:r>
-              <a:rPr lang="en-US" altLang="ko-KR" sz="1600"/>
-              <a:t> DataInputStream(</a:t>
-            </a:r>
-            <a:r>
-              <a:rPr lang="en-US" altLang="ko-KR" sz="1600" b="1">
+              <a:rPr lang="en-US" altLang="ko-KR" sz="1600" dirty="0"/>
+              <a:t> </a:t>
+            </a:r>
+            <a:r>
+              <a:rPr lang="en-US" altLang="ko-KR" sz="1600" dirty="0" err="1"/>
+              <a:t>DataInputStream</a:t>
+            </a:r>
+            <a:r>
+              <a:rPr lang="en-US" altLang="ko-KR" sz="1600" dirty="0"/>
+              <a:t>(</a:t>
+            </a:r>
+            <a:r>
+              <a:rPr lang="en-US" altLang="ko-KR" sz="1600" b="1" dirty="0">
                 <a:solidFill>
                   <a:srgbClr val="7F0055"/>
                 </a:solidFill>
@@ -26696,8 +27869,16 @@
               <a:t>new</a:t>
             </a:r>
             <a:r>
-              <a:rPr lang="en-US" altLang="ko-KR" sz="1600"/>
-              <a:t> BufferedInputStream(</a:t>
+              <a:rPr lang="en-US" altLang="ko-KR" sz="1600" dirty="0"/>
+              <a:t> </a:t>
+            </a:r>
+            <a:r>
+              <a:rPr lang="en-US" altLang="ko-KR" sz="1600" dirty="0" err="1"/>
+              <a:t>BufferedInputStream</a:t>
+            </a:r>
+            <a:r>
+              <a:rPr lang="en-US" altLang="ko-KR" sz="1600" dirty="0"/>
+              <a:t>(</a:t>
             </a:r>
           </a:p>
           <a:p>
@@ -26706,11 +27887,11 @@
               <a:buNone/>
             </a:pPr>
             <a:r>
-              <a:rPr lang="en-US" altLang="ko-KR" sz="1600"/>
+              <a:rPr lang="en-US" altLang="ko-KR" sz="1600" dirty="0"/>
               <a:t>                                 </a:t>
             </a:r>
             <a:r>
-              <a:rPr lang="en-US" altLang="ko-KR" sz="1600" b="1">
+              <a:rPr lang="en-US" altLang="ko-KR" sz="1600" b="1" dirty="0">
                 <a:solidFill>
                   <a:srgbClr val="7F0055"/>
                 </a:solidFill>
@@ -26718,19 +27899,43 @@
               <a:t>new</a:t>
             </a:r>
             <a:r>
-              <a:rPr lang="en-US" altLang="ko-KR" sz="1600"/>
-              <a:t> FileInputStream(</a:t>
-            </a:r>
-            <a:r>
-              <a:rPr lang="en-US" altLang="ko-KR" sz="1600">
+              <a:rPr lang="en-US" altLang="ko-KR" sz="1600" dirty="0"/>
+              <a:t> </a:t>
+            </a:r>
+            <a:r>
+              <a:rPr lang="en-US" altLang="ko-KR" sz="1600" dirty="0" err="1"/>
+              <a:t>FileInputStream</a:t>
+            </a:r>
+            <a:r>
+              <a:rPr lang="en-US" altLang="ko-KR" sz="1600" dirty="0"/>
+              <a:t>(</a:t>
+            </a:r>
+            <a:r>
+              <a:rPr lang="en-US" altLang="ko-KR" sz="1600" dirty="0">
                 <a:solidFill>
                   <a:srgbClr val="2A00FF"/>
                 </a:solidFill>
               </a:rPr>
-              <a:t>"data.bin"</a:t>
-            </a:r>
-            <a:r>
-              <a:rPr lang="en-US" altLang="ko-KR" sz="1600"/>
+              <a:t>"</a:t>
+            </a:r>
+            <a:r>
+              <a:rPr lang="en-US" altLang="ko-KR" sz="1600" dirty="0" err="1">
+                <a:solidFill>
+                  <a:srgbClr val="2A00FF"/>
+                </a:solidFill>
+              </a:rPr>
+              <a:t>data.bin</a:t>
+            </a:r>
+            <a:r>
+              <a:rPr lang="en-US" altLang="ko-KR" sz="1600" dirty="0">
+                <a:solidFill>
+                  <a:srgbClr val="2A00FF"/>
+                </a:solidFill>
+              </a:rPr>
+              <a:t>"</a:t>
+            </a:r>
+            <a:r>
+              <a:rPr lang="en-US" altLang="ko-KR" sz="1600" dirty="0"/>
               <a:t>)));</a:t>
             </a:r>
           </a:p>
@@ -26740,7 +27945,7 @@
               <a:buNone/>
             </a:pPr>
             <a:r>
-              <a:rPr lang="en-US" altLang="ko-KR" sz="1600"/>
+              <a:rPr lang="en-US" altLang="ko-KR" sz="1600" dirty="0"/>
               <a:t> </a:t>
             </a:r>
           </a:p>
@@ -26769,14 +27974,14 @@
           <a:effectLst/>
           <a:extLst>
             <a:ext uri="{909E8E84-426E-40DD-AFC4-6F175D3DCCD1}">
-              <a14:hiddenFill xmlns:a14="http://schemas.microsoft.com/office/drawing/2010/main" xmlns="">
+              <a14:hiddenFill xmlns:a14="http://schemas.microsoft.com/office/drawing/2010/main">
                 <a:solidFill>
                   <a:schemeClr val="accent1"/>
                 </a:solidFill>
               </a14:hiddenFill>
             </a:ext>
             <a:ext uri="{91240B29-F687-4F45-9708-019B960494DF}">
-              <a14:hiddenLine xmlns:a14="http://schemas.microsoft.com/office/drawing/2010/main" xmlns="" w="9525">
+              <a14:hiddenLine xmlns:a14="http://schemas.microsoft.com/office/drawing/2010/main" w="9525">
                 <a:solidFill>
                   <a:schemeClr val="tx1"/>
                 </a:solidFill>
@@ -26786,7 +27991,7 @@
               </a14:hiddenLine>
             </a:ext>
             <a:ext uri="{AF507438-7753-43E0-B8FC-AC1667EBCBE1}">
-              <a14:hiddenEffects xmlns:a14="http://schemas.microsoft.com/office/drawing/2010/main" xmlns="">
+              <a14:hiddenEffects xmlns:a14="http://schemas.microsoft.com/office/drawing/2010/main">
                 <a:effectLst>
                   <a:outerShdw dist="35921" dir="2700000" algn="ctr" rotWithShape="0">
                     <a:schemeClr val="bg2"/>
@@ -26816,7 +28021,7 @@
         </p:nvSpPr>
         <p:spPr bwMode="auto">
           <a:xfrm>
-            <a:off x="2068513" y="3694113"/>
+            <a:off x="1979613" y="3732614"/>
             <a:ext cx="5422900" cy="0"/>
           </a:xfrm>
           <a:prstGeom prst="line">
@@ -26834,12 +28039,12 @@
           <a:effectLst/>
           <a:extLst>
             <a:ext uri="{909E8E84-426E-40DD-AFC4-6F175D3DCCD1}">
-              <a14:hiddenFill xmlns:a14="http://schemas.microsoft.com/office/drawing/2010/main" xmlns="">
+              <a14:hiddenFill xmlns:a14="http://schemas.microsoft.com/office/drawing/2010/main">
                 <a:noFill/>
               </a14:hiddenFill>
             </a:ext>
             <a:ext uri="{AF507438-7753-43E0-B8FC-AC1667EBCBE1}">
-              <a14:hiddenEffects xmlns:a14="http://schemas.microsoft.com/office/drawing/2010/main" xmlns="">
+              <a14:hiddenEffects xmlns:a14="http://schemas.microsoft.com/office/drawing/2010/main">
                 <a:effectLst>
                   <a:outerShdw dist="35921" dir="2700000" algn="ctr" rotWithShape="0">
                     <a:schemeClr val="bg2"/>
@@ -26885,12 +28090,12 @@
           <a:effectLst/>
           <a:extLst>
             <a:ext uri="{909E8E84-426E-40DD-AFC4-6F175D3DCCD1}">
-              <a14:hiddenFill xmlns:a14="http://schemas.microsoft.com/office/drawing/2010/main" xmlns="">
+              <a14:hiddenFill xmlns:a14="http://schemas.microsoft.com/office/drawing/2010/main">
                 <a:noFill/>
               </a14:hiddenFill>
             </a:ext>
             <a:ext uri="{AF507438-7753-43E0-B8FC-AC1667EBCBE1}">
-              <a14:hiddenEffects xmlns:a14="http://schemas.microsoft.com/office/drawing/2010/main" xmlns="">
+              <a14:hiddenEffects xmlns:a14="http://schemas.microsoft.com/office/drawing/2010/main">
                 <a:effectLst>
                   <a:outerShdw dist="35921" dir="2700000" algn="ctr" rotWithShape="0">
                     <a:schemeClr val="bg2"/>
@@ -26908,31 +28113,67 @@
           </a:p>
         </p:txBody>
       </p:sp>
+      <mc:AlternateContent xmlns:mc="http://schemas.openxmlformats.org/markup-compatibility/2006">
+        <mc:Choice xmlns:p14="http://schemas.microsoft.com/office/powerpoint/2010/main" Requires="p14">
+          <p:contentPart p14:bwMode="auto" r:id="rId2">
+            <p14:nvContentPartPr>
+              <p14:cNvPr id="2" name="잉크 1">
+                <a:extLst>
+                  <a:ext uri="{FF2B5EF4-FFF2-40B4-BE49-F238E27FC236}">
+                    <a16:creationId xmlns:a16="http://schemas.microsoft.com/office/drawing/2014/main" id="{18168EDF-787D-4AC7-9B4D-1B47EA9D27AB}"/>
+                  </a:ext>
+                </a:extLst>
+              </p14:cNvPr>
+              <p14:cNvContentPartPr/>
+              <p14:nvPr/>
+            </p14:nvContentPartPr>
+            <p14:xfrm>
+              <a:off x="2610000" y="3860640"/>
+              <a:ext cx="1689480" cy="762480"/>
+            </p14:xfrm>
+          </p:contentPart>
+        </mc:Choice>
+        <mc:Fallback>
+          <p:pic>
+            <p:nvPicPr>
+              <p:cNvPr id="2" name="잉크 1">
+                <a:extLst>
+                  <a:ext uri="{FF2B5EF4-FFF2-40B4-BE49-F238E27FC236}">
+                    <a16:creationId xmlns:a16="http://schemas.microsoft.com/office/drawing/2014/main" id="{18168EDF-787D-4AC7-9B4D-1B47EA9D27AB}"/>
+                  </a:ext>
+                </a:extLst>
+              </p:cNvPr>
+              <p:cNvPicPr/>
+              <p:nvPr/>
+            </p:nvPicPr>
+            <p:blipFill>
+              <a:blip r:embed="rId3"/>
+              <a:stretch>
+                <a:fillRect/>
+              </a:stretch>
+            </p:blipFill>
+            <p:spPr>
+              <a:xfrm>
+                <a:off x="2600640" y="3851280"/>
+                <a:ext cx="1708200" cy="781200"/>
+              </a:xfrm>
+              <a:prstGeom prst="rect">
+                <a:avLst/>
+              </a:prstGeom>
+            </p:spPr>
+          </p:pic>
+        </mc:Fallback>
+      </mc:AlternateContent>
     </p:spTree>
     <p:extLst>
       <p:ext uri="{BB962C8B-B14F-4D97-AF65-F5344CB8AC3E}">
-        <p14:creationId xmlns:p14="http://schemas.microsoft.com/office/powerpoint/2010/main" xmlns="" val="3795140807"/>
+        <p14:creationId xmlns:p14="http://schemas.microsoft.com/office/powerpoint/2010/main" val="3795140807"/>
       </p:ext>
     </p:extLst>
   </p:cSld>
   <p:clrMapOvr>
     <a:masterClrMapping/>
   </p:clrMapOvr>
-  <mc:AlternateContent xmlns:mc="http://schemas.openxmlformats.org/markup-compatibility/2006">
-    <mc:Choice xmlns:p14="http://schemas.microsoft.com/office/powerpoint/2010/main" xmlns="" Requires="p14">
-      <p:transition spd="slow" p14:dur="2000"/>
-    </mc:Choice>
-    <mc:Fallback>
-      <p:transition spd="slow"/>
-    </mc:Fallback>
-  </mc:AlternateContent>
-  <p:timing>
-    <p:tnLst>
-      <p:par>
-        <p:cTn id="1" dur="indefinite" restart="never" nodeType="tmRoot"/>
-      </p:par>
-    </p:tnLst>
-  </p:timing>
 </p:sld>
 </file>
 
@@ -27016,11 +28257,15 @@
               <a:buNone/>
             </a:pPr>
             <a:r>
-              <a:rPr lang="en-US" altLang="ko-KR" sz="1600"/>
-              <a:t> 		System.</a:t>
-            </a:r>
-            <a:r>
-              <a:rPr lang="en-US" altLang="ko-KR" sz="1600" i="1">
+              <a:rPr lang="en-US" altLang="ko-KR" sz="1600" dirty="0"/>
+              <a:t> 		</a:t>
+            </a:r>
+            <a:r>
+              <a:rPr lang="en-US" altLang="ko-KR" sz="1600" dirty="0" err="1"/>
+              <a:t>System.</a:t>
+            </a:r>
+            <a:r>
+              <a:rPr lang="en-US" altLang="ko-KR" sz="1600" i="1" dirty="0" err="1">
                 <a:solidFill>
                   <a:srgbClr val="0000C0"/>
                 </a:solidFill>
@@ -27028,8 +28273,20 @@
               <a:t>out</a:t>
             </a:r>
             <a:r>
-              <a:rPr lang="en-US" altLang="ko-KR" sz="1600"/>
-              <a:t>.println(in.readDouble());</a:t>
+              <a:rPr lang="en-US" altLang="ko-KR" sz="1600" dirty="0" err="1"/>
+              <a:t>.println</a:t>
+            </a:r>
+            <a:r>
+              <a:rPr lang="en-US" altLang="ko-KR" sz="1600" dirty="0"/>
+              <a:t>(</a:t>
+            </a:r>
+            <a:r>
+              <a:rPr lang="en-US" altLang="ko-KR" sz="1600" dirty="0" err="1"/>
+              <a:t>in.readDouble</a:t>
+            </a:r>
+            <a:r>
+              <a:rPr lang="en-US" altLang="ko-KR" sz="1600" dirty="0"/>
+              <a:t>());</a:t>
             </a:r>
           </a:p>
           <a:p>
@@ -27041,11 +28298,15 @@
               <a:buNone/>
             </a:pPr>
             <a:r>
-              <a:rPr lang="en-US" altLang="ko-KR" sz="1600"/>
-              <a:t>                    System.</a:t>
-            </a:r>
-            <a:r>
-              <a:rPr lang="en-US" altLang="ko-KR" sz="1600" i="1">
+              <a:rPr lang="en-US" altLang="ko-KR" sz="1600" dirty="0"/>
+              <a:t>                    </a:t>
+            </a:r>
+            <a:r>
+              <a:rPr lang="en-US" altLang="ko-KR" sz="1600" dirty="0" err="1"/>
+              <a:t>System.</a:t>
+            </a:r>
+            <a:r>
+              <a:rPr lang="en-US" altLang="ko-KR" sz="1600" i="1" dirty="0" err="1">
                 <a:solidFill>
                   <a:srgbClr val="0000C0"/>
                 </a:solidFill>
@@ -27053,8 +28314,20 @@
               <a:t>out</a:t>
             </a:r>
             <a:r>
-              <a:rPr lang="en-US" altLang="ko-KR" sz="1600"/>
-              <a:t>.println(in.readInt());</a:t>
+              <a:rPr lang="en-US" altLang="ko-KR" sz="1600" dirty="0" err="1"/>
+              <a:t>.println</a:t>
+            </a:r>
+            <a:r>
+              <a:rPr lang="en-US" altLang="ko-KR" sz="1600" dirty="0"/>
+              <a:t>(</a:t>
+            </a:r>
+            <a:r>
+              <a:rPr lang="en-US" altLang="ko-KR" sz="1600" dirty="0" err="1"/>
+              <a:t>in.readInt</a:t>
+            </a:r>
+            <a:r>
+              <a:rPr lang="en-US" altLang="ko-KR" sz="1600" dirty="0"/>
+              <a:t>());</a:t>
             </a:r>
           </a:p>
           <a:p>
@@ -27066,11 +28339,15 @@
               <a:buNone/>
             </a:pPr>
             <a:r>
-              <a:rPr lang="en-US" altLang="ko-KR" sz="1600"/>
-              <a:t>                    System.</a:t>
-            </a:r>
-            <a:r>
-              <a:rPr lang="en-US" altLang="ko-KR" sz="1600" i="1">
+              <a:rPr lang="en-US" altLang="ko-KR" sz="1600" dirty="0"/>
+              <a:t>                    </a:t>
+            </a:r>
+            <a:r>
+              <a:rPr lang="en-US" altLang="ko-KR" sz="1600" dirty="0" err="1"/>
+              <a:t>System.</a:t>
+            </a:r>
+            <a:r>
+              <a:rPr lang="en-US" altLang="ko-KR" sz="1600" i="1" dirty="0" err="1">
                 <a:solidFill>
                   <a:srgbClr val="0000C0"/>
                 </a:solidFill>
@@ -27078,8 +28355,20 @@
               <a:t>out</a:t>
             </a:r>
             <a:r>
-              <a:rPr lang="en-US" altLang="ko-KR" sz="1600"/>
-              <a:t>.println(in.readUTF());</a:t>
+              <a:rPr lang="en-US" altLang="ko-KR" sz="1600" dirty="0" err="1"/>
+              <a:t>.println</a:t>
+            </a:r>
+            <a:r>
+              <a:rPr lang="en-US" altLang="ko-KR" sz="1600" dirty="0"/>
+              <a:t>(</a:t>
+            </a:r>
+            <a:r>
+              <a:rPr lang="en-US" altLang="ko-KR" sz="1600" dirty="0" err="1"/>
+              <a:t>in.readUTF</a:t>
+            </a:r>
+            <a:r>
+              <a:rPr lang="en-US" altLang="ko-KR" sz="1600" dirty="0"/>
+              <a:t>());</a:t>
             </a:r>
           </a:p>
           <a:p>
@@ -27091,7 +28380,7 @@
               <a:buNone/>
             </a:pPr>
             <a:r>
-              <a:rPr lang="en-US" altLang="ko-KR" sz="1600"/>
+              <a:rPr lang="en-US" altLang="ko-KR" sz="1600" dirty="0"/>
               <a:t> </a:t>
             </a:r>
           </a:p>
@@ -27104,11 +28393,11 @@
               <a:buNone/>
             </a:pPr>
             <a:r>
-              <a:rPr lang="en-US" altLang="ko-KR" sz="1600"/>
+              <a:rPr lang="en-US" altLang="ko-KR" sz="1600" dirty="0"/>
               <a:t>             } </a:t>
             </a:r>
             <a:r>
-              <a:rPr lang="en-US" altLang="ko-KR" sz="1600" b="1">
+              <a:rPr lang="en-US" altLang="ko-KR" sz="1600" b="1" dirty="0">
                 <a:solidFill>
                   <a:srgbClr val="7F0055"/>
                 </a:solidFill>
@@ -27116,7 +28405,7 @@
               <a:t>finally</a:t>
             </a:r>
             <a:r>
-              <a:rPr lang="en-US" altLang="ko-KR" sz="1600"/>
+              <a:rPr lang="en-US" altLang="ko-KR" sz="1600" dirty="0"/>
               <a:t> {</a:t>
             </a:r>
           </a:p>
@@ -27129,11 +28418,11 @@
               <a:buNone/>
             </a:pPr>
             <a:r>
-              <a:rPr lang="en-US" altLang="ko-KR" sz="1600"/>
+              <a:rPr lang="en-US" altLang="ko-KR" sz="1600" dirty="0"/>
               <a:t>                    </a:t>
             </a:r>
             <a:r>
-              <a:rPr lang="en-US" altLang="ko-KR" sz="1600" b="1">
+              <a:rPr lang="en-US" altLang="ko-KR" sz="1600" b="1" dirty="0">
                 <a:solidFill>
                   <a:srgbClr val="7F0055"/>
                 </a:solidFill>
@@ -27141,11 +28430,11 @@
               <a:t>if</a:t>
             </a:r>
             <a:r>
-              <a:rPr lang="en-US" altLang="ko-KR" sz="1600"/>
+              <a:rPr lang="en-US" altLang="ko-KR" sz="1600" dirty="0"/>
               <a:t> (in != </a:t>
             </a:r>
             <a:r>
-              <a:rPr lang="en-US" altLang="ko-KR" sz="1600" b="1">
+              <a:rPr lang="en-US" altLang="ko-KR" sz="1600" b="1" dirty="0">
                 <a:solidFill>
                   <a:srgbClr val="7F0055"/>
                 </a:solidFill>
@@ -27153,7 +28442,7 @@
               <a:t>null</a:t>
             </a:r>
             <a:r>
-              <a:rPr lang="en-US" altLang="ko-KR" sz="1600"/>
+              <a:rPr lang="en-US" altLang="ko-KR" sz="1600" dirty="0"/>
               <a:t>) {</a:t>
             </a:r>
           </a:p>
@@ -27166,8 +28455,16 @@
               <a:buNone/>
             </a:pPr>
             <a:r>
-              <a:rPr lang="en-US" altLang="ko-KR" sz="1600"/>
-              <a:t>                           in.close();</a:t>
+              <a:rPr lang="en-US" altLang="ko-KR" sz="1600" dirty="0"/>
+              <a:t>                           </a:t>
+            </a:r>
+            <a:r>
+              <a:rPr lang="en-US" altLang="ko-KR" sz="1600" dirty="0" err="1"/>
+              <a:t>in.close</a:t>
+            </a:r>
+            <a:r>
+              <a:rPr lang="en-US" altLang="ko-KR" sz="1600" dirty="0"/>
+              <a:t>();</a:t>
             </a:r>
           </a:p>
           <a:p>
@@ -27179,7 +28476,7 @@
               <a:buNone/>
             </a:pPr>
             <a:r>
-              <a:rPr lang="en-US" altLang="ko-KR" sz="1600"/>
+              <a:rPr lang="en-US" altLang="ko-KR" sz="1600" dirty="0"/>
               <a:t>                    }</a:t>
             </a:r>
           </a:p>
@@ -27192,11 +28489,11 @@
               <a:buNone/>
             </a:pPr>
             <a:r>
-              <a:rPr lang="en-US" altLang="ko-KR" sz="1600"/>
+              <a:rPr lang="en-US" altLang="ko-KR" sz="1600" dirty="0"/>
               <a:t>                    </a:t>
             </a:r>
             <a:r>
-              <a:rPr lang="en-US" altLang="ko-KR" sz="1600" b="1">
+              <a:rPr lang="en-US" altLang="ko-KR" sz="1600" b="1" dirty="0">
                 <a:solidFill>
                   <a:srgbClr val="7F0055"/>
                 </a:solidFill>
@@ -27204,11 +28501,11 @@
               <a:t>if</a:t>
             </a:r>
             <a:r>
-              <a:rPr lang="en-US" altLang="ko-KR" sz="1600"/>
+              <a:rPr lang="en-US" altLang="ko-KR" sz="1600" dirty="0"/>
               <a:t> (out != </a:t>
             </a:r>
             <a:r>
-              <a:rPr lang="en-US" altLang="ko-KR" sz="1600" b="1">
+              <a:rPr lang="en-US" altLang="ko-KR" sz="1600" b="1" dirty="0">
                 <a:solidFill>
                   <a:srgbClr val="7F0055"/>
                 </a:solidFill>
@@ -27216,7 +28513,7 @@
               <a:t>null</a:t>
             </a:r>
             <a:r>
-              <a:rPr lang="en-US" altLang="ko-KR" sz="1600"/>
+              <a:rPr lang="en-US" altLang="ko-KR" sz="1600" dirty="0"/>
               <a:t>) {</a:t>
             </a:r>
           </a:p>
@@ -27229,8 +28526,16 @@
               <a:buNone/>
             </a:pPr>
             <a:r>
-              <a:rPr lang="en-US" altLang="ko-KR" sz="1600"/>
-              <a:t>                           out.close();</a:t>
+              <a:rPr lang="en-US" altLang="ko-KR" sz="1600" dirty="0"/>
+              <a:t>                           </a:t>
+            </a:r>
+            <a:r>
+              <a:rPr lang="en-US" altLang="ko-KR" sz="1600" dirty="0" err="1"/>
+              <a:t>out.close</a:t>
+            </a:r>
+            <a:r>
+              <a:rPr lang="en-US" altLang="ko-KR" sz="1600" dirty="0"/>
+              <a:t>();</a:t>
             </a:r>
           </a:p>
           <a:p>
@@ -27242,7 +28547,7 @@
               <a:buNone/>
             </a:pPr>
             <a:r>
-              <a:rPr lang="en-US" altLang="ko-KR" sz="1600"/>
+              <a:rPr lang="en-US" altLang="ko-KR" sz="1600" dirty="0"/>
               <a:t>                    }</a:t>
             </a:r>
           </a:p>
@@ -27255,7 +28560,7 @@
               <a:buNone/>
             </a:pPr>
             <a:r>
-              <a:rPr lang="en-US" altLang="ko-KR" sz="1600"/>
+              <a:rPr lang="en-US" altLang="ko-KR" sz="1600" dirty="0"/>
               <a:t>             }</a:t>
             </a:r>
           </a:p>
@@ -27268,7 +28573,7 @@
               <a:buNone/>
             </a:pPr>
             <a:r>
-              <a:rPr lang="en-US" altLang="ko-KR" sz="1600"/>
+              <a:rPr lang="en-US" altLang="ko-KR" sz="1600" dirty="0"/>
               <a:t>       }</a:t>
             </a:r>
           </a:p>
@@ -27281,7 +28586,7 @@
               <a:buNone/>
             </a:pPr>
             <a:r>
-              <a:rPr lang="en-US" altLang="ko-KR" sz="1600"/>
+              <a:rPr lang="en-US" altLang="ko-KR" sz="1600" dirty="0"/>
               <a:t>}</a:t>
             </a:r>
           </a:p>
@@ -27310,14 +28615,14 @@
           <a:effectLst/>
           <a:extLst>
             <a:ext uri="{909E8E84-426E-40DD-AFC4-6F175D3DCCD1}">
-              <a14:hiddenFill xmlns:a14="http://schemas.microsoft.com/office/drawing/2010/main" xmlns="">
+              <a14:hiddenFill xmlns:a14="http://schemas.microsoft.com/office/drawing/2010/main">
                 <a:solidFill>
                   <a:schemeClr val="accent1"/>
                 </a:solidFill>
               </a14:hiddenFill>
             </a:ext>
             <a:ext uri="{91240B29-F687-4F45-9708-019B960494DF}">
-              <a14:hiddenLine xmlns:a14="http://schemas.microsoft.com/office/drawing/2010/main" xmlns="" w="9525">
+              <a14:hiddenLine xmlns:a14="http://schemas.microsoft.com/office/drawing/2010/main" w="9525">
                 <a:solidFill>
                   <a:schemeClr val="tx1"/>
                 </a:solidFill>
@@ -27327,7 +28632,7 @@
               </a14:hiddenLine>
             </a:ext>
             <a:ext uri="{AF507438-7753-43E0-B8FC-AC1667EBCBE1}">
-              <a14:hiddenEffects xmlns:a14="http://schemas.microsoft.com/office/drawing/2010/main" xmlns="">
+              <a14:hiddenEffects xmlns:a14="http://schemas.microsoft.com/office/drawing/2010/main">
                 <a:effectLst>
                   <a:outerShdw dist="35921" dir="2700000" algn="ctr" rotWithShape="0">
                     <a:schemeClr val="bg2"/>
@@ -27438,24 +28743,67 @@
           </a:prstGeom>
         </p:spPr>
       </p:pic>
+      <mc:AlternateContent xmlns:mc="http://schemas.openxmlformats.org/markup-compatibility/2006">
+        <mc:Choice xmlns:p14="http://schemas.microsoft.com/office/powerpoint/2010/main" Requires="p14">
+          <p:contentPart p14:bwMode="auto" r:id="rId3">
+            <p14:nvContentPartPr>
+              <p14:cNvPr id="2" name="잉크 1">
+                <a:extLst>
+                  <a:ext uri="{FF2B5EF4-FFF2-40B4-BE49-F238E27FC236}">
+                    <a16:creationId xmlns:a16="http://schemas.microsoft.com/office/drawing/2014/main" id="{8837011F-8C00-40D3-925D-D576B0F382C3}"/>
+                  </a:ext>
+                </a:extLst>
+              </p14:cNvPr>
+              <p14:cNvContentPartPr/>
+              <p14:nvPr/>
+            </p14:nvContentPartPr>
+            <p14:xfrm>
+              <a:off x="2432160" y="1346040"/>
+              <a:ext cx="5073840" cy="3423240"/>
+            </p14:xfrm>
+          </p:contentPart>
+        </mc:Choice>
+        <mc:Fallback>
+          <p:pic>
+            <p:nvPicPr>
+              <p:cNvPr id="2" name="잉크 1">
+                <a:extLst>
+                  <a:ext uri="{FF2B5EF4-FFF2-40B4-BE49-F238E27FC236}">
+                    <a16:creationId xmlns:a16="http://schemas.microsoft.com/office/drawing/2014/main" id="{8837011F-8C00-40D3-925D-D576B0F382C3}"/>
+                  </a:ext>
+                </a:extLst>
+              </p:cNvPr>
+              <p:cNvPicPr/>
+              <p:nvPr/>
+            </p:nvPicPr>
+            <p:blipFill>
+              <a:blip r:embed="rId4"/>
+              <a:stretch>
+                <a:fillRect/>
+              </a:stretch>
+            </p:blipFill>
+            <p:spPr>
+              <a:xfrm>
+                <a:off x="2422800" y="1336680"/>
+                <a:ext cx="5092560" cy="3441960"/>
+              </a:xfrm>
+              <a:prstGeom prst="rect">
+                <a:avLst/>
+              </a:prstGeom>
+            </p:spPr>
+          </p:pic>
+        </mc:Fallback>
+      </mc:AlternateContent>
     </p:spTree>
     <p:extLst>
       <p:ext uri="{BB962C8B-B14F-4D97-AF65-F5344CB8AC3E}">
-        <p14:creationId xmlns:p14="http://schemas.microsoft.com/office/powerpoint/2010/main" xmlns="" val="900883597"/>
+        <p14:creationId xmlns:p14="http://schemas.microsoft.com/office/powerpoint/2010/main" val="900883597"/>
       </p:ext>
     </p:extLst>
   </p:cSld>
   <p:clrMapOvr>
     <a:masterClrMapping/>
   </p:clrMapOvr>
-  <mc:AlternateContent xmlns:mc="http://schemas.openxmlformats.org/markup-compatibility/2006">
-    <mc:Choice xmlns:p14="http://schemas.microsoft.com/office/powerpoint/2010/main" xmlns="" Requires="p14">
-      <p:transition spd="slow" p14:dur="2000"/>
-    </mc:Choice>
-    <mc:Fallback>
-      <p:transition spd="slow"/>
-    </mc:Fallback>
-  </mc:AlternateContent>
   <p:timing>
     <p:tnLst>
       <p:par>
@@ -27570,90 +28918,89 @@
           <a:lstStyle/>
           <a:p>
             <a:r>
-              <a:rPr lang="ko-KR" altLang="en-US" dirty="0" smtClean="0"/>
+              <a:rPr lang="ko-KR" altLang="en-US" dirty="0"/>
               <a:t>데이터를 파일로 관리할 때 </a:t>
             </a:r>
             <a:r>
-              <a:rPr altLang="ko-KR" smtClean="0"/>
+              <a:rPr altLang="ko-KR"/>
               <a:t>BinaryFile</a:t>
             </a:r>
             <a:r>
-              <a:rPr lang="ko-KR" altLang="en-US" dirty="0" smtClean="0"/>
+              <a:rPr lang="ko-KR" altLang="en-US" dirty="0"/>
               <a:t>과 </a:t>
             </a:r>
             <a:r>
-              <a:rPr altLang="ko-KR" smtClean="0"/>
+              <a:rPr altLang="ko-KR"/>
               <a:t>TextFile </a:t>
             </a:r>
             <a:r>
-              <a:rPr lang="ko-KR" altLang="en-US" dirty="0" smtClean="0"/>
+              <a:rPr lang="ko-KR" altLang="en-US" dirty="0"/>
               <a:t>형태가 가능</a:t>
             </a:r>
-            <a:endParaRPr altLang="ko-KR" smtClean="0"/>
+            <a:endParaRPr altLang="ko-KR"/>
           </a:p>
           <a:p>
             <a:pPr lvl="1"/>
             <a:r>
-              <a:rPr lang="ko-KR" altLang="en-US" dirty="0" smtClean="0"/>
+              <a:rPr lang="ko-KR" altLang="en-US" dirty="0"/>
               <a:t>이진파일의</a:t>
             </a:r>
             <a:r>
-              <a:rPr altLang="ko-KR" smtClean="0"/>
+              <a:rPr altLang="ko-KR"/>
               <a:t> </a:t>
             </a:r>
             <a:r>
-              <a:rPr lang="ko-KR" altLang="en-US" dirty="0" smtClean="0"/>
+              <a:rPr lang="ko-KR" altLang="en-US" dirty="0"/>
               <a:t>경우 데이터 길이다 축약되어 속도는 빠르나 </a:t>
             </a:r>
             <a:r>
-              <a:rPr lang="ko-KR" altLang="en-US" dirty="0" err="1" smtClean="0"/>
+              <a:rPr lang="ko-KR" altLang="en-US" dirty="0" err="1"/>
               <a:t>가독성이</a:t>
             </a:r>
             <a:r>
-              <a:rPr lang="ko-KR" altLang="en-US" dirty="0" smtClean="0"/>
+              <a:rPr lang="ko-KR" altLang="en-US" dirty="0"/>
               <a:t> 나쁨</a:t>
             </a:r>
             <a:r>
-              <a:rPr altLang="ko-KR" smtClean="0"/>
+              <a:rPr altLang="ko-KR"/>
               <a:t>. </a:t>
             </a:r>
             <a:r>
-              <a:rPr lang="ko-KR" altLang="en-US" dirty="0" smtClean="0"/>
+              <a:rPr lang="ko-KR" altLang="en-US" dirty="0"/>
               <a:t>텍스트파일의 경우 이의 역이 성립</a:t>
             </a:r>
-            <a:endParaRPr altLang="ko-KR" smtClean="0"/>
-          </a:p>
-          <a:p>
-            <a:r>
-              <a:rPr lang="ko-KR" altLang="en-US" dirty="0" smtClean="0"/>
+            <a:endParaRPr altLang="ko-KR"/>
+          </a:p>
+          <a:p>
+            <a:r>
+              <a:rPr lang="ko-KR" altLang="en-US" dirty="0"/>
               <a:t>텍스트 파일을 활용할 경우 어떤 문자 </a:t>
             </a:r>
             <a:r>
-              <a:rPr lang="ko-KR" altLang="en-US" dirty="0" err="1" smtClean="0"/>
+              <a:rPr lang="ko-KR" altLang="en-US" dirty="0" err="1"/>
               <a:t>인코딩을</a:t>
             </a:r>
             <a:r>
-              <a:rPr lang="ko-KR" altLang="en-US" dirty="0" smtClean="0"/>
+              <a:rPr lang="ko-KR" altLang="en-US" dirty="0"/>
               <a:t> 쓰느냐가 중요함</a:t>
             </a:r>
-            <a:endParaRPr altLang="ko-KR" smtClean="0"/>
-          </a:p>
-          <a:p>
-            <a:endParaRPr altLang="ko-KR" smtClean="0"/>
-          </a:p>
-          <a:p>
-            <a:endParaRPr altLang="ko-KR" smtClean="0"/>
-          </a:p>
-          <a:p>
-            <a:r>
-              <a:rPr altLang="ko-KR" smtClean="0"/>
+            <a:endParaRPr altLang="ko-KR"/>
+          </a:p>
+          <a:p>
+            <a:endParaRPr altLang="ko-KR"/>
+          </a:p>
+          <a:p>
+            <a:endParaRPr altLang="ko-KR"/>
+          </a:p>
+          <a:p>
+            <a:r>
+              <a:rPr altLang="ko-KR"/>
               <a:t>Scanner</a:t>
             </a:r>
             <a:r>
-              <a:rPr lang="ko-KR" altLang="en-US" dirty="0" smtClean="0"/>
+              <a:rPr lang="ko-KR" altLang="en-US" dirty="0"/>
               <a:t>는 텍스트 파일을 읽을 때 유용한 클래스</a:t>
             </a:r>
-            <a:endParaRPr lang="ko-KR" altLang="en-US" dirty="0"/>
           </a:p>
         </p:txBody>
       </p:sp>
@@ -27673,14 +29020,13 @@
           <a:lstStyle/>
           <a:p>
             <a:r>
-              <a:rPr altLang="ko-KR" smtClean="0"/>
+              <a:rPr altLang="ko-KR"/>
               <a:t>Text File </a:t>
             </a:r>
             <a:r>
-              <a:rPr lang="ko-KR" altLang="en-US" dirty="0" smtClean="0"/>
+              <a:rPr lang="ko-KR" altLang="en-US" dirty="0"/>
               <a:t>입출력</a:t>
             </a:r>
-            <a:endParaRPr lang="ko-KR" altLang="en-US" dirty="0"/>
           </a:p>
         </p:txBody>
       </p:sp>
@@ -27734,7 +29080,7 @@
               <a:buSzPct val="85000"/>
             </a:pPr>
             <a:r>
-              <a:rPr kumimoji="0" lang="en-US" altLang="ko-KR" sz="1600" b="0" i="0" u="none" strike="noStrike" kern="1200" cap="none" spc="0" normalizeH="0" baseline="0" noProof="0" dirty="0" err="1" smtClean="0">
+              <a:rPr kumimoji="0" lang="en-US" altLang="ko-KR" sz="1600" b="0" i="0" u="none" strike="noStrike" kern="1200" cap="none" spc="0" normalizeH="0" baseline="0" noProof="0" dirty="0" err="1">
                 <a:ln>
                   <a:noFill/>
                 </a:ln>
@@ -27751,7 +29097,7 @@
               <a:t>InputStreamReader</a:t>
             </a:r>
             <a:r>
-              <a:rPr kumimoji="0" lang="en-US" altLang="ko-KR" sz="1600" b="0" i="0" u="none" strike="noStrike" kern="1200" cap="none" spc="0" normalizeH="0" baseline="0" noProof="0" dirty="0" smtClean="0">
+              <a:rPr kumimoji="0" lang="en-US" altLang="ko-KR" sz="1600" b="0" i="0" u="none" strike="noStrike" kern="1200" cap="none" spc="0" normalizeH="0" baseline="0" noProof="0" dirty="0">
                 <a:ln>
                   <a:noFill/>
                 </a:ln>
@@ -27768,7 +29114,7 @@
               <a:t> </a:t>
             </a:r>
             <a:r>
-              <a:rPr kumimoji="0" lang="en-US" altLang="ko-KR" sz="1600" b="0" i="0" u="none" strike="noStrike" kern="1200" cap="none" spc="0" normalizeH="0" baseline="0" noProof="0" dirty="0" err="1" smtClean="0">
+              <a:rPr kumimoji="0" lang="en-US" altLang="ko-KR" sz="1600" b="0" i="0" u="none" strike="noStrike" kern="1200" cap="none" spc="0" normalizeH="0" baseline="0" noProof="0" dirty="0" err="1">
                 <a:ln>
                   <a:noFill/>
                 </a:ln>
@@ -27785,7 +29131,7 @@
               <a:t>isr</a:t>
             </a:r>
             <a:r>
-              <a:rPr kumimoji="0" lang="en-US" altLang="ko-KR" sz="1600" b="0" i="0" u="none" strike="noStrike" kern="1200" cap="none" spc="0" normalizeH="0" baseline="0" noProof="0" dirty="0" smtClean="0">
+              <a:rPr kumimoji="0" lang="en-US" altLang="ko-KR" sz="1600" b="0" i="0" u="none" strike="noStrike" kern="1200" cap="none" spc="0" normalizeH="0" baseline="0" noProof="0" dirty="0">
                 <a:ln>
                   <a:noFill/>
                 </a:ln>
@@ -27802,35 +29148,35 @@
               <a:t> = </a:t>
             </a:r>
             <a:r>
-              <a:rPr lang="en-US" altLang="ko-KR" sz="1600" dirty="0" smtClean="0">
+              <a:rPr lang="en-US" altLang="ko-KR" sz="1600" dirty="0">
                 <a:latin typeface="굴림체" panose="020B0609000101010101" pitchFamily="49" charset="-127"/>
                 <a:ea typeface="굴림체" panose="020B0609000101010101" pitchFamily="49" charset="-127"/>
               </a:rPr>
               <a:t>new </a:t>
             </a:r>
             <a:r>
-              <a:rPr lang="en-US" altLang="ko-KR" sz="1600" dirty="0" err="1" smtClean="0">
+              <a:rPr lang="en-US" altLang="ko-KR" sz="1600" dirty="0" err="1">
                 <a:latin typeface="굴림체" panose="020B0609000101010101" pitchFamily="49" charset="-127"/>
                 <a:ea typeface="굴림체" panose="020B0609000101010101" pitchFamily="49" charset="-127"/>
               </a:rPr>
               <a:t>InputStreamReader</a:t>
             </a:r>
             <a:r>
-              <a:rPr lang="en-US" altLang="ko-KR" sz="1600" dirty="0" smtClean="0">
+              <a:rPr lang="en-US" altLang="ko-KR" sz="1600" dirty="0">
                 <a:latin typeface="굴림체" panose="020B0609000101010101" pitchFamily="49" charset="-127"/>
                 <a:ea typeface="굴림체" panose="020B0609000101010101" pitchFamily="49" charset="-127"/>
               </a:rPr>
               <a:t>(new </a:t>
             </a:r>
             <a:r>
-              <a:rPr lang="en-US" altLang="ko-KR" sz="1600" dirty="0" err="1" smtClean="0">
+              <a:rPr lang="en-US" altLang="ko-KR" sz="1600" dirty="0" err="1">
                 <a:latin typeface="굴림체" panose="020B0609000101010101" pitchFamily="49" charset="-127"/>
                 <a:ea typeface="굴림체" panose="020B0609000101010101" pitchFamily="49" charset="-127"/>
               </a:rPr>
               <a:t>FileInputStream</a:t>
             </a:r>
             <a:r>
-              <a:rPr lang="en-US" altLang="ko-KR" sz="1600" dirty="0" smtClean="0">
+              <a:rPr lang="en-US" altLang="ko-KR" sz="1600" dirty="0">
                 <a:latin typeface="굴림체" panose="020B0609000101010101" pitchFamily="49" charset="-127"/>
                 <a:ea typeface="굴림체" panose="020B0609000101010101" pitchFamily="49" charset="-127"/>
               </a:rPr>
@@ -27903,7 +29249,7 @@
               <a:buSzPct val="85000"/>
             </a:pPr>
             <a:r>
-              <a:rPr kumimoji="0" lang="en-US" altLang="ko-KR" sz="1600" b="0" i="0" u="none" strike="noStrike" kern="1200" cap="none" spc="0" normalizeH="0" baseline="0" noProof="0" dirty="0" smtClean="0">
+              <a:rPr kumimoji="0" lang="en-US" altLang="ko-KR" sz="1600" b="0" i="0" u="none" strike="noStrike" kern="1200" cap="none" spc="0" normalizeH="0" baseline="0" noProof="0" dirty="0">
                 <a:ln>
                   <a:noFill/>
                 </a:ln>
@@ -27920,7 +29266,7 @@
               <a:t>Scanner s = new Scanner(new </a:t>
             </a:r>
             <a:r>
-              <a:rPr kumimoji="0" lang="en-US" altLang="ko-KR" sz="1600" b="0" i="0" u="none" strike="noStrike" kern="1200" cap="none" spc="0" normalizeH="0" baseline="0" noProof="0" dirty="0" err="1" smtClean="0">
+              <a:rPr kumimoji="0" lang="en-US" altLang="ko-KR" sz="1600" b="0" i="0" u="none" strike="noStrike" kern="1200" cap="none" spc="0" normalizeH="0" baseline="0" noProof="0" dirty="0" err="1">
                 <a:ln>
                   <a:noFill/>
                 </a:ln>
@@ -27937,7 +29283,7 @@
               <a:t>BufferedReader</a:t>
             </a:r>
             <a:r>
-              <a:rPr kumimoji="0" lang="en-US" altLang="ko-KR" sz="1600" b="0" i="0" u="none" strike="noStrike" kern="1200" cap="none" spc="0" normalizeH="0" baseline="0" noProof="0" dirty="0" smtClean="0">
+              <a:rPr kumimoji="0" lang="en-US" altLang="ko-KR" sz="1600" b="0" i="0" u="none" strike="noStrike" kern="1200" cap="none" spc="0" normalizeH="0" baseline="0" noProof="0" dirty="0">
                 <a:ln>
                   <a:noFill/>
                 </a:ln>
@@ -27954,7 +29300,7 @@
               <a:t>(new </a:t>
             </a:r>
             <a:r>
-              <a:rPr kumimoji="0" lang="en-US" altLang="ko-KR" sz="1600" b="0" i="0" u="none" strike="noStrike" kern="1200" cap="none" spc="0" normalizeH="0" baseline="0" noProof="0" dirty="0" err="1" smtClean="0">
+              <a:rPr kumimoji="0" lang="en-US" altLang="ko-KR" sz="1600" b="0" i="0" u="none" strike="noStrike" kern="1200" cap="none" spc="0" normalizeH="0" baseline="0" noProof="0" dirty="0" err="1">
                 <a:ln>
                   <a:noFill/>
                 </a:ln>
@@ -27971,7 +29317,7 @@
               <a:t>FileReader</a:t>
             </a:r>
             <a:r>
-              <a:rPr kumimoji="0" lang="en-US" altLang="ko-KR" sz="1600" b="0" i="0" u="none" strike="noStrike" kern="1200" cap="none" spc="0" normalizeH="0" baseline="0" noProof="0" dirty="0" smtClean="0">
+              <a:rPr kumimoji="0" lang="en-US" altLang="ko-KR" sz="1600" b="0" i="0" u="none" strike="noStrike" kern="1200" cap="none" spc="0" normalizeH="0" baseline="0" noProof="0" dirty="0">
                 <a:ln>
                   <a:noFill/>
                 </a:ln>
@@ -28005,49 +29351,49 @@
               <a:buSzPct val="85000"/>
             </a:pPr>
             <a:r>
-              <a:rPr lang="en-US" altLang="ko-KR" sz="1600" dirty="0" smtClean="0">
+              <a:rPr lang="en-US" altLang="ko-KR" sz="1600" dirty="0">
                 <a:latin typeface="굴림체" panose="020B0609000101010101" pitchFamily="49" charset="-127"/>
                 <a:ea typeface="굴림체" panose="020B0609000101010101" pitchFamily="49" charset="-127"/>
               </a:rPr>
               <a:t>        </a:t>
             </a:r>
             <a:r>
-              <a:rPr lang="en-US" altLang="ko-KR" sz="1600" dirty="0" err="1" smtClean="0">
+              <a:rPr lang="en-US" altLang="ko-KR" sz="1600" dirty="0" err="1">
                 <a:latin typeface="굴림체" panose="020B0609000101010101" pitchFamily="49" charset="-127"/>
                 <a:ea typeface="굴림체" panose="020B0609000101010101" pitchFamily="49" charset="-127"/>
               </a:rPr>
               <a:t>s.hasNext</a:t>
             </a:r>
             <a:r>
-              <a:rPr lang="en-US" altLang="ko-KR" sz="1600" dirty="0" smtClean="0">
+              <a:rPr lang="en-US" altLang="ko-KR" sz="1600" dirty="0">
                 <a:latin typeface="굴림체" panose="020B0609000101010101" pitchFamily="49" charset="-127"/>
                 <a:ea typeface="굴림체" panose="020B0609000101010101" pitchFamily="49" charset="-127"/>
               </a:rPr>
               <a:t>();   </a:t>
             </a:r>
             <a:r>
-              <a:rPr lang="en-US" altLang="ko-KR" sz="1600" dirty="0" err="1" smtClean="0">
+              <a:rPr lang="en-US" altLang="ko-KR" sz="1600" dirty="0" err="1">
                 <a:latin typeface="굴림체" panose="020B0609000101010101" pitchFamily="49" charset="-127"/>
                 <a:ea typeface="굴림체" panose="020B0609000101010101" pitchFamily="49" charset="-127"/>
               </a:rPr>
               <a:t>s.next</a:t>
             </a:r>
             <a:r>
-              <a:rPr lang="en-US" altLang="ko-KR" sz="1600" dirty="0" smtClean="0">
+              <a:rPr lang="en-US" altLang="ko-KR" sz="1600" dirty="0">
                 <a:latin typeface="굴림체" panose="020B0609000101010101" pitchFamily="49" charset="-127"/>
                 <a:ea typeface="굴림체" panose="020B0609000101010101" pitchFamily="49" charset="-127"/>
               </a:rPr>
               <a:t>();    </a:t>
             </a:r>
             <a:r>
-              <a:rPr lang="en-US" altLang="ko-KR" sz="1600" dirty="0" err="1" smtClean="0">
+              <a:rPr lang="en-US" altLang="ko-KR" sz="1600" dirty="0" err="1">
                 <a:latin typeface="굴림체" panose="020B0609000101010101" pitchFamily="49" charset="-127"/>
                 <a:ea typeface="굴림체" panose="020B0609000101010101" pitchFamily="49" charset="-127"/>
               </a:rPr>
               <a:t>s.nextDouble</a:t>
             </a:r>
             <a:r>
-              <a:rPr lang="en-US" altLang="ko-KR" sz="1600" dirty="0" smtClean="0">
+              <a:rPr lang="en-US" altLang="ko-KR" sz="1600" dirty="0">
                 <a:latin typeface="굴림체" panose="020B0609000101010101" pitchFamily="49" charset="-127"/>
                 <a:ea typeface="굴림체" panose="020B0609000101010101" pitchFamily="49" charset="-127"/>
               </a:rPr>
@@ -28073,20 +29419,13 @@
     </p:spTree>
     <p:extLst>
       <p:ext uri="{BB962C8B-B14F-4D97-AF65-F5344CB8AC3E}">
-        <p14:creationId xmlns:p14="http://schemas.microsoft.com/office/powerpoint/2010/main" xmlns="" val="1598068541"/>
+        <p14:creationId xmlns:p14="http://schemas.microsoft.com/office/powerpoint/2010/main" val="1598068541"/>
       </p:ext>
     </p:extLst>
   </p:cSld>
   <p:clrMapOvr>
     <a:masterClrMapping/>
   </p:clrMapOvr>
-  <p:timing>
-    <p:tnLst>
-      <p:par>
-        <p:cTn id="1" dur="indefinite" restart="never" nodeType="tmRoot"/>
-      </p:par>
-    </p:tnLst>
-  </p:timing>
 </p:sld>
 </file>
 
@@ -28169,10 +29508,9 @@
           <a:lstStyle/>
           <a:p>
             <a:r>
-              <a:rPr lang="ko-KR" altLang="en-US" dirty="0" smtClean="0"/>
+              <a:rPr lang="ko-KR" altLang="en-US" dirty="0"/>
               <a:t>압축 파일 풀기</a:t>
             </a:r>
-            <a:endParaRPr lang="ko-KR" altLang="en-US" dirty="0"/>
           </a:p>
         </p:txBody>
       </p:sp>
@@ -28188,7 +29526,7 @@
           <a:blip r:embed="rId2" cstate="print">
             <a:extLst>
               <a:ext uri="{28A0092B-C50C-407E-A947-70E740481C1C}">
-                <a14:useLocalDpi xmlns:a14="http://schemas.microsoft.com/office/drawing/2010/main" xmlns="" val="0"/>
+                <a14:useLocalDpi xmlns:a14="http://schemas.microsoft.com/office/drawing/2010/main" val="0"/>
               </a:ext>
             </a:extLst>
           </a:blip>
@@ -28211,14 +29549,14 @@
           </a:ln>
           <a:extLst>
             <a:ext uri="{909E8E84-426E-40DD-AFC4-6F175D3DCCD1}">
-              <a14:hiddenFill xmlns:a14="http://schemas.microsoft.com/office/drawing/2010/main" xmlns="">
+              <a14:hiddenFill xmlns:a14="http://schemas.microsoft.com/office/drawing/2010/main">
                 <a:solidFill>
                   <a:schemeClr val="accent1"/>
                 </a:solidFill>
               </a14:hiddenFill>
             </a:ext>
             <a:ext uri="{91240B29-F687-4F45-9708-019B960494DF}">
-              <a14:hiddenLine xmlns:a14="http://schemas.microsoft.com/office/drawing/2010/main" xmlns="" w="9525">
+              <a14:hiddenLine xmlns:a14="http://schemas.microsoft.com/office/drawing/2010/main" w="9525">
                 <a:solidFill>
                   <a:schemeClr val="tx1"/>
                 </a:solidFill>
@@ -28233,20 +29571,13 @@
     </p:spTree>
     <p:extLst>
       <p:ext uri="{BB962C8B-B14F-4D97-AF65-F5344CB8AC3E}">
-        <p14:creationId xmlns:p14="http://schemas.microsoft.com/office/powerpoint/2010/main" xmlns="" val="1598068541"/>
+        <p14:creationId xmlns:p14="http://schemas.microsoft.com/office/powerpoint/2010/main" val="1598068541"/>
       </p:ext>
     </p:extLst>
   </p:cSld>
   <p:clrMapOvr>
     <a:masterClrMapping/>
   </p:clrMapOvr>
-  <p:timing>
-    <p:tnLst>
-      <p:par>
-        <p:cTn id="1" dur="indefinite" restart="never" nodeType="tmRoot"/>
-      </p:par>
-    </p:tnLst>
-  </p:timing>
 </p:sld>
 </file>
 
@@ -28279,7 +29610,7 @@
           <a:blip r:embed="rId2" cstate="print">
             <a:extLst>
               <a:ext uri="{28A0092B-C50C-407E-A947-70E740481C1C}">
-                <a14:useLocalDpi xmlns:a14="http://schemas.microsoft.com/office/drawing/2010/main" xmlns="" val="0"/>
+                <a14:useLocalDpi xmlns:a14="http://schemas.microsoft.com/office/drawing/2010/main" val="0"/>
               </a:ext>
             </a:extLst>
           </a:blip>
@@ -28302,14 +29633,14 @@
           </a:ln>
           <a:extLst>
             <a:ext uri="{909E8E84-426E-40DD-AFC4-6F175D3DCCD1}">
-              <a14:hiddenFill xmlns:a14="http://schemas.microsoft.com/office/drawing/2010/main" xmlns="">
+              <a14:hiddenFill xmlns:a14="http://schemas.microsoft.com/office/drawing/2010/main">
                 <a:solidFill>
                   <a:schemeClr val="accent1"/>
                 </a:solidFill>
               </a14:hiddenFill>
             </a:ext>
             <a:ext uri="{91240B29-F687-4F45-9708-019B960494DF}">
-              <a14:hiddenLine xmlns:a14="http://schemas.microsoft.com/office/drawing/2010/main" xmlns="" w="9525">
+              <a14:hiddenLine xmlns:a14="http://schemas.microsoft.com/office/drawing/2010/main" w="9525">
                 <a:solidFill>
                   <a:schemeClr val="tx1"/>
                 </a:solidFill>
@@ -28337,11 +29668,11 @@
           <a:lstStyle/>
           <a:p>
             <a:r>
-              <a:rPr lang="ko-KR" altLang="en-US" sz="3600"/>
+              <a:rPr lang="ko-KR" altLang="en-US" sz="3600" dirty="0"/>
               <a:t>스트림</a:t>
             </a:r>
             <a:r>
-              <a:rPr lang="en-US" altLang="ko-KR" sz="3600"/>
+              <a:rPr lang="en-US" altLang="ko-KR" sz="3600" dirty="0"/>
               <a:t>(stream)</a:t>
             </a:r>
           </a:p>
@@ -28415,159 +29746,159 @@
           <a:lstStyle/>
           <a:p>
             <a:r>
-              <a:rPr lang="ko-KR" altLang="en-US" sz="1600" dirty="0" err="1" smtClean="0">
+              <a:rPr lang="ko-KR" altLang="en-US" sz="1600" dirty="0" err="1">
                 <a:latin typeface="HY바다L" pitchFamily="18" charset="-127"/>
                 <a:ea typeface="HY바다L" pitchFamily="18" charset="-127"/>
               </a:rPr>
               <a:t>스트림은</a:t>
             </a:r>
             <a:r>
-              <a:rPr lang="en-US" altLang="ko-KR" sz="1600" dirty="0" smtClean="0">
+              <a:rPr lang="en-US" altLang="ko-KR" sz="1600" dirty="0">
                 <a:latin typeface="HY바다L" pitchFamily="18" charset="-127"/>
                 <a:ea typeface="HY바다L" pitchFamily="18" charset="-127"/>
               </a:rPr>
               <a:t> </a:t>
             </a:r>
             <a:r>
-              <a:rPr lang="ko-KR" altLang="en-US" sz="1600" dirty="0" smtClean="0">
+              <a:rPr lang="ko-KR" altLang="en-US" sz="1600" dirty="0">
                 <a:latin typeface="HY바다L" pitchFamily="18" charset="-127"/>
                 <a:ea typeface="HY바다L" pitchFamily="18" charset="-127"/>
               </a:rPr>
               <a:t>여러 장치</a:t>
             </a:r>
             <a:r>
-              <a:rPr lang="en-US" altLang="ko-KR" sz="1600" dirty="0" smtClean="0">
+              <a:rPr lang="en-US" altLang="ko-KR" sz="1600" dirty="0">
                 <a:latin typeface="HY바다L" pitchFamily="18" charset="-127"/>
                 <a:ea typeface="HY바다L" pitchFamily="18" charset="-127"/>
               </a:rPr>
               <a:t>(</a:t>
             </a:r>
             <a:r>
-              <a:rPr lang="ko-KR" altLang="en-US" sz="1600" dirty="0" smtClean="0">
+              <a:rPr lang="ko-KR" altLang="en-US" sz="1600" dirty="0">
                 <a:latin typeface="HY바다L" pitchFamily="18" charset="-127"/>
                 <a:ea typeface="HY바다L" pitchFamily="18" charset="-127"/>
               </a:rPr>
               <a:t>파일</a:t>
             </a:r>
             <a:r>
-              <a:rPr lang="en-US" altLang="ko-KR" sz="1600" dirty="0" smtClean="0">
+              <a:rPr lang="en-US" altLang="ko-KR" sz="1600" dirty="0">
                 <a:latin typeface="HY바다L" pitchFamily="18" charset="-127"/>
                 <a:ea typeface="HY바다L" pitchFamily="18" charset="-127"/>
               </a:rPr>
               <a:t>, </a:t>
             </a:r>
             <a:r>
-              <a:rPr lang="ko-KR" altLang="en-US" sz="1600" dirty="0" smtClean="0">
+              <a:rPr lang="ko-KR" altLang="en-US" sz="1600" dirty="0">
                 <a:latin typeface="HY바다L" pitchFamily="18" charset="-127"/>
                 <a:ea typeface="HY바다L" pitchFamily="18" charset="-127"/>
               </a:rPr>
               <a:t>화면</a:t>
             </a:r>
             <a:r>
-              <a:rPr lang="en-US" altLang="ko-KR" sz="1600" dirty="0" smtClean="0">
+              <a:rPr lang="en-US" altLang="ko-KR" sz="1600" dirty="0">
                 <a:latin typeface="HY바다L" pitchFamily="18" charset="-127"/>
                 <a:ea typeface="HY바다L" pitchFamily="18" charset="-127"/>
               </a:rPr>
               <a:t>, </a:t>
             </a:r>
             <a:r>
-              <a:rPr lang="ko-KR" altLang="en-US" sz="1600" dirty="0" smtClean="0">
+              <a:rPr lang="ko-KR" altLang="en-US" sz="1600" dirty="0">
                 <a:latin typeface="HY바다L" pitchFamily="18" charset="-127"/>
                 <a:ea typeface="HY바다L" pitchFamily="18" charset="-127"/>
               </a:rPr>
               <a:t>프린터</a:t>
             </a:r>
             <a:r>
-              <a:rPr lang="en-US" altLang="ko-KR" sz="1600" dirty="0" smtClean="0">
+              <a:rPr lang="en-US" altLang="ko-KR" sz="1600" dirty="0">
                 <a:latin typeface="HY바다L" pitchFamily="18" charset="-127"/>
                 <a:ea typeface="HY바다L" pitchFamily="18" charset="-127"/>
               </a:rPr>
               <a:t>, </a:t>
             </a:r>
             <a:r>
-              <a:rPr lang="ko-KR" altLang="en-US" sz="1600" dirty="0" smtClean="0">
+              <a:rPr lang="ko-KR" altLang="en-US" sz="1600" dirty="0">
                 <a:latin typeface="HY바다L" pitchFamily="18" charset="-127"/>
                 <a:ea typeface="HY바다L" pitchFamily="18" charset="-127"/>
               </a:rPr>
               <a:t>네트워크</a:t>
             </a:r>
             <a:r>
-              <a:rPr lang="en-US" altLang="ko-KR" sz="1600" dirty="0" smtClean="0">
+              <a:rPr lang="en-US" altLang="ko-KR" sz="1600" dirty="0">
                 <a:latin typeface="HY바다L" pitchFamily="18" charset="-127"/>
                 <a:ea typeface="HY바다L" pitchFamily="18" charset="-127"/>
               </a:rPr>
               <a:t>)</a:t>
             </a:r>
             <a:r>
-              <a:rPr lang="ko-KR" altLang="en-US" sz="1600" dirty="0" smtClean="0">
+              <a:rPr lang="ko-KR" altLang="en-US" sz="1600" dirty="0">
                 <a:latin typeface="HY바다L" pitchFamily="18" charset="-127"/>
                 <a:ea typeface="HY바다L" pitchFamily="18" charset="-127"/>
               </a:rPr>
               <a:t>와 정보 읽기</a:t>
             </a:r>
             <a:r>
-              <a:rPr lang="en-US" altLang="ko-KR" sz="1600" dirty="0" smtClean="0">
+              <a:rPr lang="en-US" altLang="ko-KR" sz="1600" dirty="0">
                 <a:latin typeface="HY바다L" pitchFamily="18" charset="-127"/>
                 <a:ea typeface="HY바다L" pitchFamily="18" charset="-127"/>
               </a:rPr>
               <a:t>, </a:t>
             </a:r>
             <a:r>
-              <a:rPr lang="ko-KR" altLang="en-US" sz="1600" dirty="0" smtClean="0">
+              <a:rPr lang="ko-KR" altLang="en-US" sz="1600" dirty="0">
                 <a:latin typeface="HY바다L" pitchFamily="18" charset="-127"/>
                 <a:ea typeface="HY바다L" pitchFamily="18" charset="-127"/>
               </a:rPr>
               <a:t>쓰기의 표준 매개자</a:t>
             </a:r>
-            <a:endParaRPr lang="en-US" altLang="ko-KR" sz="1600" dirty="0" smtClean="0">
+            <a:endParaRPr lang="en-US" altLang="ko-KR" sz="1600" dirty="0">
               <a:latin typeface="HY바다L" pitchFamily="18" charset="-127"/>
               <a:ea typeface="HY바다L" pitchFamily="18" charset="-127"/>
             </a:endParaRPr>
           </a:p>
           <a:p>
-            <a:endParaRPr lang="en-US" altLang="ko-KR" sz="1600" dirty="0" smtClean="0">
+            <a:endParaRPr lang="en-US" altLang="ko-KR" sz="1600" dirty="0">
               <a:latin typeface="HY바다L" pitchFamily="18" charset="-127"/>
               <a:ea typeface="HY바다L" pitchFamily="18" charset="-127"/>
             </a:endParaRPr>
           </a:p>
           <a:p>
             <a:r>
-              <a:rPr lang="ko-KR" altLang="en-US" sz="1600" dirty="0" err="1" smtClean="0">
+              <a:rPr lang="ko-KR" altLang="en-US" sz="1600" dirty="0" err="1">
                 <a:latin typeface="HY바다L" pitchFamily="18" charset="-127"/>
                 <a:ea typeface="HY바다L" pitchFamily="18" charset="-127"/>
               </a:rPr>
               <a:t>스트림이</a:t>
             </a:r>
             <a:r>
-              <a:rPr lang="ko-KR" altLang="en-US" sz="1600" dirty="0" smtClean="0">
+              <a:rPr lang="ko-KR" altLang="en-US" sz="1600" dirty="0">
                 <a:latin typeface="HY바다L" pitchFamily="18" charset="-127"/>
                 <a:ea typeface="HY바다L" pitchFamily="18" charset="-127"/>
               </a:rPr>
               <a:t> 없다면 각 </a:t>
             </a:r>
             <a:r>
-              <a:rPr lang="ko-KR" altLang="en-US" sz="1600" dirty="0" err="1" smtClean="0">
+              <a:rPr lang="ko-KR" altLang="en-US" sz="1600" dirty="0" err="1">
                 <a:latin typeface="HY바다L" pitchFamily="18" charset="-127"/>
                 <a:ea typeface="HY바다L" pitchFamily="18" charset="-127"/>
               </a:rPr>
               <a:t>장치별</a:t>
             </a:r>
             <a:r>
-              <a:rPr lang="ko-KR" altLang="en-US" sz="1600" dirty="0" smtClean="0">
+              <a:rPr lang="ko-KR" altLang="en-US" sz="1600" dirty="0">
                 <a:latin typeface="HY바다L" pitchFamily="18" charset="-127"/>
                 <a:ea typeface="HY바다L" pitchFamily="18" charset="-127"/>
               </a:rPr>
               <a:t> </a:t>
             </a:r>
             <a:r>
-              <a:rPr lang="en-US" altLang="ko-KR" sz="1600" dirty="0" smtClean="0">
+              <a:rPr lang="en-US" altLang="ko-KR" sz="1600" dirty="0">
                 <a:latin typeface="HY바다L" pitchFamily="18" charset="-127"/>
                 <a:ea typeface="HY바다L" pitchFamily="18" charset="-127"/>
               </a:rPr>
               <a:t>API</a:t>
             </a:r>
             <a:r>
-              <a:rPr lang="ko-KR" altLang="en-US" sz="1600" dirty="0" smtClean="0">
+              <a:rPr lang="ko-KR" altLang="en-US" sz="1600" dirty="0">
                 <a:latin typeface="HY바다L" pitchFamily="18" charset="-127"/>
                 <a:ea typeface="HY바다L" pitchFamily="18" charset="-127"/>
               </a:rPr>
@@ -28579,28 +29910,13 @@
     </p:spTree>
     <p:extLst>
       <p:ext uri="{BB962C8B-B14F-4D97-AF65-F5344CB8AC3E}">
-        <p14:creationId xmlns:p14="http://schemas.microsoft.com/office/powerpoint/2010/main" xmlns="" val="2281475878"/>
+        <p14:creationId xmlns:p14="http://schemas.microsoft.com/office/powerpoint/2010/main" val="2281475878"/>
       </p:ext>
     </p:extLst>
   </p:cSld>
   <p:clrMapOvr>
     <a:masterClrMapping/>
   </p:clrMapOvr>
-  <mc:AlternateContent xmlns:mc="http://schemas.openxmlformats.org/markup-compatibility/2006">
-    <mc:Choice xmlns:p14="http://schemas.microsoft.com/office/powerpoint/2010/main" xmlns="" Requires="p14">
-      <p:transition spd="slow" p14:dur="2000"/>
-    </mc:Choice>
-    <mc:Fallback>
-      <p:transition spd="slow"/>
-    </mc:Fallback>
-  </mc:AlternateContent>
-  <p:timing>
-    <p:tnLst>
-      <p:par>
-        <p:cTn id="1" dur="indefinite" restart="never" nodeType="tmRoot"/>
-      </p:par>
-    </p:tnLst>
-  </p:timing>
 </p:sld>
 </file>
 
@@ -29361,14 +30677,14 @@
           <a:effectLst/>
           <a:extLst>
             <a:ext uri="{909E8E84-426E-40DD-AFC4-6F175D3DCCD1}">
-              <a14:hiddenFill xmlns:a14="http://schemas.microsoft.com/office/drawing/2010/main" xmlns="">
+              <a14:hiddenFill xmlns:a14="http://schemas.microsoft.com/office/drawing/2010/main">
                 <a:solidFill>
                   <a:schemeClr val="accent1"/>
                 </a:solidFill>
               </a14:hiddenFill>
             </a:ext>
             <a:ext uri="{91240B29-F687-4F45-9708-019B960494DF}">
-              <a14:hiddenLine xmlns:a14="http://schemas.microsoft.com/office/drawing/2010/main" xmlns="" w="9525">
+              <a14:hiddenLine xmlns:a14="http://schemas.microsoft.com/office/drawing/2010/main" w="9525">
                 <a:solidFill>
                   <a:schemeClr val="tx1"/>
                 </a:solidFill>
@@ -29378,7 +30694,7 @@
               </a14:hiddenLine>
             </a:ext>
             <a:ext uri="{AF507438-7753-43E0-B8FC-AC1667EBCBE1}">
-              <a14:hiddenEffects xmlns:a14="http://schemas.microsoft.com/office/drawing/2010/main" xmlns="">
+              <a14:hiddenEffects xmlns:a14="http://schemas.microsoft.com/office/drawing/2010/main">
                 <a:effectLst>
                   <a:outerShdw dist="35921" dir="2700000" algn="ctr" rotWithShape="0">
                     <a:schemeClr val="bg2"/>
@@ -29474,21 +30790,13 @@
     </p:spTree>
     <p:extLst>
       <p:ext uri="{BB962C8B-B14F-4D97-AF65-F5344CB8AC3E}">
-        <p14:creationId xmlns:p14="http://schemas.microsoft.com/office/powerpoint/2010/main" xmlns="" val="3736532222"/>
+        <p14:creationId xmlns:p14="http://schemas.microsoft.com/office/powerpoint/2010/main" val="3736532222"/>
       </p:ext>
     </p:extLst>
   </p:cSld>
   <p:clrMapOvr>
     <a:masterClrMapping/>
   </p:clrMapOvr>
-  <mc:AlternateContent xmlns:mc="http://schemas.openxmlformats.org/markup-compatibility/2006">
-    <mc:Choice xmlns:p14="http://schemas.microsoft.com/office/powerpoint/2010/main" xmlns="" Requires="p14">
-      <p:transition spd="slow" p14:dur="2000"/>
-    </mc:Choice>
-    <mc:Fallback>
-      <p:transition spd="slow"/>
-    </mc:Fallback>
-  </mc:AlternateContent>
   <p:timing>
     <p:tnLst>
       <p:par>
@@ -29603,22 +30911,21 @@
           <a:lstStyle/>
           <a:p>
             <a:r>
-              <a:rPr lang="ko-KR" altLang="en-US" smtClean="0"/>
+              <a:rPr lang="ko-KR" altLang="en-US" dirty="0"/>
               <a:t>직렬화</a:t>
             </a:r>
             <a:r>
-              <a:rPr lang="en-US" altLang="ko-KR" smtClean="0"/>
+              <a:rPr lang="en-US" altLang="ko-KR" dirty="0"/>
               <a:t>(serialization): </a:t>
             </a:r>
-            <a:endParaRPr lang="ko-KR" altLang="en-US" smtClean="0"/>
+            <a:endParaRPr lang="ko-KR" altLang="en-US" dirty="0"/>
           </a:p>
           <a:p>
             <a:pPr lvl="1"/>
             <a:r>
-              <a:rPr lang="ko-KR" altLang="en-US" smtClean="0"/>
+              <a:rPr lang="ko-KR" altLang="en-US" dirty="0"/>
               <a:t>객체가 가진 데이터들을 순차적인 데이터로 변환하는 것</a:t>
             </a:r>
-            <a:endParaRPr lang="ko-KR" altLang="en-US"/>
           </a:p>
         </p:txBody>
       </p:sp>
@@ -29638,7 +30945,7 @@
           <a:lstStyle/>
           <a:p>
             <a:r>
-              <a:rPr lang="ko-KR" altLang="en-US" smtClean="0"/>
+              <a:rPr lang="ko-KR" altLang="en-US"/>
               <a:t>객체 저장</a:t>
             </a:r>
             <a:endParaRPr lang="ko-KR" altLang="en-US" dirty="0"/>
@@ -29657,7 +30964,7 @@
           <a:blip r:embed="rId2" cstate="print">
             <a:extLst>
               <a:ext uri="{28A0092B-C50C-407E-A947-70E740481C1C}">
-                <a14:useLocalDpi xmlns:a14="http://schemas.microsoft.com/office/drawing/2010/main" xmlns="" val="0"/>
+                <a14:useLocalDpi xmlns:a14="http://schemas.microsoft.com/office/drawing/2010/main" val="0"/>
               </a:ext>
             </a:extLst>
           </a:blip>
@@ -29680,14 +30987,14 @@
           </a:ln>
           <a:extLst>
             <a:ext uri="{909E8E84-426E-40DD-AFC4-6F175D3DCCD1}">
-              <a14:hiddenFill xmlns:a14="http://schemas.microsoft.com/office/drawing/2010/main" xmlns="">
+              <a14:hiddenFill xmlns:a14="http://schemas.microsoft.com/office/drawing/2010/main">
                 <a:solidFill>
                   <a:schemeClr val="accent1"/>
                 </a:solidFill>
               </a14:hiddenFill>
             </a:ext>
             <a:ext uri="{91240B29-F687-4F45-9708-019B960494DF}">
-              <a14:hiddenLine xmlns:a14="http://schemas.microsoft.com/office/drawing/2010/main" xmlns="" w="9525">
+              <a14:hiddenLine xmlns:a14="http://schemas.microsoft.com/office/drawing/2010/main" w="9525">
                 <a:solidFill>
                   <a:schemeClr val="tx1"/>
                 </a:solidFill>
@@ -29722,28 +31029,28 @@
           <a:lstStyle/>
           <a:p>
             <a:r>
-              <a:rPr lang="ko-KR" altLang="en-US" sz="1600" dirty="0" smtClean="0">
+              <a:rPr lang="ko-KR" altLang="en-US" sz="1600" dirty="0">
                 <a:latin typeface="HY바다L" pitchFamily="18" charset="-127"/>
                 <a:ea typeface="HY바다L" pitchFamily="18" charset="-127"/>
               </a:rPr>
               <a:t>영속 저장 방법에 </a:t>
             </a:r>
             <a:r>
-              <a:rPr lang="en-US" altLang="ko-KR" sz="1600" dirty="0" smtClean="0">
+              <a:rPr lang="en-US" altLang="ko-KR" sz="1600" dirty="0">
                 <a:latin typeface="HY바다L" pitchFamily="18" charset="-127"/>
                 <a:ea typeface="HY바다L" pitchFamily="18" charset="-127"/>
               </a:rPr>
               <a:t>DB</a:t>
             </a:r>
             <a:r>
-              <a:rPr lang="ko-KR" altLang="en-US" sz="1600" dirty="0" smtClean="0">
+              <a:rPr lang="ko-KR" altLang="en-US" sz="1600" dirty="0">
                 <a:latin typeface="HY바다L" pitchFamily="18" charset="-127"/>
                 <a:ea typeface="HY바다L" pitchFamily="18" charset="-127"/>
               </a:rPr>
               <a:t>만 있는 것은 아님</a:t>
             </a:r>
             <a:r>
-              <a:rPr lang="en-US" altLang="ko-KR" sz="1600" dirty="0" smtClean="0">
+              <a:rPr lang="en-US" altLang="ko-KR" sz="1600" dirty="0">
                 <a:latin typeface="HY바다L" pitchFamily="18" charset="-127"/>
                 <a:ea typeface="HY바다L" pitchFamily="18" charset="-127"/>
               </a:rPr>
@@ -29752,21 +31059,21 @@
           </a:p>
           <a:p>
             <a:r>
-              <a:rPr lang="en-US" altLang="ko-KR" sz="1600" dirty="0" smtClean="0">
+              <a:rPr lang="en-US" altLang="ko-KR" sz="1600" dirty="0">
                 <a:latin typeface="HY바다L" pitchFamily="18" charset="-127"/>
                 <a:ea typeface="HY바다L" pitchFamily="18" charset="-127"/>
               </a:rPr>
               <a:t>File</a:t>
             </a:r>
             <a:r>
-              <a:rPr lang="ko-KR" altLang="en-US" sz="1600" dirty="0" smtClean="0">
+              <a:rPr lang="ko-KR" altLang="en-US" sz="1600" dirty="0">
                 <a:latin typeface="HY바다L" pitchFamily="18" charset="-127"/>
                 <a:ea typeface="HY바다L" pitchFamily="18" charset="-127"/>
               </a:rPr>
               <a:t>도 유용합니다</a:t>
             </a:r>
             <a:r>
-              <a:rPr lang="en-US" altLang="ko-KR" sz="1600" dirty="0" smtClean="0">
+              <a:rPr lang="en-US" altLang="ko-KR" sz="1600" dirty="0">
                 <a:latin typeface="HY바다L" pitchFamily="18" charset="-127"/>
                 <a:ea typeface="HY바다L" pitchFamily="18" charset="-127"/>
               </a:rPr>
@@ -29775,21 +31082,21 @@
           </a:p>
           <a:p>
             <a:r>
-              <a:rPr lang="en-US" altLang="ko-KR" sz="1600" dirty="0" smtClean="0">
+              <a:rPr lang="en-US" altLang="ko-KR" sz="1600" dirty="0">
                 <a:latin typeface="HY바다L" pitchFamily="18" charset="-127"/>
                 <a:ea typeface="HY바다L" pitchFamily="18" charset="-127"/>
               </a:rPr>
               <a:t>Network</a:t>
             </a:r>
             <a:r>
-              <a:rPr lang="ko-KR" altLang="en-US" sz="1600" dirty="0" smtClean="0">
+              <a:rPr lang="ko-KR" altLang="en-US" sz="1600" dirty="0">
                 <a:latin typeface="HY바다L" pitchFamily="18" charset="-127"/>
                 <a:ea typeface="HY바다L" pitchFamily="18" charset="-127"/>
               </a:rPr>
               <a:t>를 통해 객체를 전달하고자 할 때도 직렬화는 유용합니다</a:t>
             </a:r>
             <a:r>
-              <a:rPr lang="en-US" altLang="ko-KR" sz="1600" dirty="0" smtClean="0">
+              <a:rPr lang="en-US" altLang="ko-KR" sz="1600" dirty="0">
                 <a:latin typeface="HY바다L" pitchFamily="18" charset="-127"/>
                 <a:ea typeface="HY바다L" pitchFamily="18" charset="-127"/>
               </a:rPr>
@@ -29797,28 +31104,28 @@
             </a:r>
           </a:p>
           <a:p>
-            <a:endParaRPr lang="en-US" altLang="ko-KR" sz="1600" dirty="0" smtClean="0">
+            <a:endParaRPr lang="en-US" altLang="ko-KR" sz="1600" dirty="0">
               <a:latin typeface="HY바다L" pitchFamily="18" charset="-127"/>
               <a:ea typeface="HY바다L" pitchFamily="18" charset="-127"/>
             </a:endParaRPr>
           </a:p>
           <a:p>
             <a:r>
-              <a:rPr lang="en-US" altLang="ko-KR" sz="1600" dirty="0" smtClean="0">
+              <a:rPr lang="en-US" altLang="ko-KR" sz="1600" dirty="0">
                 <a:latin typeface="HY바다L" pitchFamily="18" charset="-127"/>
                 <a:ea typeface="HY바다L" pitchFamily="18" charset="-127"/>
               </a:rPr>
               <a:t>Thread </a:t>
             </a:r>
             <a:r>
-              <a:rPr lang="ko-KR" altLang="en-US" sz="1600" dirty="0" smtClean="0">
+              <a:rPr lang="ko-KR" altLang="en-US" sz="1600" dirty="0">
                 <a:latin typeface="HY바다L" pitchFamily="18" charset="-127"/>
                 <a:ea typeface="HY바다L" pitchFamily="18" charset="-127"/>
               </a:rPr>
               <a:t>사이의 비 동기적 대용량 정보 교류 방안으로 활용 가능합니다</a:t>
             </a:r>
             <a:r>
-              <a:rPr lang="en-US" altLang="ko-KR" sz="1600" dirty="0" smtClean="0">
+              <a:rPr lang="en-US" altLang="ko-KR" sz="1600" dirty="0">
                 <a:latin typeface="HY바다L" pitchFamily="18" charset="-127"/>
                 <a:ea typeface="HY바다L" pitchFamily="18" charset="-127"/>
               </a:rPr>
@@ -29827,54 +31134,99 @@
           </a:p>
           <a:p>
             <a:r>
-              <a:rPr lang="ko-KR" altLang="en-US" sz="1600" dirty="0" smtClean="0">
+              <a:rPr lang="ko-KR" altLang="en-US" sz="1600" dirty="0">
                 <a:latin typeface="HY바다L" pitchFamily="18" charset="-127"/>
                 <a:ea typeface="HY바다L" pitchFamily="18" charset="-127"/>
               </a:rPr>
               <a:t>즉</a:t>
             </a:r>
             <a:r>
-              <a:rPr lang="en-US" altLang="ko-KR" sz="1600" dirty="0" smtClean="0">
+              <a:rPr lang="en-US" altLang="ko-KR" sz="1600" dirty="0">
                 <a:latin typeface="HY바다L" pitchFamily="18" charset="-127"/>
                 <a:ea typeface="HY바다L" pitchFamily="18" charset="-127"/>
               </a:rPr>
               <a:t>, Pipe &amp; Filter pattern</a:t>
             </a:r>
             <a:r>
-              <a:rPr lang="ko-KR" altLang="en-US" sz="1600" dirty="0" smtClean="0">
+              <a:rPr lang="ko-KR" altLang="en-US" sz="1600" dirty="0">
                 <a:latin typeface="HY바다L" pitchFamily="18" charset="-127"/>
                 <a:ea typeface="HY바다L" pitchFamily="18" charset="-127"/>
               </a:rPr>
               <a:t>을 적용한 방안으로 활용</a:t>
             </a:r>
+          </a:p>
+        </p:txBody>
+      </p:sp>
+      <p:sp>
+        <p:nvSpPr>
+          <p:cNvPr id="2" name="TextBox 1">
+            <a:extLst>
+              <a:ext uri="{FF2B5EF4-FFF2-40B4-BE49-F238E27FC236}">
+                <a16:creationId xmlns:a16="http://schemas.microsoft.com/office/drawing/2014/main" id="{C419C626-632F-4287-9343-B38BE95FF1E1}"/>
+              </a:ext>
+            </a:extLst>
+          </p:cNvPr>
+          <p:cNvSpPr txBox="1"/>
+          <p:nvPr/>
+        </p:nvSpPr>
+        <p:spPr>
+          <a:xfrm>
+            <a:off x="1097280" y="3157088"/>
+            <a:ext cx="1472665" cy="830997"/>
+          </a:xfrm>
+          <a:prstGeom prst="rect">
+            <a:avLst/>
+          </a:prstGeom>
+          <a:noFill/>
+        </p:spPr>
+        <p:txBody>
+          <a:bodyPr wrap="square" rtlCol="0">
+            <a:spAutoFit/>
+          </a:bodyPr>
+          <a:lstStyle/>
+          <a:p>
+            <a:r>
+              <a:rPr lang="en-US" altLang="ko-KR" sz="1600" dirty="0">
+                <a:latin typeface="HY바다L" pitchFamily="18" charset="-127"/>
+                <a:ea typeface="HY바다L" pitchFamily="18" charset="-127"/>
+              </a:rPr>
+              <a:t>Person</a:t>
+            </a:r>
+          </a:p>
+          <a:p>
+            <a:r>
+              <a:rPr lang="en-US" altLang="ko-KR" sz="1600" dirty="0">
+                <a:latin typeface="HY바다L" pitchFamily="18" charset="-127"/>
+                <a:ea typeface="HY바다L" pitchFamily="18" charset="-127"/>
+              </a:rPr>
+              <a:t>+Book</a:t>
+            </a:r>
+          </a:p>
+          <a:p>
+            <a:r>
+              <a:rPr lang="en-US" altLang="ko-KR" sz="1600" dirty="0">
+                <a:latin typeface="HY바다L" pitchFamily="18" charset="-127"/>
+                <a:ea typeface="HY바다L" pitchFamily="18" charset="-127"/>
+              </a:rPr>
+              <a:t>…</a:t>
+            </a:r>
+            <a:endParaRPr lang="ko-KR" altLang="en-US" sz="1600" dirty="0">
+              <a:latin typeface="HY바다L" pitchFamily="18" charset="-127"/>
+              <a:ea typeface="HY바다L" pitchFamily="18" charset="-127"/>
+            </a:endParaRPr>
           </a:p>
         </p:txBody>
       </p:sp>
     </p:spTree>
     <p:extLst>
       <p:ext uri="{BB962C8B-B14F-4D97-AF65-F5344CB8AC3E}">
-        <p14:creationId xmlns:p14="http://schemas.microsoft.com/office/powerpoint/2010/main" xmlns="" val="1678861051"/>
+        <p14:creationId xmlns:p14="http://schemas.microsoft.com/office/powerpoint/2010/main" val="1678861051"/>
       </p:ext>
     </p:extLst>
   </p:cSld>
   <p:clrMapOvr>
     <a:masterClrMapping/>
   </p:clrMapOvr>
-  <mc:AlternateContent xmlns:mc="http://schemas.openxmlformats.org/markup-compatibility/2006">
-    <mc:Choice xmlns:p14="http://schemas.microsoft.com/office/powerpoint/2010/main" xmlns="" Requires="p14">
-      <p:transition spd="slow" p14:dur="2000"/>
-    </mc:Choice>
-    <mc:Fallback>
-      <p:transition spd="slow"/>
-    </mc:Fallback>
-  </mc:AlternateContent>
-  <p:timing>
-    <p:tnLst>
-      <p:par>
-        <p:cTn id="1" dur="indefinite" restart="never" nodeType="tmRoot"/>
-      </p:par>
-    </p:tnLst>
-  </p:timing>
 </p:sld>
 </file>
 
@@ -30501,14 +31853,14 @@
           <a:effectLst/>
           <a:extLst>
             <a:ext uri="{909E8E84-426E-40DD-AFC4-6F175D3DCCD1}">
-              <a14:hiddenFill xmlns:a14="http://schemas.microsoft.com/office/drawing/2010/main" xmlns="">
+              <a14:hiddenFill xmlns:a14="http://schemas.microsoft.com/office/drawing/2010/main">
                 <a:solidFill>
                   <a:schemeClr val="accent1"/>
                 </a:solidFill>
               </a14:hiddenFill>
             </a:ext>
             <a:ext uri="{91240B29-F687-4F45-9708-019B960494DF}">
-              <a14:hiddenLine xmlns:a14="http://schemas.microsoft.com/office/drawing/2010/main" xmlns="" w="9525">
+              <a14:hiddenLine xmlns:a14="http://schemas.microsoft.com/office/drawing/2010/main" w="9525">
                 <a:solidFill>
                   <a:schemeClr val="tx1"/>
                 </a:solidFill>
@@ -30518,7 +31870,7 @@
               </a14:hiddenLine>
             </a:ext>
             <a:ext uri="{AF507438-7753-43E0-B8FC-AC1667EBCBE1}">
-              <a14:hiddenEffects xmlns:a14="http://schemas.microsoft.com/office/drawing/2010/main" xmlns="">
+              <a14:hiddenEffects xmlns:a14="http://schemas.microsoft.com/office/drawing/2010/main">
                 <a:effectLst>
                   <a:outerShdw dist="35921" dir="2700000" algn="ctr" rotWithShape="0">
                     <a:schemeClr val="bg2"/>
@@ -30566,12 +31918,12 @@
           <a:effectLst/>
           <a:extLst>
             <a:ext uri="{909E8E84-426E-40DD-AFC4-6F175D3DCCD1}">
-              <a14:hiddenFill xmlns:a14="http://schemas.microsoft.com/office/drawing/2010/main" xmlns="">
+              <a14:hiddenFill xmlns:a14="http://schemas.microsoft.com/office/drawing/2010/main">
                 <a:noFill/>
               </a14:hiddenFill>
             </a:ext>
             <a:ext uri="{AF507438-7753-43E0-B8FC-AC1667EBCBE1}">
-              <a14:hiddenEffects xmlns:a14="http://schemas.microsoft.com/office/drawing/2010/main" xmlns="">
+              <a14:hiddenEffects xmlns:a14="http://schemas.microsoft.com/office/drawing/2010/main">
                 <a:effectLst>
                   <a:outerShdw dist="35921" dir="2700000" algn="ctr" rotWithShape="0">
                     <a:schemeClr val="bg2"/>
@@ -30626,7 +31978,7 @@
           <a:effectLst/>
           <a:extLst>
             <a:ext uri="{AF507438-7753-43E0-B8FC-AC1667EBCBE1}">
-              <a14:hiddenEffects xmlns:a14="http://schemas.microsoft.com/office/drawing/2010/main" xmlns="">
+              <a14:hiddenEffects xmlns:a14="http://schemas.microsoft.com/office/drawing/2010/main">
                 <a:effectLst>
                   <a:outerShdw dist="35921" dir="2700000" algn="ctr" rotWithShape="0">
                     <a:schemeClr val="bg2"/>
@@ -30656,31 +32008,67 @@
           </a:p>
         </p:txBody>
       </p:sp>
+      <mc:AlternateContent xmlns:mc="http://schemas.openxmlformats.org/markup-compatibility/2006">
+        <mc:Choice xmlns:p14="http://schemas.microsoft.com/office/powerpoint/2010/main" Requires="p14">
+          <p:contentPart p14:bwMode="auto" r:id="rId2">
+            <p14:nvContentPartPr>
+              <p14:cNvPr id="2" name="잉크 1">
+                <a:extLst>
+                  <a:ext uri="{FF2B5EF4-FFF2-40B4-BE49-F238E27FC236}">
+                    <a16:creationId xmlns:a16="http://schemas.microsoft.com/office/drawing/2014/main" id="{97498E03-B4E4-4581-ABDF-BA96E73AFE85}"/>
+                  </a:ext>
+                </a:extLst>
+              </p14:cNvPr>
+              <p14:cNvContentPartPr/>
+              <p14:nvPr/>
+            </p14:nvContentPartPr>
+            <p14:xfrm>
+              <a:off x="3492360" y="1739880"/>
+              <a:ext cx="3067560" cy="4597920"/>
+            </p14:xfrm>
+          </p:contentPart>
+        </mc:Choice>
+        <mc:Fallback>
+          <p:pic>
+            <p:nvPicPr>
+              <p:cNvPr id="2" name="잉크 1">
+                <a:extLst>
+                  <a:ext uri="{FF2B5EF4-FFF2-40B4-BE49-F238E27FC236}">
+                    <a16:creationId xmlns:a16="http://schemas.microsoft.com/office/drawing/2014/main" id="{97498E03-B4E4-4581-ABDF-BA96E73AFE85}"/>
+                  </a:ext>
+                </a:extLst>
+              </p:cNvPr>
+              <p:cNvPicPr/>
+              <p:nvPr/>
+            </p:nvPicPr>
+            <p:blipFill>
+              <a:blip r:embed="rId3"/>
+              <a:stretch>
+                <a:fillRect/>
+              </a:stretch>
+            </p:blipFill>
+            <p:spPr>
+              <a:xfrm>
+                <a:off x="3483000" y="1730520"/>
+                <a:ext cx="3086280" cy="4616640"/>
+              </a:xfrm>
+              <a:prstGeom prst="rect">
+                <a:avLst/>
+              </a:prstGeom>
+            </p:spPr>
+          </p:pic>
+        </mc:Fallback>
+      </mc:AlternateContent>
     </p:spTree>
     <p:extLst>
       <p:ext uri="{BB962C8B-B14F-4D97-AF65-F5344CB8AC3E}">
-        <p14:creationId xmlns:p14="http://schemas.microsoft.com/office/powerpoint/2010/main" xmlns="" val="2550522155"/>
+        <p14:creationId xmlns:p14="http://schemas.microsoft.com/office/powerpoint/2010/main" val="2550522155"/>
       </p:ext>
     </p:extLst>
   </p:cSld>
   <p:clrMapOvr>
     <a:masterClrMapping/>
   </p:clrMapOvr>
-  <mc:AlternateContent xmlns:mc="http://schemas.openxmlformats.org/markup-compatibility/2006">
-    <mc:Choice xmlns:p14="http://schemas.microsoft.com/office/powerpoint/2010/main" xmlns="" Requires="p14">
-      <p:transition spd="slow" p14:dur="2000"/>
-    </mc:Choice>
-    <mc:Fallback>
-      <p:transition spd="slow"/>
-    </mc:Fallback>
-  </mc:AlternateContent>
-  <p:timing>
-    <p:tnLst>
-      <p:par>
-        <p:cTn id="1" dur="indefinite" restart="never" nodeType="tmRoot"/>
-      </p:par>
-    </p:tnLst>
-  </p:timing>
 </p:sld>
 </file>
 
@@ -31081,14 +32469,14 @@
           <a:effectLst/>
           <a:extLst>
             <a:ext uri="{909E8E84-426E-40DD-AFC4-6F175D3DCCD1}">
-              <a14:hiddenFill xmlns:a14="http://schemas.microsoft.com/office/drawing/2010/main" xmlns="">
+              <a14:hiddenFill xmlns:a14="http://schemas.microsoft.com/office/drawing/2010/main">
                 <a:solidFill>
                   <a:schemeClr val="accent1"/>
                 </a:solidFill>
               </a14:hiddenFill>
             </a:ext>
             <a:ext uri="{91240B29-F687-4F45-9708-019B960494DF}">
-              <a14:hiddenLine xmlns:a14="http://schemas.microsoft.com/office/drawing/2010/main" xmlns="" w="9525">
+              <a14:hiddenLine xmlns:a14="http://schemas.microsoft.com/office/drawing/2010/main" w="9525">
                 <a:solidFill>
                   <a:schemeClr val="tx1"/>
                 </a:solidFill>
@@ -31098,7 +32486,7 @@
               </a14:hiddenLine>
             </a:ext>
             <a:ext uri="{AF507438-7753-43E0-B8FC-AC1667EBCBE1}">
-              <a14:hiddenEffects xmlns:a14="http://schemas.microsoft.com/office/drawing/2010/main" xmlns="">
+              <a14:hiddenEffects xmlns:a14="http://schemas.microsoft.com/office/drawing/2010/main">
                 <a:effectLst>
                   <a:outerShdw dist="35921" dir="2700000" algn="ctr" rotWithShape="0">
                     <a:schemeClr val="bg2"/>
@@ -31197,21 +32585,13 @@
     </p:spTree>
     <p:extLst>
       <p:ext uri="{BB962C8B-B14F-4D97-AF65-F5344CB8AC3E}">
-        <p14:creationId xmlns:p14="http://schemas.microsoft.com/office/powerpoint/2010/main" xmlns="" val="1231922040"/>
+        <p14:creationId xmlns:p14="http://schemas.microsoft.com/office/powerpoint/2010/main" val="1231922040"/>
       </p:ext>
     </p:extLst>
   </p:cSld>
   <p:clrMapOvr>
     <a:masterClrMapping/>
   </p:clrMapOvr>
-  <mc:AlternateContent xmlns:mc="http://schemas.openxmlformats.org/markup-compatibility/2006">
-    <mc:Choice xmlns:p14="http://schemas.microsoft.com/office/powerpoint/2010/main" xmlns="" Requires="p14">
-      <p:transition spd="slow" p14:dur="2000"/>
-    </mc:Choice>
-    <mc:Fallback>
-      <p:transition spd="slow"/>
-    </mc:Fallback>
-  </mc:AlternateContent>
   <p:timing>
     <p:tnLst>
       <p:par>
@@ -31339,32 +32719,24 @@
             </a:r>
             <a:r>
               <a:rPr lang="ko-KR" altLang="en-US" dirty="0"/>
-              <a:t>와 같은 경로를 받아서 </a:t>
-            </a:r>
-            <a:r>
-              <a:rPr lang="ko-KR" altLang="en-US" dirty="0" smtClean="0"/>
-              <a:t>객체를 </a:t>
+              <a:t>와 같은 경로를 받아서 객체를 반환한다</a:t>
+            </a:r>
+            <a:r>
+              <a:rPr lang="en-US" altLang="ko-KR" dirty="0"/>
+              <a:t>.</a:t>
+            </a:r>
+          </a:p>
+          <a:p>
+            <a:r>
+              <a:rPr lang="en-US" altLang="ko-KR" dirty="0"/>
+              <a:t>(</a:t>
             </a:r>
             <a:r>
               <a:rPr lang="ko-KR" altLang="en-US" dirty="0"/>
-              <a:t>반환한다</a:t>
-            </a:r>
-            <a:r>
-              <a:rPr lang="en-US" altLang="ko-KR" dirty="0" smtClean="0"/>
-              <a:t>.</a:t>
-            </a:r>
-          </a:p>
-          <a:p>
-            <a:r>
-              <a:rPr lang="en-US" altLang="ko-KR" dirty="0" smtClean="0"/>
-              <a:t>(</a:t>
-            </a:r>
-            <a:r>
-              <a:rPr lang="ko-KR" altLang="en-US" dirty="0" smtClean="0"/>
               <a:t>예</a:t>
             </a:r>
             <a:r>
-              <a:rPr lang="en-US" altLang="ko-KR" dirty="0" smtClean="0"/>
+              <a:rPr lang="en-US" altLang="ko-KR" dirty="0"/>
               <a:t>) Path </a:t>
             </a:r>
             <a:r>
@@ -31381,11 +32753,7 @@
             </a:r>
             <a:r>
               <a:rPr lang="en-US" altLang="ko-KR" dirty="0"/>
-              <a:t>("C:\home\work</a:t>
-            </a:r>
-            <a:r>
-              <a:rPr lang="en-US" altLang="ko-KR" dirty="0" smtClean="0"/>
-              <a:t>");</a:t>
+              <a:t>("C:\home\work");</a:t>
             </a:r>
           </a:p>
           <a:p>
@@ -31401,26 +32769,22 @@
               <a:t>객체는 파일이 아닌 파일 이름을 나타낸다</a:t>
             </a:r>
             <a:r>
-              <a:rPr lang="en-US" altLang="ko-KR" dirty="0" smtClean="0"/>
+              <a:rPr lang="en-US" altLang="ko-KR" dirty="0"/>
               <a:t>.</a:t>
             </a:r>
           </a:p>
           <a:p>
             <a:r>
-              <a:rPr lang="en-US" altLang="ko-KR" dirty="0" smtClean="0"/>
+              <a:rPr lang="en-US" altLang="ko-KR" dirty="0"/>
               <a:t>(</a:t>
             </a:r>
             <a:r>
-              <a:rPr lang="ko-KR" altLang="en-US" dirty="0" smtClean="0"/>
+              <a:rPr lang="ko-KR" altLang="en-US" dirty="0"/>
               <a:t>예</a:t>
             </a:r>
             <a:r>
-              <a:rPr lang="en-US" altLang="ko-KR" dirty="0" smtClean="0"/>
-              <a:t>) File </a:t>
-            </a:r>
-            <a:r>
               <a:rPr lang="en-US" altLang="ko-KR" dirty="0"/>
-              <a:t>file = </a:t>
+              <a:t>) File file = </a:t>
             </a:r>
             <a:r>
               <a:rPr lang="en-US" altLang="ko-KR" b="1" dirty="0"/>
@@ -31428,21 +32792,17 @@
             </a:r>
             <a:r>
               <a:rPr lang="en-US" altLang="ko-KR" dirty="0"/>
-              <a:t>File("data.txt</a:t>
-            </a:r>
-            <a:r>
-              <a:rPr lang="en-US" altLang="ko-KR" dirty="0" smtClean="0"/>
-              <a:t>");</a:t>
+              <a:t>File("data.txt");</a:t>
             </a:r>
           </a:p>
           <a:p>
             <a:pPr lvl="1"/>
             <a:r>
-              <a:rPr lang="en-US" altLang="ko-KR" dirty="0" smtClean="0"/>
+              <a:rPr lang="en-US" altLang="ko-KR" dirty="0"/>
               <a:t>m</a:t>
             </a:r>
             <a:r>
-              <a:rPr altLang="ko-KR" smtClean="0"/>
+              <a:rPr altLang="ko-KR"/>
               <a:t>kdir(), isDirectory(), isFile(), getName(), renameTo(), ...</a:t>
             </a:r>
             <a:endParaRPr lang="ko-KR" altLang="en-US" dirty="0"/>
@@ -31465,30 +32825,73 @@
           <a:lstStyle/>
           <a:p>
             <a:r>
-              <a:rPr lang="ko-KR" altLang="en-US" dirty="0" smtClean="0"/>
+              <a:rPr lang="ko-KR" altLang="en-US" dirty="0"/>
               <a:t>파일 정보를 얻으려면</a:t>
             </a:r>
-            <a:endParaRPr lang="ko-KR" altLang="en-US" dirty="0"/>
           </a:p>
         </p:txBody>
       </p:sp>
+      <mc:AlternateContent xmlns:mc="http://schemas.openxmlformats.org/markup-compatibility/2006">
+        <mc:Choice xmlns:p14="http://schemas.microsoft.com/office/powerpoint/2010/main" Requires="p14">
+          <p:contentPart p14:bwMode="auto" r:id="rId2">
+            <p14:nvContentPartPr>
+              <p14:cNvPr id="4" name="잉크 3">
+                <a:extLst>
+                  <a:ext uri="{FF2B5EF4-FFF2-40B4-BE49-F238E27FC236}">
+                    <a16:creationId xmlns:a16="http://schemas.microsoft.com/office/drawing/2014/main" id="{2DBE437F-D3B2-4656-BCA9-6D67556BD203}"/>
+                  </a:ext>
+                </a:extLst>
+              </p14:cNvPr>
+              <p14:cNvContentPartPr/>
+              <p14:nvPr/>
+            </p14:nvContentPartPr>
+            <p14:xfrm>
+              <a:off x="939960" y="2787480"/>
+              <a:ext cx="4121280" cy="1492920"/>
+            </p14:xfrm>
+          </p:contentPart>
+        </mc:Choice>
+        <mc:Fallback>
+          <p:pic>
+            <p:nvPicPr>
+              <p:cNvPr id="4" name="잉크 3">
+                <a:extLst>
+                  <a:ext uri="{FF2B5EF4-FFF2-40B4-BE49-F238E27FC236}">
+                    <a16:creationId xmlns:a16="http://schemas.microsoft.com/office/drawing/2014/main" id="{2DBE437F-D3B2-4656-BCA9-6D67556BD203}"/>
+                  </a:ext>
+                </a:extLst>
+              </p:cNvPr>
+              <p:cNvPicPr/>
+              <p:nvPr/>
+            </p:nvPicPr>
+            <p:blipFill>
+              <a:blip r:embed="rId3"/>
+              <a:stretch>
+                <a:fillRect/>
+              </a:stretch>
+            </p:blipFill>
+            <p:spPr>
+              <a:xfrm>
+                <a:off x="930600" y="2778120"/>
+                <a:ext cx="4140000" cy="1511640"/>
+              </a:xfrm>
+              <a:prstGeom prst="rect">
+                <a:avLst/>
+              </a:prstGeom>
+            </p:spPr>
+          </p:pic>
+        </mc:Fallback>
+      </mc:AlternateContent>
     </p:spTree>
     <p:extLst>
       <p:ext uri="{BB962C8B-B14F-4D97-AF65-F5344CB8AC3E}">
-        <p14:creationId xmlns:p14="http://schemas.microsoft.com/office/powerpoint/2010/main" xmlns="" val="3690369914"/>
+        <p14:creationId xmlns:p14="http://schemas.microsoft.com/office/powerpoint/2010/main" val="3690369914"/>
       </p:ext>
     </p:extLst>
   </p:cSld>
   <p:clrMapOvr>
     <a:masterClrMapping/>
   </p:clrMapOvr>
-  <p:timing>
-    <p:tnLst>
-      <p:par>
-        <p:cTn id="1" dur="indefinite" restart="never" nodeType="tmRoot"/>
-      </p:par>
-    </p:tnLst>
-  </p:timing>
 </p:sld>
 </file>
 
@@ -32493,14 +33896,14 @@
           <a:effectLst/>
           <a:extLst>
             <a:ext uri="{909E8E84-426E-40DD-AFC4-6F175D3DCCD1}">
-              <a14:hiddenFill xmlns:a14="http://schemas.microsoft.com/office/drawing/2010/main" xmlns="">
+              <a14:hiddenFill xmlns:a14="http://schemas.microsoft.com/office/drawing/2010/main">
                 <a:solidFill>
                   <a:schemeClr val="accent1"/>
                 </a:solidFill>
               </a14:hiddenFill>
             </a:ext>
             <a:ext uri="{91240B29-F687-4F45-9708-019B960494DF}">
-              <a14:hiddenLine xmlns:a14="http://schemas.microsoft.com/office/drawing/2010/main" xmlns="" w="9525">
+              <a14:hiddenLine xmlns:a14="http://schemas.microsoft.com/office/drawing/2010/main" w="9525">
                 <a:solidFill>
                   <a:schemeClr val="tx1"/>
                 </a:solidFill>
@@ -32510,7 +33913,7 @@
               </a14:hiddenLine>
             </a:ext>
             <a:ext uri="{AF507438-7753-43E0-B8FC-AC1667EBCBE1}">
-              <a14:hiddenEffects xmlns:a14="http://schemas.microsoft.com/office/drawing/2010/main" xmlns="">
+              <a14:hiddenEffects xmlns:a14="http://schemas.microsoft.com/office/drawing/2010/main">
                 <a:effectLst>
                   <a:outerShdw dist="35921" dir="2700000" algn="ctr" rotWithShape="0">
                     <a:schemeClr val="bg2"/>
@@ -32533,28 +33936,13 @@
     </p:spTree>
     <p:extLst>
       <p:ext uri="{BB962C8B-B14F-4D97-AF65-F5344CB8AC3E}">
-        <p14:creationId xmlns:p14="http://schemas.microsoft.com/office/powerpoint/2010/main" xmlns="" val="874607921"/>
+        <p14:creationId xmlns:p14="http://schemas.microsoft.com/office/powerpoint/2010/main" val="874607921"/>
       </p:ext>
     </p:extLst>
   </p:cSld>
   <p:clrMapOvr>
     <a:masterClrMapping/>
   </p:clrMapOvr>
-  <mc:AlternateContent xmlns:mc="http://schemas.openxmlformats.org/markup-compatibility/2006">
-    <mc:Choice xmlns:p14="http://schemas.microsoft.com/office/powerpoint/2010/main" xmlns="" Requires="p14">
-      <p:transition spd="slow" p14:dur="2000"/>
-    </mc:Choice>
-    <mc:Fallback>
-      <p:transition spd="slow"/>
-    </mc:Fallback>
-  </mc:AlternateContent>
-  <p:timing>
-    <p:tnLst>
-      <p:par>
-        <p:cTn id="1" dur="indefinite" restart="never" nodeType="tmRoot"/>
-      </p:par>
-    </p:tnLst>
-  </p:timing>
 </p:sld>
 </file>
 
@@ -32620,14 +34008,14 @@
           <a:effectLst/>
           <a:extLst>
             <a:ext uri="{909E8E84-426E-40DD-AFC4-6F175D3DCCD1}">
-              <a14:hiddenFill xmlns:a14="http://schemas.microsoft.com/office/drawing/2010/main" xmlns="">
+              <a14:hiddenFill xmlns:a14="http://schemas.microsoft.com/office/drawing/2010/main">
                 <a:solidFill>
                   <a:schemeClr val="accent1"/>
                 </a:solidFill>
               </a14:hiddenFill>
             </a:ext>
             <a:ext uri="{91240B29-F687-4F45-9708-019B960494DF}">
-              <a14:hiddenLine xmlns:a14="http://schemas.microsoft.com/office/drawing/2010/main" xmlns="" w="9525">
+              <a14:hiddenLine xmlns:a14="http://schemas.microsoft.com/office/drawing/2010/main" w="9525">
                 <a:solidFill>
                   <a:schemeClr val="tx1"/>
                 </a:solidFill>
@@ -32637,7 +34025,7 @@
               </a14:hiddenLine>
             </a:ext>
             <a:ext uri="{AF507438-7753-43E0-B8FC-AC1667EBCBE1}">
-              <a14:hiddenEffects xmlns:a14="http://schemas.microsoft.com/office/drawing/2010/main" xmlns="">
+              <a14:hiddenEffects xmlns:a14="http://schemas.microsoft.com/office/drawing/2010/main">
                 <a:effectLst>
                   <a:outerShdw dist="35921" dir="2700000" algn="ctr" rotWithShape="0">
                     <a:schemeClr val="bg2"/>
@@ -32833,21 +34221,13 @@
     </p:spTree>
     <p:extLst>
       <p:ext uri="{BB962C8B-B14F-4D97-AF65-F5344CB8AC3E}">
-        <p14:creationId xmlns:p14="http://schemas.microsoft.com/office/powerpoint/2010/main" xmlns="" val="588267207"/>
+        <p14:creationId xmlns:p14="http://schemas.microsoft.com/office/powerpoint/2010/main" val="588267207"/>
       </p:ext>
     </p:extLst>
   </p:cSld>
   <p:clrMapOvr>
     <a:masterClrMapping/>
   </p:clrMapOvr>
-  <mc:AlternateContent xmlns:mc="http://schemas.openxmlformats.org/markup-compatibility/2006">
-    <mc:Choice xmlns:p14="http://schemas.microsoft.com/office/powerpoint/2010/main" xmlns="" Requires="p14">
-      <p:transition spd="slow" p14:dur="2000"/>
-    </mc:Choice>
-    <mc:Fallback>
-      <p:transition spd="slow"/>
-    </mc:Fallback>
-  </mc:AlternateContent>
   <p:timing>
     <p:tnLst>
       <p:par>
@@ -33000,34 +34380,33 @@
           <a:lstStyle/>
           <a:p>
             <a:r>
-              <a:rPr lang="en-US" altLang="ko-KR" dirty="0" smtClean="0"/>
+              <a:rPr lang="en-US" altLang="ko-KR" dirty="0"/>
               <a:t>LAB: </a:t>
             </a:r>
             <a:r>
-              <a:rPr lang="ko-KR" altLang="en-US" dirty="0" smtClean="0"/>
+              <a:rPr lang="ko-KR" altLang="en-US" dirty="0"/>
               <a:t>이미지</a:t>
             </a:r>
             <a:r>
-              <a:rPr lang="en-US" altLang="ko-KR" dirty="0" smtClean="0"/>
+              <a:rPr lang="en-US" altLang="ko-KR" dirty="0"/>
               <a:t> </a:t>
             </a:r>
             <a:r>
-              <a:rPr lang="ko-KR" altLang="en-US" dirty="0" smtClean="0"/>
+              <a:rPr lang="ko-KR" altLang="en-US" dirty="0"/>
               <a:t>파일에서 </a:t>
             </a:r>
             <a:r>
-              <a:rPr lang="en-US" altLang="ko-KR" dirty="0" err="1" smtClean="0"/>
+              <a:rPr lang="en-US" altLang="ko-KR" dirty="0" err="1"/>
               <a:t>RGB</a:t>
             </a:r>
             <a:r>
-              <a:rPr lang="en-US" altLang="ko-KR" dirty="0" smtClean="0"/>
+              <a:rPr lang="en-US" altLang="ko-KR" dirty="0"/>
               <a:t> </a:t>
             </a:r>
             <a:r>
-              <a:rPr lang="ko-KR" altLang="en-US" dirty="0" smtClean="0"/>
+              <a:rPr lang="ko-KR" altLang="en-US" dirty="0"/>
               <a:t>값 구하기</a:t>
             </a:r>
-            <a:endParaRPr lang="ko-KR" altLang="en-US" dirty="0"/>
           </a:p>
         </p:txBody>
       </p:sp>
@@ -33043,7 +34422,7 @@
           <a:blip r:embed="rId2" cstate="print">
             <a:extLst>
               <a:ext uri="{28A0092B-C50C-407E-A947-70E740481C1C}">
-                <a14:useLocalDpi xmlns:a14="http://schemas.microsoft.com/office/drawing/2010/main" xmlns="" val="0"/>
+                <a14:useLocalDpi xmlns:a14="http://schemas.microsoft.com/office/drawing/2010/main" val="0"/>
               </a:ext>
             </a:extLst>
           </a:blip>
@@ -33066,14 +34445,14 @@
           </a:ln>
           <a:extLst>
             <a:ext uri="{909E8E84-426E-40DD-AFC4-6F175D3DCCD1}">
-              <a14:hiddenFill xmlns:a14="http://schemas.microsoft.com/office/drawing/2010/main" xmlns="">
+              <a14:hiddenFill xmlns:a14="http://schemas.microsoft.com/office/drawing/2010/main">
                 <a:solidFill>
                   <a:schemeClr val="accent1"/>
                 </a:solidFill>
               </a14:hiddenFill>
             </a:ext>
             <a:ext uri="{91240B29-F687-4F45-9708-019B960494DF}">
-              <a14:hiddenLine xmlns:a14="http://schemas.microsoft.com/office/drawing/2010/main" xmlns="" w="9525">
+              <a14:hiddenLine xmlns:a14="http://schemas.microsoft.com/office/drawing/2010/main" w="9525">
                 <a:solidFill>
                   <a:schemeClr val="tx1"/>
                 </a:solidFill>
@@ -33088,20 +34467,13 @@
     </p:spTree>
     <p:extLst>
       <p:ext uri="{BB962C8B-B14F-4D97-AF65-F5344CB8AC3E}">
-        <p14:creationId xmlns:p14="http://schemas.microsoft.com/office/powerpoint/2010/main" xmlns="" val="3888596802"/>
+        <p14:creationId xmlns:p14="http://schemas.microsoft.com/office/powerpoint/2010/main" val="3888596802"/>
       </p:ext>
     </p:extLst>
   </p:cSld>
   <p:clrMapOvr>
     <a:masterClrMapping/>
   </p:clrMapOvr>
-  <p:timing>
-    <p:tnLst>
-      <p:par>
-        <p:cTn id="1" dur="indefinite" restart="never" nodeType="tmRoot"/>
-      </p:par>
-    </p:tnLst>
-  </p:timing>
 </p:sld>
 </file>
 
@@ -33666,14 +35038,14 @@
           <a:effectLst/>
           <a:extLst>
             <a:ext uri="{909E8E84-426E-40DD-AFC4-6F175D3DCCD1}">
-              <a14:hiddenFill xmlns:a14="http://schemas.microsoft.com/office/drawing/2010/main" xmlns="">
+              <a14:hiddenFill xmlns:a14="http://schemas.microsoft.com/office/drawing/2010/main">
                 <a:solidFill>
                   <a:schemeClr val="accent1"/>
                 </a:solidFill>
               </a14:hiddenFill>
             </a:ext>
             <a:ext uri="{91240B29-F687-4F45-9708-019B960494DF}">
-              <a14:hiddenLine xmlns:a14="http://schemas.microsoft.com/office/drawing/2010/main" xmlns="" w="9525">
+              <a14:hiddenLine xmlns:a14="http://schemas.microsoft.com/office/drawing/2010/main" w="9525">
                 <a:solidFill>
                   <a:schemeClr val="tx1"/>
                 </a:solidFill>
@@ -33683,7 +35055,7 @@
               </a14:hiddenLine>
             </a:ext>
             <a:ext uri="{AF507438-7753-43E0-B8FC-AC1667EBCBE1}">
-              <a14:hiddenEffects xmlns:a14="http://schemas.microsoft.com/office/drawing/2010/main" xmlns="">
+              <a14:hiddenEffects xmlns:a14="http://schemas.microsoft.com/office/drawing/2010/main">
                 <a:effectLst>
                   <a:outerShdw dist="35921" dir="2700000" algn="ctr" rotWithShape="0">
                     <a:schemeClr val="bg2"/>
@@ -33706,28 +35078,13 @@
     </p:spTree>
     <p:extLst>
       <p:ext uri="{BB962C8B-B14F-4D97-AF65-F5344CB8AC3E}">
-        <p14:creationId xmlns:p14="http://schemas.microsoft.com/office/powerpoint/2010/main" xmlns="" val="2480335582"/>
+        <p14:creationId xmlns:p14="http://schemas.microsoft.com/office/powerpoint/2010/main" val="2480335582"/>
       </p:ext>
     </p:extLst>
   </p:cSld>
   <p:clrMapOvr>
     <a:masterClrMapping/>
   </p:clrMapOvr>
-  <mc:AlternateContent xmlns:mc="http://schemas.openxmlformats.org/markup-compatibility/2006">
-    <mc:Choice xmlns:p14="http://schemas.microsoft.com/office/powerpoint/2010/main" xmlns="" Requires="p14">
-      <p:transition spd="slow" p14:dur="2000"/>
-    </mc:Choice>
-    <mc:Fallback>
-      <p:transition spd="slow"/>
-    </mc:Fallback>
-  </mc:AlternateContent>
-  <p:timing>
-    <p:tnLst>
-      <p:par>
-        <p:cTn id="1" dur="indefinite" restart="never" nodeType="tmRoot"/>
-      </p:par>
-    </p:tnLst>
-  </p:timing>
 </p:sld>
 </file>
 
@@ -34438,14 +35795,14 @@
           <a:effectLst/>
           <a:extLst>
             <a:ext uri="{909E8E84-426E-40DD-AFC4-6F175D3DCCD1}">
-              <a14:hiddenFill xmlns:a14="http://schemas.microsoft.com/office/drawing/2010/main" xmlns="">
+              <a14:hiddenFill xmlns:a14="http://schemas.microsoft.com/office/drawing/2010/main">
                 <a:solidFill>
                   <a:schemeClr val="accent1"/>
                 </a:solidFill>
               </a14:hiddenFill>
             </a:ext>
             <a:ext uri="{91240B29-F687-4F45-9708-019B960494DF}">
-              <a14:hiddenLine xmlns:a14="http://schemas.microsoft.com/office/drawing/2010/main" xmlns="" w="9525">
+              <a14:hiddenLine xmlns:a14="http://schemas.microsoft.com/office/drawing/2010/main" w="9525">
                 <a:solidFill>
                   <a:schemeClr val="tx1"/>
                 </a:solidFill>
@@ -34455,7 +35812,7 @@
               </a14:hiddenLine>
             </a:ext>
             <a:ext uri="{AF507438-7753-43E0-B8FC-AC1667EBCBE1}">
-              <a14:hiddenEffects xmlns:a14="http://schemas.microsoft.com/office/drawing/2010/main" xmlns="">
+              <a14:hiddenEffects xmlns:a14="http://schemas.microsoft.com/office/drawing/2010/main">
                 <a:effectLst>
                   <a:outerShdw dist="35921" dir="2700000" algn="ctr" rotWithShape="0">
                     <a:schemeClr val="bg2"/>
@@ -34475,31 +35832,67 @@
           </a:p>
         </p:txBody>
       </p:sp>
+      <mc:AlternateContent xmlns:mc="http://schemas.openxmlformats.org/markup-compatibility/2006">
+        <mc:Choice xmlns:p14="http://schemas.microsoft.com/office/powerpoint/2010/main" Requires="p14">
+          <p:contentPart p14:bwMode="auto" r:id="rId2">
+            <p14:nvContentPartPr>
+              <p14:cNvPr id="2" name="잉크 1">
+                <a:extLst>
+                  <a:ext uri="{FF2B5EF4-FFF2-40B4-BE49-F238E27FC236}">
+                    <a16:creationId xmlns:a16="http://schemas.microsoft.com/office/drawing/2014/main" id="{93E5BA57-3552-466C-AA99-F29B3B6F6D97}"/>
+                  </a:ext>
+                </a:extLst>
+              </p14:cNvPr>
+              <p14:cNvContentPartPr/>
+              <p14:nvPr/>
+            </p14:nvContentPartPr>
+            <p14:xfrm>
+              <a:off x="5899320" y="3156120"/>
+              <a:ext cx="1517760" cy="95400"/>
+            </p14:xfrm>
+          </p:contentPart>
+        </mc:Choice>
+        <mc:Fallback>
+          <p:pic>
+            <p:nvPicPr>
+              <p:cNvPr id="2" name="잉크 1">
+                <a:extLst>
+                  <a:ext uri="{FF2B5EF4-FFF2-40B4-BE49-F238E27FC236}">
+                    <a16:creationId xmlns:a16="http://schemas.microsoft.com/office/drawing/2014/main" id="{93E5BA57-3552-466C-AA99-F29B3B6F6D97}"/>
+                  </a:ext>
+                </a:extLst>
+              </p:cNvPr>
+              <p:cNvPicPr/>
+              <p:nvPr/>
+            </p:nvPicPr>
+            <p:blipFill>
+              <a:blip r:embed="rId3"/>
+              <a:stretch>
+                <a:fillRect/>
+              </a:stretch>
+            </p:blipFill>
+            <p:spPr>
+              <a:xfrm>
+                <a:off x="5889960" y="3146760"/>
+                <a:ext cx="1536480" cy="114120"/>
+              </a:xfrm>
+              <a:prstGeom prst="rect">
+                <a:avLst/>
+              </a:prstGeom>
+            </p:spPr>
+          </p:pic>
+        </mc:Fallback>
+      </mc:AlternateContent>
     </p:spTree>
     <p:extLst>
       <p:ext uri="{BB962C8B-B14F-4D97-AF65-F5344CB8AC3E}">
-        <p14:creationId xmlns:p14="http://schemas.microsoft.com/office/powerpoint/2010/main" xmlns="" val="2480335582"/>
+        <p14:creationId xmlns:p14="http://schemas.microsoft.com/office/powerpoint/2010/main" val="2480335582"/>
       </p:ext>
     </p:extLst>
   </p:cSld>
   <p:clrMapOvr>
     <a:masterClrMapping/>
   </p:clrMapOvr>
-  <mc:AlternateContent xmlns:mc="http://schemas.openxmlformats.org/markup-compatibility/2006">
-    <mc:Choice xmlns:p14="http://schemas.microsoft.com/office/powerpoint/2010/main" xmlns="" Requires="p14">
-      <p:transition spd="slow" p14:dur="2000"/>
-    </mc:Choice>
-    <mc:Fallback>
-      <p:transition spd="slow"/>
-    </mc:Fallback>
-  </mc:AlternateContent>
-  <p:timing>
-    <p:tnLst>
-      <p:par>
-        <p:cTn id="1" dur="indefinite" restart="never" nodeType="tmRoot"/>
-      </p:par>
-    </p:tnLst>
-  </p:timing>
 </p:sld>
 </file>
 
@@ -34541,11 +35934,7 @@
             </a:r>
             <a:r>
               <a:rPr lang="ko-KR" altLang="en-US" sz="3600" dirty="0"/>
-              <a:t> </a:t>
-            </a:r>
-            <a:r>
-              <a:rPr lang="ko-KR" altLang="en-US" sz="3600" dirty="0" smtClean="0"/>
-              <a:t>분류</a:t>
+              <a:t> 분류</a:t>
             </a:r>
             <a:endParaRPr lang="en-US" altLang="ko-KR" sz="3600" dirty="0"/>
           </a:p>
@@ -34585,7 +35974,7 @@
           <a:blip r:embed="rId2" cstate="print">
             <a:extLst>
               <a:ext uri="{28A0092B-C50C-407E-A947-70E740481C1C}">
-                <a14:useLocalDpi xmlns:a14="http://schemas.microsoft.com/office/drawing/2010/main" xmlns="" val="0"/>
+                <a14:useLocalDpi xmlns:a14="http://schemas.microsoft.com/office/drawing/2010/main" val="0"/>
               </a:ext>
             </a:extLst>
           </a:blip>
@@ -34608,14 +35997,14 @@
           </a:ln>
           <a:extLst>
             <a:ext uri="{909E8E84-426E-40DD-AFC4-6F175D3DCCD1}">
-              <a14:hiddenFill xmlns:a14="http://schemas.microsoft.com/office/drawing/2010/main" xmlns="">
+              <a14:hiddenFill xmlns:a14="http://schemas.microsoft.com/office/drawing/2010/main">
                 <a:solidFill>
                   <a:schemeClr val="accent1"/>
                 </a:solidFill>
               </a14:hiddenFill>
             </a:ext>
             <a:ext uri="{91240B29-F687-4F45-9708-019B960494DF}">
-              <a14:hiddenLine xmlns:a14="http://schemas.microsoft.com/office/drawing/2010/main" xmlns="" w="9525">
+              <a14:hiddenLine xmlns:a14="http://schemas.microsoft.com/office/drawing/2010/main" w="9525">
                 <a:solidFill>
                   <a:schemeClr val="tx1"/>
                 </a:solidFill>
@@ -34650,13 +36039,13 @@
           <a:lstStyle/>
           <a:p>
             <a:r>
-              <a:rPr lang="ko-KR" altLang="en-US" sz="1600" smtClean="0">
+              <a:rPr lang="ko-KR" altLang="en-US" sz="1600">
                 <a:latin typeface="HY바다L" pitchFamily="18" charset="-127"/>
                 <a:ea typeface="HY바다L" pitchFamily="18" charset="-127"/>
               </a:rPr>
               <a:t>데이터 종류에 따라</a:t>
             </a:r>
-            <a:endParaRPr lang="ko-KR" altLang="en-US" sz="1600" dirty="0" smtClean="0">
+            <a:endParaRPr lang="ko-KR" altLang="en-US" sz="1600" dirty="0">
               <a:latin typeface="HY바다L" pitchFamily="18" charset="-127"/>
               <a:ea typeface="HY바다L" pitchFamily="18" charset="-127"/>
             </a:endParaRPr>
@@ -34721,35 +36110,35 @@
           <a:lstStyle/>
           <a:p>
             <a:r>
-              <a:rPr lang="ko-KR" altLang="en-US" sz="1600" dirty="0" smtClean="0">
+              <a:rPr lang="ko-KR" altLang="en-US" sz="1600" dirty="0">
                 <a:latin typeface="HY바다L" pitchFamily="18" charset="-127"/>
                 <a:ea typeface="HY바다L" pitchFamily="18" charset="-127"/>
               </a:rPr>
               <a:t>이진데이터</a:t>
             </a:r>
             <a:r>
-              <a:rPr lang="en-US" altLang="ko-KR" sz="1600" dirty="0" smtClean="0">
+              <a:rPr lang="en-US" altLang="ko-KR" sz="1600" dirty="0">
                 <a:latin typeface="HY바다L" pitchFamily="18" charset="-127"/>
                 <a:ea typeface="HY바다L" pitchFamily="18" charset="-127"/>
               </a:rPr>
               <a:t>(exe   file, image file, …) </a:t>
             </a:r>
             <a:r>
-              <a:rPr lang="ko-KR" altLang="en-US" sz="1600" dirty="0" smtClean="0">
+              <a:rPr lang="ko-KR" altLang="en-US" sz="1600" dirty="0">
                 <a:latin typeface="HY바다L" pitchFamily="18" charset="-127"/>
                 <a:ea typeface="HY바다L" pitchFamily="18" charset="-127"/>
               </a:rPr>
               <a:t>파일</a:t>
             </a:r>
             <a:r>
-              <a:rPr lang="en-US" altLang="ko-KR" sz="1600" dirty="0" smtClean="0">
+              <a:rPr lang="en-US" altLang="ko-KR" sz="1600" dirty="0">
                 <a:latin typeface="HY바다L" pitchFamily="18" charset="-127"/>
                 <a:ea typeface="HY바다L" pitchFamily="18" charset="-127"/>
               </a:rPr>
               <a:t> </a:t>
             </a:r>
             <a:r>
-              <a:rPr lang="ko-KR" altLang="en-US" sz="1600" dirty="0" smtClean="0">
+              <a:rPr lang="ko-KR" altLang="en-US" sz="1600" dirty="0">
                 <a:latin typeface="HY바다L" pitchFamily="18" charset="-127"/>
                 <a:ea typeface="HY바다L" pitchFamily="18" charset="-127"/>
               </a:rPr>
@@ -34796,28 +36185,13 @@
     </p:spTree>
     <p:extLst>
       <p:ext uri="{BB962C8B-B14F-4D97-AF65-F5344CB8AC3E}">
-        <p14:creationId xmlns:p14="http://schemas.microsoft.com/office/powerpoint/2010/main" xmlns="" val="2880889999"/>
+        <p14:creationId xmlns:p14="http://schemas.microsoft.com/office/powerpoint/2010/main" val="2880889999"/>
       </p:ext>
     </p:extLst>
   </p:cSld>
   <p:clrMapOvr>
     <a:masterClrMapping/>
   </p:clrMapOvr>
-  <mc:AlternateContent xmlns:mc="http://schemas.openxmlformats.org/markup-compatibility/2006">
-    <mc:Choice xmlns:p14="http://schemas.microsoft.com/office/powerpoint/2010/main" xmlns="" Requires="p14">
-      <p:transition spd="slow" p14:dur="2000"/>
-    </mc:Choice>
-    <mc:Fallback>
-      <p:transition spd="slow"/>
-    </mc:Fallback>
-  </mc:AlternateContent>
-  <p:timing>
-    <p:tnLst>
-      <p:par>
-        <p:cTn id="1" dur="indefinite" restart="never" nodeType="tmRoot"/>
-      </p:par>
-    </p:tnLst>
-  </p:timing>
 </p:sld>
 </file>
 
@@ -34915,7 +36289,7 @@
           <a:blip r:embed="rId2" cstate="print">
             <a:extLst>
               <a:ext uri="{28A0092B-C50C-407E-A947-70E740481C1C}">
-                <a14:useLocalDpi xmlns:a14="http://schemas.microsoft.com/office/drawing/2010/main" xmlns="" val="0"/>
+                <a14:useLocalDpi xmlns:a14="http://schemas.microsoft.com/office/drawing/2010/main" val="0"/>
               </a:ext>
             </a:extLst>
           </a:blip>
@@ -34939,14 +36313,14 @@
           <a:effectLst/>
           <a:extLst>
             <a:ext uri="{909E8E84-426E-40DD-AFC4-6F175D3DCCD1}">
-              <a14:hiddenFill xmlns:a14="http://schemas.microsoft.com/office/drawing/2010/main" xmlns="">
+              <a14:hiddenFill xmlns:a14="http://schemas.microsoft.com/office/drawing/2010/main">
                 <a:solidFill>
                   <a:schemeClr val="accent1"/>
                 </a:solidFill>
               </a14:hiddenFill>
             </a:ext>
             <a:ext uri="{91240B29-F687-4F45-9708-019B960494DF}">
-              <a14:hiddenLine xmlns:a14="http://schemas.microsoft.com/office/drawing/2010/main" xmlns="" w="9525">
+              <a14:hiddenLine xmlns:a14="http://schemas.microsoft.com/office/drawing/2010/main" w="9525">
                 <a:solidFill>
                   <a:schemeClr val="tx1"/>
                 </a:solidFill>
@@ -34956,7 +36330,7 @@
               </a14:hiddenLine>
             </a:ext>
             <a:ext uri="{AF507438-7753-43E0-B8FC-AC1667EBCBE1}">
-              <a14:hiddenEffects xmlns:a14="http://schemas.microsoft.com/office/drawing/2010/main" xmlns="">
+              <a14:hiddenEffects xmlns:a14="http://schemas.microsoft.com/office/drawing/2010/main">
                 <a:effectLst>
                   <a:outerShdw dist="35921" dir="2700000" algn="ctr" rotWithShape="0">
                     <a:schemeClr val="bg2"/>
@@ -34979,7 +36353,7 @@
           <a:blip r:embed="rId3" cstate="print">
             <a:extLst>
               <a:ext uri="{28A0092B-C50C-407E-A947-70E740481C1C}">
-                <a14:useLocalDpi xmlns:a14="http://schemas.microsoft.com/office/drawing/2010/main" xmlns="" val="0"/>
+                <a14:useLocalDpi xmlns:a14="http://schemas.microsoft.com/office/drawing/2010/main" val="0"/>
               </a:ext>
             </a:extLst>
           </a:blip>
@@ -35002,14 +36376,14 @@
           </a:ln>
           <a:extLst>
             <a:ext uri="{909E8E84-426E-40DD-AFC4-6F175D3DCCD1}">
-              <a14:hiddenFill xmlns:a14="http://schemas.microsoft.com/office/drawing/2010/main" xmlns="">
+              <a14:hiddenFill xmlns:a14="http://schemas.microsoft.com/office/drawing/2010/main">
                 <a:solidFill>
                   <a:schemeClr val="accent1"/>
                 </a:solidFill>
               </a14:hiddenFill>
             </a:ext>
             <a:ext uri="{91240B29-F687-4F45-9708-019B960494DF}">
-              <a14:hiddenLine xmlns:a14="http://schemas.microsoft.com/office/drawing/2010/main" xmlns="" w="9525">
+              <a14:hiddenLine xmlns:a14="http://schemas.microsoft.com/office/drawing/2010/main" w="9525">
                 <a:solidFill>
                   <a:schemeClr val="tx1"/>
                 </a:solidFill>
@@ -35024,28 +36398,13 @@
     </p:spTree>
     <p:extLst>
       <p:ext uri="{BB962C8B-B14F-4D97-AF65-F5344CB8AC3E}">
-        <p14:creationId xmlns:p14="http://schemas.microsoft.com/office/powerpoint/2010/main" xmlns="" val="3231895726"/>
+        <p14:creationId xmlns:p14="http://schemas.microsoft.com/office/powerpoint/2010/main" val="3231895726"/>
       </p:ext>
     </p:extLst>
   </p:cSld>
   <p:clrMapOvr>
     <a:masterClrMapping/>
   </p:clrMapOvr>
-  <mc:AlternateContent xmlns:mc="http://schemas.openxmlformats.org/markup-compatibility/2006">
-    <mc:Choice xmlns:p14="http://schemas.microsoft.com/office/powerpoint/2010/main" xmlns="" Requires="p14">
-      <p:transition spd="slow" p14:dur="2000"/>
-    </mc:Choice>
-    <mc:Fallback>
-      <p:transition spd="slow"/>
-    </mc:Fallback>
-  </mc:AlternateContent>
-  <p:timing>
-    <p:tnLst>
-      <p:par>
-        <p:cTn id="1" dur="indefinite" restart="never" nodeType="tmRoot"/>
-      </p:par>
-    </p:tnLst>
-  </p:timing>
 </p:sld>
 </file>
 
@@ -35102,28 +36461,16 @@
               <a:t>(Julius </a:t>
             </a:r>
             <a:r>
-              <a:rPr lang="en-US" altLang="ko-KR" dirty="0" err="1" smtClean="0"/>
+              <a:rPr lang="en-US" altLang="ko-KR" dirty="0" err="1"/>
               <a:t>Caesar,100</a:t>
             </a:r>
             <a:r>
-              <a:rPr lang="en-US" altLang="ko-KR" dirty="0" smtClean="0"/>
-              <a:t>-44 </a:t>
-            </a:r>
-            <a:r>
               <a:rPr lang="en-US" altLang="ko-KR" dirty="0"/>
-              <a:t>B.C.)</a:t>
+              <a:t>-44 B.C.)</a:t>
             </a:r>
             <a:r>
               <a:rPr lang="ko-KR" altLang="en-US" dirty="0"/>
-              <a:t>는 친지들에게 비밀리에 편지를 보내고자 할 때 다른 사람들이 </a:t>
-            </a:r>
-            <a:r>
-              <a:rPr lang="ko-KR" altLang="en-US" dirty="0" smtClean="0"/>
-              <a:t>알아보지 못하도록 </a:t>
-            </a:r>
-            <a:r>
-              <a:rPr lang="ko-KR" altLang="en-US" dirty="0"/>
-              <a:t>문자들을 다른 문자들로 치환하였다</a:t>
+              <a:t>는 친지들에게 비밀리에 편지를 보내고자 할 때 다른 사람들이 알아보지 못하도록 문자들을 다른 문자들로 치환하였다</a:t>
             </a:r>
           </a:p>
         </p:txBody>
@@ -35144,22 +36491,21 @@
           <a:lstStyle/>
           <a:p>
             <a:r>
-              <a:rPr lang="en-US" altLang="ko-KR" dirty="0" smtClean="0"/>
+              <a:rPr lang="en-US" altLang="ko-KR" dirty="0"/>
               <a:t>LAB: </a:t>
             </a:r>
             <a:r>
-              <a:rPr lang="ko-KR" altLang="en-US" dirty="0" err="1" smtClean="0"/>
+              <a:rPr lang="ko-KR" altLang="en-US" dirty="0" err="1"/>
               <a:t>시저</a:t>
             </a:r>
             <a:r>
-              <a:rPr lang="en-US" altLang="ko-KR" dirty="0" smtClean="0"/>
+              <a:rPr lang="en-US" altLang="ko-KR" dirty="0"/>
               <a:t> </a:t>
             </a:r>
             <a:r>
-              <a:rPr lang="ko-KR" altLang="en-US" dirty="0" smtClean="0"/>
+              <a:rPr lang="ko-KR" altLang="en-US" dirty="0"/>
               <a:t>암호 작성하기</a:t>
             </a:r>
-            <a:endParaRPr lang="ko-KR" altLang="en-US" dirty="0"/>
           </a:p>
         </p:txBody>
       </p:sp>
@@ -35175,7 +36521,7 @@
           <a:blip r:embed="rId2" cstate="print">
             <a:extLst>
               <a:ext uri="{28A0092B-C50C-407E-A947-70E740481C1C}">
-                <a14:useLocalDpi xmlns:a14="http://schemas.microsoft.com/office/drawing/2010/main" xmlns="" val="0"/>
+                <a14:useLocalDpi xmlns:a14="http://schemas.microsoft.com/office/drawing/2010/main" val="0"/>
               </a:ext>
             </a:extLst>
           </a:blip>
@@ -35198,14 +36544,14 @@
           </a:ln>
           <a:extLst>
             <a:ext uri="{909E8E84-426E-40DD-AFC4-6F175D3DCCD1}">
-              <a14:hiddenFill xmlns:a14="http://schemas.microsoft.com/office/drawing/2010/main" xmlns="">
+              <a14:hiddenFill xmlns:a14="http://schemas.microsoft.com/office/drawing/2010/main">
                 <a:solidFill>
                   <a:schemeClr val="accent1"/>
                 </a:solidFill>
               </a14:hiddenFill>
             </a:ext>
             <a:ext uri="{91240B29-F687-4F45-9708-019B960494DF}">
-              <a14:hiddenLine xmlns:a14="http://schemas.microsoft.com/office/drawing/2010/main" xmlns="" w="9525">
+              <a14:hiddenLine xmlns:a14="http://schemas.microsoft.com/office/drawing/2010/main" w="9525">
                 <a:solidFill>
                   <a:schemeClr val="tx1"/>
                 </a:solidFill>
@@ -35217,23 +36563,67 @@
           </a:extLst>
         </p:spPr>
       </p:pic>
+      <mc:AlternateContent xmlns:mc="http://schemas.openxmlformats.org/markup-compatibility/2006">
+        <mc:Choice xmlns:p14="http://schemas.microsoft.com/office/powerpoint/2010/main" Requires="p14">
+          <p:contentPart p14:bwMode="auto" r:id="rId3">
+            <p14:nvContentPartPr>
+              <p14:cNvPr id="4" name="잉크 3">
+                <a:extLst>
+                  <a:ext uri="{FF2B5EF4-FFF2-40B4-BE49-F238E27FC236}">
+                    <a16:creationId xmlns:a16="http://schemas.microsoft.com/office/drawing/2014/main" id="{F981ECDA-268E-46A8-9BF8-F72DFE97BEB7}"/>
+                  </a:ext>
+                </a:extLst>
+              </p14:cNvPr>
+              <p14:cNvContentPartPr/>
+              <p14:nvPr/>
+            </p14:nvContentPartPr>
+            <p14:xfrm>
+              <a:off x="476280" y="2158920"/>
+              <a:ext cx="5086800" cy="1810080"/>
+            </p14:xfrm>
+          </p:contentPart>
+        </mc:Choice>
+        <mc:Fallback>
+          <p:pic>
+            <p:nvPicPr>
+              <p:cNvPr id="4" name="잉크 3">
+                <a:extLst>
+                  <a:ext uri="{FF2B5EF4-FFF2-40B4-BE49-F238E27FC236}">
+                    <a16:creationId xmlns:a16="http://schemas.microsoft.com/office/drawing/2014/main" id="{F981ECDA-268E-46A8-9BF8-F72DFE97BEB7}"/>
+                  </a:ext>
+                </a:extLst>
+              </p:cNvPr>
+              <p:cNvPicPr/>
+              <p:nvPr/>
+            </p:nvPicPr>
+            <p:blipFill>
+              <a:blip r:embed="rId4"/>
+              <a:stretch>
+                <a:fillRect/>
+              </a:stretch>
+            </p:blipFill>
+            <p:spPr>
+              <a:xfrm>
+                <a:off x="466920" y="2149560"/>
+                <a:ext cx="5105520" cy="1828800"/>
+              </a:xfrm>
+              <a:prstGeom prst="rect">
+                <a:avLst/>
+              </a:prstGeom>
+            </p:spPr>
+          </p:pic>
+        </mc:Fallback>
+      </mc:AlternateContent>
     </p:spTree>
     <p:extLst>
       <p:ext uri="{BB962C8B-B14F-4D97-AF65-F5344CB8AC3E}">
-        <p14:creationId xmlns:p14="http://schemas.microsoft.com/office/powerpoint/2010/main" xmlns="" val="509405861"/>
+        <p14:creationId xmlns:p14="http://schemas.microsoft.com/office/powerpoint/2010/main" val="509405861"/>
       </p:ext>
     </p:extLst>
   </p:cSld>
   <p:clrMapOvr>
     <a:masterClrMapping/>
   </p:clrMapOvr>
-  <p:timing>
-    <p:tnLst>
-      <p:par>
-        <p:cTn id="1" dur="indefinite" restart="never" nodeType="tmRoot"/>
-      </p:par>
-    </p:tnLst>
-  </p:timing>
 </p:sld>
 </file>
 
@@ -35975,14 +37365,14 @@
           <a:effectLst/>
           <a:extLst>
             <a:ext uri="{909E8E84-426E-40DD-AFC4-6F175D3DCCD1}">
-              <a14:hiddenFill xmlns:a14="http://schemas.microsoft.com/office/drawing/2010/main" xmlns="">
+              <a14:hiddenFill xmlns:a14="http://schemas.microsoft.com/office/drawing/2010/main">
                 <a:solidFill>
                   <a:schemeClr val="accent1"/>
                 </a:solidFill>
               </a14:hiddenFill>
             </a:ext>
             <a:ext uri="{91240B29-F687-4F45-9708-019B960494DF}">
-              <a14:hiddenLine xmlns:a14="http://schemas.microsoft.com/office/drawing/2010/main" xmlns="" w="9525">
+              <a14:hiddenLine xmlns:a14="http://schemas.microsoft.com/office/drawing/2010/main" w="9525">
                 <a:solidFill>
                   <a:schemeClr val="tx1"/>
                 </a:solidFill>
@@ -35992,7 +37382,7 @@
               </a14:hiddenLine>
             </a:ext>
             <a:ext uri="{AF507438-7753-43E0-B8FC-AC1667EBCBE1}">
-              <a14:hiddenEffects xmlns:a14="http://schemas.microsoft.com/office/drawing/2010/main" xmlns="">
+              <a14:hiddenEffects xmlns:a14="http://schemas.microsoft.com/office/drawing/2010/main">
                 <a:effectLst>
                   <a:outerShdw dist="35921" dir="2700000" algn="ctr" rotWithShape="0">
                     <a:schemeClr val="bg2"/>
@@ -36015,28 +37405,13 @@
     </p:spTree>
     <p:extLst>
       <p:ext uri="{BB962C8B-B14F-4D97-AF65-F5344CB8AC3E}">
-        <p14:creationId xmlns:p14="http://schemas.microsoft.com/office/powerpoint/2010/main" xmlns="" val="3129372910"/>
+        <p14:creationId xmlns:p14="http://schemas.microsoft.com/office/powerpoint/2010/main" val="3129372910"/>
       </p:ext>
     </p:extLst>
   </p:cSld>
   <p:clrMapOvr>
     <a:masterClrMapping/>
   </p:clrMapOvr>
-  <mc:AlternateContent xmlns:mc="http://schemas.openxmlformats.org/markup-compatibility/2006">
-    <mc:Choice xmlns:p14="http://schemas.microsoft.com/office/powerpoint/2010/main" xmlns="" Requires="p14">
-      <p:transition spd="slow" p14:dur="2000"/>
-    </mc:Choice>
-    <mc:Fallback>
-      <p:transition spd="slow"/>
-    </mc:Fallback>
-  </mc:AlternateContent>
-  <p:timing>
-    <p:tnLst>
-      <p:par>
-        <p:cTn id="1" dur="indefinite" restart="never" nodeType="tmRoot"/>
-      </p:par>
-    </p:tnLst>
-  </p:timing>
 </p:sld>
 </file>
 
@@ -36683,14 +38058,14 @@
           <a:effectLst/>
           <a:extLst>
             <a:ext uri="{909E8E84-426E-40DD-AFC4-6F175D3DCCD1}">
-              <a14:hiddenFill xmlns:a14="http://schemas.microsoft.com/office/drawing/2010/main" xmlns="">
+              <a14:hiddenFill xmlns:a14="http://schemas.microsoft.com/office/drawing/2010/main">
                 <a:solidFill>
                   <a:schemeClr val="accent1"/>
                 </a:solidFill>
               </a14:hiddenFill>
             </a:ext>
             <a:ext uri="{91240B29-F687-4F45-9708-019B960494DF}">
-              <a14:hiddenLine xmlns:a14="http://schemas.microsoft.com/office/drawing/2010/main" xmlns="" w="9525">
+              <a14:hiddenLine xmlns:a14="http://schemas.microsoft.com/office/drawing/2010/main" w="9525">
                 <a:solidFill>
                   <a:schemeClr val="tx1"/>
                 </a:solidFill>
@@ -36700,7 +38075,7 @@
               </a14:hiddenLine>
             </a:ext>
             <a:ext uri="{AF507438-7753-43E0-B8FC-AC1667EBCBE1}">
-              <a14:hiddenEffects xmlns:a14="http://schemas.microsoft.com/office/drawing/2010/main" xmlns="">
+              <a14:hiddenEffects xmlns:a14="http://schemas.microsoft.com/office/drawing/2010/main">
                 <a:effectLst>
                   <a:outerShdw dist="35921" dir="2700000" algn="ctr" rotWithShape="0">
                     <a:schemeClr val="bg2"/>
@@ -36723,28 +38098,13 @@
     </p:spTree>
     <p:extLst>
       <p:ext uri="{BB962C8B-B14F-4D97-AF65-F5344CB8AC3E}">
-        <p14:creationId xmlns:p14="http://schemas.microsoft.com/office/powerpoint/2010/main" xmlns="" val="3078202185"/>
+        <p14:creationId xmlns:p14="http://schemas.microsoft.com/office/powerpoint/2010/main" val="3078202185"/>
       </p:ext>
     </p:extLst>
   </p:cSld>
   <p:clrMapOvr>
     <a:masterClrMapping/>
   </p:clrMapOvr>
-  <mc:AlternateContent xmlns:mc="http://schemas.openxmlformats.org/markup-compatibility/2006">
-    <mc:Choice xmlns:p14="http://schemas.microsoft.com/office/powerpoint/2010/main" xmlns="" Requires="p14">
-      <p:transition spd="slow" p14:dur="2000"/>
-    </mc:Choice>
-    <mc:Fallback>
-      <p:transition spd="slow"/>
-    </mc:Fallback>
-  </mc:AlternateContent>
-  <p:timing>
-    <p:tnLst>
-      <p:par>
-        <p:cTn id="1" dur="indefinite" restart="never" nodeType="tmRoot"/>
-      </p:par>
-    </p:tnLst>
-  </p:timing>
 </p:sld>
 </file>
 
@@ -36924,10 +38284,61 @@
           </a:prstGeom>
         </p:spPr>
       </p:pic>
+      <mc:AlternateContent xmlns:mc="http://schemas.openxmlformats.org/markup-compatibility/2006">
+        <mc:Choice xmlns:p14="http://schemas.microsoft.com/office/powerpoint/2010/main" Requires="p14">
+          <p:contentPart p14:bwMode="auto" r:id="rId3">
+            <p14:nvContentPartPr>
+              <p14:cNvPr id="2" name="잉크 1">
+                <a:extLst>
+                  <a:ext uri="{FF2B5EF4-FFF2-40B4-BE49-F238E27FC236}">
+                    <a16:creationId xmlns:a16="http://schemas.microsoft.com/office/drawing/2014/main" id="{EA35D0E5-B1D3-46EA-821F-398FFCEBB854}"/>
+                  </a:ext>
+                </a:extLst>
+              </p14:cNvPr>
+              <p14:cNvContentPartPr/>
+              <p14:nvPr/>
+            </p14:nvContentPartPr>
+            <p14:xfrm>
+              <a:off x="1168560" y="3772080"/>
+              <a:ext cx="360" cy="360"/>
+            </p14:xfrm>
+          </p:contentPart>
+        </mc:Choice>
+        <mc:Fallback>
+          <p:pic>
+            <p:nvPicPr>
+              <p:cNvPr id="2" name="잉크 1">
+                <a:extLst>
+                  <a:ext uri="{FF2B5EF4-FFF2-40B4-BE49-F238E27FC236}">
+                    <a16:creationId xmlns:a16="http://schemas.microsoft.com/office/drawing/2014/main" id="{EA35D0E5-B1D3-46EA-821F-398FFCEBB854}"/>
+                  </a:ext>
+                </a:extLst>
+              </p:cNvPr>
+              <p:cNvPicPr/>
+              <p:nvPr/>
+            </p:nvPicPr>
+            <p:blipFill>
+              <a:blip r:embed="rId4"/>
+              <a:stretch>
+                <a:fillRect/>
+              </a:stretch>
+            </p:blipFill>
+            <p:spPr>
+              <a:xfrm>
+                <a:off x="1159200" y="3762720"/>
+                <a:ext cx="19080" cy="19080"/>
+              </a:xfrm>
+              <a:prstGeom prst="rect">
+                <a:avLst/>
+              </a:prstGeom>
+            </p:spPr>
+          </p:pic>
+        </mc:Fallback>
+      </mc:AlternateContent>
     </p:spTree>
     <p:extLst>
       <p:ext uri="{BB962C8B-B14F-4D97-AF65-F5344CB8AC3E}">
-        <p14:creationId xmlns:p14="http://schemas.microsoft.com/office/powerpoint/2010/main" xmlns="" val="1950603220"/>
+        <p14:creationId xmlns:p14="http://schemas.microsoft.com/office/powerpoint/2010/main" val="1950603220"/>
       </p:ext>
     </p:extLst>
   </p:cSld>
@@ -37049,15 +38460,7 @@
           <a:p>
             <a:r>
               <a:rPr lang="ko-KR" altLang="en-US" dirty="0"/>
-              <a:t>빈칸으로 구성된 문자열이 주어지고 사용자는 문자열에 들어갈 글자들을 </a:t>
-            </a:r>
-            <a:r>
-              <a:rPr lang="ko-KR" altLang="en-US" dirty="0" smtClean="0"/>
-              <a:t>하나씩 추측해서 </a:t>
-            </a:r>
-            <a:r>
-              <a:rPr lang="ko-KR" altLang="en-US" dirty="0"/>
-              <a:t>맞추는 게임이다</a:t>
+              <a:t>빈칸으로 구성된 문자열이 주어지고 사용자는 문자열에 들어갈 글자들을 하나씩 추측해서 맞추는 게임이다</a:t>
             </a:r>
             <a:r>
               <a:rPr lang="en-US" altLang="ko-KR" dirty="0"/>
@@ -37083,18 +38486,17 @@
           <a:lstStyle/>
           <a:p>
             <a:r>
-              <a:rPr lang="en-US" altLang="ko-KR" dirty="0" smtClean="0"/>
+              <a:rPr lang="en-US" altLang="ko-KR" dirty="0"/>
               <a:t>LAB: </a:t>
             </a:r>
             <a:r>
-              <a:rPr lang="ko-KR" altLang="en-US" dirty="0" err="1" smtClean="0"/>
+              <a:rPr lang="ko-KR" altLang="en-US" dirty="0" err="1"/>
               <a:t>행맨</a:t>
             </a:r>
             <a:r>
-              <a:rPr lang="ko-KR" altLang="en-US" dirty="0" smtClean="0"/>
+              <a:rPr lang="ko-KR" altLang="en-US" dirty="0"/>
               <a:t> 게임 작성하기</a:t>
             </a:r>
-            <a:endParaRPr lang="ko-KR" altLang="en-US" dirty="0"/>
           </a:p>
         </p:txBody>
       </p:sp>
@@ -37368,7 +38770,7 @@
     </p:spTree>
     <p:extLst>
       <p:ext uri="{BB962C8B-B14F-4D97-AF65-F5344CB8AC3E}">
-        <p14:creationId xmlns:p14="http://schemas.microsoft.com/office/powerpoint/2010/main" xmlns="" val="3967438308"/>
+        <p14:creationId xmlns:p14="http://schemas.microsoft.com/office/powerpoint/2010/main" val="3967438308"/>
       </p:ext>
     </p:extLst>
   </p:cSld>
@@ -38133,14 +39535,14 @@
           <a:effectLst/>
           <a:extLst>
             <a:ext uri="{909E8E84-426E-40DD-AFC4-6F175D3DCCD1}">
-              <a14:hiddenFill xmlns:a14="http://schemas.microsoft.com/office/drawing/2010/main" xmlns="">
+              <a14:hiddenFill xmlns:a14="http://schemas.microsoft.com/office/drawing/2010/main">
                 <a:solidFill>
                   <a:schemeClr val="accent1"/>
                 </a:solidFill>
               </a14:hiddenFill>
             </a:ext>
             <a:ext uri="{91240B29-F687-4F45-9708-019B960494DF}">
-              <a14:hiddenLine xmlns:a14="http://schemas.microsoft.com/office/drawing/2010/main" xmlns="" w="9525">
+              <a14:hiddenLine xmlns:a14="http://schemas.microsoft.com/office/drawing/2010/main" w="9525">
                 <a:solidFill>
                   <a:schemeClr val="tx1"/>
                 </a:solidFill>
@@ -38150,7 +39552,7 @@
               </a14:hiddenLine>
             </a:ext>
             <a:ext uri="{AF507438-7753-43E0-B8FC-AC1667EBCBE1}">
-              <a14:hiddenEffects xmlns:a14="http://schemas.microsoft.com/office/drawing/2010/main" xmlns="">
+              <a14:hiddenEffects xmlns:a14="http://schemas.microsoft.com/office/drawing/2010/main">
                 <a:effectLst>
                   <a:outerShdw dist="35921" dir="2700000" algn="ctr" rotWithShape="0">
                     <a:schemeClr val="bg2"/>
@@ -38173,28 +39575,13 @@
     </p:spTree>
     <p:extLst>
       <p:ext uri="{BB962C8B-B14F-4D97-AF65-F5344CB8AC3E}">
-        <p14:creationId xmlns:p14="http://schemas.microsoft.com/office/powerpoint/2010/main" xmlns="" val="2909006510"/>
+        <p14:creationId xmlns:p14="http://schemas.microsoft.com/office/powerpoint/2010/main" val="2909006510"/>
       </p:ext>
     </p:extLst>
   </p:cSld>
   <p:clrMapOvr>
     <a:masterClrMapping/>
   </p:clrMapOvr>
-  <mc:AlternateContent xmlns:mc="http://schemas.openxmlformats.org/markup-compatibility/2006">
-    <mc:Choice xmlns:p14="http://schemas.microsoft.com/office/powerpoint/2010/main" xmlns="" Requires="p14">
-      <p:transition spd="slow" p14:dur="2000"/>
-    </mc:Choice>
-    <mc:Fallback>
-      <p:transition spd="slow"/>
-    </mc:Fallback>
-  </mc:AlternateContent>
-  <p:timing>
-    <p:tnLst>
-      <p:par>
-        <p:cTn id="1" dur="indefinite" restart="never" nodeType="tmRoot"/>
-      </p:par>
-    </p:tnLst>
-  </p:timing>
 </p:sld>
 </file>
 
@@ -39403,14 +40790,14 @@
           <a:effectLst/>
           <a:extLst>
             <a:ext uri="{909E8E84-426E-40DD-AFC4-6F175D3DCCD1}">
-              <a14:hiddenFill xmlns:a14="http://schemas.microsoft.com/office/drawing/2010/main" xmlns="">
+              <a14:hiddenFill xmlns:a14="http://schemas.microsoft.com/office/drawing/2010/main">
                 <a:solidFill>
                   <a:schemeClr val="accent1"/>
                 </a:solidFill>
               </a14:hiddenFill>
             </a:ext>
             <a:ext uri="{91240B29-F687-4F45-9708-019B960494DF}">
-              <a14:hiddenLine xmlns:a14="http://schemas.microsoft.com/office/drawing/2010/main" xmlns="" w="9525">
+              <a14:hiddenLine xmlns:a14="http://schemas.microsoft.com/office/drawing/2010/main" w="9525">
                 <a:solidFill>
                   <a:schemeClr val="tx1"/>
                 </a:solidFill>
@@ -39420,7 +40807,7 @@
               </a14:hiddenLine>
             </a:ext>
             <a:ext uri="{AF507438-7753-43E0-B8FC-AC1667EBCBE1}">
-              <a14:hiddenEffects xmlns:a14="http://schemas.microsoft.com/office/drawing/2010/main" xmlns="">
+              <a14:hiddenEffects xmlns:a14="http://schemas.microsoft.com/office/drawing/2010/main">
                 <a:effectLst>
                   <a:outerShdw dist="35921" dir="2700000" algn="ctr" rotWithShape="0">
                     <a:schemeClr val="bg2"/>
@@ -39443,28 +40830,13 @@
     </p:spTree>
     <p:extLst>
       <p:ext uri="{BB962C8B-B14F-4D97-AF65-F5344CB8AC3E}">
-        <p14:creationId xmlns:p14="http://schemas.microsoft.com/office/powerpoint/2010/main" xmlns="" val="841254300"/>
+        <p14:creationId xmlns:p14="http://schemas.microsoft.com/office/powerpoint/2010/main" val="841254300"/>
       </p:ext>
     </p:extLst>
   </p:cSld>
   <p:clrMapOvr>
     <a:masterClrMapping/>
   </p:clrMapOvr>
-  <mc:AlternateContent xmlns:mc="http://schemas.openxmlformats.org/markup-compatibility/2006">
-    <mc:Choice xmlns:p14="http://schemas.microsoft.com/office/powerpoint/2010/main" xmlns="" Requires="p14">
-      <p:transition spd="slow" p14:dur="2000"/>
-    </mc:Choice>
-    <mc:Fallback>
-      <p:transition spd="slow"/>
-    </mc:Fallback>
-  </mc:AlternateContent>
-  <p:timing>
-    <p:tnLst>
-      <p:par>
-        <p:cTn id="1" dur="indefinite" restart="never" nodeType="tmRoot"/>
-      </p:par>
-    </p:tnLst>
-  </p:timing>
 </p:sld>
 </file>
 
@@ -39958,14 +41330,14 @@
           <a:effectLst/>
           <a:extLst>
             <a:ext uri="{909E8E84-426E-40DD-AFC4-6F175D3DCCD1}">
-              <a14:hiddenFill xmlns:a14="http://schemas.microsoft.com/office/drawing/2010/main" xmlns="">
+              <a14:hiddenFill xmlns:a14="http://schemas.microsoft.com/office/drawing/2010/main">
                 <a:solidFill>
                   <a:schemeClr val="accent1"/>
                 </a:solidFill>
               </a14:hiddenFill>
             </a:ext>
             <a:ext uri="{91240B29-F687-4F45-9708-019B960494DF}">
-              <a14:hiddenLine xmlns:a14="http://schemas.microsoft.com/office/drawing/2010/main" xmlns="" w="9525">
+              <a14:hiddenLine xmlns:a14="http://schemas.microsoft.com/office/drawing/2010/main" w="9525">
                 <a:solidFill>
                   <a:schemeClr val="tx1"/>
                 </a:solidFill>
@@ -39975,7 +41347,7 @@
               </a14:hiddenLine>
             </a:ext>
             <a:ext uri="{AF507438-7753-43E0-B8FC-AC1667EBCBE1}">
-              <a14:hiddenEffects xmlns:a14="http://schemas.microsoft.com/office/drawing/2010/main" xmlns="">
+              <a14:hiddenEffects xmlns:a14="http://schemas.microsoft.com/office/drawing/2010/main">
                 <a:effectLst>
                   <a:outerShdw dist="35921" dir="2700000" algn="ctr" rotWithShape="0">
                     <a:schemeClr val="bg2"/>
@@ -39998,28 +41370,13 @@
     </p:spTree>
     <p:extLst>
       <p:ext uri="{BB962C8B-B14F-4D97-AF65-F5344CB8AC3E}">
-        <p14:creationId xmlns:p14="http://schemas.microsoft.com/office/powerpoint/2010/main" xmlns="" val="841254300"/>
+        <p14:creationId xmlns:p14="http://schemas.microsoft.com/office/powerpoint/2010/main" val="841254300"/>
       </p:ext>
     </p:extLst>
   </p:cSld>
   <p:clrMapOvr>
     <a:masterClrMapping/>
   </p:clrMapOvr>
-  <mc:AlternateContent xmlns:mc="http://schemas.openxmlformats.org/markup-compatibility/2006">
-    <mc:Choice xmlns:p14="http://schemas.microsoft.com/office/powerpoint/2010/main" xmlns="" Requires="p14">
-      <p:transition spd="slow" p14:dur="2000"/>
-    </mc:Choice>
-    <mc:Fallback>
-      <p:transition spd="slow"/>
-    </mc:Fallback>
-  </mc:AlternateContent>
-  <p:timing>
-    <p:tnLst>
-      <p:par>
-        <p:cTn id="1" dur="indefinite" restart="never" nodeType="tmRoot"/>
-      </p:par>
-    </p:tnLst>
-  </p:timing>
 </p:sld>
 </file>
 
@@ -40134,13 +41491,6 @@
     <a:masterClrMapping/>
   </p:clrMapOvr>
   <p:transition spd="med"/>
-  <p:timing>
-    <p:tnLst>
-      <p:par>
-        <p:cTn id="1" dur="indefinite" restart="never" nodeType="tmRoot"/>
-      </p:par>
-    </p:tnLst>
-  </p:timing>
 </p:sld>
 </file>
 
@@ -40171,7 +41521,12 @@
             <p:ph idx="1"/>
           </p:nvPr>
         </p:nvSpPr>
-        <p:spPr/>
+        <p:spPr>
+          <a:xfrm>
+            <a:off x="466825" y="1801368"/>
+            <a:ext cx="8229600" cy="4526280"/>
+          </a:xfrm>
+        </p:spPr>
         <p:txBody>
           <a:bodyPr>
             <a:normAutofit/>
@@ -40200,17 +41555,13 @@
             </a:r>
             <a:r>
               <a:rPr lang="ko-KR" altLang="en-US" dirty="0"/>
-              <a:t> </a:t>
-            </a:r>
-            <a:r>
-              <a:rPr lang="ko-KR" altLang="en-US" dirty="0" smtClean="0"/>
-              <a:t>클래스</a:t>
-            </a:r>
-            <a:endParaRPr lang="en-US" altLang="ko-KR" dirty="0" smtClean="0"/>
-          </a:p>
-          <a:p>
-            <a:r>
-              <a:rPr lang="ko-KR" altLang="en-US" dirty="0" smtClean="0"/>
+              <a:t> 클래스</a:t>
+            </a:r>
+            <a:endParaRPr lang="en-US" altLang="ko-KR" dirty="0"/>
+          </a:p>
+          <a:p>
+            <a:r>
+              <a:rPr lang="ko-KR" altLang="en-US" dirty="0"/>
               <a:t>바이트 </a:t>
             </a:r>
             <a:r>
@@ -40219,11 +41570,7 @@
             </a:r>
             <a:r>
               <a:rPr lang="ko-KR" altLang="en-US" dirty="0"/>
-              <a:t> 클래스들은 추상 </a:t>
-            </a:r>
-            <a:r>
-              <a:rPr lang="ko-KR" altLang="en-US" dirty="0" smtClean="0"/>
-              <a:t>클래스인 </a:t>
+              <a:t> 클래스들은 추상 클래스인 </a:t>
             </a:r>
             <a:r>
               <a:rPr lang="en-US" altLang="ko-KR" dirty="0" err="1"/>
@@ -40245,11 +41592,10 @@
               <a:rPr lang="en-US" altLang="ko-KR" dirty="0"/>
               <a:t>. </a:t>
             </a:r>
-            <a:endParaRPr lang="en-US" altLang="ko-KR" dirty="0" smtClean="0"/>
-          </a:p>
-          <a:p>
-            <a:r>
-              <a:rPr lang="ko-KR" altLang="en-US" dirty="0" smtClean="0"/>
+          </a:p>
+          <a:p>
+            <a:r>
+              <a:rPr lang="ko-KR" altLang="en-US" dirty="0"/>
               <a:t>바이트 </a:t>
             </a:r>
             <a:r>
@@ -40258,14 +41604,10 @@
             </a:r>
             <a:r>
               <a:rPr lang="ko-KR" altLang="en-US" dirty="0"/>
-              <a:t> 클래스 </a:t>
-            </a:r>
-            <a:r>
-              <a:rPr lang="ko-KR" altLang="en-US" dirty="0" smtClean="0"/>
-              <a:t>이름에는</a:t>
-            </a:r>
-            <a:r>
-              <a:rPr lang="en-US" altLang="ko-KR" dirty="0" err="1" smtClean="0"/>
+              <a:t> 클래스 이름에는</a:t>
+            </a:r>
+            <a:r>
+              <a:rPr lang="en-US" altLang="ko-KR" dirty="0" err="1"/>
               <a:t>InputStream</a:t>
             </a:r>
             <a:r>
@@ -40310,11 +41652,11 @@
             </a:r>
           </a:p>
           <a:p>
-            <a:endParaRPr lang="en-US" altLang="ko-KR" dirty="0" smtClean="0"/>
-          </a:p>
-          <a:p>
-            <a:r>
-              <a:rPr lang="ko-KR" altLang="en-US" dirty="0" smtClean="0"/>
+            <a:endParaRPr lang="en-US" altLang="ko-KR" dirty="0"/>
+          </a:p>
+          <a:p>
+            <a:r>
+              <a:rPr lang="ko-KR" altLang="en-US" dirty="0"/>
               <a:t>문자 </a:t>
             </a:r>
             <a:r>
@@ -40335,22 +41677,14 @@
             </a:r>
             <a:r>
               <a:rPr lang="ko-KR" altLang="en-US" dirty="0"/>
-              <a:t> </a:t>
-            </a:r>
-            <a:r>
-              <a:rPr lang="ko-KR" altLang="en-US" dirty="0" smtClean="0"/>
-              <a:t>클래스</a:t>
-            </a:r>
-            <a:endParaRPr lang="en-US" altLang="ko-KR" dirty="0" smtClean="0"/>
-          </a:p>
-          <a:p>
-            <a:r>
-              <a:rPr lang="ko-KR" altLang="en-US" dirty="0" smtClean="0"/>
-              <a:t>이들은 </a:t>
-            </a:r>
+              <a:t> 클래스</a:t>
+            </a:r>
+            <a:endParaRPr lang="en-US" altLang="ko-KR" dirty="0"/>
+          </a:p>
+          <a:p>
             <a:r>
               <a:rPr lang="ko-KR" altLang="en-US" dirty="0"/>
-              <a:t>모두 기본 추상 클래스인 </a:t>
+              <a:t>이들은 모두 기본 추상 클래스인 </a:t>
             </a:r>
             <a:r>
               <a:rPr lang="en-US" altLang="ko-KR" dirty="0"/>
@@ -40372,11 +41706,10 @@
               <a:rPr lang="en-US" altLang="ko-KR" dirty="0"/>
               <a:t>. </a:t>
             </a:r>
-            <a:endParaRPr lang="en-US" altLang="ko-KR" dirty="0" smtClean="0"/>
-          </a:p>
-          <a:p>
-            <a:r>
-              <a:rPr lang="ko-KR" altLang="en-US" dirty="0" smtClean="0"/>
+          </a:p>
+          <a:p>
+            <a:r>
+              <a:rPr lang="ko-KR" altLang="en-US" dirty="0"/>
               <a:t>문자 </a:t>
             </a:r>
             <a:r>
@@ -40420,10 +41753,9 @@
               <a:t>가 붙는다</a:t>
             </a:r>
             <a:r>
-              <a:rPr lang="en-US" altLang="ko-KR" dirty="0" smtClean="0"/>
+              <a:rPr lang="en-US" altLang="ko-KR" dirty="0"/>
               <a:t>.</a:t>
             </a:r>
-            <a:endParaRPr lang="en-US" altLang="ko-KR" dirty="0"/>
           </a:p>
         </p:txBody>
       </p:sp>
@@ -40443,19 +41775,19 @@
           <a:lstStyle/>
           <a:p>
             <a:r>
-              <a:rPr lang="ko-KR" altLang="en-US" dirty="0" smtClean="0"/>
+              <a:rPr lang="ko-KR" altLang="en-US" dirty="0"/>
               <a:t>바이트 </a:t>
             </a:r>
             <a:r>
-              <a:rPr lang="ko-KR" altLang="en-US" dirty="0" err="1" smtClean="0"/>
+              <a:rPr lang="ko-KR" altLang="en-US" dirty="0" err="1"/>
               <a:t>스트림과</a:t>
             </a:r>
             <a:r>
-              <a:rPr lang="ko-KR" altLang="en-US" dirty="0" smtClean="0"/>
+              <a:rPr lang="ko-KR" altLang="en-US" dirty="0"/>
               <a:t> 문자 </a:t>
             </a:r>
             <a:r>
-              <a:rPr lang="ko-KR" altLang="en-US" dirty="0" err="1" smtClean="0"/>
+              <a:rPr lang="ko-KR" altLang="en-US" dirty="0" err="1"/>
               <a:t>스트림</a:t>
             </a:r>
             <a:endParaRPr lang="ko-KR" altLang="en-US" dirty="0"/>
@@ -40465,20 +41797,13 @@
     </p:spTree>
     <p:extLst>
       <p:ext uri="{BB962C8B-B14F-4D97-AF65-F5344CB8AC3E}">
-        <p14:creationId xmlns:p14="http://schemas.microsoft.com/office/powerpoint/2010/main" xmlns="" val="3266640983"/>
+        <p14:creationId xmlns:p14="http://schemas.microsoft.com/office/powerpoint/2010/main" val="3266640983"/>
       </p:ext>
     </p:extLst>
   </p:cSld>
   <p:clrMapOvr>
     <a:masterClrMapping/>
   </p:clrMapOvr>
-  <p:timing>
-    <p:tnLst>
-      <p:par>
-        <p:cTn id="1" dur="indefinite" restart="never" nodeType="tmRoot"/>
-      </p:par>
-    </p:tnLst>
-  </p:timing>
 </p:sld>
 </file>
 
@@ -40549,14 +41874,14 @@
           <a:effectLst/>
           <a:extLst>
             <a:ext uri="{909E8E84-426E-40DD-AFC4-6F175D3DCCD1}">
-              <a14:hiddenFill xmlns:a14="http://schemas.microsoft.com/office/drawing/2010/main" xmlns="">
+              <a14:hiddenFill xmlns:a14="http://schemas.microsoft.com/office/drawing/2010/main">
                 <a:solidFill>
                   <a:schemeClr val="accent1"/>
                 </a:solidFill>
               </a14:hiddenFill>
             </a:ext>
             <a:ext uri="{91240B29-F687-4F45-9708-019B960494DF}">
-              <a14:hiddenLine xmlns:a14="http://schemas.microsoft.com/office/drawing/2010/main" xmlns="" w="9525">
+              <a14:hiddenLine xmlns:a14="http://schemas.microsoft.com/office/drawing/2010/main" w="9525">
                 <a:solidFill>
                   <a:schemeClr val="tx1"/>
                 </a:solidFill>
@@ -40566,7 +41891,7 @@
               </a14:hiddenLine>
             </a:ext>
             <a:ext uri="{AF507438-7753-43E0-B8FC-AC1667EBCBE1}">
-              <a14:hiddenEffects xmlns:a14="http://schemas.microsoft.com/office/drawing/2010/main" xmlns="">
+              <a14:hiddenEffects xmlns:a14="http://schemas.microsoft.com/office/drawing/2010/main">
                 <a:effectLst>
                   <a:outerShdw dist="35921" dir="2700000" algn="ctr" rotWithShape="0">
                     <a:schemeClr val="bg2"/>
@@ -40609,14 +41934,14 @@
           <a:effectLst/>
           <a:extLst>
             <a:ext uri="{909E8E84-426E-40DD-AFC4-6F175D3DCCD1}">
-              <a14:hiddenFill xmlns:a14="http://schemas.microsoft.com/office/drawing/2010/main" xmlns="">
+              <a14:hiddenFill xmlns:a14="http://schemas.microsoft.com/office/drawing/2010/main">
                 <a:solidFill>
                   <a:schemeClr val="accent1"/>
                 </a:solidFill>
               </a14:hiddenFill>
             </a:ext>
             <a:ext uri="{91240B29-F687-4F45-9708-019B960494DF}">
-              <a14:hiddenLine xmlns:a14="http://schemas.microsoft.com/office/drawing/2010/main" xmlns="" w="9525">
+              <a14:hiddenLine xmlns:a14="http://schemas.microsoft.com/office/drawing/2010/main" w="9525">
                 <a:solidFill>
                   <a:schemeClr val="tx1"/>
                 </a:solidFill>
@@ -40626,7 +41951,7 @@
               </a14:hiddenLine>
             </a:ext>
             <a:ext uri="{AF507438-7753-43E0-B8FC-AC1667EBCBE1}">
-              <a14:hiddenEffects xmlns:a14="http://schemas.microsoft.com/office/drawing/2010/main" xmlns="">
+              <a14:hiddenEffects xmlns:a14="http://schemas.microsoft.com/office/drawing/2010/main">
                 <a:effectLst>
                   <a:outerShdw dist="35921" dir="2700000" algn="ctr" rotWithShape="0">
                     <a:schemeClr val="bg2"/>
@@ -40658,7 +41983,7 @@
           <a:blip r:embed="rId2" cstate="print">
             <a:extLst>
               <a:ext uri="{28A0092B-C50C-407E-A947-70E740481C1C}">
-                <a14:useLocalDpi xmlns:a14="http://schemas.microsoft.com/office/drawing/2010/main" xmlns="" val="0"/>
+                <a14:useLocalDpi xmlns:a14="http://schemas.microsoft.com/office/drawing/2010/main" val="0"/>
               </a:ext>
             </a:extLst>
           </a:blip>
@@ -40681,14 +42006,14 @@
           </a:ln>
           <a:extLst>
             <a:ext uri="{909E8E84-426E-40DD-AFC4-6F175D3DCCD1}">
-              <a14:hiddenFill xmlns:a14="http://schemas.microsoft.com/office/drawing/2010/main" xmlns="">
+              <a14:hiddenFill xmlns:a14="http://schemas.microsoft.com/office/drawing/2010/main">
                 <a:solidFill>
                   <a:schemeClr val="accent1"/>
                 </a:solidFill>
               </a14:hiddenFill>
             </a:ext>
             <a:ext uri="{91240B29-F687-4F45-9708-019B960494DF}">
-              <a14:hiddenLine xmlns:a14="http://schemas.microsoft.com/office/drawing/2010/main" xmlns="" w="9525">
+              <a14:hiddenLine xmlns:a14="http://schemas.microsoft.com/office/drawing/2010/main" w="9525">
                 <a:solidFill>
                   <a:schemeClr val="tx1"/>
                 </a:solidFill>
@@ -40700,31 +42025,124 @@
           </a:extLst>
         </p:spPr>
       </p:pic>
+      <mc:AlternateContent xmlns:mc="http://schemas.openxmlformats.org/markup-compatibility/2006">
+        <mc:Choice xmlns:p14="http://schemas.microsoft.com/office/powerpoint/2010/main" Requires="p14">
+          <p:contentPart p14:bwMode="auto" r:id="rId3">
+            <p14:nvContentPartPr>
+              <p14:cNvPr id="2" name="잉크 1">
+                <a:extLst>
+                  <a:ext uri="{FF2B5EF4-FFF2-40B4-BE49-F238E27FC236}">
+                    <a16:creationId xmlns:a16="http://schemas.microsoft.com/office/drawing/2014/main" id="{D7994C91-8F07-4A35-99AE-62E3477B99C9}"/>
+                  </a:ext>
+                </a:extLst>
+              </p14:cNvPr>
+              <p14:cNvContentPartPr/>
+              <p14:nvPr/>
+            </p14:nvContentPartPr>
+            <p14:xfrm>
+              <a:off x="2927520" y="3841920"/>
+              <a:ext cx="1365480" cy="260640"/>
+            </p14:xfrm>
+          </p:contentPart>
+        </mc:Choice>
+        <mc:Fallback>
+          <p:pic>
+            <p:nvPicPr>
+              <p:cNvPr id="2" name="잉크 1">
+                <a:extLst>
+                  <a:ext uri="{FF2B5EF4-FFF2-40B4-BE49-F238E27FC236}">
+                    <a16:creationId xmlns:a16="http://schemas.microsoft.com/office/drawing/2014/main" id="{D7994C91-8F07-4A35-99AE-62E3477B99C9}"/>
+                  </a:ext>
+                </a:extLst>
+              </p:cNvPr>
+              <p:cNvPicPr/>
+              <p:nvPr/>
+            </p:nvPicPr>
+            <p:blipFill>
+              <a:blip r:embed="rId4"/>
+              <a:stretch>
+                <a:fillRect/>
+              </a:stretch>
+            </p:blipFill>
+            <p:spPr>
+              <a:xfrm>
+                <a:off x="2918160" y="3832560"/>
+                <a:ext cx="1384200" cy="279360"/>
+              </a:xfrm>
+              <a:prstGeom prst="rect">
+                <a:avLst/>
+              </a:prstGeom>
+            </p:spPr>
+          </p:pic>
+        </mc:Fallback>
+      </mc:AlternateContent>
+      <p:sp>
+        <p:nvSpPr>
+          <p:cNvPr id="3" name="TextBox 2">
+            <a:extLst>
+              <a:ext uri="{FF2B5EF4-FFF2-40B4-BE49-F238E27FC236}">
+                <a16:creationId xmlns:a16="http://schemas.microsoft.com/office/drawing/2014/main" id="{DC575689-7AE4-44AA-8E6A-114D2A0FF7F2}"/>
+              </a:ext>
+            </a:extLst>
+          </p:cNvPr>
+          <p:cNvSpPr txBox="1"/>
+          <p:nvPr/>
+        </p:nvSpPr>
+        <p:spPr>
+          <a:xfrm>
+            <a:off x="4343955" y="3782823"/>
+            <a:ext cx="1251152" cy="830997"/>
+          </a:xfrm>
+          <a:prstGeom prst="rect">
+            <a:avLst/>
+          </a:prstGeom>
+          <a:noFill/>
+        </p:spPr>
+        <p:txBody>
+          <a:bodyPr wrap="square" rtlCol="0">
+            <a:spAutoFit/>
+          </a:bodyPr>
+          <a:lstStyle/>
+          <a:p>
+            <a:r>
+              <a:rPr lang="ko-KR" altLang="en-US" sz="1600" dirty="0">
+                <a:solidFill>
+                  <a:srgbClr val="FF0000"/>
+                </a:solidFill>
+                <a:latin typeface="HY바다L" pitchFamily="18" charset="-127"/>
+                <a:ea typeface="HY바다L" pitchFamily="18" charset="-127"/>
+              </a:rPr>
+              <a:t>객체용 입력장치</a:t>
+            </a:r>
+            <a:endParaRPr lang="en-US" altLang="ko-KR" sz="1600" dirty="0">
+              <a:solidFill>
+                <a:srgbClr val="FF0000"/>
+              </a:solidFill>
+              <a:latin typeface="HY바다L" pitchFamily="18" charset="-127"/>
+              <a:ea typeface="HY바다L" pitchFamily="18" charset="-127"/>
+            </a:endParaRPr>
+          </a:p>
+          <a:p>
+            <a:endParaRPr lang="ko-KR" altLang="en-US" sz="1600" dirty="0">
+              <a:solidFill>
+                <a:srgbClr val="FF0000"/>
+              </a:solidFill>
+              <a:latin typeface="HY바다L" pitchFamily="18" charset="-127"/>
+              <a:ea typeface="HY바다L" pitchFamily="18" charset="-127"/>
+            </a:endParaRPr>
+          </a:p>
+        </p:txBody>
+      </p:sp>
     </p:spTree>
     <p:extLst>
       <p:ext uri="{BB962C8B-B14F-4D97-AF65-F5344CB8AC3E}">
-        <p14:creationId xmlns:p14="http://schemas.microsoft.com/office/powerpoint/2010/main" xmlns="" val="801371595"/>
+        <p14:creationId xmlns:p14="http://schemas.microsoft.com/office/powerpoint/2010/main" val="801371595"/>
       </p:ext>
     </p:extLst>
   </p:cSld>
   <p:clrMapOvr>
     <a:masterClrMapping/>
   </p:clrMapOvr>
-  <mc:AlternateContent xmlns:mc="http://schemas.openxmlformats.org/markup-compatibility/2006">
-    <mc:Choice xmlns:p14="http://schemas.microsoft.com/office/powerpoint/2010/main" xmlns="" Requires="p14">
-      <p:transition spd="slow" p14:dur="2000"/>
-    </mc:Choice>
-    <mc:Fallback>
-      <p:transition spd="slow"/>
-    </mc:Fallback>
-  </mc:AlternateContent>
-  <p:timing>
-    <p:tnLst>
-      <p:par>
-        <p:cTn id="1" dur="indefinite" restart="never" nodeType="tmRoot"/>
-      </p:par>
-    </p:tnLst>
-  </p:timing>
 </p:sld>
 </file>
 
@@ -40761,11 +42179,11 @@
           <a:lstStyle/>
           <a:p>
             <a:r>
-              <a:rPr lang="ko-KR" altLang="en-US" dirty="0" smtClean="0"/>
+              <a:rPr lang="ko-KR" altLang="en-US" dirty="0"/>
               <a:t>문자 </a:t>
             </a:r>
             <a:r>
-              <a:rPr lang="ko-KR" altLang="en-US" dirty="0" err="1" smtClean="0"/>
+              <a:rPr lang="ko-KR" altLang="en-US" dirty="0" err="1"/>
               <a:t>스트림</a:t>
             </a:r>
             <a:endParaRPr lang="ko-KR" altLang="en-US" dirty="0"/>
@@ -40784,7 +42202,7 @@
           <a:blip r:embed="rId2" cstate="print">
             <a:extLst>
               <a:ext uri="{28A0092B-C50C-407E-A947-70E740481C1C}">
-                <a14:useLocalDpi xmlns:a14="http://schemas.microsoft.com/office/drawing/2010/main" xmlns="" val="0"/>
+                <a14:useLocalDpi xmlns:a14="http://schemas.microsoft.com/office/drawing/2010/main" val="0"/>
               </a:ext>
             </a:extLst>
           </a:blip>
@@ -40807,14 +42225,14 @@
           </a:ln>
           <a:extLst>
             <a:ext uri="{909E8E84-426E-40DD-AFC4-6F175D3DCCD1}">
-              <a14:hiddenFill xmlns:a14="http://schemas.microsoft.com/office/drawing/2010/main" xmlns="">
+              <a14:hiddenFill xmlns:a14="http://schemas.microsoft.com/office/drawing/2010/main">
                 <a:solidFill>
                   <a:schemeClr val="accent1"/>
                 </a:solidFill>
               </a14:hiddenFill>
             </a:ext>
             <a:ext uri="{91240B29-F687-4F45-9708-019B960494DF}">
-              <a14:hiddenLine xmlns:a14="http://schemas.microsoft.com/office/drawing/2010/main" xmlns="" w="9525">
+              <a14:hiddenLine xmlns:a14="http://schemas.microsoft.com/office/drawing/2010/main" w="9525">
                 <a:solidFill>
                   <a:schemeClr val="tx1"/>
                 </a:solidFill>
@@ -40829,20 +42247,13 @@
     </p:spTree>
     <p:extLst>
       <p:ext uri="{BB962C8B-B14F-4D97-AF65-F5344CB8AC3E}">
-        <p14:creationId xmlns:p14="http://schemas.microsoft.com/office/powerpoint/2010/main" xmlns="" val="1680574446"/>
+        <p14:creationId xmlns:p14="http://schemas.microsoft.com/office/powerpoint/2010/main" val="1680574446"/>
       </p:ext>
     </p:extLst>
   </p:cSld>
   <p:clrMapOvr>
     <a:masterClrMapping/>
   </p:clrMapOvr>
-  <p:timing>
-    <p:tnLst>
-      <p:par>
-        <p:cTn id="1" dur="indefinite" restart="never" nodeType="tmRoot"/>
-      </p:par>
-    </p:tnLst>
-  </p:timing>
 </p:sld>
 </file>
 
@@ -40887,15 +42298,15 @@
               <a:t> </a:t>
             </a:r>
             <a:r>
-              <a:rPr lang="ko-KR" altLang="en-US" dirty="0" smtClean="0"/>
+              <a:rPr lang="ko-KR" altLang="en-US" dirty="0"/>
               <a:t>클래스</a:t>
             </a:r>
-            <a:endParaRPr lang="en-US" altLang="ko-KR" dirty="0" smtClean="0"/>
+            <a:endParaRPr lang="en-US" altLang="ko-KR" dirty="0"/>
           </a:p>
           <a:p>
             <a:pPr lvl="1"/>
             <a:r>
-              <a:rPr lang="en-US" altLang="ko-KR" dirty="0" smtClean="0"/>
+              <a:rPr lang="en-US" altLang="ko-KR" dirty="0"/>
               <a:t>abstract </a:t>
             </a:r>
             <a:r>
@@ -40930,22 +42341,21 @@
               <a:rPr lang="en-US" altLang="ko-KR" dirty="0"/>
               <a:t>). </a:t>
             </a:r>
-            <a:endParaRPr lang="en-US" altLang="ko-KR" dirty="0" smtClean="0"/>
-          </a:p>
-          <a:p>
-            <a:r>
-              <a:rPr lang="en-US" altLang="ko-KR" dirty="0" err="1" smtClean="0"/>
+          </a:p>
+          <a:p>
+            <a:r>
+              <a:rPr lang="en-US" altLang="ko-KR" dirty="0" err="1"/>
               <a:t>OutputStream</a:t>
             </a:r>
             <a:r>
-              <a:rPr lang="en-US" altLang="ko-KR" dirty="0" smtClean="0"/>
+              <a:rPr lang="en-US" altLang="ko-KR" dirty="0"/>
               <a:t> </a:t>
             </a:r>
             <a:r>
-              <a:rPr lang="ko-KR" altLang="en-US" dirty="0" smtClean="0"/>
+              <a:rPr lang="ko-KR" altLang="en-US" dirty="0"/>
               <a:t>클래스</a:t>
             </a:r>
-            <a:endParaRPr lang="en-US" altLang="ko-KR" dirty="0" smtClean="0"/>
+            <a:endParaRPr lang="en-US" altLang="ko-KR" dirty="0"/>
           </a:p>
           <a:p>
             <a:pPr lvl="1"/>
@@ -40966,7 +42376,7 @@
               <a:t>한 바이트를 특정한 장치에 쓴다</a:t>
             </a:r>
             <a:r>
-              <a:rPr lang="en-US" altLang="ko-KR" dirty="0" smtClean="0"/>
+              <a:rPr lang="en-US" altLang="ko-KR" dirty="0"/>
               <a:t>.</a:t>
             </a:r>
           </a:p>
@@ -40988,7 +42398,7 @@
           <a:p>
             <a:pPr lvl="1"/>
             <a:r>
-              <a:rPr lang="en-US" altLang="ko-KR" dirty="0" smtClean="0"/>
+              <a:rPr lang="en-US" altLang="ko-KR" dirty="0"/>
               <a:t>abstract </a:t>
             </a:r>
             <a:r>
@@ -41004,17 +42414,17 @@
               <a:t>한 문자를 읽어서 반환한다</a:t>
             </a:r>
             <a:r>
-              <a:rPr lang="en-US" altLang="ko-KR" dirty="0" smtClean="0"/>
+              <a:rPr lang="en-US" altLang="ko-KR" dirty="0"/>
               <a:t>.</a:t>
             </a:r>
           </a:p>
           <a:p>
             <a:r>
-              <a:rPr lang="en-US" altLang="ko-KR" dirty="0" smtClean="0"/>
+              <a:rPr lang="en-US" altLang="ko-KR" dirty="0"/>
               <a:t>Writer</a:t>
             </a:r>
             <a:r>
-              <a:rPr lang="ko-KR" altLang="en-US" dirty="0" smtClean="0"/>
+              <a:rPr lang="ko-KR" altLang="en-US" dirty="0"/>
               <a:t> 클래스</a:t>
             </a:r>
             <a:endParaRPr lang="en-US" altLang="ko-KR" dirty="0"/>
@@ -41022,12 +42432,8 @@
           <a:p>
             <a:pPr lvl="1"/>
             <a:r>
-              <a:rPr lang="en-US" altLang="ko-KR" dirty="0" smtClean="0"/>
-              <a:t>abstract </a:t>
-            </a:r>
-            <a:r>
               <a:rPr lang="en-US" altLang="ko-KR" dirty="0"/>
-              <a:t>void write(</a:t>
+              <a:t>abstract void write(</a:t>
             </a:r>
             <a:r>
               <a:rPr lang="en-US" altLang="ko-KR" dirty="0" err="1"/>
@@ -41042,10 +42448,9 @@
               <a:t>한 문자를 특정한 장치에 쓴다</a:t>
             </a:r>
             <a:r>
-              <a:rPr lang="en-US" altLang="ko-KR" dirty="0" smtClean="0"/>
+              <a:rPr lang="en-US" altLang="ko-KR" dirty="0"/>
               <a:t>.</a:t>
             </a:r>
-            <a:endParaRPr lang="en-US" altLang="ko-KR" dirty="0"/>
           </a:p>
         </p:txBody>
       </p:sp>
@@ -41065,11 +42470,11 @@
           <a:lstStyle/>
           <a:p>
             <a:r>
-              <a:rPr lang="ko-KR" altLang="en-US" dirty="0" smtClean="0"/>
+              <a:rPr lang="ko-KR" altLang="en-US" dirty="0"/>
               <a:t>기본적인 </a:t>
             </a:r>
             <a:r>
-              <a:rPr lang="ko-KR" altLang="en-US" dirty="0" err="1" smtClean="0"/>
+              <a:rPr lang="ko-KR" altLang="en-US" dirty="0" err="1"/>
               <a:t>메소드</a:t>
             </a:r>
             <a:endParaRPr lang="ko-KR" altLang="en-US" dirty="0"/>
@@ -41079,20 +42484,13 @@
     </p:spTree>
     <p:extLst>
       <p:ext uri="{BB962C8B-B14F-4D97-AF65-F5344CB8AC3E}">
-        <p14:creationId xmlns:p14="http://schemas.microsoft.com/office/powerpoint/2010/main" xmlns="" val="2844835982"/>
+        <p14:creationId xmlns:p14="http://schemas.microsoft.com/office/powerpoint/2010/main" val="2844835982"/>
       </p:ext>
     </p:extLst>
   </p:cSld>
   <p:clrMapOvr>
     <a:masterClrMapping/>
   </p:clrMapOvr>
-  <p:timing>
-    <p:tnLst>
-      <p:par>
-        <p:cTn id="1" dur="indefinite" restart="never" nodeType="tmRoot"/>
-      </p:par>
-    </p:tnLst>
-  </p:timing>
 </p:sld>
 </file>
 
@@ -41181,7 +42579,7 @@
           <a:blip r:embed="rId3" cstate="print">
             <a:extLst>
               <a:ext uri="{28A0092B-C50C-407E-A947-70E740481C1C}">
-                <a14:useLocalDpi xmlns:a14="http://schemas.microsoft.com/office/drawing/2010/main" xmlns="" val="0"/>
+                <a14:useLocalDpi xmlns:a14="http://schemas.microsoft.com/office/drawing/2010/main" val="0"/>
               </a:ext>
             </a:extLst>
           </a:blip>
@@ -41204,14 +42602,14 @@
           </a:ln>
           <a:extLst>
             <a:ext uri="{909E8E84-426E-40DD-AFC4-6F175D3DCCD1}">
-              <a14:hiddenFill xmlns:a14="http://schemas.microsoft.com/office/drawing/2010/main" xmlns="">
+              <a14:hiddenFill xmlns:a14="http://schemas.microsoft.com/office/drawing/2010/main">
                 <a:solidFill>
                   <a:schemeClr val="accent1"/>
                 </a:solidFill>
               </a14:hiddenFill>
             </a:ext>
             <a:ext uri="{91240B29-F687-4F45-9708-019B960494DF}">
-              <a14:hiddenLine xmlns:a14="http://schemas.microsoft.com/office/drawing/2010/main" xmlns="" w="9525">
+              <a14:hiddenLine xmlns:a14="http://schemas.microsoft.com/office/drawing/2010/main" w="9525">
                 <a:solidFill>
                   <a:schemeClr val="tx1"/>
                 </a:solidFill>
@@ -41226,28 +42624,13 @@
     </p:spTree>
     <p:extLst>
       <p:ext uri="{BB962C8B-B14F-4D97-AF65-F5344CB8AC3E}">
-        <p14:creationId xmlns:p14="http://schemas.microsoft.com/office/powerpoint/2010/main" xmlns="" val="3214839941"/>
+        <p14:creationId xmlns:p14="http://schemas.microsoft.com/office/powerpoint/2010/main" val="3214839941"/>
       </p:ext>
     </p:extLst>
   </p:cSld>
   <p:clrMapOvr>
     <a:masterClrMapping/>
   </p:clrMapOvr>
-  <mc:AlternateContent xmlns:mc="http://schemas.openxmlformats.org/markup-compatibility/2006">
-    <mc:Choice xmlns:p14="http://schemas.microsoft.com/office/powerpoint/2010/main" xmlns="" Requires="p14">
-      <p:transition spd="slow" p14:dur="2000"/>
-    </mc:Choice>
-    <mc:Fallback>
-      <p:transition spd="slow"/>
-    </mc:Fallback>
-  </mc:AlternateContent>
-  <p:timing>
-    <p:tnLst>
-      <p:par>
-        <p:cTn id="1" dur="indefinite" restart="never" nodeType="tmRoot"/>
-      </p:par>
-    </p:tnLst>
-  </p:timing>
 </p:sld>
 </file>
 
